--- a/docs/ppt/chang.pptx
+++ b/docs/ppt/chang.pptx
@@ -5,24 +5,26 @@
     <p:sldMasterId id="2147483664" r:id="rId1"/>
   </p:sldMasterIdLst>
   <p:notesMasterIdLst>
-    <p:notesMasterId r:id="rId14"/>
+    <p:notesMasterId r:id="rId16"/>
   </p:notesMasterIdLst>
   <p:handoutMasterIdLst>
-    <p:handoutMasterId r:id="rId15"/>
+    <p:handoutMasterId r:id="rId17"/>
   </p:handoutMasterIdLst>
   <p:sldIdLst>
     <p:sldId id="276" r:id="rId2"/>
-    <p:sldId id="278" r:id="rId3"/>
-    <p:sldId id="279" r:id="rId4"/>
-    <p:sldId id="277" r:id="rId5"/>
-    <p:sldId id="264" r:id="rId6"/>
-    <p:sldId id="273" r:id="rId7"/>
-    <p:sldId id="270" r:id="rId8"/>
-    <p:sldId id="271" r:id="rId9"/>
-    <p:sldId id="274" r:id="rId10"/>
-    <p:sldId id="275" r:id="rId11"/>
-    <p:sldId id="265" r:id="rId12"/>
-    <p:sldId id="260" r:id="rId13"/>
+    <p:sldId id="280" r:id="rId3"/>
+    <p:sldId id="278" r:id="rId4"/>
+    <p:sldId id="281" r:id="rId5"/>
+    <p:sldId id="279" r:id="rId6"/>
+    <p:sldId id="277" r:id="rId7"/>
+    <p:sldId id="264" r:id="rId8"/>
+    <p:sldId id="273" r:id="rId9"/>
+    <p:sldId id="270" r:id="rId10"/>
+    <p:sldId id="271" r:id="rId11"/>
+    <p:sldId id="274" r:id="rId12"/>
+    <p:sldId id="275" r:id="rId13"/>
+    <p:sldId id="265" r:id="rId14"/>
+    <p:sldId id="260" r:id="rId15"/>
   </p:sldIdLst>
   <p:sldSz cx="9906000" cy="6858000" type="A4"/>
   <p:notesSz cx="6807200" cy="9939338"/>
@@ -4367,21 +4369,166 @@
             <p:ph idx="1"/>
           </p:nvPr>
         </p:nvSpPr>
-        <p:spPr/>
+        <p:spPr>
+          <a:xfrm>
+            <a:off x="7257256" y="1011732"/>
+            <a:ext cx="2520280" cy="4577508"/>
+          </a:xfrm>
+          <a:noFill/>
+          <a:ln w="9525" cap="flat" cmpd="sng" algn="ctr">
+            <a:solidFill>
+              <a:schemeClr val="accent1"/>
+            </a:solidFill>
+            <a:prstDash val="solid"/>
+            <a:round/>
+            <a:headEnd type="none" w="med" len="med"/>
+            <a:tailEnd type="none" w="med" len="med"/>
+          </a:ln>
+        </p:spPr>
+        <p:style>
+          <a:lnRef idx="0">
+            <a:scrgbClr r="0" g="0" b="0"/>
+          </a:lnRef>
+          <a:fillRef idx="0">
+            <a:scrgbClr r="0" g="0" b="0"/>
+          </a:fillRef>
+          <a:effectRef idx="0">
+            <a:scrgbClr r="0" g="0" b="0"/>
+          </a:effectRef>
+          <a:fontRef idx="minor">
+            <a:schemeClr val="accent1"/>
+          </a:fontRef>
+        </p:style>
         <p:txBody>
-          <a:bodyPr/>
+          <a:bodyPr>
+            <a:normAutofit/>
+          </a:bodyPr>
           <a:lstStyle/>
           <a:p>
-            <a:r>
-              <a:rPr lang="zh-TW" altLang="en-US" dirty="0"/>
-              <a:t>說明文字</a:t>
-            </a:r>
-          </a:p>
-          <a:p>
-            <a:endParaRPr lang="zh-TW" altLang="en-US" dirty="0"/>
+            <a:pPr marL="0" indent="0">
+              <a:buNone/>
+            </a:pPr>
+            <a:r>
+              <a:rPr lang="zh-TW" altLang="en-US" sz="1800" dirty="0"/>
+              <a:t>畫面中，由上至下，區塊分別為：</a:t>
+            </a:r>
+            <a:endParaRPr lang="en-US" altLang="zh-TW" sz="1800" dirty="0"/>
+          </a:p>
+          <a:p>
+            <a:r>
+              <a:rPr lang="zh-TW" altLang="en-US" sz="1800" dirty="0"/>
+              <a:t>商城導覽列，可搜尋商品、查看購物車、訂單狀況，若對商品有任何問題可直接跳轉至客服中心或查看是否有任何官網最新公告資訊。</a:t>
+            </a:r>
+            <a:endParaRPr lang="en-US" altLang="zh-TW" sz="1800" dirty="0"/>
+          </a:p>
+          <a:p>
+            <a:r>
+              <a:rPr lang="zh-TW" altLang="en-US" sz="1800" dirty="0"/>
+              <a:t>商品輪播圖：可看到最新主打商品。</a:t>
+            </a:r>
+            <a:endParaRPr lang="en-US" altLang="zh-TW" sz="1800" dirty="0"/>
+          </a:p>
+          <a:p>
+            <a:r>
+              <a:rPr lang="zh-TW" altLang="en-US" sz="1800" dirty="0"/>
+              <a:t>商城排行榜：可看到商品的熱銷排行。</a:t>
+            </a:r>
+          </a:p>
+          <a:p>
+            <a:endParaRPr lang="zh-TW" altLang="en-US" sz="1800" dirty="0"/>
           </a:p>
         </p:txBody>
       </p:sp>
+      <p:pic>
+        <p:nvPicPr>
+          <p:cNvPr id="5" name="圖片 4">
+            <a:extLst>
+              <a:ext uri="{FF2B5EF4-FFF2-40B4-BE49-F238E27FC236}">
+                <a16:creationId xmlns:a16="http://schemas.microsoft.com/office/drawing/2014/main" id="{AFEFF7CA-5C14-4073-A401-B84ECAD4B35C}"/>
+              </a:ext>
+            </a:extLst>
+          </p:cNvPr>
+          <p:cNvPicPr>
+            <a:picLocks noChangeAspect="1"/>
+          </p:cNvPicPr>
+          <p:nvPr/>
+        </p:nvPicPr>
+        <p:blipFill>
+          <a:blip r:embed="rId2"/>
+          <a:stretch>
+            <a:fillRect/>
+          </a:stretch>
+        </p:blipFill>
+        <p:spPr>
+          <a:xfrm>
+            <a:off x="56456" y="1011731"/>
+            <a:ext cx="7113240" cy="477141"/>
+          </a:xfrm>
+          <a:prstGeom prst="rect">
+            <a:avLst/>
+          </a:prstGeom>
+        </p:spPr>
+      </p:pic>
+      <p:pic>
+        <p:nvPicPr>
+          <p:cNvPr id="7" name="圖片 6">
+            <a:extLst>
+              <a:ext uri="{FF2B5EF4-FFF2-40B4-BE49-F238E27FC236}">
+                <a16:creationId xmlns:a16="http://schemas.microsoft.com/office/drawing/2014/main" id="{C469ECF1-4179-4777-9202-483F9FF86FB3}"/>
+              </a:ext>
+            </a:extLst>
+          </p:cNvPr>
+          <p:cNvPicPr>
+            <a:picLocks noChangeAspect="1"/>
+          </p:cNvPicPr>
+          <p:nvPr/>
+        </p:nvPicPr>
+        <p:blipFill>
+          <a:blip r:embed="rId3"/>
+          <a:stretch>
+            <a:fillRect/>
+          </a:stretch>
+        </p:blipFill>
+        <p:spPr>
+          <a:xfrm>
+            <a:off x="56456" y="1645662"/>
+            <a:ext cx="7113240" cy="1135266"/>
+          </a:xfrm>
+          <a:prstGeom prst="rect">
+            <a:avLst/>
+          </a:prstGeom>
+        </p:spPr>
+      </p:pic>
+      <p:pic>
+        <p:nvPicPr>
+          <p:cNvPr id="9" name="圖片 8">
+            <a:extLst>
+              <a:ext uri="{FF2B5EF4-FFF2-40B4-BE49-F238E27FC236}">
+                <a16:creationId xmlns:a16="http://schemas.microsoft.com/office/drawing/2014/main" id="{C6207812-60A1-4FF6-B485-08EF7DC59D7B}"/>
+              </a:ext>
+            </a:extLst>
+          </p:cNvPr>
+          <p:cNvPicPr>
+            <a:picLocks noChangeAspect="1"/>
+          </p:cNvPicPr>
+          <p:nvPr/>
+        </p:nvPicPr>
+        <p:blipFill>
+          <a:blip r:embed="rId4"/>
+          <a:stretch>
+            <a:fillRect/>
+          </a:stretch>
+        </p:blipFill>
+        <p:spPr>
+          <a:xfrm>
+            <a:off x="56456" y="2780928"/>
+            <a:ext cx="7113240" cy="2942955"/>
+          </a:xfrm>
+          <a:prstGeom prst="rect">
+            <a:avLst/>
+          </a:prstGeom>
+        </p:spPr>
+      </p:pic>
     </p:spTree>
     <p:extLst>
       <p:ext uri="{BB962C8B-B14F-4D97-AF65-F5344CB8AC3E}">
@@ -4396,6 +4543,217 @@
 </file>
 
 <file path=ppt/slides/slide10.xml><?xml version="1.0" encoding="utf-8"?>
+<p:sld xmlns:a="http://schemas.openxmlformats.org/drawingml/2006/main" xmlns:r="http://schemas.openxmlformats.org/officeDocument/2006/relationships" xmlns:p="http://schemas.openxmlformats.org/presentationml/2006/main">
+  <p:cSld>
+    <p:spTree>
+      <p:nvGrpSpPr>
+        <p:cNvPr id="1" name=""/>
+        <p:cNvGrpSpPr/>
+        <p:nvPr/>
+      </p:nvGrpSpPr>
+      <p:grpSpPr>
+        <a:xfrm>
+          <a:off x="0" y="0"/>
+          <a:ext cx="0" cy="0"/>
+          <a:chOff x="0" y="0"/>
+          <a:chExt cx="0" cy="0"/>
+        </a:xfrm>
+      </p:grpSpPr>
+      <p:sp>
+        <p:nvSpPr>
+          <p:cNvPr id="2" name="內容版面配置區 1"/>
+          <p:cNvSpPr>
+            <a:spLocks noGrp="1"/>
+          </p:cNvSpPr>
+          <p:nvPr>
+            <p:ph idx="1"/>
+          </p:nvPr>
+        </p:nvSpPr>
+        <p:spPr>
+          <a:xfrm>
+            <a:off x="1065600" y="979200"/>
+            <a:ext cx="7704000" cy="4680520"/>
+          </a:xfrm>
+        </p:spPr>
+        <p:txBody>
+          <a:bodyPr/>
+          <a:lstStyle/>
+          <a:p>
+            <a:r>
+              <a:rPr lang="zh-TW" altLang="en-US" sz="2800" dirty="0"/>
+              <a:t>標題</a:t>
+            </a:r>
+            <a:endParaRPr lang="en-US" altLang="zh-TW" dirty="0"/>
+          </a:p>
+          <a:p>
+            <a:pPr lvl="1"/>
+            <a:r>
+              <a:rPr lang="zh-TW" altLang="en-US" dirty="0"/>
+              <a:t>第二層</a:t>
+            </a:r>
+            <a:endParaRPr lang="en-US" altLang="zh-TW" dirty="0"/>
+          </a:p>
+          <a:p>
+            <a:pPr lvl="2"/>
+            <a:r>
+              <a:rPr lang="zh-TW" altLang="en-US" dirty="0"/>
+              <a:t>第三層</a:t>
+            </a:r>
+            <a:endParaRPr lang="en-US" altLang="zh-TW" dirty="0"/>
+          </a:p>
+          <a:p>
+            <a:pPr lvl="3"/>
+            <a:r>
+              <a:rPr lang="zh-TW" altLang="en-US" dirty="0"/>
+              <a:t>第四層</a:t>
+            </a:r>
+            <a:endParaRPr lang="en-US" altLang="zh-TW" dirty="0"/>
+          </a:p>
+          <a:p>
+            <a:pPr lvl="4"/>
+            <a:r>
+              <a:rPr lang="zh-TW" altLang="en-US" dirty="0"/>
+              <a:t>第五層</a:t>
+            </a:r>
+            <a:endParaRPr lang="en-US" altLang="zh-TW" dirty="0"/>
+          </a:p>
+        </p:txBody>
+      </p:sp>
+      <p:sp>
+        <p:nvSpPr>
+          <p:cNvPr id="4" name="標題 3"/>
+          <p:cNvSpPr>
+            <a:spLocks noGrp="1"/>
+          </p:cNvSpPr>
+          <p:nvPr>
+            <p:ph type="title" idx="4294967295"/>
+          </p:nvPr>
+        </p:nvSpPr>
+        <p:spPr>
+          <a:xfrm>
+            <a:off x="632520" y="83684"/>
+            <a:ext cx="8640960" cy="681020"/>
+          </a:xfrm>
+          <a:prstGeom prst="rect">
+            <a:avLst/>
+          </a:prstGeom>
+        </p:spPr>
+        <p:txBody>
+          <a:bodyPr>
+            <a:normAutofit/>
+          </a:bodyPr>
+          <a:lstStyle/>
+          <a:p>
+            <a:r>
+              <a:rPr lang="zh-TW" altLang="en-US" dirty="0"/>
+              <a:t>填入標題，若不會用到請移除此頁</a:t>
+            </a:r>
+          </a:p>
+        </p:txBody>
+      </p:sp>
+    </p:spTree>
+    <p:extLst>
+      <p:ext uri="{BB962C8B-B14F-4D97-AF65-F5344CB8AC3E}">
+        <p14:creationId xmlns:p14="http://schemas.microsoft.com/office/powerpoint/2010/main" val="1179930141"/>
+      </p:ext>
+    </p:extLst>
+  </p:cSld>
+  <p:clrMapOvr>
+    <a:masterClrMapping/>
+  </p:clrMapOvr>
+</p:sld>
+</file>
+
+<file path=ppt/slides/slide11.xml><?xml version="1.0" encoding="utf-8"?>
+<p:sld xmlns:a="http://schemas.openxmlformats.org/drawingml/2006/main" xmlns:r="http://schemas.openxmlformats.org/officeDocument/2006/relationships" xmlns:p="http://schemas.openxmlformats.org/presentationml/2006/main">
+  <p:cSld>
+    <p:spTree>
+      <p:nvGrpSpPr>
+        <p:cNvPr id="1" name=""/>
+        <p:cNvGrpSpPr/>
+        <p:nvPr/>
+      </p:nvGrpSpPr>
+      <p:grpSpPr>
+        <a:xfrm>
+          <a:off x="0" y="0"/>
+          <a:ext cx="0" cy="0"/>
+          <a:chOff x="0" y="0"/>
+          <a:chExt cx="0" cy="0"/>
+        </a:xfrm>
+      </p:grpSpPr>
+      <p:sp>
+        <p:nvSpPr>
+          <p:cNvPr id="3" name="標題 2">
+            <a:extLst>
+              <a:ext uri="{FF2B5EF4-FFF2-40B4-BE49-F238E27FC236}">
+                <a16:creationId xmlns:a16="http://schemas.microsoft.com/office/drawing/2014/main" id="{E2F12E2F-52EE-CA77-FB53-4EFC2E0F43C3}"/>
+              </a:ext>
+            </a:extLst>
+          </p:cNvPr>
+          <p:cNvSpPr>
+            <a:spLocks noGrp="1"/>
+          </p:cNvSpPr>
+          <p:nvPr>
+            <p:ph type="title"/>
+          </p:nvPr>
+        </p:nvSpPr>
+        <p:spPr/>
+        <p:txBody>
+          <a:bodyPr/>
+          <a:lstStyle/>
+          <a:p>
+            <a:r>
+              <a:rPr lang="zh-TW" altLang="en-US" dirty="0"/>
+              <a:t>填入標題，若不會用到請移除此頁</a:t>
+            </a:r>
+          </a:p>
+        </p:txBody>
+      </p:sp>
+      <p:sp>
+        <p:nvSpPr>
+          <p:cNvPr id="6" name="內容版面配置區 5">
+            <a:extLst>
+              <a:ext uri="{FF2B5EF4-FFF2-40B4-BE49-F238E27FC236}">
+                <a16:creationId xmlns:a16="http://schemas.microsoft.com/office/drawing/2014/main" id="{9080CAA6-5B4D-F32A-847F-6EFB006B3FA3}"/>
+              </a:ext>
+            </a:extLst>
+          </p:cNvPr>
+          <p:cNvSpPr>
+            <a:spLocks noGrp="1"/>
+          </p:cNvSpPr>
+          <p:nvPr>
+            <p:ph idx="1"/>
+          </p:nvPr>
+        </p:nvSpPr>
+        <p:spPr/>
+        <p:txBody>
+          <a:bodyPr/>
+          <a:lstStyle/>
+          <a:p>
+            <a:r>
+              <a:rPr lang="zh-TW" altLang="en-US" dirty="0"/>
+              <a:t>說明文字</a:t>
+            </a:r>
+          </a:p>
+          <a:p>
+            <a:endParaRPr lang="zh-TW" altLang="en-US" dirty="0"/>
+          </a:p>
+        </p:txBody>
+      </p:sp>
+    </p:spTree>
+    <p:extLst>
+      <p:ext uri="{BB962C8B-B14F-4D97-AF65-F5344CB8AC3E}">
+        <p14:creationId xmlns:p14="http://schemas.microsoft.com/office/powerpoint/2010/main" val="2801340232"/>
+      </p:ext>
+    </p:extLst>
+  </p:cSld>
+  <p:clrMapOvr>
+    <a:masterClrMapping/>
+  </p:clrMapOvr>
+</p:sld>
+</file>
+
+<file path=ppt/slides/slide12.xml><?xml version="1.0" encoding="utf-8"?>
 <p:sld xmlns:a="http://schemas.openxmlformats.org/drawingml/2006/main" xmlns:r="http://schemas.openxmlformats.org/officeDocument/2006/relationships" xmlns:p="http://schemas.openxmlformats.org/presentationml/2006/main">
   <p:cSld>
     <p:spTree>
@@ -4519,7 +4877,7 @@
 </p:sld>
 </file>
 
-<file path=ppt/slides/slide11.xml><?xml version="1.0" encoding="utf-8"?>
+<file path=ppt/slides/slide13.xml><?xml version="1.0" encoding="utf-8"?>
 <p:sld xmlns:a="http://schemas.openxmlformats.org/drawingml/2006/main" xmlns:r="http://schemas.openxmlformats.org/officeDocument/2006/relationships" xmlns:p="http://schemas.openxmlformats.org/presentationml/2006/main">
   <p:cSld>
     <p:spTree>
@@ -4604,7 +4962,7 @@
 </p:sld>
 </file>
 
-<file path=ppt/slides/slide12.xml><?xml version="1.0" encoding="utf-8"?>
+<file path=ppt/slides/slide14.xml><?xml version="1.0" encoding="utf-8"?>
 <p:sld xmlns:a="http://schemas.openxmlformats.org/drawingml/2006/main" xmlns:r="http://schemas.openxmlformats.org/officeDocument/2006/relationships" xmlns:p="http://schemas.openxmlformats.org/presentationml/2006/main">
   <p:cSld>
     <p:spTree>
@@ -4778,22 +5136,94 @@
           <a:p>
             <a:r>
               <a:rPr lang="zh-TW" altLang="en-US" dirty="0"/>
-              <a:t>商品頁面 </a:t>
+              <a:t>商城頁面  </a:t>
+            </a:r>
+            <a:r>
+              <a:rPr lang="en-US" altLang="zh-TW"/>
+              <a:t>(Shopping </a:t>
             </a:r>
             <a:r>
               <a:rPr lang="en-US" altLang="zh-TW" dirty="0"/>
-              <a:t>(Product)</a:t>
+              <a:t>M</a:t>
+            </a:r>
+            <a:r>
+              <a:rPr lang="en-US" altLang="zh-TW"/>
+              <a:t>all</a:t>
+            </a:r>
+            <a:r>
+              <a:rPr lang="en-US" altLang="zh-TW" dirty="0"/>
+              <a:t>)</a:t>
             </a:r>
             <a:endParaRPr lang="zh-TW" altLang="en-US" dirty="0"/>
           </a:p>
         </p:txBody>
       </p:sp>
+      <p:pic>
+        <p:nvPicPr>
+          <p:cNvPr id="2" name="圖片 1">
+            <a:extLst>
+              <a:ext uri="{FF2B5EF4-FFF2-40B4-BE49-F238E27FC236}">
+                <a16:creationId xmlns:a16="http://schemas.microsoft.com/office/drawing/2014/main" id="{402C2123-2D14-4233-A430-9BD2DEC437FF}"/>
+              </a:ext>
+            </a:extLst>
+          </p:cNvPr>
+          <p:cNvPicPr>
+            <a:picLocks noChangeAspect="1"/>
+          </p:cNvPicPr>
+          <p:nvPr/>
+        </p:nvPicPr>
+        <p:blipFill>
+          <a:blip r:embed="rId2"/>
+          <a:stretch>
+            <a:fillRect/>
+          </a:stretch>
+        </p:blipFill>
+        <p:spPr>
+          <a:xfrm>
+            <a:off x="235142" y="1011732"/>
+            <a:ext cx="5293922" cy="4238085"/>
+          </a:xfrm>
+          <a:prstGeom prst="rect">
+            <a:avLst/>
+          </a:prstGeom>
+        </p:spPr>
+      </p:pic>
+      <p:pic>
+        <p:nvPicPr>
+          <p:cNvPr id="9" name="圖片 8">
+            <a:extLst>
+              <a:ext uri="{FF2B5EF4-FFF2-40B4-BE49-F238E27FC236}">
+                <a16:creationId xmlns:a16="http://schemas.microsoft.com/office/drawing/2014/main" id="{D4D605F6-B5B6-49E6-9917-B0BC7B1B304B}"/>
+              </a:ext>
+            </a:extLst>
+          </p:cNvPr>
+          <p:cNvPicPr>
+            <a:picLocks noChangeAspect="1"/>
+          </p:cNvPicPr>
+          <p:nvPr/>
+        </p:nvPicPr>
+        <p:blipFill>
+          <a:blip r:embed="rId3"/>
+          <a:stretch>
+            <a:fillRect/>
+          </a:stretch>
+        </p:blipFill>
+        <p:spPr>
+          <a:xfrm>
+            <a:off x="5529064" y="1011732"/>
+            <a:ext cx="1946984" cy="4238085"/>
+          </a:xfrm>
+          <a:prstGeom prst="rect">
+            <a:avLst/>
+          </a:prstGeom>
+        </p:spPr>
+      </p:pic>
       <p:sp>
         <p:nvSpPr>
-          <p:cNvPr id="6" name="內容版面配置區 5">
+          <p:cNvPr id="15" name="內容版面配置區 5">
             <a:extLst>
               <a:ext uri="{FF2B5EF4-FFF2-40B4-BE49-F238E27FC236}">
-                <a16:creationId xmlns:a16="http://schemas.microsoft.com/office/drawing/2014/main" id="{9080CAA6-5B4D-F32A-847F-6EFB006B3FA3}"/>
+                <a16:creationId xmlns:a16="http://schemas.microsoft.com/office/drawing/2014/main" id="{89B8D154-21D6-48D8-991E-173236A75146}"/>
               </a:ext>
             </a:extLst>
           </p:cNvPr>
@@ -4804,25 +5234,69 @@
             <p:ph idx="1"/>
           </p:nvPr>
         </p:nvSpPr>
-        <p:spPr/>
+        <p:spPr>
+          <a:xfrm>
+            <a:off x="7689304" y="1011732"/>
+            <a:ext cx="2088232" cy="2633292"/>
+          </a:xfrm>
+          <a:noFill/>
+          <a:ln w="9525" cap="flat" cmpd="sng" algn="ctr">
+            <a:solidFill>
+              <a:schemeClr val="accent1"/>
+            </a:solidFill>
+            <a:prstDash val="solid"/>
+            <a:round/>
+            <a:headEnd type="none" w="med" len="med"/>
+            <a:tailEnd type="none" w="med" len="med"/>
+          </a:ln>
+        </p:spPr>
+        <p:style>
+          <a:lnRef idx="0">
+            <a:scrgbClr r="0" g="0" b="0"/>
+          </a:lnRef>
+          <a:fillRef idx="0">
+            <a:scrgbClr r="0" g="0" b="0"/>
+          </a:fillRef>
+          <a:effectRef idx="0">
+            <a:scrgbClr r="0" g="0" b="0"/>
+          </a:effectRef>
+          <a:fontRef idx="minor">
+            <a:schemeClr val="accent1"/>
+          </a:fontRef>
+        </p:style>
         <p:txBody>
-          <a:bodyPr/>
+          <a:bodyPr>
+            <a:normAutofit/>
+          </a:bodyPr>
           <a:lstStyle/>
           <a:p>
-            <a:r>
-              <a:rPr lang="zh-TW" altLang="en-US" dirty="0"/>
-              <a:t>說明文字</a:t>
-            </a:r>
-          </a:p>
-          <a:p>
-            <a:endParaRPr lang="zh-TW" altLang="en-US" dirty="0"/>
+            <a:pPr marL="0" indent="0">
+              <a:buNone/>
+            </a:pPr>
+            <a:r>
+              <a:rPr lang="zh-TW" altLang="en-US" sz="1800" dirty="0"/>
+              <a:t>畫面中，由左至右，區塊分別為：</a:t>
+            </a:r>
+            <a:endParaRPr lang="en-US" altLang="zh-TW" sz="1800" dirty="0"/>
+          </a:p>
+          <a:p>
+            <a:r>
+              <a:rPr lang="zh-TW" altLang="en-US" sz="1800" dirty="0"/>
+              <a:t>商品區塊：可看到上架的各種商品。</a:t>
+            </a:r>
+          </a:p>
+          <a:p>
+            <a:r>
+              <a:rPr lang="zh-TW" altLang="en-US" sz="1800" dirty="0"/>
+              <a:t>廣告區塊：可看到不同的商品廣告。</a:t>
+            </a:r>
           </a:p>
         </p:txBody>
       </p:sp>
     </p:spTree>
     <p:extLst>
       <p:ext uri="{BB962C8B-B14F-4D97-AF65-F5344CB8AC3E}">
-        <p14:creationId xmlns:p14="http://schemas.microsoft.com/office/powerpoint/2010/main" val="3130584163"/>
+        <p14:creationId xmlns:p14="http://schemas.microsoft.com/office/powerpoint/2010/main" val="4217363242"/>
       </p:ext>
     </p:extLst>
   </p:cSld>
@@ -4872,11 +5346,11 @@
           <a:p>
             <a:r>
               <a:rPr lang="zh-TW" altLang="en-US" dirty="0"/>
-              <a:t>結帳頁面 </a:t>
+              <a:t>商品頁面 </a:t>
             </a:r>
             <a:r>
               <a:rPr lang="en-US" altLang="zh-TW" dirty="0"/>
-              <a:t>(Checkout)</a:t>
+              <a:t>(Product)</a:t>
             </a:r>
             <a:endParaRPr lang="zh-TW" altLang="en-US" dirty="0"/>
           </a:p>
@@ -4898,6 +5372,466 @@
             <p:ph idx="1"/>
           </p:nvPr>
         </p:nvSpPr>
+        <p:spPr>
+          <a:xfrm>
+            <a:off x="7545288" y="1088740"/>
+            <a:ext cx="1728192" cy="1332148"/>
+          </a:xfrm>
+        </p:spPr>
+        <p:txBody>
+          <a:bodyPr>
+            <a:normAutofit/>
+          </a:bodyPr>
+          <a:lstStyle/>
+          <a:p>
+            <a:endParaRPr lang="zh-TW" altLang="en-US" sz="1800" dirty="0"/>
+          </a:p>
+          <a:p>
+            <a:endParaRPr lang="zh-TW" altLang="en-US" sz="1800" dirty="0"/>
+          </a:p>
+        </p:txBody>
+      </p:sp>
+      <p:pic>
+        <p:nvPicPr>
+          <p:cNvPr id="4" name="圖片 3">
+            <a:extLst>
+              <a:ext uri="{FF2B5EF4-FFF2-40B4-BE49-F238E27FC236}">
+                <a16:creationId xmlns:a16="http://schemas.microsoft.com/office/drawing/2014/main" id="{F27A209B-10F2-4C67-85D4-1299B333F5E1}"/>
+              </a:ext>
+            </a:extLst>
+          </p:cNvPr>
+          <p:cNvPicPr>
+            <a:picLocks noChangeAspect="1"/>
+          </p:cNvPicPr>
+          <p:nvPr/>
+        </p:nvPicPr>
+        <p:blipFill>
+          <a:blip r:embed="rId2"/>
+          <a:stretch>
+            <a:fillRect/>
+          </a:stretch>
+        </p:blipFill>
+        <p:spPr>
+          <a:xfrm>
+            <a:off x="272478" y="768363"/>
+            <a:ext cx="6984778" cy="455646"/>
+          </a:xfrm>
+          <a:prstGeom prst="rect">
+            <a:avLst/>
+          </a:prstGeom>
+        </p:spPr>
+      </p:pic>
+      <p:pic>
+        <p:nvPicPr>
+          <p:cNvPr id="5" name="圖片 4">
+            <a:extLst>
+              <a:ext uri="{FF2B5EF4-FFF2-40B4-BE49-F238E27FC236}">
+                <a16:creationId xmlns:a16="http://schemas.microsoft.com/office/drawing/2014/main" id="{45F50D6C-0EEB-4D83-B144-0355C6ACAA7C}"/>
+              </a:ext>
+            </a:extLst>
+          </p:cNvPr>
+          <p:cNvPicPr>
+            <a:picLocks noChangeAspect="1"/>
+          </p:cNvPicPr>
+          <p:nvPr/>
+        </p:nvPicPr>
+        <p:blipFill>
+          <a:blip r:embed="rId3"/>
+          <a:stretch>
+            <a:fillRect/>
+          </a:stretch>
+        </p:blipFill>
+        <p:spPr>
+          <a:xfrm>
+            <a:off x="272478" y="1268760"/>
+            <a:ext cx="2448273" cy="4572760"/>
+          </a:xfrm>
+          <a:prstGeom prst="rect">
+            <a:avLst/>
+          </a:prstGeom>
+        </p:spPr>
+      </p:pic>
+      <p:pic>
+        <p:nvPicPr>
+          <p:cNvPr id="7" name="圖片 6">
+            <a:extLst>
+              <a:ext uri="{FF2B5EF4-FFF2-40B4-BE49-F238E27FC236}">
+                <a16:creationId xmlns:a16="http://schemas.microsoft.com/office/drawing/2014/main" id="{635C5FA0-0ACF-4356-B499-43D4BEB49DD9}"/>
+              </a:ext>
+            </a:extLst>
+          </p:cNvPr>
+          <p:cNvPicPr>
+            <a:picLocks noChangeAspect="1"/>
+          </p:cNvPicPr>
+          <p:nvPr/>
+        </p:nvPicPr>
+        <p:blipFill>
+          <a:blip r:embed="rId4"/>
+          <a:stretch>
+            <a:fillRect/>
+          </a:stretch>
+        </p:blipFill>
+        <p:spPr>
+          <a:xfrm>
+            <a:off x="2746638" y="1248542"/>
+            <a:ext cx="4535727" cy="2752680"/>
+          </a:xfrm>
+          <a:prstGeom prst="rect">
+            <a:avLst/>
+          </a:prstGeom>
+        </p:spPr>
+      </p:pic>
+      <p:pic>
+        <p:nvPicPr>
+          <p:cNvPr id="8" name="圖片 7">
+            <a:extLst>
+              <a:ext uri="{FF2B5EF4-FFF2-40B4-BE49-F238E27FC236}">
+                <a16:creationId xmlns:a16="http://schemas.microsoft.com/office/drawing/2014/main" id="{C15FF21B-6277-4B91-8E5D-947C0BF0C453}"/>
+              </a:ext>
+            </a:extLst>
+          </p:cNvPr>
+          <p:cNvPicPr>
+            <a:picLocks noChangeAspect="1"/>
+          </p:cNvPicPr>
+          <p:nvPr/>
+        </p:nvPicPr>
+        <p:blipFill>
+          <a:blip r:embed="rId5"/>
+          <a:stretch>
+            <a:fillRect/>
+          </a:stretch>
+        </p:blipFill>
+        <p:spPr>
+          <a:xfrm>
+            <a:off x="2731294" y="3933056"/>
+            <a:ext cx="4535727" cy="2583369"/>
+          </a:xfrm>
+          <a:prstGeom prst="rect">
+            <a:avLst/>
+          </a:prstGeom>
+        </p:spPr>
+      </p:pic>
+      <p:sp>
+        <p:nvSpPr>
+          <p:cNvPr id="10" name="內容版面配置區 5">
+            <a:extLst>
+              <a:ext uri="{FF2B5EF4-FFF2-40B4-BE49-F238E27FC236}">
+                <a16:creationId xmlns:a16="http://schemas.microsoft.com/office/drawing/2014/main" id="{5AEBFADA-648C-4737-B037-B8388A9F4426}"/>
+              </a:ext>
+            </a:extLst>
+          </p:cNvPr>
+          <p:cNvSpPr txBox="1">
+            <a:spLocks/>
+          </p:cNvSpPr>
+          <p:nvPr/>
+        </p:nvSpPr>
+        <p:spPr bwMode="ltGray">
+          <a:xfrm>
+            <a:off x="7498451" y="768363"/>
+            <a:ext cx="2118387" cy="4820877"/>
+          </a:xfrm>
+          <a:prstGeom prst="rect">
+            <a:avLst/>
+          </a:prstGeom>
+          <a:ln w="9525" cap="flat" cmpd="sng" algn="ctr">
+            <a:solidFill>
+              <a:schemeClr val="accent1"/>
+            </a:solidFill>
+            <a:prstDash val="solid"/>
+            <a:round/>
+            <a:headEnd type="none" w="med" len="med"/>
+            <a:tailEnd type="none" w="med" len="med"/>
+          </a:ln>
+        </p:spPr>
+        <p:style>
+          <a:lnRef idx="0">
+            <a:scrgbClr r="0" g="0" b="0"/>
+          </a:lnRef>
+          <a:fillRef idx="0">
+            <a:scrgbClr r="0" g="0" b="0"/>
+          </a:fillRef>
+          <a:effectRef idx="0">
+            <a:scrgbClr r="0" g="0" b="0"/>
+          </a:effectRef>
+          <a:fontRef idx="minor">
+            <a:schemeClr val="accent1"/>
+          </a:fontRef>
+        </p:style>
+        <p:txBody>
+          <a:bodyPr vert="horz" lIns="91440" tIns="45720" rIns="91440" bIns="45720" rtlCol="0">
+            <a:normAutofit/>
+          </a:bodyPr>
+          <a:lstStyle>
+            <a:lvl1pPr marL="342900" indent="-342900" algn="l" defTabSz="914400" rtl="0" eaLnBrk="1" latinLnBrk="0" hangingPunct="1">
+              <a:lnSpc>
+                <a:spcPct val="100000"/>
+              </a:lnSpc>
+              <a:spcBef>
+                <a:spcPts val="600"/>
+              </a:spcBef>
+              <a:spcAft>
+                <a:spcPts val="600"/>
+              </a:spcAft>
+              <a:buClr>
+                <a:schemeClr val="accent1"/>
+              </a:buClr>
+              <a:buFont typeface="Wingdings" panose="05000000000000000000" pitchFamily="2" charset="2"/>
+              <a:buChar char="l"/>
+              <a:defRPr sz="2800" b="1" kern="1200">
+                <a:solidFill>
+                  <a:srgbClr val="FFFFFF"/>
+                </a:solidFill>
+                <a:latin typeface="+mn-lt"/>
+                <a:ea typeface="+mn-ea"/>
+                <a:cs typeface="+mn-cs"/>
+              </a:defRPr>
+            </a:lvl1pPr>
+            <a:lvl2pPr marL="714375" indent="-352425" algn="l" defTabSz="914400" rtl="0" eaLnBrk="1" latinLnBrk="0" hangingPunct="1">
+              <a:lnSpc>
+                <a:spcPct val="100000"/>
+              </a:lnSpc>
+              <a:spcBef>
+                <a:spcPts val="600"/>
+              </a:spcBef>
+              <a:spcAft>
+                <a:spcPts val="600"/>
+              </a:spcAft>
+              <a:buClr>
+                <a:schemeClr val="accent2"/>
+              </a:buClr>
+              <a:buFont typeface="Wingdings" panose="05000000000000000000" pitchFamily="2" charset="2"/>
+              <a:buChar char="u"/>
+              <a:defRPr sz="2400" b="0" kern="1200">
+                <a:solidFill>
+                  <a:srgbClr val="FFFFFF"/>
+                </a:solidFill>
+                <a:latin typeface="+mn-lt"/>
+                <a:ea typeface="+mn-ea"/>
+                <a:cs typeface="+mn-cs"/>
+              </a:defRPr>
+            </a:lvl2pPr>
+            <a:lvl3pPr marL="1076325" indent="-266700" algn="l" defTabSz="914400" rtl="0" eaLnBrk="1" latinLnBrk="0" hangingPunct="1">
+              <a:lnSpc>
+                <a:spcPct val="100000"/>
+              </a:lnSpc>
+              <a:spcBef>
+                <a:spcPts val="600"/>
+              </a:spcBef>
+              <a:spcAft>
+                <a:spcPts val="600"/>
+              </a:spcAft>
+              <a:buClr>
+                <a:schemeClr val="accent3"/>
+              </a:buClr>
+              <a:buFont typeface="Wingdings" panose="05000000000000000000" pitchFamily="2" charset="2"/>
+              <a:buChar char="p"/>
+              <a:defRPr sz="2000" kern="1200">
+                <a:solidFill>
+                  <a:srgbClr val="FFFFFF"/>
+                </a:solidFill>
+                <a:latin typeface="+mn-lt"/>
+                <a:ea typeface="+mn-ea"/>
+                <a:cs typeface="+mn-cs"/>
+              </a:defRPr>
+            </a:lvl3pPr>
+            <a:lvl4pPr marL="1343025" indent="-180975" algn="l" defTabSz="914400" rtl="0" eaLnBrk="1" latinLnBrk="0" hangingPunct="1">
+              <a:lnSpc>
+                <a:spcPct val="100000"/>
+              </a:lnSpc>
+              <a:spcBef>
+                <a:spcPts val="600"/>
+              </a:spcBef>
+              <a:spcAft>
+                <a:spcPts val="600"/>
+              </a:spcAft>
+              <a:buClr>
+                <a:schemeClr val="accent4"/>
+              </a:buClr>
+              <a:buFont typeface="Wingdings" panose="05000000000000000000" pitchFamily="2" charset="2"/>
+              <a:buChar char="n"/>
+              <a:defRPr sz="1800" kern="1200">
+                <a:solidFill>
+                  <a:srgbClr val="FFFFFF"/>
+                </a:solidFill>
+                <a:latin typeface="+mn-lt"/>
+                <a:ea typeface="+mn-ea"/>
+                <a:cs typeface="+mn-cs"/>
+              </a:defRPr>
+            </a:lvl4pPr>
+            <a:lvl5pPr marL="1619250" indent="-276225" algn="l" defTabSz="914400" rtl="0" eaLnBrk="1" latinLnBrk="0" hangingPunct="1">
+              <a:lnSpc>
+                <a:spcPct val="100000"/>
+              </a:lnSpc>
+              <a:spcBef>
+                <a:spcPts val="600"/>
+              </a:spcBef>
+              <a:spcAft>
+                <a:spcPts val="600"/>
+              </a:spcAft>
+              <a:buClr>
+                <a:schemeClr val="accent5"/>
+              </a:buClr>
+              <a:buFont typeface="Arial" pitchFamily="34" charset="0"/>
+              <a:buChar char="»"/>
+              <a:tabLst>
+                <a:tab pos="7981950" algn="l"/>
+              </a:tabLst>
+              <a:defRPr sz="1800" kern="1200">
+                <a:solidFill>
+                  <a:srgbClr val="FFFFFF"/>
+                </a:solidFill>
+                <a:latin typeface="+mn-lt"/>
+                <a:ea typeface="+mn-ea"/>
+                <a:cs typeface="+mn-cs"/>
+              </a:defRPr>
+            </a:lvl5pPr>
+            <a:lvl6pPr marL="2514600" indent="-228600" algn="l" defTabSz="914400" rtl="0" eaLnBrk="1" latinLnBrk="0" hangingPunct="1">
+              <a:spcBef>
+                <a:spcPct val="20000"/>
+              </a:spcBef>
+              <a:buFont typeface="Arial" pitchFamily="34" charset="0"/>
+              <a:buChar char="•"/>
+              <a:defRPr sz="2000" kern="1200">
+                <a:solidFill>
+                  <a:schemeClr val="accent1"/>
+                </a:solidFill>
+                <a:latin typeface="+mn-lt"/>
+                <a:ea typeface="+mn-ea"/>
+                <a:cs typeface="+mn-cs"/>
+              </a:defRPr>
+            </a:lvl6pPr>
+            <a:lvl7pPr marL="2971800" indent="-228600" algn="l" defTabSz="914400" rtl="0" eaLnBrk="1" latinLnBrk="0" hangingPunct="1">
+              <a:spcBef>
+                <a:spcPct val="20000"/>
+              </a:spcBef>
+              <a:buFont typeface="Arial" pitchFamily="34" charset="0"/>
+              <a:buChar char="•"/>
+              <a:defRPr sz="2000" kern="1200">
+                <a:solidFill>
+                  <a:schemeClr val="accent1"/>
+                </a:solidFill>
+                <a:latin typeface="+mn-lt"/>
+                <a:ea typeface="+mn-ea"/>
+                <a:cs typeface="+mn-cs"/>
+              </a:defRPr>
+            </a:lvl7pPr>
+            <a:lvl8pPr marL="3429000" indent="-228600" algn="l" defTabSz="914400" rtl="0" eaLnBrk="1" latinLnBrk="0" hangingPunct="1">
+              <a:spcBef>
+                <a:spcPct val="20000"/>
+              </a:spcBef>
+              <a:buFont typeface="Arial" pitchFamily="34" charset="0"/>
+              <a:buChar char="•"/>
+              <a:defRPr sz="2000" kern="1200">
+                <a:solidFill>
+                  <a:schemeClr val="accent1"/>
+                </a:solidFill>
+                <a:latin typeface="+mn-lt"/>
+                <a:ea typeface="+mn-ea"/>
+                <a:cs typeface="+mn-cs"/>
+              </a:defRPr>
+            </a:lvl8pPr>
+            <a:lvl9pPr marL="3886200" indent="-228600" algn="l" defTabSz="914400" rtl="0" eaLnBrk="1" latinLnBrk="0" hangingPunct="1">
+              <a:spcBef>
+                <a:spcPct val="20000"/>
+              </a:spcBef>
+              <a:buFont typeface="Arial" pitchFamily="34" charset="0"/>
+              <a:buChar char="•"/>
+              <a:defRPr sz="2000" kern="1200">
+                <a:solidFill>
+                  <a:schemeClr val="accent1"/>
+                </a:solidFill>
+                <a:latin typeface="+mn-lt"/>
+                <a:ea typeface="+mn-ea"/>
+                <a:cs typeface="+mn-cs"/>
+              </a:defRPr>
+            </a:lvl9pPr>
+          </a:lstStyle>
+          <a:p>
+            <a:pPr marL="0" indent="0">
+              <a:buFont typeface="Wingdings" panose="05000000000000000000" pitchFamily="2" charset="2"/>
+              <a:buNone/>
+            </a:pPr>
+            <a:r>
+              <a:rPr lang="zh-TW" altLang="en-US" sz="1800" dirty="0"/>
+              <a:t>畫面中，由上至下，由左至右，區塊分別為：</a:t>
+            </a:r>
+            <a:endParaRPr lang="en-US" altLang="zh-TW" sz="1800" dirty="0"/>
+          </a:p>
+          <a:p>
+            <a:r>
+              <a:rPr lang="zh-TW" altLang="en-US" sz="1800" dirty="0"/>
+              <a:t>商城導覽列</a:t>
+            </a:r>
+            <a:endParaRPr lang="en-US" altLang="zh-TW" sz="1800" dirty="0"/>
+          </a:p>
+          <a:p>
+            <a:r>
+              <a:rPr lang="zh-TW" altLang="en-US" sz="1800" dirty="0"/>
+              <a:t>商品資訊區塊：可看到商品的詳細資訊，例如：商品評分、庫存、價格、商品介紹</a:t>
+            </a:r>
+            <a:r>
+              <a:rPr lang="en-US" altLang="zh-TW" sz="1800" dirty="0"/>
+              <a:t>…</a:t>
+            </a:r>
+            <a:r>
+              <a:rPr lang="zh-TW" altLang="en-US" sz="1800" dirty="0"/>
+              <a:t>等等。</a:t>
+            </a:r>
+          </a:p>
+          <a:p>
+            <a:r>
+              <a:rPr lang="zh-TW" altLang="en-US" sz="1800" dirty="0"/>
+              <a:t>商品圖區塊：可看到商品更詳細的一些訊息。</a:t>
+            </a:r>
+          </a:p>
+        </p:txBody>
+      </p:sp>
+    </p:spTree>
+    <p:extLst>
+      <p:ext uri="{BB962C8B-B14F-4D97-AF65-F5344CB8AC3E}">
+        <p14:creationId xmlns:p14="http://schemas.microsoft.com/office/powerpoint/2010/main" val="3130584163"/>
+      </p:ext>
+    </p:extLst>
+  </p:cSld>
+  <p:clrMapOvr>
+    <a:masterClrMapping/>
+  </p:clrMapOvr>
+</p:sld>
+</file>
+
+<file path=ppt/slides/slide4.xml><?xml version="1.0" encoding="utf-8"?>
+<p:sld xmlns:a="http://schemas.openxmlformats.org/drawingml/2006/main" xmlns:r="http://schemas.openxmlformats.org/officeDocument/2006/relationships" xmlns:p="http://schemas.openxmlformats.org/presentationml/2006/main">
+  <p:cSld>
+    <p:spTree>
+      <p:nvGrpSpPr>
+        <p:cNvPr id="1" name=""/>
+        <p:cNvGrpSpPr/>
+        <p:nvPr/>
+      </p:nvGrpSpPr>
+      <p:grpSpPr>
+        <a:xfrm>
+          <a:off x="0" y="0"/>
+          <a:ext cx="0" cy="0"/>
+          <a:chOff x="0" y="0"/>
+          <a:chExt cx="0" cy="0"/>
+        </a:xfrm>
+      </p:grpSpPr>
+      <p:sp>
+        <p:nvSpPr>
+          <p:cNvPr id="3" name="標題 2">
+            <a:extLst>
+              <a:ext uri="{FF2B5EF4-FFF2-40B4-BE49-F238E27FC236}">
+                <a16:creationId xmlns:a16="http://schemas.microsoft.com/office/drawing/2014/main" id="{E2F12E2F-52EE-CA77-FB53-4EFC2E0F43C3}"/>
+              </a:ext>
+            </a:extLst>
+          </p:cNvPr>
+          <p:cNvSpPr>
+            <a:spLocks noGrp="1"/>
+          </p:cNvSpPr>
+          <p:nvPr>
+            <p:ph type="title"/>
+          </p:nvPr>
+        </p:nvSpPr>
         <p:spPr/>
         <p:txBody>
           <a:bodyPr/>
@@ -4905,11 +5839,746 @@
           <a:p>
             <a:r>
               <a:rPr lang="zh-TW" altLang="en-US" dirty="0"/>
-              <a:t>說明文字</a:t>
-            </a:r>
-          </a:p>
-          <a:p>
+              <a:t>商品頁面 </a:t>
+            </a:r>
+            <a:r>
+              <a:rPr lang="en-US" altLang="zh-TW" dirty="0"/>
+              <a:t>(Product)</a:t>
+            </a:r>
             <a:endParaRPr lang="zh-TW" altLang="en-US" dirty="0"/>
+          </a:p>
+        </p:txBody>
+      </p:sp>
+      <p:pic>
+        <p:nvPicPr>
+          <p:cNvPr id="2" name="圖片 1">
+            <a:extLst>
+              <a:ext uri="{FF2B5EF4-FFF2-40B4-BE49-F238E27FC236}">
+                <a16:creationId xmlns:a16="http://schemas.microsoft.com/office/drawing/2014/main" id="{68F27229-5C63-450F-8051-7B05A6CB2FFC}"/>
+              </a:ext>
+            </a:extLst>
+          </p:cNvPr>
+          <p:cNvPicPr>
+            <a:picLocks noChangeAspect="1"/>
+          </p:cNvPicPr>
+          <p:nvPr/>
+        </p:nvPicPr>
+        <p:blipFill>
+          <a:blip r:embed="rId2"/>
+          <a:stretch>
+            <a:fillRect/>
+          </a:stretch>
+        </p:blipFill>
+        <p:spPr>
+          <a:xfrm>
+            <a:off x="200472" y="963871"/>
+            <a:ext cx="7113240" cy="2699835"/>
+          </a:xfrm>
+          <a:prstGeom prst="rect">
+            <a:avLst/>
+          </a:prstGeom>
+        </p:spPr>
+      </p:pic>
+      <p:pic>
+        <p:nvPicPr>
+          <p:cNvPr id="9" name="圖片 8">
+            <a:extLst>
+              <a:ext uri="{FF2B5EF4-FFF2-40B4-BE49-F238E27FC236}">
+                <a16:creationId xmlns:a16="http://schemas.microsoft.com/office/drawing/2014/main" id="{90C34B42-8589-434C-96E8-D1717FE71DED}"/>
+              </a:ext>
+            </a:extLst>
+          </p:cNvPr>
+          <p:cNvPicPr>
+            <a:picLocks noChangeAspect="1"/>
+          </p:cNvPicPr>
+          <p:nvPr/>
+        </p:nvPicPr>
+        <p:blipFill>
+          <a:blip r:embed="rId3"/>
+          <a:stretch>
+            <a:fillRect/>
+          </a:stretch>
+        </p:blipFill>
+        <p:spPr>
+          <a:xfrm>
+            <a:off x="199101" y="3668595"/>
+            <a:ext cx="7113240" cy="2663355"/>
+          </a:xfrm>
+          <a:prstGeom prst="rect">
+            <a:avLst/>
+          </a:prstGeom>
+        </p:spPr>
+      </p:pic>
+      <p:sp>
+        <p:nvSpPr>
+          <p:cNvPr id="12" name="內容版面配置區 5">
+            <a:extLst>
+              <a:ext uri="{FF2B5EF4-FFF2-40B4-BE49-F238E27FC236}">
+                <a16:creationId xmlns:a16="http://schemas.microsoft.com/office/drawing/2014/main" id="{5B48F242-D606-4DF8-8884-2F1900A3B3C0}"/>
+              </a:ext>
+            </a:extLst>
+          </p:cNvPr>
+          <p:cNvSpPr txBox="1">
+            <a:spLocks/>
+          </p:cNvSpPr>
+          <p:nvPr/>
+        </p:nvSpPr>
+        <p:spPr bwMode="ltGray">
+          <a:xfrm>
+            <a:off x="7498451" y="963871"/>
+            <a:ext cx="2118387" cy="2897177"/>
+          </a:xfrm>
+          <a:prstGeom prst="rect">
+            <a:avLst/>
+          </a:prstGeom>
+          <a:ln w="9525" cap="flat" cmpd="sng" algn="ctr">
+            <a:solidFill>
+              <a:schemeClr val="accent1"/>
+            </a:solidFill>
+            <a:prstDash val="solid"/>
+            <a:round/>
+            <a:headEnd type="none" w="med" len="med"/>
+            <a:tailEnd type="none" w="med" len="med"/>
+          </a:ln>
+        </p:spPr>
+        <p:style>
+          <a:lnRef idx="0">
+            <a:scrgbClr r="0" g="0" b="0"/>
+          </a:lnRef>
+          <a:fillRef idx="0">
+            <a:scrgbClr r="0" g="0" b="0"/>
+          </a:fillRef>
+          <a:effectRef idx="0">
+            <a:scrgbClr r="0" g="0" b="0"/>
+          </a:effectRef>
+          <a:fontRef idx="minor">
+            <a:schemeClr val="accent1"/>
+          </a:fontRef>
+        </p:style>
+        <p:txBody>
+          <a:bodyPr vert="horz" lIns="91440" tIns="45720" rIns="91440" bIns="45720" rtlCol="0">
+            <a:normAutofit/>
+          </a:bodyPr>
+          <a:lstStyle>
+            <a:lvl1pPr marL="342900" indent="-342900" algn="l" defTabSz="914400" rtl="0" eaLnBrk="1" latinLnBrk="0" hangingPunct="1">
+              <a:lnSpc>
+                <a:spcPct val="100000"/>
+              </a:lnSpc>
+              <a:spcBef>
+                <a:spcPts val="600"/>
+              </a:spcBef>
+              <a:spcAft>
+                <a:spcPts val="600"/>
+              </a:spcAft>
+              <a:buClr>
+                <a:schemeClr val="accent1"/>
+              </a:buClr>
+              <a:buFont typeface="Wingdings" panose="05000000000000000000" pitchFamily="2" charset="2"/>
+              <a:buChar char="l"/>
+              <a:defRPr sz="2800" b="1" kern="1200">
+                <a:solidFill>
+                  <a:srgbClr val="FFFFFF"/>
+                </a:solidFill>
+                <a:latin typeface="+mn-lt"/>
+                <a:ea typeface="+mn-ea"/>
+                <a:cs typeface="+mn-cs"/>
+              </a:defRPr>
+            </a:lvl1pPr>
+            <a:lvl2pPr marL="714375" indent="-352425" algn="l" defTabSz="914400" rtl="0" eaLnBrk="1" latinLnBrk="0" hangingPunct="1">
+              <a:lnSpc>
+                <a:spcPct val="100000"/>
+              </a:lnSpc>
+              <a:spcBef>
+                <a:spcPts val="600"/>
+              </a:spcBef>
+              <a:spcAft>
+                <a:spcPts val="600"/>
+              </a:spcAft>
+              <a:buClr>
+                <a:schemeClr val="accent2"/>
+              </a:buClr>
+              <a:buFont typeface="Wingdings" panose="05000000000000000000" pitchFamily="2" charset="2"/>
+              <a:buChar char="u"/>
+              <a:defRPr sz="2400" b="0" kern="1200">
+                <a:solidFill>
+                  <a:srgbClr val="FFFFFF"/>
+                </a:solidFill>
+                <a:latin typeface="+mn-lt"/>
+                <a:ea typeface="+mn-ea"/>
+                <a:cs typeface="+mn-cs"/>
+              </a:defRPr>
+            </a:lvl2pPr>
+            <a:lvl3pPr marL="1076325" indent="-266700" algn="l" defTabSz="914400" rtl="0" eaLnBrk="1" latinLnBrk="0" hangingPunct="1">
+              <a:lnSpc>
+                <a:spcPct val="100000"/>
+              </a:lnSpc>
+              <a:spcBef>
+                <a:spcPts val="600"/>
+              </a:spcBef>
+              <a:spcAft>
+                <a:spcPts val="600"/>
+              </a:spcAft>
+              <a:buClr>
+                <a:schemeClr val="accent3"/>
+              </a:buClr>
+              <a:buFont typeface="Wingdings" panose="05000000000000000000" pitchFamily="2" charset="2"/>
+              <a:buChar char="p"/>
+              <a:defRPr sz="2000" kern="1200">
+                <a:solidFill>
+                  <a:srgbClr val="FFFFFF"/>
+                </a:solidFill>
+                <a:latin typeface="+mn-lt"/>
+                <a:ea typeface="+mn-ea"/>
+                <a:cs typeface="+mn-cs"/>
+              </a:defRPr>
+            </a:lvl3pPr>
+            <a:lvl4pPr marL="1343025" indent="-180975" algn="l" defTabSz="914400" rtl="0" eaLnBrk="1" latinLnBrk="0" hangingPunct="1">
+              <a:lnSpc>
+                <a:spcPct val="100000"/>
+              </a:lnSpc>
+              <a:spcBef>
+                <a:spcPts val="600"/>
+              </a:spcBef>
+              <a:spcAft>
+                <a:spcPts val="600"/>
+              </a:spcAft>
+              <a:buClr>
+                <a:schemeClr val="accent4"/>
+              </a:buClr>
+              <a:buFont typeface="Wingdings" panose="05000000000000000000" pitchFamily="2" charset="2"/>
+              <a:buChar char="n"/>
+              <a:defRPr sz="1800" kern="1200">
+                <a:solidFill>
+                  <a:srgbClr val="FFFFFF"/>
+                </a:solidFill>
+                <a:latin typeface="+mn-lt"/>
+                <a:ea typeface="+mn-ea"/>
+                <a:cs typeface="+mn-cs"/>
+              </a:defRPr>
+            </a:lvl4pPr>
+            <a:lvl5pPr marL="1619250" indent="-276225" algn="l" defTabSz="914400" rtl="0" eaLnBrk="1" latinLnBrk="0" hangingPunct="1">
+              <a:lnSpc>
+                <a:spcPct val="100000"/>
+              </a:lnSpc>
+              <a:spcBef>
+                <a:spcPts val="600"/>
+              </a:spcBef>
+              <a:spcAft>
+                <a:spcPts val="600"/>
+              </a:spcAft>
+              <a:buClr>
+                <a:schemeClr val="accent5"/>
+              </a:buClr>
+              <a:buFont typeface="Arial" pitchFamily="34" charset="0"/>
+              <a:buChar char="»"/>
+              <a:tabLst>
+                <a:tab pos="7981950" algn="l"/>
+              </a:tabLst>
+              <a:defRPr sz="1800" kern="1200">
+                <a:solidFill>
+                  <a:srgbClr val="FFFFFF"/>
+                </a:solidFill>
+                <a:latin typeface="+mn-lt"/>
+                <a:ea typeface="+mn-ea"/>
+                <a:cs typeface="+mn-cs"/>
+              </a:defRPr>
+            </a:lvl5pPr>
+            <a:lvl6pPr marL="2514600" indent="-228600" algn="l" defTabSz="914400" rtl="0" eaLnBrk="1" latinLnBrk="0" hangingPunct="1">
+              <a:spcBef>
+                <a:spcPct val="20000"/>
+              </a:spcBef>
+              <a:buFont typeface="Arial" pitchFamily="34" charset="0"/>
+              <a:buChar char="•"/>
+              <a:defRPr sz="2000" kern="1200">
+                <a:solidFill>
+                  <a:schemeClr val="accent1"/>
+                </a:solidFill>
+                <a:latin typeface="+mn-lt"/>
+                <a:ea typeface="+mn-ea"/>
+                <a:cs typeface="+mn-cs"/>
+              </a:defRPr>
+            </a:lvl6pPr>
+            <a:lvl7pPr marL="2971800" indent="-228600" algn="l" defTabSz="914400" rtl="0" eaLnBrk="1" latinLnBrk="0" hangingPunct="1">
+              <a:spcBef>
+                <a:spcPct val="20000"/>
+              </a:spcBef>
+              <a:buFont typeface="Arial" pitchFamily="34" charset="0"/>
+              <a:buChar char="•"/>
+              <a:defRPr sz="2000" kern="1200">
+                <a:solidFill>
+                  <a:schemeClr val="accent1"/>
+                </a:solidFill>
+                <a:latin typeface="+mn-lt"/>
+                <a:ea typeface="+mn-ea"/>
+                <a:cs typeface="+mn-cs"/>
+              </a:defRPr>
+            </a:lvl7pPr>
+            <a:lvl8pPr marL="3429000" indent="-228600" algn="l" defTabSz="914400" rtl="0" eaLnBrk="1" latinLnBrk="0" hangingPunct="1">
+              <a:spcBef>
+                <a:spcPct val="20000"/>
+              </a:spcBef>
+              <a:buFont typeface="Arial" pitchFamily="34" charset="0"/>
+              <a:buChar char="•"/>
+              <a:defRPr sz="2000" kern="1200">
+                <a:solidFill>
+                  <a:schemeClr val="accent1"/>
+                </a:solidFill>
+                <a:latin typeface="+mn-lt"/>
+                <a:ea typeface="+mn-ea"/>
+                <a:cs typeface="+mn-cs"/>
+              </a:defRPr>
+            </a:lvl8pPr>
+            <a:lvl9pPr marL="3886200" indent="-228600" algn="l" defTabSz="914400" rtl="0" eaLnBrk="1" latinLnBrk="0" hangingPunct="1">
+              <a:spcBef>
+                <a:spcPct val="20000"/>
+              </a:spcBef>
+              <a:buFont typeface="Arial" pitchFamily="34" charset="0"/>
+              <a:buChar char="•"/>
+              <a:defRPr sz="2000" kern="1200">
+                <a:solidFill>
+                  <a:schemeClr val="accent1"/>
+                </a:solidFill>
+                <a:latin typeface="+mn-lt"/>
+                <a:ea typeface="+mn-ea"/>
+                <a:cs typeface="+mn-cs"/>
+              </a:defRPr>
+            </a:lvl9pPr>
+          </a:lstStyle>
+          <a:p>
+            <a:pPr marL="0" indent="0">
+              <a:buFont typeface="Wingdings" panose="05000000000000000000" pitchFamily="2" charset="2"/>
+              <a:buNone/>
+            </a:pPr>
+            <a:r>
+              <a:rPr lang="zh-TW" altLang="en-US" sz="1800" dirty="0"/>
+              <a:t>畫面中，由上至下，區塊分別為：</a:t>
+            </a:r>
+            <a:endParaRPr lang="en-US" altLang="zh-TW" sz="1800" dirty="0"/>
+          </a:p>
+          <a:p>
+            <a:r>
+              <a:rPr lang="zh-TW" altLang="en-US" sz="1800" dirty="0"/>
+              <a:t>相關商品區塊：可看到不同商品的推薦。</a:t>
+            </a:r>
+          </a:p>
+          <a:p>
+            <a:r>
+              <a:rPr lang="zh-TW" altLang="en-US" sz="1800" dirty="0"/>
+              <a:t>瀏覽紀錄區塊：可看到使用者過去瀏覽過的商品。</a:t>
+            </a:r>
+          </a:p>
+        </p:txBody>
+      </p:sp>
+    </p:spTree>
+    <p:extLst>
+      <p:ext uri="{BB962C8B-B14F-4D97-AF65-F5344CB8AC3E}">
+        <p14:creationId xmlns:p14="http://schemas.microsoft.com/office/powerpoint/2010/main" val="683462432"/>
+      </p:ext>
+    </p:extLst>
+  </p:cSld>
+  <p:clrMapOvr>
+    <a:masterClrMapping/>
+  </p:clrMapOvr>
+</p:sld>
+</file>
+
+<file path=ppt/slides/slide5.xml><?xml version="1.0" encoding="utf-8"?>
+<p:sld xmlns:a="http://schemas.openxmlformats.org/drawingml/2006/main" xmlns:r="http://schemas.openxmlformats.org/officeDocument/2006/relationships" xmlns:p="http://schemas.openxmlformats.org/presentationml/2006/main">
+  <p:cSld>
+    <p:spTree>
+      <p:nvGrpSpPr>
+        <p:cNvPr id="1" name=""/>
+        <p:cNvGrpSpPr/>
+        <p:nvPr/>
+      </p:nvGrpSpPr>
+      <p:grpSpPr>
+        <a:xfrm>
+          <a:off x="0" y="0"/>
+          <a:ext cx="0" cy="0"/>
+          <a:chOff x="0" y="0"/>
+          <a:chExt cx="0" cy="0"/>
+        </a:xfrm>
+      </p:grpSpPr>
+      <p:sp>
+        <p:nvSpPr>
+          <p:cNvPr id="3" name="標題 2">
+            <a:extLst>
+              <a:ext uri="{FF2B5EF4-FFF2-40B4-BE49-F238E27FC236}">
+                <a16:creationId xmlns:a16="http://schemas.microsoft.com/office/drawing/2014/main" id="{E2F12E2F-52EE-CA77-FB53-4EFC2E0F43C3}"/>
+              </a:ext>
+            </a:extLst>
+          </p:cNvPr>
+          <p:cNvSpPr>
+            <a:spLocks noGrp="1"/>
+          </p:cNvSpPr>
+          <p:nvPr>
+            <p:ph type="title"/>
+          </p:nvPr>
+        </p:nvSpPr>
+        <p:spPr/>
+        <p:txBody>
+          <a:bodyPr/>
+          <a:lstStyle/>
+          <a:p>
+            <a:r>
+              <a:rPr lang="zh-TW" altLang="en-US" dirty="0"/>
+              <a:t>結帳頁面 </a:t>
+            </a:r>
+            <a:r>
+              <a:rPr lang="en-US" altLang="zh-TW" dirty="0"/>
+              <a:t>(Checkout)</a:t>
+            </a:r>
+            <a:endParaRPr lang="zh-TW" altLang="en-US" dirty="0"/>
+          </a:p>
+        </p:txBody>
+      </p:sp>
+      <p:pic>
+        <p:nvPicPr>
+          <p:cNvPr id="2" name="圖片 1">
+            <a:extLst>
+              <a:ext uri="{FF2B5EF4-FFF2-40B4-BE49-F238E27FC236}">
+                <a16:creationId xmlns:a16="http://schemas.microsoft.com/office/drawing/2014/main" id="{4A8C53D4-10B5-4F9E-B3AC-472BF16D3669}"/>
+              </a:ext>
+            </a:extLst>
+          </p:cNvPr>
+          <p:cNvPicPr>
+            <a:picLocks noChangeAspect="1"/>
+          </p:cNvPicPr>
+          <p:nvPr/>
+        </p:nvPicPr>
+        <p:blipFill>
+          <a:blip r:embed="rId2"/>
+          <a:stretch>
+            <a:fillRect/>
+          </a:stretch>
+        </p:blipFill>
+        <p:spPr>
+          <a:xfrm>
+            <a:off x="344488" y="1151366"/>
+            <a:ext cx="6825208" cy="458174"/>
+          </a:xfrm>
+          <a:prstGeom prst="rect">
+            <a:avLst/>
+          </a:prstGeom>
+        </p:spPr>
+      </p:pic>
+      <p:pic>
+        <p:nvPicPr>
+          <p:cNvPr id="4" name="圖片 3">
+            <a:extLst>
+              <a:ext uri="{FF2B5EF4-FFF2-40B4-BE49-F238E27FC236}">
+                <a16:creationId xmlns:a16="http://schemas.microsoft.com/office/drawing/2014/main" id="{9FFA057E-2BA0-47E5-B40C-8137F2F6F331}"/>
+              </a:ext>
+            </a:extLst>
+          </p:cNvPr>
+          <p:cNvPicPr>
+            <a:picLocks noChangeAspect="1"/>
+          </p:cNvPicPr>
+          <p:nvPr/>
+        </p:nvPicPr>
+        <p:blipFill>
+          <a:blip r:embed="rId3"/>
+          <a:stretch>
+            <a:fillRect/>
+          </a:stretch>
+        </p:blipFill>
+        <p:spPr>
+          <a:xfrm>
+            <a:off x="344489" y="1609540"/>
+            <a:ext cx="6825207" cy="2121990"/>
+          </a:xfrm>
+          <a:prstGeom prst="rect">
+            <a:avLst/>
+          </a:prstGeom>
+        </p:spPr>
+      </p:pic>
+      <p:pic>
+        <p:nvPicPr>
+          <p:cNvPr id="5" name="圖片 4">
+            <a:extLst>
+              <a:ext uri="{FF2B5EF4-FFF2-40B4-BE49-F238E27FC236}">
+                <a16:creationId xmlns:a16="http://schemas.microsoft.com/office/drawing/2014/main" id="{B5050947-0122-42D4-8585-08DDFD5D12CB}"/>
+              </a:ext>
+            </a:extLst>
+          </p:cNvPr>
+          <p:cNvPicPr>
+            <a:picLocks noChangeAspect="1"/>
+          </p:cNvPicPr>
+          <p:nvPr/>
+        </p:nvPicPr>
+        <p:blipFill>
+          <a:blip r:embed="rId4"/>
+          <a:stretch>
+            <a:fillRect/>
+          </a:stretch>
+        </p:blipFill>
+        <p:spPr>
+          <a:xfrm>
+            <a:off x="334011" y="3738507"/>
+            <a:ext cx="6835685" cy="2369845"/>
+          </a:xfrm>
+          <a:prstGeom prst="rect">
+            <a:avLst/>
+          </a:prstGeom>
+        </p:spPr>
+      </p:pic>
+      <p:sp>
+        <p:nvSpPr>
+          <p:cNvPr id="9" name="內容版面配置區 5">
+            <a:extLst>
+              <a:ext uri="{FF2B5EF4-FFF2-40B4-BE49-F238E27FC236}">
+                <a16:creationId xmlns:a16="http://schemas.microsoft.com/office/drawing/2014/main" id="{4E700A2C-04B5-46C4-BBCB-FD5F3FCCB046}"/>
+              </a:ext>
+            </a:extLst>
+          </p:cNvPr>
+          <p:cNvSpPr txBox="1">
+            <a:spLocks/>
+          </p:cNvSpPr>
+          <p:nvPr/>
+        </p:nvSpPr>
+        <p:spPr bwMode="ltGray">
+          <a:xfrm>
+            <a:off x="7498451" y="1151366"/>
+            <a:ext cx="2118387" cy="3213738"/>
+          </a:xfrm>
+          <a:prstGeom prst="rect">
+            <a:avLst/>
+          </a:prstGeom>
+          <a:ln w="9525" cap="flat" cmpd="sng" algn="ctr">
+            <a:solidFill>
+              <a:schemeClr val="accent1"/>
+            </a:solidFill>
+            <a:prstDash val="solid"/>
+            <a:round/>
+            <a:headEnd type="none" w="med" len="med"/>
+            <a:tailEnd type="none" w="med" len="med"/>
+          </a:ln>
+        </p:spPr>
+        <p:style>
+          <a:lnRef idx="0">
+            <a:scrgbClr r="0" g="0" b="0"/>
+          </a:lnRef>
+          <a:fillRef idx="0">
+            <a:scrgbClr r="0" g="0" b="0"/>
+          </a:fillRef>
+          <a:effectRef idx="0">
+            <a:scrgbClr r="0" g="0" b="0"/>
+          </a:effectRef>
+          <a:fontRef idx="minor">
+            <a:schemeClr val="accent1"/>
+          </a:fontRef>
+        </p:style>
+        <p:txBody>
+          <a:bodyPr vert="horz" lIns="91440" tIns="45720" rIns="91440" bIns="45720" rtlCol="0">
+            <a:normAutofit/>
+          </a:bodyPr>
+          <a:lstStyle>
+            <a:lvl1pPr marL="342900" indent="-342900" algn="l" defTabSz="914400" rtl="0" eaLnBrk="1" latinLnBrk="0" hangingPunct="1">
+              <a:lnSpc>
+                <a:spcPct val="100000"/>
+              </a:lnSpc>
+              <a:spcBef>
+                <a:spcPts val="600"/>
+              </a:spcBef>
+              <a:spcAft>
+                <a:spcPts val="600"/>
+              </a:spcAft>
+              <a:buClr>
+                <a:schemeClr val="accent1"/>
+              </a:buClr>
+              <a:buFont typeface="Wingdings" panose="05000000000000000000" pitchFamily="2" charset="2"/>
+              <a:buChar char="l"/>
+              <a:defRPr sz="2800" b="1" kern="1200">
+                <a:solidFill>
+                  <a:srgbClr val="FFFFFF"/>
+                </a:solidFill>
+                <a:latin typeface="+mn-lt"/>
+                <a:ea typeface="+mn-ea"/>
+                <a:cs typeface="+mn-cs"/>
+              </a:defRPr>
+            </a:lvl1pPr>
+            <a:lvl2pPr marL="714375" indent="-352425" algn="l" defTabSz="914400" rtl="0" eaLnBrk="1" latinLnBrk="0" hangingPunct="1">
+              <a:lnSpc>
+                <a:spcPct val="100000"/>
+              </a:lnSpc>
+              <a:spcBef>
+                <a:spcPts val="600"/>
+              </a:spcBef>
+              <a:spcAft>
+                <a:spcPts val="600"/>
+              </a:spcAft>
+              <a:buClr>
+                <a:schemeClr val="accent2"/>
+              </a:buClr>
+              <a:buFont typeface="Wingdings" panose="05000000000000000000" pitchFamily="2" charset="2"/>
+              <a:buChar char="u"/>
+              <a:defRPr sz="2400" b="0" kern="1200">
+                <a:solidFill>
+                  <a:srgbClr val="FFFFFF"/>
+                </a:solidFill>
+                <a:latin typeface="+mn-lt"/>
+                <a:ea typeface="+mn-ea"/>
+                <a:cs typeface="+mn-cs"/>
+              </a:defRPr>
+            </a:lvl2pPr>
+            <a:lvl3pPr marL="1076325" indent="-266700" algn="l" defTabSz="914400" rtl="0" eaLnBrk="1" latinLnBrk="0" hangingPunct="1">
+              <a:lnSpc>
+                <a:spcPct val="100000"/>
+              </a:lnSpc>
+              <a:spcBef>
+                <a:spcPts val="600"/>
+              </a:spcBef>
+              <a:spcAft>
+                <a:spcPts val="600"/>
+              </a:spcAft>
+              <a:buClr>
+                <a:schemeClr val="accent3"/>
+              </a:buClr>
+              <a:buFont typeface="Wingdings" panose="05000000000000000000" pitchFamily="2" charset="2"/>
+              <a:buChar char="p"/>
+              <a:defRPr sz="2000" kern="1200">
+                <a:solidFill>
+                  <a:srgbClr val="FFFFFF"/>
+                </a:solidFill>
+                <a:latin typeface="+mn-lt"/>
+                <a:ea typeface="+mn-ea"/>
+                <a:cs typeface="+mn-cs"/>
+              </a:defRPr>
+            </a:lvl3pPr>
+            <a:lvl4pPr marL="1343025" indent="-180975" algn="l" defTabSz="914400" rtl="0" eaLnBrk="1" latinLnBrk="0" hangingPunct="1">
+              <a:lnSpc>
+                <a:spcPct val="100000"/>
+              </a:lnSpc>
+              <a:spcBef>
+                <a:spcPts val="600"/>
+              </a:spcBef>
+              <a:spcAft>
+                <a:spcPts val="600"/>
+              </a:spcAft>
+              <a:buClr>
+                <a:schemeClr val="accent4"/>
+              </a:buClr>
+              <a:buFont typeface="Wingdings" panose="05000000000000000000" pitchFamily="2" charset="2"/>
+              <a:buChar char="n"/>
+              <a:defRPr sz="1800" kern="1200">
+                <a:solidFill>
+                  <a:srgbClr val="FFFFFF"/>
+                </a:solidFill>
+                <a:latin typeface="+mn-lt"/>
+                <a:ea typeface="+mn-ea"/>
+                <a:cs typeface="+mn-cs"/>
+              </a:defRPr>
+            </a:lvl4pPr>
+            <a:lvl5pPr marL="1619250" indent="-276225" algn="l" defTabSz="914400" rtl="0" eaLnBrk="1" latinLnBrk="0" hangingPunct="1">
+              <a:lnSpc>
+                <a:spcPct val="100000"/>
+              </a:lnSpc>
+              <a:spcBef>
+                <a:spcPts val="600"/>
+              </a:spcBef>
+              <a:spcAft>
+                <a:spcPts val="600"/>
+              </a:spcAft>
+              <a:buClr>
+                <a:schemeClr val="accent5"/>
+              </a:buClr>
+              <a:buFont typeface="Arial" pitchFamily="34" charset="0"/>
+              <a:buChar char="»"/>
+              <a:tabLst>
+                <a:tab pos="7981950" algn="l"/>
+              </a:tabLst>
+              <a:defRPr sz="1800" kern="1200">
+                <a:solidFill>
+                  <a:srgbClr val="FFFFFF"/>
+                </a:solidFill>
+                <a:latin typeface="+mn-lt"/>
+                <a:ea typeface="+mn-ea"/>
+                <a:cs typeface="+mn-cs"/>
+              </a:defRPr>
+            </a:lvl5pPr>
+            <a:lvl6pPr marL="2514600" indent="-228600" algn="l" defTabSz="914400" rtl="0" eaLnBrk="1" latinLnBrk="0" hangingPunct="1">
+              <a:spcBef>
+                <a:spcPct val="20000"/>
+              </a:spcBef>
+              <a:buFont typeface="Arial" pitchFamily="34" charset="0"/>
+              <a:buChar char="•"/>
+              <a:defRPr sz="2000" kern="1200">
+                <a:solidFill>
+                  <a:schemeClr val="accent1"/>
+                </a:solidFill>
+                <a:latin typeface="+mn-lt"/>
+                <a:ea typeface="+mn-ea"/>
+                <a:cs typeface="+mn-cs"/>
+              </a:defRPr>
+            </a:lvl6pPr>
+            <a:lvl7pPr marL="2971800" indent="-228600" algn="l" defTabSz="914400" rtl="0" eaLnBrk="1" latinLnBrk="0" hangingPunct="1">
+              <a:spcBef>
+                <a:spcPct val="20000"/>
+              </a:spcBef>
+              <a:buFont typeface="Arial" pitchFamily="34" charset="0"/>
+              <a:buChar char="•"/>
+              <a:defRPr sz="2000" kern="1200">
+                <a:solidFill>
+                  <a:schemeClr val="accent1"/>
+                </a:solidFill>
+                <a:latin typeface="+mn-lt"/>
+                <a:ea typeface="+mn-ea"/>
+                <a:cs typeface="+mn-cs"/>
+              </a:defRPr>
+            </a:lvl7pPr>
+            <a:lvl8pPr marL="3429000" indent="-228600" algn="l" defTabSz="914400" rtl="0" eaLnBrk="1" latinLnBrk="0" hangingPunct="1">
+              <a:spcBef>
+                <a:spcPct val="20000"/>
+              </a:spcBef>
+              <a:buFont typeface="Arial" pitchFamily="34" charset="0"/>
+              <a:buChar char="•"/>
+              <a:defRPr sz="2000" kern="1200">
+                <a:solidFill>
+                  <a:schemeClr val="accent1"/>
+                </a:solidFill>
+                <a:latin typeface="+mn-lt"/>
+                <a:ea typeface="+mn-ea"/>
+                <a:cs typeface="+mn-cs"/>
+              </a:defRPr>
+            </a:lvl8pPr>
+            <a:lvl9pPr marL="3886200" indent="-228600" algn="l" defTabSz="914400" rtl="0" eaLnBrk="1" latinLnBrk="0" hangingPunct="1">
+              <a:spcBef>
+                <a:spcPct val="20000"/>
+              </a:spcBef>
+              <a:buFont typeface="Arial" pitchFamily="34" charset="0"/>
+              <a:buChar char="•"/>
+              <a:defRPr sz="2000" kern="1200">
+                <a:solidFill>
+                  <a:schemeClr val="accent1"/>
+                </a:solidFill>
+                <a:latin typeface="+mn-lt"/>
+                <a:ea typeface="+mn-ea"/>
+                <a:cs typeface="+mn-cs"/>
+              </a:defRPr>
+            </a:lvl9pPr>
+          </a:lstStyle>
+          <a:p>
+            <a:pPr marL="0" indent="0">
+              <a:buFont typeface="Wingdings" panose="05000000000000000000" pitchFamily="2" charset="2"/>
+              <a:buNone/>
+            </a:pPr>
+            <a:r>
+              <a:rPr lang="zh-TW" altLang="en-US" sz="1800" dirty="0"/>
+              <a:t>畫面中，由上至下，區塊分別為：</a:t>
+            </a:r>
+            <a:endParaRPr lang="en-US" altLang="zh-TW" sz="1800" dirty="0"/>
+          </a:p>
+          <a:p>
+            <a:r>
+              <a:rPr lang="zh-TW" altLang="en-US" sz="1800" dirty="0"/>
+              <a:t>訂單明細區塊：可看到準備結帳的商品資訊。</a:t>
+            </a:r>
+          </a:p>
+          <a:p>
+            <a:r>
+              <a:rPr lang="zh-TW" altLang="en-US" sz="1800" dirty="0"/>
+              <a:t>收件人資訊區塊：請使用者填寫個人資訊以利商品後續寄件與通知。</a:t>
+            </a:r>
           </a:p>
         </p:txBody>
       </p:sp>
@@ -4926,7 +6595,7 @@
 </p:sld>
 </file>
 
-<file path=ppt/slides/slide4.xml><?xml version="1.0" encoding="utf-8"?>
+<file path=ppt/slides/slide6.xml><?xml version="1.0" encoding="utf-8"?>
 <p:sld xmlns:a="http://schemas.openxmlformats.org/drawingml/2006/main" xmlns:r="http://schemas.openxmlformats.org/officeDocument/2006/relationships" xmlns:p="http://schemas.openxmlformats.org/presentationml/2006/main">
   <p:cSld>
     <p:spTree>
@@ -5009,7 +6678,7 @@
 </p:sld>
 </file>
 
-<file path=ppt/slides/slide5.xml><?xml version="1.0" encoding="utf-8"?>
+<file path=ppt/slides/slide7.xml><?xml version="1.0" encoding="utf-8"?>
 <p:sld xmlns:a="http://schemas.openxmlformats.org/drawingml/2006/main" xmlns:r="http://schemas.openxmlformats.org/officeDocument/2006/relationships" xmlns:p="http://schemas.openxmlformats.org/presentationml/2006/main">
   <p:cSld>
     <p:spTree>
@@ -5412,7 +7081,7 @@
 </p:sld>
 </file>
 
-<file path=ppt/slides/slide6.xml><?xml version="1.0" encoding="utf-8"?>
+<file path=ppt/slides/slide8.xml><?xml version="1.0" encoding="utf-8"?>
 <p:sld xmlns:a="http://schemas.openxmlformats.org/drawingml/2006/main" xmlns:r="http://schemas.openxmlformats.org/officeDocument/2006/relationships" xmlns:p="http://schemas.openxmlformats.org/presentationml/2006/main">
   <p:cSld>
     <p:spTree>
@@ -5931,7 +7600,7 @@
 </p:sld>
 </file>
 
-<file path=ppt/slides/slide7.xml><?xml version="1.0" encoding="utf-8"?>
+<file path=ppt/slides/slide9.xml><?xml version="1.0" encoding="utf-8"?>
 <p:sld xmlns:a="http://schemas.openxmlformats.org/drawingml/2006/main" xmlns:r="http://schemas.openxmlformats.org/officeDocument/2006/relationships" xmlns:p="http://schemas.openxmlformats.org/presentationml/2006/main">
   <p:cSld>
     <p:spTree>
@@ -6426,217 +8095,6 @@
     <p:extLst>
       <p:ext uri="{BB962C8B-B14F-4D97-AF65-F5344CB8AC3E}">
         <p14:creationId xmlns:p14="http://schemas.microsoft.com/office/powerpoint/2010/main" val="4201328092"/>
-      </p:ext>
-    </p:extLst>
-  </p:cSld>
-  <p:clrMapOvr>
-    <a:masterClrMapping/>
-  </p:clrMapOvr>
-</p:sld>
-</file>
-
-<file path=ppt/slides/slide8.xml><?xml version="1.0" encoding="utf-8"?>
-<p:sld xmlns:a="http://schemas.openxmlformats.org/drawingml/2006/main" xmlns:r="http://schemas.openxmlformats.org/officeDocument/2006/relationships" xmlns:p="http://schemas.openxmlformats.org/presentationml/2006/main">
-  <p:cSld>
-    <p:spTree>
-      <p:nvGrpSpPr>
-        <p:cNvPr id="1" name=""/>
-        <p:cNvGrpSpPr/>
-        <p:nvPr/>
-      </p:nvGrpSpPr>
-      <p:grpSpPr>
-        <a:xfrm>
-          <a:off x="0" y="0"/>
-          <a:ext cx="0" cy="0"/>
-          <a:chOff x="0" y="0"/>
-          <a:chExt cx="0" cy="0"/>
-        </a:xfrm>
-      </p:grpSpPr>
-      <p:sp>
-        <p:nvSpPr>
-          <p:cNvPr id="2" name="內容版面配置區 1"/>
-          <p:cNvSpPr>
-            <a:spLocks noGrp="1"/>
-          </p:cNvSpPr>
-          <p:nvPr>
-            <p:ph idx="1"/>
-          </p:nvPr>
-        </p:nvSpPr>
-        <p:spPr>
-          <a:xfrm>
-            <a:off x="1065600" y="979200"/>
-            <a:ext cx="7704000" cy="4680520"/>
-          </a:xfrm>
-        </p:spPr>
-        <p:txBody>
-          <a:bodyPr/>
-          <a:lstStyle/>
-          <a:p>
-            <a:r>
-              <a:rPr lang="zh-TW" altLang="en-US" sz="2800" dirty="0"/>
-              <a:t>標題</a:t>
-            </a:r>
-            <a:endParaRPr lang="en-US" altLang="zh-TW" dirty="0"/>
-          </a:p>
-          <a:p>
-            <a:pPr lvl="1"/>
-            <a:r>
-              <a:rPr lang="zh-TW" altLang="en-US" dirty="0"/>
-              <a:t>第二層</a:t>
-            </a:r>
-            <a:endParaRPr lang="en-US" altLang="zh-TW" dirty="0"/>
-          </a:p>
-          <a:p>
-            <a:pPr lvl="2"/>
-            <a:r>
-              <a:rPr lang="zh-TW" altLang="en-US" dirty="0"/>
-              <a:t>第三層</a:t>
-            </a:r>
-            <a:endParaRPr lang="en-US" altLang="zh-TW" dirty="0"/>
-          </a:p>
-          <a:p>
-            <a:pPr lvl="3"/>
-            <a:r>
-              <a:rPr lang="zh-TW" altLang="en-US" dirty="0"/>
-              <a:t>第四層</a:t>
-            </a:r>
-            <a:endParaRPr lang="en-US" altLang="zh-TW" dirty="0"/>
-          </a:p>
-          <a:p>
-            <a:pPr lvl="4"/>
-            <a:r>
-              <a:rPr lang="zh-TW" altLang="en-US" dirty="0"/>
-              <a:t>第五層</a:t>
-            </a:r>
-            <a:endParaRPr lang="en-US" altLang="zh-TW" dirty="0"/>
-          </a:p>
-        </p:txBody>
-      </p:sp>
-      <p:sp>
-        <p:nvSpPr>
-          <p:cNvPr id="4" name="標題 3"/>
-          <p:cNvSpPr>
-            <a:spLocks noGrp="1"/>
-          </p:cNvSpPr>
-          <p:nvPr>
-            <p:ph type="title" idx="4294967295"/>
-          </p:nvPr>
-        </p:nvSpPr>
-        <p:spPr>
-          <a:xfrm>
-            <a:off x="632520" y="83684"/>
-            <a:ext cx="8640960" cy="681020"/>
-          </a:xfrm>
-          <a:prstGeom prst="rect">
-            <a:avLst/>
-          </a:prstGeom>
-        </p:spPr>
-        <p:txBody>
-          <a:bodyPr>
-            <a:normAutofit/>
-          </a:bodyPr>
-          <a:lstStyle/>
-          <a:p>
-            <a:r>
-              <a:rPr lang="zh-TW" altLang="en-US" dirty="0"/>
-              <a:t>填入標題，若不會用到請移除此頁</a:t>
-            </a:r>
-          </a:p>
-        </p:txBody>
-      </p:sp>
-    </p:spTree>
-    <p:extLst>
-      <p:ext uri="{BB962C8B-B14F-4D97-AF65-F5344CB8AC3E}">
-        <p14:creationId xmlns:p14="http://schemas.microsoft.com/office/powerpoint/2010/main" val="1179930141"/>
-      </p:ext>
-    </p:extLst>
-  </p:cSld>
-  <p:clrMapOvr>
-    <a:masterClrMapping/>
-  </p:clrMapOvr>
-</p:sld>
-</file>
-
-<file path=ppt/slides/slide9.xml><?xml version="1.0" encoding="utf-8"?>
-<p:sld xmlns:a="http://schemas.openxmlformats.org/drawingml/2006/main" xmlns:r="http://schemas.openxmlformats.org/officeDocument/2006/relationships" xmlns:p="http://schemas.openxmlformats.org/presentationml/2006/main">
-  <p:cSld>
-    <p:spTree>
-      <p:nvGrpSpPr>
-        <p:cNvPr id="1" name=""/>
-        <p:cNvGrpSpPr/>
-        <p:nvPr/>
-      </p:nvGrpSpPr>
-      <p:grpSpPr>
-        <a:xfrm>
-          <a:off x="0" y="0"/>
-          <a:ext cx="0" cy="0"/>
-          <a:chOff x="0" y="0"/>
-          <a:chExt cx="0" cy="0"/>
-        </a:xfrm>
-      </p:grpSpPr>
-      <p:sp>
-        <p:nvSpPr>
-          <p:cNvPr id="3" name="標題 2">
-            <a:extLst>
-              <a:ext uri="{FF2B5EF4-FFF2-40B4-BE49-F238E27FC236}">
-                <a16:creationId xmlns:a16="http://schemas.microsoft.com/office/drawing/2014/main" id="{E2F12E2F-52EE-CA77-FB53-4EFC2E0F43C3}"/>
-              </a:ext>
-            </a:extLst>
-          </p:cNvPr>
-          <p:cNvSpPr>
-            <a:spLocks noGrp="1"/>
-          </p:cNvSpPr>
-          <p:nvPr>
-            <p:ph type="title"/>
-          </p:nvPr>
-        </p:nvSpPr>
-        <p:spPr/>
-        <p:txBody>
-          <a:bodyPr/>
-          <a:lstStyle/>
-          <a:p>
-            <a:r>
-              <a:rPr lang="zh-TW" altLang="en-US" dirty="0"/>
-              <a:t>填入標題，若不會用到請移除此頁</a:t>
-            </a:r>
-          </a:p>
-        </p:txBody>
-      </p:sp>
-      <p:sp>
-        <p:nvSpPr>
-          <p:cNvPr id="6" name="內容版面配置區 5">
-            <a:extLst>
-              <a:ext uri="{FF2B5EF4-FFF2-40B4-BE49-F238E27FC236}">
-                <a16:creationId xmlns:a16="http://schemas.microsoft.com/office/drawing/2014/main" id="{9080CAA6-5B4D-F32A-847F-6EFB006B3FA3}"/>
-              </a:ext>
-            </a:extLst>
-          </p:cNvPr>
-          <p:cNvSpPr>
-            <a:spLocks noGrp="1"/>
-          </p:cNvSpPr>
-          <p:nvPr>
-            <p:ph idx="1"/>
-          </p:nvPr>
-        </p:nvSpPr>
-        <p:spPr/>
-        <p:txBody>
-          <a:bodyPr/>
-          <a:lstStyle/>
-          <a:p>
-            <a:r>
-              <a:rPr lang="zh-TW" altLang="en-US" dirty="0"/>
-              <a:t>說明文字</a:t>
-            </a:r>
-          </a:p>
-          <a:p>
-            <a:endParaRPr lang="zh-TW" altLang="en-US" dirty="0"/>
-          </a:p>
-        </p:txBody>
-      </p:sp>
-    </p:spTree>
-    <p:extLst>
-      <p:ext uri="{BB962C8B-B14F-4D97-AF65-F5344CB8AC3E}">
-        <p14:creationId xmlns:p14="http://schemas.microsoft.com/office/powerpoint/2010/main" val="2801340232"/>
       </p:ext>
     </p:extLst>
   </p:cSld>

--- a/docs/ppt/chang.pptx
+++ b/docs/ppt/chang.pptx
@@ -5,26 +5,28 @@
     <p:sldMasterId id="2147483664" r:id="rId1"/>
   </p:sldMasterIdLst>
   <p:notesMasterIdLst>
-    <p:notesMasterId r:id="rId16"/>
+    <p:notesMasterId r:id="rId18"/>
   </p:notesMasterIdLst>
   <p:handoutMasterIdLst>
-    <p:handoutMasterId r:id="rId17"/>
+    <p:handoutMasterId r:id="rId19"/>
   </p:handoutMasterIdLst>
   <p:sldIdLst>
     <p:sldId id="276" r:id="rId2"/>
     <p:sldId id="280" r:id="rId3"/>
     <p:sldId id="278" r:id="rId4"/>
     <p:sldId id="281" r:id="rId5"/>
-    <p:sldId id="279" r:id="rId6"/>
-    <p:sldId id="277" r:id="rId7"/>
-    <p:sldId id="264" r:id="rId8"/>
-    <p:sldId id="273" r:id="rId9"/>
-    <p:sldId id="270" r:id="rId10"/>
-    <p:sldId id="271" r:id="rId11"/>
-    <p:sldId id="274" r:id="rId12"/>
-    <p:sldId id="275" r:id="rId13"/>
-    <p:sldId id="265" r:id="rId14"/>
-    <p:sldId id="260" r:id="rId15"/>
+    <p:sldId id="282" r:id="rId6"/>
+    <p:sldId id="279" r:id="rId7"/>
+    <p:sldId id="283" r:id="rId8"/>
+    <p:sldId id="277" r:id="rId9"/>
+    <p:sldId id="264" r:id="rId10"/>
+    <p:sldId id="273" r:id="rId11"/>
+    <p:sldId id="270" r:id="rId12"/>
+    <p:sldId id="271" r:id="rId13"/>
+    <p:sldId id="274" r:id="rId14"/>
+    <p:sldId id="275" r:id="rId15"/>
+    <p:sldId id="265" r:id="rId16"/>
+    <p:sldId id="260" r:id="rId17"/>
   </p:sldIdLst>
   <p:sldSz cx="9906000" cy="6858000" type="A4"/>
   <p:notesSz cx="6807200" cy="9939338"/>
@@ -1883,7 +1885,7 @@
             <a:fld id="{05BF5AB9-3463-4E65-AFD3-5431B79ADFDC}" type="datetimeFigureOut">
               <a:rPr lang="zh-TW" altLang="en-US" smtClean="0"/>
               <a:pPr/>
-              <a:t>2025/3/18</a:t>
+              <a:t>2025/3/26</a:t>
             </a:fld>
             <a:endParaRPr lang="zh-TW" altLang="en-US"/>
           </a:p>
@@ -2050,7 +2052,7 @@
             <a:fld id="{838FF680-7B6B-4655-B6A1-33A8AD0AE8B4}" type="datetimeFigureOut">
               <a:rPr lang="zh-TW" altLang="en-US" smtClean="0"/>
               <a:pPr/>
-              <a:t>2025/3/18</a:t>
+              <a:t>2025/3/26</a:t>
             </a:fld>
             <a:endParaRPr lang="zh-TW" altLang="en-US"/>
           </a:p>
@@ -4441,10 +4443,10 @@
       </p:sp>
       <p:pic>
         <p:nvPicPr>
-          <p:cNvPr id="5" name="圖片 4">
+          <p:cNvPr id="2" name="圖片 1">
             <a:extLst>
               <a:ext uri="{FF2B5EF4-FFF2-40B4-BE49-F238E27FC236}">
-                <a16:creationId xmlns:a16="http://schemas.microsoft.com/office/drawing/2014/main" id="{AFEFF7CA-5C14-4073-A401-B84ECAD4B35C}"/>
+                <a16:creationId xmlns:a16="http://schemas.microsoft.com/office/drawing/2014/main" id="{84F87307-C523-4904-A14F-09CA18654E92}"/>
               </a:ext>
             </a:extLst>
           </p:cNvPr>
@@ -4461,8 +4463,8 @@
         </p:blipFill>
         <p:spPr>
           <a:xfrm>
-            <a:off x="56456" y="1011731"/>
-            <a:ext cx="7113240" cy="477141"/>
+            <a:off x="0" y="1268760"/>
+            <a:ext cx="7169696" cy="290868"/>
           </a:xfrm>
           <a:prstGeom prst="rect">
             <a:avLst/>
@@ -4471,10 +4473,10 @@
       </p:pic>
       <p:pic>
         <p:nvPicPr>
-          <p:cNvPr id="7" name="圖片 6">
+          <p:cNvPr id="4" name="圖片 3">
             <a:extLst>
               <a:ext uri="{FF2B5EF4-FFF2-40B4-BE49-F238E27FC236}">
-                <a16:creationId xmlns:a16="http://schemas.microsoft.com/office/drawing/2014/main" id="{C469ECF1-4179-4777-9202-483F9FF86FB3}"/>
+                <a16:creationId xmlns:a16="http://schemas.microsoft.com/office/drawing/2014/main" id="{BBF2EEA1-244D-4DFB-ADB6-83DE6FFBC062}"/>
               </a:ext>
             </a:extLst>
           </p:cNvPr>
@@ -4491,8 +4493,8 @@
         </p:blipFill>
         <p:spPr>
           <a:xfrm>
-            <a:off x="56456" y="1645662"/>
-            <a:ext cx="7113240" cy="1135266"/>
+            <a:off x="0" y="1645818"/>
+            <a:ext cx="7169696" cy="2270219"/>
           </a:xfrm>
           <a:prstGeom prst="rect">
             <a:avLst/>
@@ -4501,10 +4503,10 @@
       </p:pic>
       <p:pic>
         <p:nvPicPr>
-          <p:cNvPr id="9" name="圖片 8">
+          <p:cNvPr id="8" name="圖片 7">
             <a:extLst>
               <a:ext uri="{FF2B5EF4-FFF2-40B4-BE49-F238E27FC236}">
-                <a16:creationId xmlns:a16="http://schemas.microsoft.com/office/drawing/2014/main" id="{C6207812-60A1-4FF6-B485-08EF7DC59D7B}"/>
+                <a16:creationId xmlns:a16="http://schemas.microsoft.com/office/drawing/2014/main" id="{304B398C-5FC3-4E26-A0A6-AC572D5DAFE4}"/>
               </a:ext>
             </a:extLst>
           </p:cNvPr>
@@ -4521,8 +4523,8 @@
         </p:blipFill>
         <p:spPr>
           <a:xfrm>
-            <a:off x="56456" y="2780928"/>
-            <a:ext cx="7113240" cy="2942955"/>
+            <a:off x="9108" y="3938748"/>
+            <a:ext cx="7169696" cy="2546868"/>
           </a:xfrm>
           <a:prstGeom prst="rect">
             <a:avLst/>
@@ -4561,6 +4563,1029 @@
       </p:grpSpPr>
       <p:sp>
         <p:nvSpPr>
+          <p:cNvPr id="4" name="標題 3"/>
+          <p:cNvSpPr>
+            <a:spLocks noGrp="1"/>
+          </p:cNvSpPr>
+          <p:nvPr>
+            <p:ph type="title" idx="4294967295"/>
+          </p:nvPr>
+        </p:nvSpPr>
+        <p:spPr>
+          <a:xfrm>
+            <a:off x="632520" y="83684"/>
+            <a:ext cx="8640960" cy="681020"/>
+          </a:xfrm>
+          <a:prstGeom prst="rect">
+            <a:avLst/>
+          </a:prstGeom>
+        </p:spPr>
+        <p:txBody>
+          <a:bodyPr/>
+          <a:lstStyle/>
+          <a:p>
+            <a:r>
+              <a:rPr lang="zh-TW" altLang="en-US" dirty="0"/>
+              <a:t>小組成員與分工介紹</a:t>
+            </a:r>
+          </a:p>
+        </p:txBody>
+      </p:sp>
+      <p:sp>
+        <p:nvSpPr>
+          <p:cNvPr id="3" name="內容版面配置區 1">
+            <a:extLst>
+              <a:ext uri="{FF2B5EF4-FFF2-40B4-BE49-F238E27FC236}">
+                <a16:creationId xmlns:a16="http://schemas.microsoft.com/office/drawing/2014/main" id="{DC987D51-13BD-4CA3-9C55-14EE58EBF5B0}"/>
+              </a:ext>
+            </a:extLst>
+          </p:cNvPr>
+          <p:cNvSpPr txBox="1">
+            <a:spLocks/>
+          </p:cNvSpPr>
+          <p:nvPr/>
+        </p:nvSpPr>
+        <p:spPr bwMode="ltGray">
+          <a:xfrm>
+            <a:off x="1065600" y="979200"/>
+            <a:ext cx="7920000" cy="4824536"/>
+          </a:xfrm>
+          <a:prstGeom prst="rect">
+            <a:avLst/>
+          </a:prstGeom>
+        </p:spPr>
+        <p:txBody>
+          <a:bodyPr vert="horz" lIns="91440" tIns="45720" rIns="91440" bIns="45720" rtlCol="0">
+            <a:normAutofit fontScale="55000" lnSpcReduction="20000"/>
+          </a:bodyPr>
+          <a:lstStyle>
+            <a:lvl1pPr marL="342900" indent="-342900" algn="l" defTabSz="914400" rtl="0" eaLnBrk="1" latinLnBrk="0" hangingPunct="1">
+              <a:lnSpc>
+                <a:spcPct val="100000"/>
+              </a:lnSpc>
+              <a:spcBef>
+                <a:spcPts val="600"/>
+              </a:spcBef>
+              <a:spcAft>
+                <a:spcPts val="600"/>
+              </a:spcAft>
+              <a:buClr>
+                <a:schemeClr val="accent1"/>
+              </a:buClr>
+              <a:buFont typeface="Arial" pitchFamily="34" charset="0"/>
+              <a:buChar char="•"/>
+              <a:defRPr sz="2800" b="1" kern="1200">
+                <a:solidFill>
+                  <a:srgbClr val="393939"/>
+                </a:solidFill>
+                <a:latin typeface="微軟正黑體" pitchFamily="34" charset="-120"/>
+                <a:ea typeface="微軟正黑體" pitchFamily="34" charset="-120"/>
+                <a:cs typeface="+mn-cs"/>
+              </a:defRPr>
+            </a:lvl1pPr>
+            <a:lvl2pPr marL="714375" indent="-352425" algn="l" defTabSz="914400" rtl="0" eaLnBrk="1" latinLnBrk="0" hangingPunct="1">
+              <a:lnSpc>
+                <a:spcPct val="100000"/>
+              </a:lnSpc>
+              <a:spcBef>
+                <a:spcPts val="600"/>
+              </a:spcBef>
+              <a:spcAft>
+                <a:spcPts val="600"/>
+              </a:spcAft>
+              <a:buClr>
+                <a:schemeClr val="accent2"/>
+              </a:buClr>
+              <a:buFont typeface="Arial" pitchFamily="34" charset="0"/>
+              <a:buChar char="–"/>
+              <a:defRPr sz="2400" b="1" kern="1200">
+                <a:solidFill>
+                  <a:srgbClr val="393939"/>
+                </a:solidFill>
+                <a:latin typeface="微軟正黑體" pitchFamily="34" charset="-120"/>
+                <a:ea typeface="微軟正黑體" pitchFamily="34" charset="-120"/>
+                <a:cs typeface="+mn-cs"/>
+              </a:defRPr>
+            </a:lvl2pPr>
+            <a:lvl3pPr marL="1076325" indent="-266700" algn="l" defTabSz="914400" rtl="0" eaLnBrk="1" latinLnBrk="0" hangingPunct="1">
+              <a:lnSpc>
+                <a:spcPct val="100000"/>
+              </a:lnSpc>
+              <a:spcBef>
+                <a:spcPts val="600"/>
+              </a:spcBef>
+              <a:spcAft>
+                <a:spcPts val="600"/>
+              </a:spcAft>
+              <a:buClr>
+                <a:schemeClr val="accent3"/>
+              </a:buClr>
+              <a:buFont typeface="Arial" pitchFamily="34" charset="0"/>
+              <a:buChar char="•"/>
+              <a:defRPr sz="2000" kern="1200">
+                <a:solidFill>
+                  <a:srgbClr val="393939"/>
+                </a:solidFill>
+                <a:latin typeface="微軟正黑體" pitchFamily="34" charset="-120"/>
+                <a:ea typeface="微軟正黑體" pitchFamily="34" charset="-120"/>
+                <a:cs typeface="+mn-cs"/>
+              </a:defRPr>
+            </a:lvl3pPr>
+            <a:lvl4pPr marL="1343025" indent="-180975" algn="l" defTabSz="914400" rtl="0" eaLnBrk="1" latinLnBrk="0" hangingPunct="1">
+              <a:lnSpc>
+                <a:spcPct val="100000"/>
+              </a:lnSpc>
+              <a:spcBef>
+                <a:spcPts val="600"/>
+              </a:spcBef>
+              <a:spcAft>
+                <a:spcPts val="600"/>
+              </a:spcAft>
+              <a:buClr>
+                <a:schemeClr val="accent4"/>
+              </a:buClr>
+              <a:buFont typeface="Arial" pitchFamily="34" charset="0"/>
+              <a:buChar char="–"/>
+              <a:defRPr sz="1800" kern="1200">
+                <a:solidFill>
+                  <a:srgbClr val="393939"/>
+                </a:solidFill>
+                <a:latin typeface="微軟正黑體" pitchFamily="34" charset="-120"/>
+                <a:ea typeface="微軟正黑體" pitchFamily="34" charset="-120"/>
+                <a:cs typeface="+mn-cs"/>
+              </a:defRPr>
+            </a:lvl4pPr>
+            <a:lvl5pPr marL="1619250" indent="-276225" algn="l" defTabSz="914400" rtl="0" eaLnBrk="1" latinLnBrk="0" hangingPunct="1">
+              <a:lnSpc>
+                <a:spcPct val="100000"/>
+              </a:lnSpc>
+              <a:spcBef>
+                <a:spcPts val="600"/>
+              </a:spcBef>
+              <a:spcAft>
+                <a:spcPts val="600"/>
+              </a:spcAft>
+              <a:buClr>
+                <a:schemeClr val="accent5"/>
+              </a:buClr>
+              <a:buFont typeface="Arial" pitchFamily="34" charset="0"/>
+              <a:buChar char="»"/>
+              <a:tabLst>
+                <a:tab pos="7981950" algn="l"/>
+              </a:tabLst>
+              <a:defRPr sz="1800" kern="1200">
+                <a:solidFill>
+                  <a:srgbClr val="393939"/>
+                </a:solidFill>
+                <a:latin typeface="微軟正黑體" pitchFamily="34" charset="-120"/>
+                <a:ea typeface="微軟正黑體" pitchFamily="34" charset="-120"/>
+                <a:cs typeface="+mn-cs"/>
+              </a:defRPr>
+            </a:lvl5pPr>
+            <a:lvl6pPr marL="2514600" indent="-228600" algn="l" defTabSz="914400" rtl="0" eaLnBrk="1" latinLnBrk="0" hangingPunct="1">
+              <a:spcBef>
+                <a:spcPct val="20000"/>
+              </a:spcBef>
+              <a:buFont typeface="Arial" pitchFamily="34" charset="0"/>
+              <a:buChar char="•"/>
+              <a:defRPr sz="2000" kern="1200">
+                <a:solidFill>
+                  <a:schemeClr val="tx1"/>
+                </a:solidFill>
+                <a:latin typeface="+mn-lt"/>
+                <a:ea typeface="+mn-ea"/>
+                <a:cs typeface="+mn-cs"/>
+              </a:defRPr>
+            </a:lvl6pPr>
+            <a:lvl7pPr marL="2971800" indent="-228600" algn="l" defTabSz="914400" rtl="0" eaLnBrk="1" latinLnBrk="0" hangingPunct="1">
+              <a:spcBef>
+                <a:spcPct val="20000"/>
+              </a:spcBef>
+              <a:buFont typeface="Arial" pitchFamily="34" charset="0"/>
+              <a:buChar char="•"/>
+              <a:defRPr sz="2000" kern="1200">
+                <a:solidFill>
+                  <a:schemeClr val="tx1"/>
+                </a:solidFill>
+                <a:latin typeface="+mn-lt"/>
+                <a:ea typeface="+mn-ea"/>
+                <a:cs typeface="+mn-cs"/>
+              </a:defRPr>
+            </a:lvl7pPr>
+            <a:lvl8pPr marL="3429000" indent="-228600" algn="l" defTabSz="914400" rtl="0" eaLnBrk="1" latinLnBrk="0" hangingPunct="1">
+              <a:spcBef>
+                <a:spcPct val="20000"/>
+              </a:spcBef>
+              <a:buFont typeface="Arial" pitchFamily="34" charset="0"/>
+              <a:buChar char="•"/>
+              <a:defRPr sz="2000" kern="1200">
+                <a:solidFill>
+                  <a:schemeClr val="tx1"/>
+                </a:solidFill>
+                <a:latin typeface="+mn-lt"/>
+                <a:ea typeface="+mn-ea"/>
+                <a:cs typeface="+mn-cs"/>
+              </a:defRPr>
+            </a:lvl8pPr>
+            <a:lvl9pPr marL="3886200" indent="-228600" algn="l" defTabSz="914400" rtl="0" eaLnBrk="1" latinLnBrk="0" hangingPunct="1">
+              <a:spcBef>
+                <a:spcPct val="20000"/>
+              </a:spcBef>
+              <a:buFont typeface="Arial" pitchFamily="34" charset="0"/>
+              <a:buChar char="•"/>
+              <a:defRPr sz="2000" kern="1200">
+                <a:solidFill>
+                  <a:schemeClr val="tx1"/>
+                </a:solidFill>
+                <a:latin typeface="+mn-lt"/>
+                <a:ea typeface="+mn-ea"/>
+                <a:cs typeface="+mn-cs"/>
+              </a:defRPr>
+            </a:lvl9pPr>
+          </a:lstStyle>
+          <a:p>
+            <a:pPr>
+              <a:lnSpc>
+                <a:spcPts val="3600"/>
+              </a:lnSpc>
+              <a:buFont typeface="Wingdings" panose="05000000000000000000" pitchFamily="2" charset="2"/>
+              <a:buChar char="l"/>
+            </a:pPr>
+            <a:r>
+              <a:rPr lang="zh-TW" altLang="en-US" dirty="0">
+                <a:solidFill>
+                  <a:schemeClr val="bg1"/>
+                </a:solidFill>
+              </a:rPr>
+              <a:t>許清彰：商城、結帳畫面、商品頁面、</a:t>
+            </a:r>
+            <a:r>
+              <a:rPr lang="en-US" altLang="zh-TW" dirty="0">
+                <a:solidFill>
+                  <a:schemeClr val="bg1"/>
+                </a:solidFill>
+              </a:rPr>
+              <a:t>GitHub</a:t>
+            </a:r>
+            <a:r>
+              <a:rPr lang="zh-TW" altLang="en-US" dirty="0">
+                <a:solidFill>
+                  <a:schemeClr val="bg1"/>
+                </a:solidFill>
+              </a:rPr>
+              <a:t>專案庫建置、資料表設計、企劃書整理、專題說明文件</a:t>
+            </a:r>
+            <a:endParaRPr kumimoji="0" lang="en-US" altLang="zh-TW" sz="2800" b="1" i="0" u="none" strike="noStrike" kern="1200" cap="none" spc="0" normalizeH="0" baseline="0" noProof="0" dirty="0">
+              <a:ln>
+                <a:noFill/>
+              </a:ln>
+              <a:solidFill>
+                <a:schemeClr val="bg1"/>
+              </a:solidFill>
+              <a:effectLst/>
+              <a:uLnTx/>
+              <a:uFillTx/>
+              <a:latin typeface="微軟正黑體" pitchFamily="34" charset="-120"/>
+              <a:ea typeface="微軟正黑體" pitchFamily="34" charset="-120"/>
+              <a:cs typeface="+mn-cs"/>
+            </a:endParaRPr>
+          </a:p>
+          <a:p>
+            <a:pPr>
+              <a:lnSpc>
+                <a:spcPts val="3600"/>
+              </a:lnSpc>
+              <a:buFont typeface="Wingdings" panose="05000000000000000000" pitchFamily="2" charset="2"/>
+              <a:buChar char="l"/>
+            </a:pPr>
+            <a:r>
+              <a:rPr lang="zh-TW" altLang="en-US" dirty="0">
+                <a:solidFill>
+                  <a:schemeClr val="bg1"/>
+                </a:solidFill>
+              </a:rPr>
+              <a:t>林楷紘：商城、結帳畫面、商品頁面、</a:t>
+            </a:r>
+            <a:r>
+              <a:rPr lang="en-US" altLang="zh-TW" dirty="0">
+                <a:solidFill>
+                  <a:schemeClr val="bg1"/>
+                </a:solidFill>
+              </a:rPr>
+              <a:t>GitHub</a:t>
+            </a:r>
+            <a:r>
+              <a:rPr lang="zh-TW" altLang="en-US" dirty="0">
+                <a:solidFill>
+                  <a:schemeClr val="bg1"/>
+                </a:solidFill>
+              </a:rPr>
+              <a:t>專案庫建置、資料表設計、企劃書整理、專題說明文件</a:t>
+            </a:r>
+            <a:endParaRPr lang="en-US" altLang="zh-TW" dirty="0">
+              <a:solidFill>
+                <a:schemeClr val="bg1"/>
+              </a:solidFill>
+            </a:endParaRPr>
+          </a:p>
+          <a:p>
+            <a:pPr>
+              <a:lnSpc>
+                <a:spcPts val="3600"/>
+              </a:lnSpc>
+              <a:buFont typeface="Wingdings" panose="05000000000000000000" pitchFamily="2" charset="2"/>
+              <a:buChar char="l"/>
+            </a:pPr>
+            <a:r>
+              <a:rPr lang="zh-TW" altLang="en-US" dirty="0">
+                <a:solidFill>
+                  <a:schemeClr val="bg1"/>
+                </a:solidFill>
+              </a:rPr>
+              <a:t>紀皓騫：首頁、新聞區、新聞文章、頁面草圖、初版模板</a:t>
+            </a:r>
+            <a:r>
+              <a:rPr lang="en-US" altLang="zh-TW" dirty="0">
+                <a:solidFill>
+                  <a:schemeClr val="bg1"/>
+                </a:solidFill>
+              </a:rPr>
+              <a:t>layout</a:t>
+            </a:r>
+            <a:r>
+              <a:rPr lang="zh-TW" altLang="en-US" dirty="0">
+                <a:solidFill>
+                  <a:schemeClr val="bg1"/>
+                </a:solidFill>
+              </a:rPr>
+              <a:t>、資料表設計</a:t>
+            </a:r>
+            <a:endParaRPr lang="en-US" altLang="zh-TW" dirty="0">
+              <a:solidFill>
+                <a:schemeClr val="bg1"/>
+              </a:solidFill>
+            </a:endParaRPr>
+          </a:p>
+          <a:p>
+            <a:pPr>
+              <a:lnSpc>
+                <a:spcPts val="3600"/>
+              </a:lnSpc>
+              <a:buFont typeface="Wingdings" panose="05000000000000000000" pitchFamily="2" charset="2"/>
+              <a:buChar char="l"/>
+            </a:pPr>
+            <a:r>
+              <a:rPr lang="zh-TW" altLang="en-US" dirty="0">
+                <a:solidFill>
+                  <a:schemeClr val="bg1"/>
+                </a:solidFill>
+              </a:rPr>
+              <a:t>熊偉誌：個人頁面、登入／註冊頁面、設定頁面、系統架構圖、資料表設計</a:t>
+            </a:r>
+            <a:endParaRPr lang="en-US" altLang="zh-TW" dirty="0">
+              <a:solidFill>
+                <a:schemeClr val="bg1"/>
+              </a:solidFill>
+            </a:endParaRPr>
+          </a:p>
+          <a:p>
+            <a:pPr>
+              <a:lnSpc>
+                <a:spcPts val="3600"/>
+              </a:lnSpc>
+              <a:buFont typeface="Wingdings" panose="05000000000000000000" pitchFamily="2" charset="2"/>
+              <a:buChar char="l"/>
+            </a:pPr>
+            <a:r>
+              <a:rPr lang="zh-TW" altLang="en-US" dirty="0">
+                <a:solidFill>
+                  <a:schemeClr val="bg1"/>
+                </a:solidFill>
+              </a:rPr>
+              <a:t>廖士傑：看板頁面</a:t>
+            </a:r>
+            <a:r>
+              <a:rPr lang="en-US" altLang="zh-TW" dirty="0">
+                <a:solidFill>
+                  <a:schemeClr val="bg1"/>
+                </a:solidFill>
+              </a:rPr>
+              <a:t>(</a:t>
+            </a:r>
+            <a:r>
+              <a:rPr lang="zh-TW" altLang="en-US" dirty="0">
+                <a:solidFill>
+                  <a:schemeClr val="bg1"/>
+                </a:solidFill>
+              </a:rPr>
+              <a:t>看板類別</a:t>
+            </a:r>
+            <a:r>
+              <a:rPr lang="en-US" altLang="zh-TW" dirty="0">
+                <a:solidFill>
+                  <a:schemeClr val="bg1"/>
+                </a:solidFill>
+              </a:rPr>
+              <a:t>)</a:t>
+            </a:r>
+            <a:r>
+              <a:rPr lang="zh-TW" altLang="en-US" dirty="0">
+                <a:solidFill>
+                  <a:schemeClr val="bg1"/>
+                </a:solidFill>
+              </a:rPr>
+              <a:t>、討論區</a:t>
+            </a:r>
+            <a:r>
+              <a:rPr lang="en-US" altLang="zh-TW" dirty="0">
+                <a:solidFill>
+                  <a:schemeClr val="bg1"/>
+                </a:solidFill>
+              </a:rPr>
+              <a:t>(</a:t>
+            </a:r>
+            <a:r>
+              <a:rPr lang="zh-TW" altLang="en-US" dirty="0">
+                <a:solidFill>
+                  <a:schemeClr val="bg1"/>
+                </a:solidFill>
+              </a:rPr>
+              <a:t>文章列表</a:t>
+            </a:r>
+            <a:r>
+              <a:rPr lang="en-US" altLang="zh-TW" dirty="0">
+                <a:solidFill>
+                  <a:schemeClr val="bg1"/>
+                </a:solidFill>
+              </a:rPr>
+              <a:t>)</a:t>
+            </a:r>
+            <a:r>
+              <a:rPr lang="zh-TW" altLang="en-US">
+                <a:solidFill>
+                  <a:schemeClr val="bg1"/>
+                </a:solidFill>
+              </a:rPr>
+              <a:t>、訂單紀錄</a:t>
+            </a:r>
+            <a:endParaRPr lang="en-US" altLang="zh-TW" dirty="0">
+              <a:solidFill>
+                <a:schemeClr val="bg1"/>
+              </a:solidFill>
+            </a:endParaRPr>
+          </a:p>
+          <a:p>
+            <a:pPr>
+              <a:lnSpc>
+                <a:spcPts val="3600"/>
+              </a:lnSpc>
+              <a:buFont typeface="Wingdings" panose="05000000000000000000" pitchFamily="2" charset="2"/>
+              <a:buChar char="l"/>
+            </a:pPr>
+            <a:endParaRPr lang="en-US" altLang="zh-TW" dirty="0">
+              <a:solidFill>
+                <a:schemeClr val="bg1"/>
+              </a:solidFill>
+            </a:endParaRPr>
+          </a:p>
+        </p:txBody>
+      </p:sp>
+    </p:spTree>
+    <p:extLst>
+      <p:ext uri="{BB962C8B-B14F-4D97-AF65-F5344CB8AC3E}">
+        <p14:creationId xmlns:p14="http://schemas.microsoft.com/office/powerpoint/2010/main" val="1179930141"/>
+      </p:ext>
+    </p:extLst>
+  </p:cSld>
+  <p:clrMapOvr>
+    <a:masterClrMapping/>
+  </p:clrMapOvr>
+</p:sld>
+</file>
+
+<file path=ppt/slides/slide11.xml><?xml version="1.0" encoding="utf-8"?>
+<p:sld xmlns:a="http://schemas.openxmlformats.org/drawingml/2006/main" xmlns:r="http://schemas.openxmlformats.org/officeDocument/2006/relationships" xmlns:p="http://schemas.openxmlformats.org/presentationml/2006/main">
+  <p:cSld>
+    <p:spTree>
+      <p:nvGrpSpPr>
+        <p:cNvPr id="1" name=""/>
+        <p:cNvGrpSpPr/>
+        <p:nvPr/>
+      </p:nvGrpSpPr>
+      <p:grpSpPr>
+        <a:xfrm>
+          <a:off x="0" y="0"/>
+          <a:ext cx="0" cy="0"/>
+          <a:chOff x="0" y="0"/>
+          <a:chExt cx="0" cy="0"/>
+        </a:xfrm>
+      </p:grpSpPr>
+      <p:sp>
+        <p:nvSpPr>
+          <p:cNvPr id="4" name="標題 3"/>
+          <p:cNvSpPr>
+            <a:spLocks noGrp="1"/>
+          </p:cNvSpPr>
+          <p:nvPr>
+            <p:ph type="title" idx="4294967295"/>
+          </p:nvPr>
+        </p:nvSpPr>
+        <p:spPr>
+          <a:xfrm>
+            <a:off x="632520" y="72008"/>
+            <a:ext cx="8640960" cy="692696"/>
+          </a:xfrm>
+          <a:prstGeom prst="rect">
+            <a:avLst/>
+          </a:prstGeom>
+        </p:spPr>
+        <p:txBody>
+          <a:bodyPr/>
+          <a:lstStyle/>
+          <a:p>
+            <a:r>
+              <a:rPr lang="zh-TW" altLang="en-US" dirty="0"/>
+              <a:t>大綱</a:t>
+            </a:r>
+          </a:p>
+        </p:txBody>
+      </p:sp>
+      <p:sp>
+        <p:nvSpPr>
+          <p:cNvPr id="6" name="內容版面配置區 1"/>
+          <p:cNvSpPr txBox="1">
+            <a:spLocks/>
+          </p:cNvSpPr>
+          <p:nvPr/>
+        </p:nvSpPr>
+        <p:spPr bwMode="ltGray">
+          <a:xfrm>
+            <a:off x="1065600" y="979200"/>
+            <a:ext cx="7920000" cy="4824536"/>
+          </a:xfrm>
+          <a:prstGeom prst="rect">
+            <a:avLst/>
+          </a:prstGeom>
+        </p:spPr>
+        <p:txBody>
+          <a:bodyPr vert="horz" lIns="91440" tIns="45720" rIns="91440" bIns="45720" rtlCol="0">
+            <a:normAutofit/>
+          </a:bodyPr>
+          <a:lstStyle>
+            <a:lvl1pPr marL="342900" indent="-342900" algn="l" defTabSz="914400" rtl="0" eaLnBrk="1" latinLnBrk="0" hangingPunct="1">
+              <a:lnSpc>
+                <a:spcPct val="100000"/>
+              </a:lnSpc>
+              <a:spcBef>
+                <a:spcPts val="600"/>
+              </a:spcBef>
+              <a:spcAft>
+                <a:spcPts val="600"/>
+              </a:spcAft>
+              <a:buClr>
+                <a:schemeClr val="accent1"/>
+              </a:buClr>
+              <a:buFont typeface="Arial" pitchFamily="34" charset="0"/>
+              <a:buChar char="•"/>
+              <a:defRPr sz="2800" b="1" kern="1200">
+                <a:solidFill>
+                  <a:srgbClr val="393939"/>
+                </a:solidFill>
+                <a:latin typeface="微軟正黑體" pitchFamily="34" charset="-120"/>
+                <a:ea typeface="微軟正黑體" pitchFamily="34" charset="-120"/>
+                <a:cs typeface="+mn-cs"/>
+              </a:defRPr>
+            </a:lvl1pPr>
+            <a:lvl2pPr marL="714375" indent="-352425" algn="l" defTabSz="914400" rtl="0" eaLnBrk="1" latinLnBrk="0" hangingPunct="1">
+              <a:lnSpc>
+                <a:spcPct val="100000"/>
+              </a:lnSpc>
+              <a:spcBef>
+                <a:spcPts val="600"/>
+              </a:spcBef>
+              <a:spcAft>
+                <a:spcPts val="600"/>
+              </a:spcAft>
+              <a:buClr>
+                <a:schemeClr val="accent2"/>
+              </a:buClr>
+              <a:buFont typeface="Arial" pitchFamily="34" charset="0"/>
+              <a:buChar char="–"/>
+              <a:defRPr sz="2400" b="1" kern="1200">
+                <a:solidFill>
+                  <a:srgbClr val="393939"/>
+                </a:solidFill>
+                <a:latin typeface="微軟正黑體" pitchFamily="34" charset="-120"/>
+                <a:ea typeface="微軟正黑體" pitchFamily="34" charset="-120"/>
+                <a:cs typeface="+mn-cs"/>
+              </a:defRPr>
+            </a:lvl2pPr>
+            <a:lvl3pPr marL="1076325" indent="-266700" algn="l" defTabSz="914400" rtl="0" eaLnBrk="1" latinLnBrk="0" hangingPunct="1">
+              <a:lnSpc>
+                <a:spcPct val="100000"/>
+              </a:lnSpc>
+              <a:spcBef>
+                <a:spcPts val="600"/>
+              </a:spcBef>
+              <a:spcAft>
+                <a:spcPts val="600"/>
+              </a:spcAft>
+              <a:buClr>
+                <a:schemeClr val="accent3"/>
+              </a:buClr>
+              <a:buFont typeface="Arial" pitchFamily="34" charset="0"/>
+              <a:buChar char="•"/>
+              <a:defRPr sz="2000" kern="1200">
+                <a:solidFill>
+                  <a:srgbClr val="393939"/>
+                </a:solidFill>
+                <a:latin typeface="微軟正黑體" pitchFamily="34" charset="-120"/>
+                <a:ea typeface="微軟正黑體" pitchFamily="34" charset="-120"/>
+                <a:cs typeface="+mn-cs"/>
+              </a:defRPr>
+            </a:lvl3pPr>
+            <a:lvl4pPr marL="1343025" indent="-180975" algn="l" defTabSz="914400" rtl="0" eaLnBrk="1" latinLnBrk="0" hangingPunct="1">
+              <a:lnSpc>
+                <a:spcPct val="100000"/>
+              </a:lnSpc>
+              <a:spcBef>
+                <a:spcPts val="600"/>
+              </a:spcBef>
+              <a:spcAft>
+                <a:spcPts val="600"/>
+              </a:spcAft>
+              <a:buClr>
+                <a:schemeClr val="accent4"/>
+              </a:buClr>
+              <a:buFont typeface="Arial" pitchFamily="34" charset="0"/>
+              <a:buChar char="–"/>
+              <a:defRPr sz="1800" kern="1200">
+                <a:solidFill>
+                  <a:srgbClr val="393939"/>
+                </a:solidFill>
+                <a:latin typeface="微軟正黑體" pitchFamily="34" charset="-120"/>
+                <a:ea typeface="微軟正黑體" pitchFamily="34" charset="-120"/>
+                <a:cs typeface="+mn-cs"/>
+              </a:defRPr>
+            </a:lvl4pPr>
+            <a:lvl5pPr marL="1619250" indent="-276225" algn="l" defTabSz="914400" rtl="0" eaLnBrk="1" latinLnBrk="0" hangingPunct="1">
+              <a:lnSpc>
+                <a:spcPct val="100000"/>
+              </a:lnSpc>
+              <a:spcBef>
+                <a:spcPts val="600"/>
+              </a:spcBef>
+              <a:spcAft>
+                <a:spcPts val="600"/>
+              </a:spcAft>
+              <a:buClr>
+                <a:schemeClr val="accent5"/>
+              </a:buClr>
+              <a:buFont typeface="Arial" pitchFamily="34" charset="0"/>
+              <a:buChar char="»"/>
+              <a:tabLst>
+                <a:tab pos="7981950" algn="l"/>
+              </a:tabLst>
+              <a:defRPr sz="1800" kern="1200">
+                <a:solidFill>
+                  <a:srgbClr val="393939"/>
+                </a:solidFill>
+                <a:latin typeface="微軟正黑體" pitchFamily="34" charset="-120"/>
+                <a:ea typeface="微軟正黑體" pitchFamily="34" charset="-120"/>
+                <a:cs typeface="+mn-cs"/>
+              </a:defRPr>
+            </a:lvl5pPr>
+            <a:lvl6pPr marL="2514600" indent="-228600" algn="l" defTabSz="914400" rtl="0" eaLnBrk="1" latinLnBrk="0" hangingPunct="1">
+              <a:spcBef>
+                <a:spcPct val="20000"/>
+              </a:spcBef>
+              <a:buFont typeface="Arial" pitchFamily="34" charset="0"/>
+              <a:buChar char="•"/>
+              <a:defRPr sz="2000" kern="1200">
+                <a:solidFill>
+                  <a:schemeClr val="tx1"/>
+                </a:solidFill>
+                <a:latin typeface="+mn-lt"/>
+                <a:ea typeface="+mn-ea"/>
+                <a:cs typeface="+mn-cs"/>
+              </a:defRPr>
+            </a:lvl6pPr>
+            <a:lvl7pPr marL="2971800" indent="-228600" algn="l" defTabSz="914400" rtl="0" eaLnBrk="1" latinLnBrk="0" hangingPunct="1">
+              <a:spcBef>
+                <a:spcPct val="20000"/>
+              </a:spcBef>
+              <a:buFont typeface="Arial" pitchFamily="34" charset="0"/>
+              <a:buChar char="•"/>
+              <a:defRPr sz="2000" kern="1200">
+                <a:solidFill>
+                  <a:schemeClr val="tx1"/>
+                </a:solidFill>
+                <a:latin typeface="+mn-lt"/>
+                <a:ea typeface="+mn-ea"/>
+                <a:cs typeface="+mn-cs"/>
+              </a:defRPr>
+            </a:lvl7pPr>
+            <a:lvl8pPr marL="3429000" indent="-228600" algn="l" defTabSz="914400" rtl="0" eaLnBrk="1" latinLnBrk="0" hangingPunct="1">
+              <a:spcBef>
+                <a:spcPct val="20000"/>
+              </a:spcBef>
+              <a:buFont typeface="Arial" pitchFamily="34" charset="0"/>
+              <a:buChar char="•"/>
+              <a:defRPr sz="2000" kern="1200">
+                <a:solidFill>
+                  <a:schemeClr val="tx1"/>
+                </a:solidFill>
+                <a:latin typeface="+mn-lt"/>
+                <a:ea typeface="+mn-ea"/>
+                <a:cs typeface="+mn-cs"/>
+              </a:defRPr>
+            </a:lvl8pPr>
+            <a:lvl9pPr marL="3886200" indent="-228600" algn="l" defTabSz="914400" rtl="0" eaLnBrk="1" latinLnBrk="0" hangingPunct="1">
+              <a:spcBef>
+                <a:spcPct val="20000"/>
+              </a:spcBef>
+              <a:buFont typeface="Arial" pitchFamily="34" charset="0"/>
+              <a:buChar char="•"/>
+              <a:defRPr sz="2000" kern="1200">
+                <a:solidFill>
+                  <a:schemeClr val="tx1"/>
+                </a:solidFill>
+                <a:latin typeface="+mn-lt"/>
+                <a:ea typeface="+mn-ea"/>
+                <a:cs typeface="+mn-cs"/>
+              </a:defRPr>
+            </a:lvl9pPr>
+          </a:lstStyle>
+          <a:p>
+            <a:pPr>
+              <a:lnSpc>
+                <a:spcPts val="3600"/>
+              </a:lnSpc>
+              <a:buFont typeface="Wingdings" panose="05000000000000000000" pitchFamily="2" charset="2"/>
+              <a:buChar char="l"/>
+            </a:pPr>
+            <a:r>
+              <a:rPr kumimoji="0" lang="zh-TW" altLang="en-US" sz="2800" b="1" i="0" u="none" strike="noStrike" kern="1200" cap="none" spc="0" normalizeH="0" baseline="0" noProof="0" dirty="0">
+                <a:ln>
+                  <a:noFill/>
+                </a:ln>
+                <a:solidFill>
+                  <a:schemeClr val="bg1"/>
+                </a:solidFill>
+                <a:effectLst/>
+                <a:uLnTx/>
+                <a:uFillTx/>
+                <a:latin typeface="微軟正黑體" pitchFamily="34" charset="-120"/>
+                <a:ea typeface="微軟正黑體" pitchFamily="34" charset="-120"/>
+                <a:cs typeface="+mn-cs"/>
+              </a:rPr>
+              <a:t>標題標題標題標題標題標題標題</a:t>
+            </a:r>
+            <a:endParaRPr kumimoji="0" lang="en-US" altLang="zh-TW" sz="2800" b="1" i="0" u="none" strike="noStrike" kern="1200" cap="none" spc="0" normalizeH="0" baseline="0" noProof="0" dirty="0">
+              <a:ln>
+                <a:noFill/>
+              </a:ln>
+              <a:solidFill>
+                <a:schemeClr val="bg1"/>
+              </a:solidFill>
+              <a:effectLst/>
+              <a:uLnTx/>
+              <a:uFillTx/>
+              <a:latin typeface="微軟正黑體" pitchFamily="34" charset="-120"/>
+              <a:ea typeface="微軟正黑體" pitchFamily="34" charset="-120"/>
+              <a:cs typeface="+mn-cs"/>
+            </a:endParaRPr>
+          </a:p>
+          <a:p>
+            <a:pPr marR="0" lvl="1" algn="l" defTabSz="914400" rtl="0" eaLnBrk="1" fontAlgn="auto" latinLnBrk="0" hangingPunct="1">
+              <a:lnSpc>
+                <a:spcPts val="3600"/>
+              </a:lnSpc>
+              <a:spcBef>
+                <a:spcPts val="600"/>
+              </a:spcBef>
+              <a:spcAft>
+                <a:spcPts val="600"/>
+              </a:spcAft>
+              <a:buClr>
+                <a:srgbClr val="42BBC6"/>
+              </a:buClr>
+              <a:buSzTx/>
+              <a:buFont typeface="Wingdings" panose="05000000000000000000" pitchFamily="2" charset="2"/>
+              <a:buChar char="u"/>
+              <a:tabLst/>
+              <a:defRPr/>
+            </a:pPr>
+            <a:r>
+              <a:rPr kumimoji="0" lang="zh-TW" altLang="en-US" sz="2400" b="1" i="0" u="none" strike="noStrike" kern="1200" cap="none" spc="0" normalizeH="0" baseline="0" noProof="0" dirty="0">
+                <a:ln>
+                  <a:noFill/>
+                </a:ln>
+                <a:solidFill>
+                  <a:schemeClr val="bg1"/>
+                </a:solidFill>
+                <a:effectLst/>
+                <a:uLnTx/>
+                <a:uFillTx/>
+                <a:latin typeface="微軟正黑體" pitchFamily="34" charset="-120"/>
+                <a:ea typeface="微軟正黑體" pitchFamily="34" charset="-120"/>
+                <a:cs typeface="+mn-cs"/>
+              </a:rPr>
+              <a:t>細項內容內容內容</a:t>
+            </a:r>
+            <a:endParaRPr kumimoji="0" lang="en-US" altLang="zh-TW" sz="2400" b="1" i="0" u="none" strike="noStrike" kern="1200" cap="none" spc="0" normalizeH="0" baseline="0" noProof="0" dirty="0">
+              <a:ln>
+                <a:noFill/>
+              </a:ln>
+              <a:solidFill>
+                <a:schemeClr val="bg1"/>
+              </a:solidFill>
+              <a:effectLst/>
+              <a:uLnTx/>
+              <a:uFillTx/>
+              <a:latin typeface="微軟正黑體" pitchFamily="34" charset="-120"/>
+              <a:ea typeface="微軟正黑體" pitchFamily="34" charset="-120"/>
+              <a:cs typeface="+mn-cs"/>
+            </a:endParaRPr>
+          </a:p>
+          <a:p>
+            <a:pPr>
+              <a:lnSpc>
+                <a:spcPts val="3600"/>
+              </a:lnSpc>
+              <a:buFont typeface="Wingdings" panose="05000000000000000000" pitchFamily="2" charset="2"/>
+              <a:buChar char="l"/>
+            </a:pPr>
+            <a:r>
+              <a:rPr lang="zh-TW" altLang="en-US" dirty="0">
+                <a:solidFill>
+                  <a:schemeClr val="bg1"/>
+                </a:solidFill>
+              </a:rPr>
+              <a:t>標題標題標題標題標題標題標題</a:t>
+            </a:r>
+            <a:endParaRPr lang="en-US" altLang="zh-TW" dirty="0">
+              <a:solidFill>
+                <a:schemeClr val="bg1"/>
+              </a:solidFill>
+            </a:endParaRPr>
+          </a:p>
+          <a:p>
+            <a:pPr lvl="1">
+              <a:lnSpc>
+                <a:spcPts val="3600"/>
+              </a:lnSpc>
+              <a:buClr>
+                <a:srgbClr val="42BBC6"/>
+              </a:buClr>
+              <a:buFont typeface="Wingdings" panose="05000000000000000000" pitchFamily="2" charset="2"/>
+              <a:buChar char="u"/>
+              <a:defRPr/>
+            </a:pPr>
+            <a:r>
+              <a:rPr lang="zh-TW" altLang="en-US" dirty="0">
+                <a:solidFill>
+                  <a:schemeClr val="bg1"/>
+                </a:solidFill>
+              </a:rPr>
+              <a:t>細項內容內容內容</a:t>
+            </a:r>
+            <a:endParaRPr lang="en-US" altLang="zh-TW" dirty="0">
+              <a:solidFill>
+                <a:schemeClr val="bg1"/>
+              </a:solidFill>
+            </a:endParaRPr>
+          </a:p>
+          <a:p>
+            <a:pPr>
+              <a:lnSpc>
+                <a:spcPts val="3600"/>
+              </a:lnSpc>
+              <a:buFont typeface="Wingdings" panose="05000000000000000000" pitchFamily="2" charset="2"/>
+              <a:buChar char="l"/>
+            </a:pPr>
+            <a:r>
+              <a:rPr lang="zh-TW" altLang="en-US" dirty="0">
+                <a:solidFill>
+                  <a:schemeClr val="bg1"/>
+                </a:solidFill>
+              </a:rPr>
+              <a:t>標題標題標題標題標題標題標題</a:t>
+            </a:r>
+            <a:endParaRPr lang="en-US" altLang="zh-TW" dirty="0">
+              <a:solidFill>
+                <a:schemeClr val="bg1"/>
+              </a:solidFill>
+            </a:endParaRPr>
+          </a:p>
+          <a:p>
+            <a:pPr lvl="1">
+              <a:lnSpc>
+                <a:spcPts val="3600"/>
+              </a:lnSpc>
+              <a:buClr>
+                <a:srgbClr val="42BBC6"/>
+              </a:buClr>
+              <a:buFont typeface="Wingdings" panose="05000000000000000000" pitchFamily="2" charset="2"/>
+              <a:buChar char="u"/>
+              <a:defRPr/>
+            </a:pPr>
+            <a:r>
+              <a:rPr lang="zh-TW" altLang="en-US" dirty="0">
+                <a:solidFill>
+                  <a:schemeClr val="bg1"/>
+                </a:solidFill>
+              </a:rPr>
+              <a:t>細項內容內容內容</a:t>
+            </a:r>
+            <a:endParaRPr lang="en-US" altLang="zh-TW" dirty="0">
+              <a:solidFill>
+                <a:schemeClr val="bg1"/>
+              </a:solidFill>
+            </a:endParaRPr>
+          </a:p>
+          <a:p>
+            <a:pPr>
+              <a:lnSpc>
+                <a:spcPts val="3600"/>
+              </a:lnSpc>
+              <a:buFont typeface="Wingdings" panose="05000000000000000000" pitchFamily="2" charset="2"/>
+              <a:buChar char="l"/>
+            </a:pPr>
+            <a:r>
+              <a:rPr lang="zh-TW" altLang="en-US" dirty="0">
+                <a:solidFill>
+                  <a:schemeClr val="bg1"/>
+                </a:solidFill>
+              </a:rPr>
+              <a:t>標題標題標題標題標題標題標題</a:t>
+            </a:r>
+            <a:endParaRPr lang="en-US" altLang="zh-TW" dirty="0">
+              <a:solidFill>
+                <a:schemeClr val="bg1"/>
+              </a:solidFill>
+            </a:endParaRPr>
+          </a:p>
+          <a:p>
+            <a:pPr lvl="1">
+              <a:lnSpc>
+                <a:spcPts val="3600"/>
+              </a:lnSpc>
+              <a:buClr>
+                <a:srgbClr val="42BBC6"/>
+              </a:buClr>
+              <a:buFont typeface="Wingdings" panose="05000000000000000000" pitchFamily="2" charset="2"/>
+              <a:buChar char="u"/>
+              <a:defRPr/>
+            </a:pPr>
+            <a:r>
+              <a:rPr lang="zh-TW" altLang="en-US" dirty="0">
+                <a:solidFill>
+                  <a:schemeClr val="bg1"/>
+                </a:solidFill>
+              </a:rPr>
+              <a:t>細項內容內容內容</a:t>
+            </a:r>
+            <a:endParaRPr lang="en-US" altLang="zh-TW" dirty="0">
+              <a:solidFill>
+                <a:schemeClr val="bg1"/>
+              </a:solidFill>
+            </a:endParaRPr>
+          </a:p>
+        </p:txBody>
+      </p:sp>
+    </p:spTree>
+    <p:extLst>
+      <p:ext uri="{BB962C8B-B14F-4D97-AF65-F5344CB8AC3E}">
+        <p14:creationId xmlns:p14="http://schemas.microsoft.com/office/powerpoint/2010/main" val="4201328092"/>
+      </p:ext>
+    </p:extLst>
+  </p:cSld>
+  <p:clrMapOvr>
+    <a:masterClrMapping/>
+  </p:clrMapOvr>
+</p:sld>
+</file>
+
+<file path=ppt/slides/slide12.xml><?xml version="1.0" encoding="utf-8"?>
+<p:sld xmlns:a="http://schemas.openxmlformats.org/drawingml/2006/main" xmlns:r="http://schemas.openxmlformats.org/officeDocument/2006/relationships" xmlns:p="http://schemas.openxmlformats.org/presentationml/2006/main">
+  <p:cSld>
+    <p:spTree>
+      <p:nvGrpSpPr>
+        <p:cNvPr id="1" name=""/>
+        <p:cNvGrpSpPr/>
+        <p:nvPr/>
+      </p:nvGrpSpPr>
+      <p:grpSpPr>
+        <a:xfrm>
+          <a:off x="0" y="0"/>
+          <a:ext cx="0" cy="0"/>
+          <a:chOff x="0" y="0"/>
+          <a:chExt cx="0" cy="0"/>
+        </a:xfrm>
+      </p:grpSpPr>
+      <p:sp>
+        <p:nvSpPr>
           <p:cNvPr id="2" name="內容版面配置區 1"/>
           <p:cNvSpPr>
             <a:spLocks noGrp="1"/>
@@ -4664,7 +5689,7 @@
 </p:sld>
 </file>
 
-<file path=ppt/slides/slide11.xml><?xml version="1.0" encoding="utf-8"?>
+<file path=ppt/slides/slide13.xml><?xml version="1.0" encoding="utf-8"?>
 <p:sld xmlns:a="http://schemas.openxmlformats.org/drawingml/2006/main" xmlns:r="http://schemas.openxmlformats.org/officeDocument/2006/relationships" xmlns:p="http://schemas.openxmlformats.org/presentationml/2006/main">
   <p:cSld>
     <p:spTree>
@@ -4753,7 +5778,7 @@
 </p:sld>
 </file>
 
-<file path=ppt/slides/slide12.xml><?xml version="1.0" encoding="utf-8"?>
+<file path=ppt/slides/slide14.xml><?xml version="1.0" encoding="utf-8"?>
 <p:sld xmlns:a="http://schemas.openxmlformats.org/drawingml/2006/main" xmlns:r="http://schemas.openxmlformats.org/officeDocument/2006/relationships" xmlns:p="http://schemas.openxmlformats.org/presentationml/2006/main">
   <p:cSld>
     <p:spTree>
@@ -4877,7 +5902,7 @@
 </p:sld>
 </file>
 
-<file path=ppt/slides/slide13.xml><?xml version="1.0" encoding="utf-8"?>
+<file path=ppt/slides/slide15.xml><?xml version="1.0" encoding="utf-8"?>
 <p:sld xmlns:a="http://schemas.openxmlformats.org/drawingml/2006/main" xmlns:r="http://schemas.openxmlformats.org/officeDocument/2006/relationships" xmlns:p="http://schemas.openxmlformats.org/presentationml/2006/main">
   <p:cSld>
     <p:spTree>
@@ -4962,7 +5987,7 @@
 </p:sld>
 </file>
 
-<file path=ppt/slides/slide14.xml><?xml version="1.0" encoding="utf-8"?>
+<file path=ppt/slides/slide16.xml><?xml version="1.0" encoding="utf-8"?>
 <p:sld xmlns:a="http://schemas.openxmlformats.org/drawingml/2006/main" xmlns:r="http://schemas.openxmlformats.org/officeDocument/2006/relationships" xmlns:p="http://schemas.openxmlformats.org/presentationml/2006/main">
   <p:cSld>
     <p:spTree>
@@ -5158,66 +6183,6 @@
           </a:p>
         </p:txBody>
       </p:sp>
-      <p:pic>
-        <p:nvPicPr>
-          <p:cNvPr id="2" name="圖片 1">
-            <a:extLst>
-              <a:ext uri="{FF2B5EF4-FFF2-40B4-BE49-F238E27FC236}">
-                <a16:creationId xmlns:a16="http://schemas.microsoft.com/office/drawing/2014/main" id="{402C2123-2D14-4233-A430-9BD2DEC437FF}"/>
-              </a:ext>
-            </a:extLst>
-          </p:cNvPr>
-          <p:cNvPicPr>
-            <a:picLocks noChangeAspect="1"/>
-          </p:cNvPicPr>
-          <p:nvPr/>
-        </p:nvPicPr>
-        <p:blipFill>
-          <a:blip r:embed="rId2"/>
-          <a:stretch>
-            <a:fillRect/>
-          </a:stretch>
-        </p:blipFill>
-        <p:spPr>
-          <a:xfrm>
-            <a:off x="235142" y="1011732"/>
-            <a:ext cx="5293922" cy="4238085"/>
-          </a:xfrm>
-          <a:prstGeom prst="rect">
-            <a:avLst/>
-          </a:prstGeom>
-        </p:spPr>
-      </p:pic>
-      <p:pic>
-        <p:nvPicPr>
-          <p:cNvPr id="9" name="圖片 8">
-            <a:extLst>
-              <a:ext uri="{FF2B5EF4-FFF2-40B4-BE49-F238E27FC236}">
-                <a16:creationId xmlns:a16="http://schemas.microsoft.com/office/drawing/2014/main" id="{D4D605F6-B5B6-49E6-9917-B0BC7B1B304B}"/>
-              </a:ext>
-            </a:extLst>
-          </p:cNvPr>
-          <p:cNvPicPr>
-            <a:picLocks noChangeAspect="1"/>
-          </p:cNvPicPr>
-          <p:nvPr/>
-        </p:nvPicPr>
-        <p:blipFill>
-          <a:blip r:embed="rId3"/>
-          <a:stretch>
-            <a:fillRect/>
-          </a:stretch>
-        </p:blipFill>
-        <p:spPr>
-          <a:xfrm>
-            <a:off x="5529064" y="1011732"/>
-            <a:ext cx="1946984" cy="4238085"/>
-          </a:xfrm>
-          <a:prstGeom prst="rect">
-            <a:avLst/>
-          </a:prstGeom>
-        </p:spPr>
-      </p:pic>
       <p:sp>
         <p:nvSpPr>
           <p:cNvPr id="15" name="內容版面配置區 5">
@@ -5293,6 +6258,66 @@
           </a:p>
         </p:txBody>
       </p:sp>
+      <p:pic>
+        <p:nvPicPr>
+          <p:cNvPr id="4" name="圖片 3">
+            <a:extLst>
+              <a:ext uri="{FF2B5EF4-FFF2-40B4-BE49-F238E27FC236}">
+                <a16:creationId xmlns:a16="http://schemas.microsoft.com/office/drawing/2014/main" id="{39375203-A2C2-4FDA-8672-CEC9D2819CBD}"/>
+              </a:ext>
+            </a:extLst>
+          </p:cNvPr>
+          <p:cNvPicPr>
+            <a:picLocks noChangeAspect="1"/>
+          </p:cNvPicPr>
+          <p:nvPr/>
+        </p:nvPicPr>
+        <p:blipFill>
+          <a:blip r:embed="rId2"/>
+          <a:stretch>
+            <a:fillRect/>
+          </a:stretch>
+        </p:blipFill>
+        <p:spPr>
+          <a:xfrm>
+            <a:off x="114555" y="1011732"/>
+            <a:ext cx="6099254" cy="4238085"/>
+          </a:xfrm>
+          <a:prstGeom prst="rect">
+            <a:avLst/>
+          </a:prstGeom>
+        </p:spPr>
+      </p:pic>
+      <p:pic>
+        <p:nvPicPr>
+          <p:cNvPr id="5" name="圖片 4">
+            <a:extLst>
+              <a:ext uri="{FF2B5EF4-FFF2-40B4-BE49-F238E27FC236}">
+                <a16:creationId xmlns:a16="http://schemas.microsoft.com/office/drawing/2014/main" id="{02DE444C-7E7D-42B0-BB6E-CBEDB1803FC7}"/>
+              </a:ext>
+            </a:extLst>
+          </p:cNvPr>
+          <p:cNvPicPr>
+            <a:picLocks noChangeAspect="1"/>
+          </p:cNvPicPr>
+          <p:nvPr/>
+        </p:nvPicPr>
+        <p:blipFill>
+          <a:blip r:embed="rId3"/>
+          <a:stretch>
+            <a:fillRect/>
+          </a:stretch>
+        </p:blipFill>
+        <p:spPr>
+          <a:xfrm>
+            <a:off x="6213810" y="1011732"/>
+            <a:ext cx="1214956" cy="4238085"/>
+          </a:xfrm>
+          <a:prstGeom prst="rect">
+            <a:avLst/>
+          </a:prstGeom>
+        </p:spPr>
+      </p:pic>
     </p:spTree>
     <p:extLst>
       <p:ext uri="{BB962C8B-B14F-4D97-AF65-F5344CB8AC3E}">
@@ -5391,126 +6416,6 @@
           </a:p>
         </p:txBody>
       </p:sp>
-      <p:pic>
-        <p:nvPicPr>
-          <p:cNvPr id="4" name="圖片 3">
-            <a:extLst>
-              <a:ext uri="{FF2B5EF4-FFF2-40B4-BE49-F238E27FC236}">
-                <a16:creationId xmlns:a16="http://schemas.microsoft.com/office/drawing/2014/main" id="{F27A209B-10F2-4C67-85D4-1299B333F5E1}"/>
-              </a:ext>
-            </a:extLst>
-          </p:cNvPr>
-          <p:cNvPicPr>
-            <a:picLocks noChangeAspect="1"/>
-          </p:cNvPicPr>
-          <p:nvPr/>
-        </p:nvPicPr>
-        <p:blipFill>
-          <a:blip r:embed="rId2"/>
-          <a:stretch>
-            <a:fillRect/>
-          </a:stretch>
-        </p:blipFill>
-        <p:spPr>
-          <a:xfrm>
-            <a:off x="272478" y="768363"/>
-            <a:ext cx="6984778" cy="455646"/>
-          </a:xfrm>
-          <a:prstGeom prst="rect">
-            <a:avLst/>
-          </a:prstGeom>
-        </p:spPr>
-      </p:pic>
-      <p:pic>
-        <p:nvPicPr>
-          <p:cNvPr id="5" name="圖片 4">
-            <a:extLst>
-              <a:ext uri="{FF2B5EF4-FFF2-40B4-BE49-F238E27FC236}">
-                <a16:creationId xmlns:a16="http://schemas.microsoft.com/office/drawing/2014/main" id="{45F50D6C-0EEB-4D83-B144-0355C6ACAA7C}"/>
-              </a:ext>
-            </a:extLst>
-          </p:cNvPr>
-          <p:cNvPicPr>
-            <a:picLocks noChangeAspect="1"/>
-          </p:cNvPicPr>
-          <p:nvPr/>
-        </p:nvPicPr>
-        <p:blipFill>
-          <a:blip r:embed="rId3"/>
-          <a:stretch>
-            <a:fillRect/>
-          </a:stretch>
-        </p:blipFill>
-        <p:spPr>
-          <a:xfrm>
-            <a:off x="272478" y="1268760"/>
-            <a:ext cx="2448273" cy="4572760"/>
-          </a:xfrm>
-          <a:prstGeom prst="rect">
-            <a:avLst/>
-          </a:prstGeom>
-        </p:spPr>
-      </p:pic>
-      <p:pic>
-        <p:nvPicPr>
-          <p:cNvPr id="7" name="圖片 6">
-            <a:extLst>
-              <a:ext uri="{FF2B5EF4-FFF2-40B4-BE49-F238E27FC236}">
-                <a16:creationId xmlns:a16="http://schemas.microsoft.com/office/drawing/2014/main" id="{635C5FA0-0ACF-4356-B499-43D4BEB49DD9}"/>
-              </a:ext>
-            </a:extLst>
-          </p:cNvPr>
-          <p:cNvPicPr>
-            <a:picLocks noChangeAspect="1"/>
-          </p:cNvPicPr>
-          <p:nvPr/>
-        </p:nvPicPr>
-        <p:blipFill>
-          <a:blip r:embed="rId4"/>
-          <a:stretch>
-            <a:fillRect/>
-          </a:stretch>
-        </p:blipFill>
-        <p:spPr>
-          <a:xfrm>
-            <a:off x="2746638" y="1248542"/>
-            <a:ext cx="4535727" cy="2752680"/>
-          </a:xfrm>
-          <a:prstGeom prst="rect">
-            <a:avLst/>
-          </a:prstGeom>
-        </p:spPr>
-      </p:pic>
-      <p:pic>
-        <p:nvPicPr>
-          <p:cNvPr id="8" name="圖片 7">
-            <a:extLst>
-              <a:ext uri="{FF2B5EF4-FFF2-40B4-BE49-F238E27FC236}">
-                <a16:creationId xmlns:a16="http://schemas.microsoft.com/office/drawing/2014/main" id="{C15FF21B-6277-4B91-8E5D-947C0BF0C453}"/>
-              </a:ext>
-            </a:extLst>
-          </p:cNvPr>
-          <p:cNvPicPr>
-            <a:picLocks noChangeAspect="1"/>
-          </p:cNvPicPr>
-          <p:nvPr/>
-        </p:nvPicPr>
-        <p:blipFill>
-          <a:blip r:embed="rId5"/>
-          <a:stretch>
-            <a:fillRect/>
-          </a:stretch>
-        </p:blipFill>
-        <p:spPr>
-          <a:xfrm>
-            <a:off x="2731294" y="3933056"/>
-            <a:ext cx="4535727" cy="2583369"/>
-          </a:xfrm>
-          <a:prstGeom prst="rect">
-            <a:avLst/>
-          </a:prstGeom>
-        </p:spPr>
-      </p:pic>
       <p:sp>
         <p:nvSpPr>
           <p:cNvPr id="10" name="內容版面配置區 5">
@@ -5786,6 +6691,96 @@
           </a:p>
         </p:txBody>
       </p:sp>
+      <p:pic>
+        <p:nvPicPr>
+          <p:cNvPr id="2" name="圖片 1">
+            <a:extLst>
+              <a:ext uri="{FF2B5EF4-FFF2-40B4-BE49-F238E27FC236}">
+                <a16:creationId xmlns:a16="http://schemas.microsoft.com/office/drawing/2014/main" id="{8F6A2A02-1C47-4601-BAAB-BCC05FBCE11F}"/>
+              </a:ext>
+            </a:extLst>
+          </p:cNvPr>
+          <p:cNvPicPr>
+            <a:picLocks noChangeAspect="1"/>
+          </p:cNvPicPr>
+          <p:nvPr/>
+        </p:nvPicPr>
+        <p:blipFill>
+          <a:blip r:embed="rId2"/>
+          <a:stretch>
+            <a:fillRect/>
+          </a:stretch>
+        </p:blipFill>
+        <p:spPr>
+          <a:xfrm>
+            <a:off x="272478" y="1264596"/>
+            <a:ext cx="2462433" cy="4333654"/>
+          </a:xfrm>
+          <a:prstGeom prst="rect">
+            <a:avLst/>
+          </a:prstGeom>
+        </p:spPr>
+      </p:pic>
+      <p:pic>
+        <p:nvPicPr>
+          <p:cNvPr id="11" name="圖片 10">
+            <a:extLst>
+              <a:ext uri="{FF2B5EF4-FFF2-40B4-BE49-F238E27FC236}">
+                <a16:creationId xmlns:a16="http://schemas.microsoft.com/office/drawing/2014/main" id="{EBE63D9B-38E2-4CA6-863F-A4CBA252CC5F}"/>
+              </a:ext>
+            </a:extLst>
+          </p:cNvPr>
+          <p:cNvPicPr>
+            <a:picLocks noChangeAspect="1"/>
+          </p:cNvPicPr>
+          <p:nvPr/>
+        </p:nvPicPr>
+        <p:blipFill>
+          <a:blip r:embed="rId3"/>
+          <a:stretch>
+            <a:fillRect/>
+          </a:stretch>
+        </p:blipFill>
+        <p:spPr>
+          <a:xfrm>
+            <a:off x="273178" y="966112"/>
+            <a:ext cx="6961684" cy="282430"/>
+          </a:xfrm>
+          <a:prstGeom prst="rect">
+            <a:avLst/>
+          </a:prstGeom>
+        </p:spPr>
+      </p:pic>
+      <p:pic>
+        <p:nvPicPr>
+          <p:cNvPr id="9" name="圖片 8">
+            <a:extLst>
+              <a:ext uri="{FF2B5EF4-FFF2-40B4-BE49-F238E27FC236}">
+                <a16:creationId xmlns:a16="http://schemas.microsoft.com/office/drawing/2014/main" id="{7685C4F9-044B-46A8-A110-C5E2202395BA}"/>
+              </a:ext>
+            </a:extLst>
+          </p:cNvPr>
+          <p:cNvPicPr>
+            <a:picLocks noChangeAspect="1"/>
+          </p:cNvPicPr>
+          <p:nvPr/>
+        </p:nvPicPr>
+        <p:blipFill>
+          <a:blip r:embed="rId4"/>
+          <a:stretch>
+            <a:fillRect/>
+          </a:stretch>
+        </p:blipFill>
+        <p:spPr>
+          <a:xfrm>
+            <a:off x="2731293" y="1268089"/>
+            <a:ext cx="4535727" cy="3999017"/>
+          </a:xfrm>
+          <a:prstGeom prst="rect">
+            <a:avLst/>
+          </a:prstGeom>
+        </p:spPr>
+      </p:pic>
     </p:spTree>
     <p:extLst>
       <p:ext uri="{BB962C8B-B14F-4D97-AF65-F5344CB8AC3E}">
@@ -6183,6 +7178,337 @@
 </file>
 
 <file path=ppt/slides/slide5.xml><?xml version="1.0" encoding="utf-8"?>
+<p:sld xmlns:a="http://schemas.openxmlformats.org/drawingml/2006/main" xmlns:r="http://schemas.openxmlformats.org/officeDocument/2006/relationships" xmlns:p="http://schemas.openxmlformats.org/presentationml/2006/main">
+  <p:cSld>
+    <p:spTree>
+      <p:nvGrpSpPr>
+        <p:cNvPr id="1" name=""/>
+        <p:cNvGrpSpPr/>
+        <p:nvPr/>
+      </p:nvGrpSpPr>
+      <p:grpSpPr>
+        <a:xfrm>
+          <a:off x="0" y="0"/>
+          <a:ext cx="0" cy="0"/>
+          <a:chOff x="0" y="0"/>
+          <a:chExt cx="0" cy="0"/>
+        </a:xfrm>
+      </p:grpSpPr>
+      <p:sp>
+        <p:nvSpPr>
+          <p:cNvPr id="3" name="標題 2">
+            <a:extLst>
+              <a:ext uri="{FF2B5EF4-FFF2-40B4-BE49-F238E27FC236}">
+                <a16:creationId xmlns:a16="http://schemas.microsoft.com/office/drawing/2014/main" id="{E2F12E2F-52EE-CA77-FB53-4EFC2E0F43C3}"/>
+              </a:ext>
+            </a:extLst>
+          </p:cNvPr>
+          <p:cNvSpPr>
+            <a:spLocks noGrp="1"/>
+          </p:cNvSpPr>
+          <p:nvPr>
+            <p:ph type="title"/>
+          </p:nvPr>
+        </p:nvSpPr>
+        <p:spPr/>
+        <p:txBody>
+          <a:bodyPr/>
+          <a:lstStyle/>
+          <a:p>
+            <a:r>
+              <a:rPr lang="zh-TW" altLang="en-US" dirty="0"/>
+              <a:t>購物車頁面 </a:t>
+            </a:r>
+            <a:r>
+              <a:rPr lang="en-US" altLang="zh-TW" dirty="0"/>
+              <a:t>(</a:t>
+            </a:r>
+            <a:r>
+              <a:rPr lang="en-US" altLang="zh-TW" dirty="0" err="1"/>
+              <a:t>ShoppingCart</a:t>
+            </a:r>
+            <a:r>
+              <a:rPr lang="en-US" altLang="zh-TW" dirty="0"/>
+              <a:t>)</a:t>
+            </a:r>
+            <a:endParaRPr lang="zh-TW" altLang="en-US" dirty="0"/>
+          </a:p>
+        </p:txBody>
+      </p:sp>
+      <p:sp>
+        <p:nvSpPr>
+          <p:cNvPr id="12" name="內容版面配置區 5">
+            <a:extLst>
+              <a:ext uri="{FF2B5EF4-FFF2-40B4-BE49-F238E27FC236}">
+                <a16:creationId xmlns:a16="http://schemas.microsoft.com/office/drawing/2014/main" id="{5B48F242-D606-4DF8-8884-2F1900A3B3C0}"/>
+              </a:ext>
+            </a:extLst>
+          </p:cNvPr>
+          <p:cNvSpPr txBox="1">
+            <a:spLocks/>
+          </p:cNvSpPr>
+          <p:nvPr/>
+        </p:nvSpPr>
+        <p:spPr bwMode="ltGray">
+          <a:xfrm>
+            <a:off x="7498451" y="963871"/>
+            <a:ext cx="2118387" cy="2897177"/>
+          </a:xfrm>
+          <a:prstGeom prst="rect">
+            <a:avLst/>
+          </a:prstGeom>
+          <a:ln w="9525" cap="flat" cmpd="sng" algn="ctr">
+            <a:solidFill>
+              <a:schemeClr val="accent1"/>
+            </a:solidFill>
+            <a:prstDash val="solid"/>
+            <a:round/>
+            <a:headEnd type="none" w="med" len="med"/>
+            <a:tailEnd type="none" w="med" len="med"/>
+          </a:ln>
+        </p:spPr>
+        <p:style>
+          <a:lnRef idx="0">
+            <a:scrgbClr r="0" g="0" b="0"/>
+          </a:lnRef>
+          <a:fillRef idx="0">
+            <a:scrgbClr r="0" g="0" b="0"/>
+          </a:fillRef>
+          <a:effectRef idx="0">
+            <a:scrgbClr r="0" g="0" b="0"/>
+          </a:effectRef>
+          <a:fontRef idx="minor">
+            <a:schemeClr val="accent1"/>
+          </a:fontRef>
+        </p:style>
+        <p:txBody>
+          <a:bodyPr vert="horz" lIns="91440" tIns="45720" rIns="91440" bIns="45720" rtlCol="0">
+            <a:normAutofit/>
+          </a:bodyPr>
+          <a:lstStyle>
+            <a:lvl1pPr marL="342900" indent="-342900" algn="l" defTabSz="914400" rtl="0" eaLnBrk="1" latinLnBrk="0" hangingPunct="1">
+              <a:lnSpc>
+                <a:spcPct val="100000"/>
+              </a:lnSpc>
+              <a:spcBef>
+                <a:spcPts val="600"/>
+              </a:spcBef>
+              <a:spcAft>
+                <a:spcPts val="600"/>
+              </a:spcAft>
+              <a:buClr>
+                <a:schemeClr val="accent1"/>
+              </a:buClr>
+              <a:buFont typeface="Wingdings" panose="05000000000000000000" pitchFamily="2" charset="2"/>
+              <a:buChar char="l"/>
+              <a:defRPr sz="2800" b="1" kern="1200">
+                <a:solidFill>
+                  <a:srgbClr val="FFFFFF"/>
+                </a:solidFill>
+                <a:latin typeface="+mn-lt"/>
+                <a:ea typeface="+mn-ea"/>
+                <a:cs typeface="+mn-cs"/>
+              </a:defRPr>
+            </a:lvl1pPr>
+            <a:lvl2pPr marL="714375" indent="-352425" algn="l" defTabSz="914400" rtl="0" eaLnBrk="1" latinLnBrk="0" hangingPunct="1">
+              <a:lnSpc>
+                <a:spcPct val="100000"/>
+              </a:lnSpc>
+              <a:spcBef>
+                <a:spcPts val="600"/>
+              </a:spcBef>
+              <a:spcAft>
+                <a:spcPts val="600"/>
+              </a:spcAft>
+              <a:buClr>
+                <a:schemeClr val="accent2"/>
+              </a:buClr>
+              <a:buFont typeface="Wingdings" panose="05000000000000000000" pitchFamily="2" charset="2"/>
+              <a:buChar char="u"/>
+              <a:defRPr sz="2400" b="0" kern="1200">
+                <a:solidFill>
+                  <a:srgbClr val="FFFFFF"/>
+                </a:solidFill>
+                <a:latin typeface="+mn-lt"/>
+                <a:ea typeface="+mn-ea"/>
+                <a:cs typeface="+mn-cs"/>
+              </a:defRPr>
+            </a:lvl2pPr>
+            <a:lvl3pPr marL="1076325" indent="-266700" algn="l" defTabSz="914400" rtl="0" eaLnBrk="1" latinLnBrk="0" hangingPunct="1">
+              <a:lnSpc>
+                <a:spcPct val="100000"/>
+              </a:lnSpc>
+              <a:spcBef>
+                <a:spcPts val="600"/>
+              </a:spcBef>
+              <a:spcAft>
+                <a:spcPts val="600"/>
+              </a:spcAft>
+              <a:buClr>
+                <a:schemeClr val="accent3"/>
+              </a:buClr>
+              <a:buFont typeface="Wingdings" panose="05000000000000000000" pitchFamily="2" charset="2"/>
+              <a:buChar char="p"/>
+              <a:defRPr sz="2000" kern="1200">
+                <a:solidFill>
+                  <a:srgbClr val="FFFFFF"/>
+                </a:solidFill>
+                <a:latin typeface="+mn-lt"/>
+                <a:ea typeface="+mn-ea"/>
+                <a:cs typeface="+mn-cs"/>
+              </a:defRPr>
+            </a:lvl3pPr>
+            <a:lvl4pPr marL="1343025" indent="-180975" algn="l" defTabSz="914400" rtl="0" eaLnBrk="1" latinLnBrk="0" hangingPunct="1">
+              <a:lnSpc>
+                <a:spcPct val="100000"/>
+              </a:lnSpc>
+              <a:spcBef>
+                <a:spcPts val="600"/>
+              </a:spcBef>
+              <a:spcAft>
+                <a:spcPts val="600"/>
+              </a:spcAft>
+              <a:buClr>
+                <a:schemeClr val="accent4"/>
+              </a:buClr>
+              <a:buFont typeface="Wingdings" panose="05000000000000000000" pitchFamily="2" charset="2"/>
+              <a:buChar char="n"/>
+              <a:defRPr sz="1800" kern="1200">
+                <a:solidFill>
+                  <a:srgbClr val="FFFFFF"/>
+                </a:solidFill>
+                <a:latin typeface="+mn-lt"/>
+                <a:ea typeface="+mn-ea"/>
+                <a:cs typeface="+mn-cs"/>
+              </a:defRPr>
+            </a:lvl4pPr>
+            <a:lvl5pPr marL="1619250" indent="-276225" algn="l" defTabSz="914400" rtl="0" eaLnBrk="1" latinLnBrk="0" hangingPunct="1">
+              <a:lnSpc>
+                <a:spcPct val="100000"/>
+              </a:lnSpc>
+              <a:spcBef>
+                <a:spcPts val="600"/>
+              </a:spcBef>
+              <a:spcAft>
+                <a:spcPts val="600"/>
+              </a:spcAft>
+              <a:buClr>
+                <a:schemeClr val="accent5"/>
+              </a:buClr>
+              <a:buFont typeface="Arial" pitchFamily="34" charset="0"/>
+              <a:buChar char="»"/>
+              <a:tabLst>
+                <a:tab pos="7981950" algn="l"/>
+              </a:tabLst>
+              <a:defRPr sz="1800" kern="1200">
+                <a:solidFill>
+                  <a:srgbClr val="FFFFFF"/>
+                </a:solidFill>
+                <a:latin typeface="+mn-lt"/>
+                <a:ea typeface="+mn-ea"/>
+                <a:cs typeface="+mn-cs"/>
+              </a:defRPr>
+            </a:lvl5pPr>
+            <a:lvl6pPr marL="2514600" indent="-228600" algn="l" defTabSz="914400" rtl="0" eaLnBrk="1" latinLnBrk="0" hangingPunct="1">
+              <a:spcBef>
+                <a:spcPct val="20000"/>
+              </a:spcBef>
+              <a:buFont typeface="Arial" pitchFamily="34" charset="0"/>
+              <a:buChar char="•"/>
+              <a:defRPr sz="2000" kern="1200">
+                <a:solidFill>
+                  <a:schemeClr val="accent1"/>
+                </a:solidFill>
+                <a:latin typeface="+mn-lt"/>
+                <a:ea typeface="+mn-ea"/>
+                <a:cs typeface="+mn-cs"/>
+              </a:defRPr>
+            </a:lvl6pPr>
+            <a:lvl7pPr marL="2971800" indent="-228600" algn="l" defTabSz="914400" rtl="0" eaLnBrk="1" latinLnBrk="0" hangingPunct="1">
+              <a:spcBef>
+                <a:spcPct val="20000"/>
+              </a:spcBef>
+              <a:buFont typeface="Arial" pitchFamily="34" charset="0"/>
+              <a:buChar char="•"/>
+              <a:defRPr sz="2000" kern="1200">
+                <a:solidFill>
+                  <a:schemeClr val="accent1"/>
+                </a:solidFill>
+                <a:latin typeface="+mn-lt"/>
+                <a:ea typeface="+mn-ea"/>
+                <a:cs typeface="+mn-cs"/>
+              </a:defRPr>
+            </a:lvl7pPr>
+            <a:lvl8pPr marL="3429000" indent="-228600" algn="l" defTabSz="914400" rtl="0" eaLnBrk="1" latinLnBrk="0" hangingPunct="1">
+              <a:spcBef>
+                <a:spcPct val="20000"/>
+              </a:spcBef>
+              <a:buFont typeface="Arial" pitchFamily="34" charset="0"/>
+              <a:buChar char="•"/>
+              <a:defRPr sz="2000" kern="1200">
+                <a:solidFill>
+                  <a:schemeClr val="accent1"/>
+                </a:solidFill>
+                <a:latin typeface="+mn-lt"/>
+                <a:ea typeface="+mn-ea"/>
+                <a:cs typeface="+mn-cs"/>
+              </a:defRPr>
+            </a:lvl8pPr>
+            <a:lvl9pPr marL="3886200" indent="-228600" algn="l" defTabSz="914400" rtl="0" eaLnBrk="1" latinLnBrk="0" hangingPunct="1">
+              <a:spcBef>
+                <a:spcPct val="20000"/>
+              </a:spcBef>
+              <a:buFont typeface="Arial" pitchFamily="34" charset="0"/>
+              <a:buChar char="•"/>
+              <a:defRPr sz="2000" kern="1200">
+                <a:solidFill>
+                  <a:schemeClr val="accent1"/>
+                </a:solidFill>
+                <a:latin typeface="+mn-lt"/>
+                <a:ea typeface="+mn-ea"/>
+                <a:cs typeface="+mn-cs"/>
+              </a:defRPr>
+            </a:lvl9pPr>
+          </a:lstStyle>
+          <a:p>
+            <a:pPr marL="0" indent="0">
+              <a:buFont typeface="Wingdings" panose="05000000000000000000" pitchFamily="2" charset="2"/>
+              <a:buNone/>
+            </a:pPr>
+            <a:r>
+              <a:rPr lang="zh-TW" altLang="en-US" sz="1800" dirty="0"/>
+              <a:t>畫面中，由上至下，區塊分別為：</a:t>
+            </a:r>
+            <a:endParaRPr lang="en-US" altLang="zh-TW" sz="1800" dirty="0"/>
+          </a:p>
+          <a:p>
+            <a:r>
+              <a:rPr lang="zh-TW" altLang="en-US" sz="1800" dirty="0"/>
+              <a:t>相關商品區塊：可看到不同商品的推薦。</a:t>
+            </a:r>
+          </a:p>
+          <a:p>
+            <a:r>
+              <a:rPr lang="zh-TW" altLang="en-US" sz="1800" dirty="0"/>
+              <a:t>瀏覽紀錄區塊：可看到使用者過去瀏覽過的商品。</a:t>
+            </a:r>
+          </a:p>
+        </p:txBody>
+      </p:sp>
+    </p:spTree>
+    <p:extLst>
+      <p:ext uri="{BB962C8B-B14F-4D97-AF65-F5344CB8AC3E}">
+        <p14:creationId xmlns:p14="http://schemas.microsoft.com/office/powerpoint/2010/main" val="3338204240"/>
+      </p:ext>
+    </p:extLst>
+  </p:cSld>
+  <p:clrMapOvr>
+    <a:masterClrMapping/>
+  </p:clrMapOvr>
+</p:sld>
+</file>
+
+<file path=ppt/slides/slide6.xml><?xml version="1.0" encoding="utf-8"?>
 <p:sld xmlns:a="http://schemas.openxmlformats.org/drawingml/2006/main" xmlns:r="http://schemas.openxmlformats.org/officeDocument/2006/relationships" xmlns:p="http://schemas.openxmlformats.org/presentationml/2006/main">
   <p:cSld>
     <p:spTree>
@@ -6595,7 +7921,338 @@
 </p:sld>
 </file>
 
-<file path=ppt/slides/slide6.xml><?xml version="1.0" encoding="utf-8"?>
+<file path=ppt/slides/slide7.xml><?xml version="1.0" encoding="utf-8"?>
+<p:sld xmlns:a="http://schemas.openxmlformats.org/drawingml/2006/main" xmlns:r="http://schemas.openxmlformats.org/officeDocument/2006/relationships" xmlns:p="http://schemas.openxmlformats.org/presentationml/2006/main">
+  <p:cSld>
+    <p:spTree>
+      <p:nvGrpSpPr>
+        <p:cNvPr id="1" name=""/>
+        <p:cNvGrpSpPr/>
+        <p:nvPr/>
+      </p:nvGrpSpPr>
+      <p:grpSpPr>
+        <a:xfrm>
+          <a:off x="0" y="0"/>
+          <a:ext cx="0" cy="0"/>
+          <a:chOff x="0" y="0"/>
+          <a:chExt cx="0" cy="0"/>
+        </a:xfrm>
+      </p:grpSpPr>
+      <p:sp>
+        <p:nvSpPr>
+          <p:cNvPr id="3" name="標題 2">
+            <a:extLst>
+              <a:ext uri="{FF2B5EF4-FFF2-40B4-BE49-F238E27FC236}">
+                <a16:creationId xmlns:a16="http://schemas.microsoft.com/office/drawing/2014/main" id="{E2F12E2F-52EE-CA77-FB53-4EFC2E0F43C3}"/>
+              </a:ext>
+            </a:extLst>
+          </p:cNvPr>
+          <p:cNvSpPr>
+            <a:spLocks noGrp="1"/>
+          </p:cNvSpPr>
+          <p:nvPr>
+            <p:ph type="title"/>
+          </p:nvPr>
+        </p:nvSpPr>
+        <p:spPr/>
+        <p:txBody>
+          <a:bodyPr/>
+          <a:lstStyle/>
+          <a:p>
+            <a:r>
+              <a:rPr lang="zh-TW" altLang="en-US" dirty="0"/>
+              <a:t>商品管理頁面 </a:t>
+            </a:r>
+            <a:r>
+              <a:rPr lang="en-US" altLang="zh-TW" sz="3200" dirty="0"/>
+              <a:t>(</a:t>
+            </a:r>
+            <a:r>
+              <a:rPr lang="en-US" altLang="zh-TW" sz="3200" dirty="0" err="1"/>
+              <a:t>ProductManagement</a:t>
+            </a:r>
+            <a:r>
+              <a:rPr lang="en-US" altLang="zh-TW" sz="3200" dirty="0"/>
+              <a:t>)</a:t>
+            </a:r>
+            <a:endParaRPr lang="zh-TW" altLang="en-US" sz="3200" dirty="0"/>
+          </a:p>
+        </p:txBody>
+      </p:sp>
+      <p:sp>
+        <p:nvSpPr>
+          <p:cNvPr id="12" name="內容版面配置區 5">
+            <a:extLst>
+              <a:ext uri="{FF2B5EF4-FFF2-40B4-BE49-F238E27FC236}">
+                <a16:creationId xmlns:a16="http://schemas.microsoft.com/office/drawing/2014/main" id="{5B48F242-D606-4DF8-8884-2F1900A3B3C0}"/>
+              </a:ext>
+            </a:extLst>
+          </p:cNvPr>
+          <p:cNvSpPr txBox="1">
+            <a:spLocks/>
+          </p:cNvSpPr>
+          <p:nvPr/>
+        </p:nvSpPr>
+        <p:spPr bwMode="ltGray">
+          <a:xfrm>
+            <a:off x="7498451" y="963871"/>
+            <a:ext cx="2118387" cy="2897177"/>
+          </a:xfrm>
+          <a:prstGeom prst="rect">
+            <a:avLst/>
+          </a:prstGeom>
+          <a:ln w="9525" cap="flat" cmpd="sng" algn="ctr">
+            <a:solidFill>
+              <a:schemeClr val="accent1"/>
+            </a:solidFill>
+            <a:prstDash val="solid"/>
+            <a:round/>
+            <a:headEnd type="none" w="med" len="med"/>
+            <a:tailEnd type="none" w="med" len="med"/>
+          </a:ln>
+        </p:spPr>
+        <p:style>
+          <a:lnRef idx="0">
+            <a:scrgbClr r="0" g="0" b="0"/>
+          </a:lnRef>
+          <a:fillRef idx="0">
+            <a:scrgbClr r="0" g="0" b="0"/>
+          </a:fillRef>
+          <a:effectRef idx="0">
+            <a:scrgbClr r="0" g="0" b="0"/>
+          </a:effectRef>
+          <a:fontRef idx="minor">
+            <a:schemeClr val="accent1"/>
+          </a:fontRef>
+        </p:style>
+        <p:txBody>
+          <a:bodyPr vert="horz" lIns="91440" tIns="45720" rIns="91440" bIns="45720" rtlCol="0">
+            <a:normAutofit/>
+          </a:bodyPr>
+          <a:lstStyle>
+            <a:lvl1pPr marL="342900" indent="-342900" algn="l" defTabSz="914400" rtl="0" eaLnBrk="1" latinLnBrk="0" hangingPunct="1">
+              <a:lnSpc>
+                <a:spcPct val="100000"/>
+              </a:lnSpc>
+              <a:spcBef>
+                <a:spcPts val="600"/>
+              </a:spcBef>
+              <a:spcAft>
+                <a:spcPts val="600"/>
+              </a:spcAft>
+              <a:buClr>
+                <a:schemeClr val="accent1"/>
+              </a:buClr>
+              <a:buFont typeface="Wingdings" panose="05000000000000000000" pitchFamily="2" charset="2"/>
+              <a:buChar char="l"/>
+              <a:defRPr sz="2800" b="1" kern="1200">
+                <a:solidFill>
+                  <a:srgbClr val="FFFFFF"/>
+                </a:solidFill>
+                <a:latin typeface="+mn-lt"/>
+                <a:ea typeface="+mn-ea"/>
+                <a:cs typeface="+mn-cs"/>
+              </a:defRPr>
+            </a:lvl1pPr>
+            <a:lvl2pPr marL="714375" indent="-352425" algn="l" defTabSz="914400" rtl="0" eaLnBrk="1" latinLnBrk="0" hangingPunct="1">
+              <a:lnSpc>
+                <a:spcPct val="100000"/>
+              </a:lnSpc>
+              <a:spcBef>
+                <a:spcPts val="600"/>
+              </a:spcBef>
+              <a:spcAft>
+                <a:spcPts val="600"/>
+              </a:spcAft>
+              <a:buClr>
+                <a:schemeClr val="accent2"/>
+              </a:buClr>
+              <a:buFont typeface="Wingdings" panose="05000000000000000000" pitchFamily="2" charset="2"/>
+              <a:buChar char="u"/>
+              <a:defRPr sz="2400" b="0" kern="1200">
+                <a:solidFill>
+                  <a:srgbClr val="FFFFFF"/>
+                </a:solidFill>
+                <a:latin typeface="+mn-lt"/>
+                <a:ea typeface="+mn-ea"/>
+                <a:cs typeface="+mn-cs"/>
+              </a:defRPr>
+            </a:lvl2pPr>
+            <a:lvl3pPr marL="1076325" indent="-266700" algn="l" defTabSz="914400" rtl="0" eaLnBrk="1" latinLnBrk="0" hangingPunct="1">
+              <a:lnSpc>
+                <a:spcPct val="100000"/>
+              </a:lnSpc>
+              <a:spcBef>
+                <a:spcPts val="600"/>
+              </a:spcBef>
+              <a:spcAft>
+                <a:spcPts val="600"/>
+              </a:spcAft>
+              <a:buClr>
+                <a:schemeClr val="accent3"/>
+              </a:buClr>
+              <a:buFont typeface="Wingdings" panose="05000000000000000000" pitchFamily="2" charset="2"/>
+              <a:buChar char="p"/>
+              <a:defRPr sz="2000" kern="1200">
+                <a:solidFill>
+                  <a:srgbClr val="FFFFFF"/>
+                </a:solidFill>
+                <a:latin typeface="+mn-lt"/>
+                <a:ea typeface="+mn-ea"/>
+                <a:cs typeface="+mn-cs"/>
+              </a:defRPr>
+            </a:lvl3pPr>
+            <a:lvl4pPr marL="1343025" indent="-180975" algn="l" defTabSz="914400" rtl="0" eaLnBrk="1" latinLnBrk="0" hangingPunct="1">
+              <a:lnSpc>
+                <a:spcPct val="100000"/>
+              </a:lnSpc>
+              <a:spcBef>
+                <a:spcPts val="600"/>
+              </a:spcBef>
+              <a:spcAft>
+                <a:spcPts val="600"/>
+              </a:spcAft>
+              <a:buClr>
+                <a:schemeClr val="accent4"/>
+              </a:buClr>
+              <a:buFont typeface="Wingdings" panose="05000000000000000000" pitchFamily="2" charset="2"/>
+              <a:buChar char="n"/>
+              <a:defRPr sz="1800" kern="1200">
+                <a:solidFill>
+                  <a:srgbClr val="FFFFFF"/>
+                </a:solidFill>
+                <a:latin typeface="+mn-lt"/>
+                <a:ea typeface="+mn-ea"/>
+                <a:cs typeface="+mn-cs"/>
+              </a:defRPr>
+            </a:lvl4pPr>
+            <a:lvl5pPr marL="1619250" indent="-276225" algn="l" defTabSz="914400" rtl="0" eaLnBrk="1" latinLnBrk="0" hangingPunct="1">
+              <a:lnSpc>
+                <a:spcPct val="100000"/>
+              </a:lnSpc>
+              <a:spcBef>
+                <a:spcPts val="600"/>
+              </a:spcBef>
+              <a:spcAft>
+                <a:spcPts val="600"/>
+              </a:spcAft>
+              <a:buClr>
+                <a:schemeClr val="accent5"/>
+              </a:buClr>
+              <a:buFont typeface="Arial" pitchFamily="34" charset="0"/>
+              <a:buChar char="»"/>
+              <a:tabLst>
+                <a:tab pos="7981950" algn="l"/>
+              </a:tabLst>
+              <a:defRPr sz="1800" kern="1200">
+                <a:solidFill>
+                  <a:srgbClr val="FFFFFF"/>
+                </a:solidFill>
+                <a:latin typeface="+mn-lt"/>
+                <a:ea typeface="+mn-ea"/>
+                <a:cs typeface="+mn-cs"/>
+              </a:defRPr>
+            </a:lvl5pPr>
+            <a:lvl6pPr marL="2514600" indent="-228600" algn="l" defTabSz="914400" rtl="0" eaLnBrk="1" latinLnBrk="0" hangingPunct="1">
+              <a:spcBef>
+                <a:spcPct val="20000"/>
+              </a:spcBef>
+              <a:buFont typeface="Arial" pitchFamily="34" charset="0"/>
+              <a:buChar char="•"/>
+              <a:defRPr sz="2000" kern="1200">
+                <a:solidFill>
+                  <a:schemeClr val="accent1"/>
+                </a:solidFill>
+                <a:latin typeface="+mn-lt"/>
+                <a:ea typeface="+mn-ea"/>
+                <a:cs typeface="+mn-cs"/>
+              </a:defRPr>
+            </a:lvl6pPr>
+            <a:lvl7pPr marL="2971800" indent="-228600" algn="l" defTabSz="914400" rtl="0" eaLnBrk="1" latinLnBrk="0" hangingPunct="1">
+              <a:spcBef>
+                <a:spcPct val="20000"/>
+              </a:spcBef>
+              <a:buFont typeface="Arial" pitchFamily="34" charset="0"/>
+              <a:buChar char="•"/>
+              <a:defRPr sz="2000" kern="1200">
+                <a:solidFill>
+                  <a:schemeClr val="accent1"/>
+                </a:solidFill>
+                <a:latin typeface="+mn-lt"/>
+                <a:ea typeface="+mn-ea"/>
+                <a:cs typeface="+mn-cs"/>
+              </a:defRPr>
+            </a:lvl7pPr>
+            <a:lvl8pPr marL="3429000" indent="-228600" algn="l" defTabSz="914400" rtl="0" eaLnBrk="1" latinLnBrk="0" hangingPunct="1">
+              <a:spcBef>
+                <a:spcPct val="20000"/>
+              </a:spcBef>
+              <a:buFont typeface="Arial" pitchFamily="34" charset="0"/>
+              <a:buChar char="•"/>
+              <a:defRPr sz="2000" kern="1200">
+                <a:solidFill>
+                  <a:schemeClr val="accent1"/>
+                </a:solidFill>
+                <a:latin typeface="+mn-lt"/>
+                <a:ea typeface="+mn-ea"/>
+                <a:cs typeface="+mn-cs"/>
+              </a:defRPr>
+            </a:lvl8pPr>
+            <a:lvl9pPr marL="3886200" indent="-228600" algn="l" defTabSz="914400" rtl="0" eaLnBrk="1" latinLnBrk="0" hangingPunct="1">
+              <a:spcBef>
+                <a:spcPct val="20000"/>
+              </a:spcBef>
+              <a:buFont typeface="Arial" pitchFamily="34" charset="0"/>
+              <a:buChar char="•"/>
+              <a:defRPr sz="2000" kern="1200">
+                <a:solidFill>
+                  <a:schemeClr val="accent1"/>
+                </a:solidFill>
+                <a:latin typeface="+mn-lt"/>
+                <a:ea typeface="+mn-ea"/>
+                <a:cs typeface="+mn-cs"/>
+              </a:defRPr>
+            </a:lvl9pPr>
+          </a:lstStyle>
+          <a:p>
+            <a:pPr marL="0" indent="0">
+              <a:buFont typeface="Wingdings" panose="05000000000000000000" pitchFamily="2" charset="2"/>
+              <a:buNone/>
+            </a:pPr>
+            <a:r>
+              <a:rPr lang="zh-TW" altLang="en-US" sz="1800" dirty="0"/>
+              <a:t>畫面中，由上至下，區塊分別為：</a:t>
+            </a:r>
+            <a:endParaRPr lang="en-US" altLang="zh-TW" sz="1800" dirty="0"/>
+          </a:p>
+          <a:p>
+            <a:r>
+              <a:rPr lang="zh-TW" altLang="en-US" sz="1800" dirty="0"/>
+              <a:t>相關商品區塊：可看到不同商品的推薦。</a:t>
+            </a:r>
+          </a:p>
+          <a:p>
+            <a:r>
+              <a:rPr lang="zh-TW" altLang="en-US" sz="1800" dirty="0"/>
+              <a:t>瀏覽紀錄區塊：可看到使用者過去瀏覽過的商品。</a:t>
+            </a:r>
+          </a:p>
+        </p:txBody>
+      </p:sp>
+    </p:spTree>
+    <p:extLst>
+      <p:ext uri="{BB962C8B-B14F-4D97-AF65-F5344CB8AC3E}">
+        <p14:creationId xmlns:p14="http://schemas.microsoft.com/office/powerpoint/2010/main" val="2434716186"/>
+      </p:ext>
+    </p:extLst>
+  </p:cSld>
+  <p:clrMapOvr>
+    <a:masterClrMapping/>
+  </p:clrMapOvr>
+</p:sld>
+</file>
+
+<file path=ppt/slides/slide8.xml><?xml version="1.0" encoding="utf-8"?>
 <p:sld xmlns:a="http://schemas.openxmlformats.org/drawingml/2006/main" xmlns:r="http://schemas.openxmlformats.org/officeDocument/2006/relationships" xmlns:p="http://schemas.openxmlformats.org/presentationml/2006/main">
   <p:cSld>
     <p:spTree>
@@ -6678,7 +8335,7 @@
 </p:sld>
 </file>
 
-<file path=ppt/slides/slide7.xml><?xml version="1.0" encoding="utf-8"?>
+<file path=ppt/slides/slide9.xml><?xml version="1.0" encoding="utf-8"?>
 <p:sld xmlns:a="http://schemas.openxmlformats.org/drawingml/2006/main" xmlns:r="http://schemas.openxmlformats.org/officeDocument/2006/relationships" xmlns:p="http://schemas.openxmlformats.org/presentationml/2006/main">
   <p:cSld>
     <p:spTree>
@@ -7072,1029 +8729,6 @@
     <p:extLst>
       <p:ext uri="{BB962C8B-B14F-4D97-AF65-F5344CB8AC3E}">
         <p14:creationId xmlns:p14="http://schemas.microsoft.com/office/powerpoint/2010/main" val="2586117660"/>
-      </p:ext>
-    </p:extLst>
-  </p:cSld>
-  <p:clrMapOvr>
-    <a:masterClrMapping/>
-  </p:clrMapOvr>
-</p:sld>
-</file>
-
-<file path=ppt/slides/slide8.xml><?xml version="1.0" encoding="utf-8"?>
-<p:sld xmlns:a="http://schemas.openxmlformats.org/drawingml/2006/main" xmlns:r="http://schemas.openxmlformats.org/officeDocument/2006/relationships" xmlns:p="http://schemas.openxmlformats.org/presentationml/2006/main">
-  <p:cSld>
-    <p:spTree>
-      <p:nvGrpSpPr>
-        <p:cNvPr id="1" name=""/>
-        <p:cNvGrpSpPr/>
-        <p:nvPr/>
-      </p:nvGrpSpPr>
-      <p:grpSpPr>
-        <a:xfrm>
-          <a:off x="0" y="0"/>
-          <a:ext cx="0" cy="0"/>
-          <a:chOff x="0" y="0"/>
-          <a:chExt cx="0" cy="0"/>
-        </a:xfrm>
-      </p:grpSpPr>
-      <p:sp>
-        <p:nvSpPr>
-          <p:cNvPr id="4" name="標題 3"/>
-          <p:cNvSpPr>
-            <a:spLocks noGrp="1"/>
-          </p:cNvSpPr>
-          <p:nvPr>
-            <p:ph type="title" idx="4294967295"/>
-          </p:nvPr>
-        </p:nvSpPr>
-        <p:spPr>
-          <a:xfrm>
-            <a:off x="632520" y="83684"/>
-            <a:ext cx="8640960" cy="681020"/>
-          </a:xfrm>
-          <a:prstGeom prst="rect">
-            <a:avLst/>
-          </a:prstGeom>
-        </p:spPr>
-        <p:txBody>
-          <a:bodyPr/>
-          <a:lstStyle/>
-          <a:p>
-            <a:r>
-              <a:rPr lang="zh-TW" altLang="en-US" dirty="0"/>
-              <a:t>小組成員與分工介紹</a:t>
-            </a:r>
-          </a:p>
-        </p:txBody>
-      </p:sp>
-      <p:sp>
-        <p:nvSpPr>
-          <p:cNvPr id="3" name="內容版面配置區 1">
-            <a:extLst>
-              <a:ext uri="{FF2B5EF4-FFF2-40B4-BE49-F238E27FC236}">
-                <a16:creationId xmlns:a16="http://schemas.microsoft.com/office/drawing/2014/main" id="{DC987D51-13BD-4CA3-9C55-14EE58EBF5B0}"/>
-              </a:ext>
-            </a:extLst>
-          </p:cNvPr>
-          <p:cNvSpPr txBox="1">
-            <a:spLocks/>
-          </p:cNvSpPr>
-          <p:nvPr/>
-        </p:nvSpPr>
-        <p:spPr bwMode="ltGray">
-          <a:xfrm>
-            <a:off x="1065600" y="979200"/>
-            <a:ext cx="7920000" cy="4824536"/>
-          </a:xfrm>
-          <a:prstGeom prst="rect">
-            <a:avLst/>
-          </a:prstGeom>
-        </p:spPr>
-        <p:txBody>
-          <a:bodyPr vert="horz" lIns="91440" tIns="45720" rIns="91440" bIns="45720" rtlCol="0">
-            <a:normAutofit fontScale="55000" lnSpcReduction="20000"/>
-          </a:bodyPr>
-          <a:lstStyle>
-            <a:lvl1pPr marL="342900" indent="-342900" algn="l" defTabSz="914400" rtl="0" eaLnBrk="1" latinLnBrk="0" hangingPunct="1">
-              <a:lnSpc>
-                <a:spcPct val="100000"/>
-              </a:lnSpc>
-              <a:spcBef>
-                <a:spcPts val="600"/>
-              </a:spcBef>
-              <a:spcAft>
-                <a:spcPts val="600"/>
-              </a:spcAft>
-              <a:buClr>
-                <a:schemeClr val="accent1"/>
-              </a:buClr>
-              <a:buFont typeface="Arial" pitchFamily="34" charset="0"/>
-              <a:buChar char="•"/>
-              <a:defRPr sz="2800" b="1" kern="1200">
-                <a:solidFill>
-                  <a:srgbClr val="393939"/>
-                </a:solidFill>
-                <a:latin typeface="微軟正黑體" pitchFamily="34" charset="-120"/>
-                <a:ea typeface="微軟正黑體" pitchFamily="34" charset="-120"/>
-                <a:cs typeface="+mn-cs"/>
-              </a:defRPr>
-            </a:lvl1pPr>
-            <a:lvl2pPr marL="714375" indent="-352425" algn="l" defTabSz="914400" rtl="0" eaLnBrk="1" latinLnBrk="0" hangingPunct="1">
-              <a:lnSpc>
-                <a:spcPct val="100000"/>
-              </a:lnSpc>
-              <a:spcBef>
-                <a:spcPts val="600"/>
-              </a:spcBef>
-              <a:spcAft>
-                <a:spcPts val="600"/>
-              </a:spcAft>
-              <a:buClr>
-                <a:schemeClr val="accent2"/>
-              </a:buClr>
-              <a:buFont typeface="Arial" pitchFamily="34" charset="0"/>
-              <a:buChar char="–"/>
-              <a:defRPr sz="2400" b="1" kern="1200">
-                <a:solidFill>
-                  <a:srgbClr val="393939"/>
-                </a:solidFill>
-                <a:latin typeface="微軟正黑體" pitchFamily="34" charset="-120"/>
-                <a:ea typeface="微軟正黑體" pitchFamily="34" charset="-120"/>
-                <a:cs typeface="+mn-cs"/>
-              </a:defRPr>
-            </a:lvl2pPr>
-            <a:lvl3pPr marL="1076325" indent="-266700" algn="l" defTabSz="914400" rtl="0" eaLnBrk="1" latinLnBrk="0" hangingPunct="1">
-              <a:lnSpc>
-                <a:spcPct val="100000"/>
-              </a:lnSpc>
-              <a:spcBef>
-                <a:spcPts val="600"/>
-              </a:spcBef>
-              <a:spcAft>
-                <a:spcPts val="600"/>
-              </a:spcAft>
-              <a:buClr>
-                <a:schemeClr val="accent3"/>
-              </a:buClr>
-              <a:buFont typeface="Arial" pitchFamily="34" charset="0"/>
-              <a:buChar char="•"/>
-              <a:defRPr sz="2000" kern="1200">
-                <a:solidFill>
-                  <a:srgbClr val="393939"/>
-                </a:solidFill>
-                <a:latin typeface="微軟正黑體" pitchFamily="34" charset="-120"/>
-                <a:ea typeface="微軟正黑體" pitchFamily="34" charset="-120"/>
-                <a:cs typeface="+mn-cs"/>
-              </a:defRPr>
-            </a:lvl3pPr>
-            <a:lvl4pPr marL="1343025" indent="-180975" algn="l" defTabSz="914400" rtl="0" eaLnBrk="1" latinLnBrk="0" hangingPunct="1">
-              <a:lnSpc>
-                <a:spcPct val="100000"/>
-              </a:lnSpc>
-              <a:spcBef>
-                <a:spcPts val="600"/>
-              </a:spcBef>
-              <a:spcAft>
-                <a:spcPts val="600"/>
-              </a:spcAft>
-              <a:buClr>
-                <a:schemeClr val="accent4"/>
-              </a:buClr>
-              <a:buFont typeface="Arial" pitchFamily="34" charset="0"/>
-              <a:buChar char="–"/>
-              <a:defRPr sz="1800" kern="1200">
-                <a:solidFill>
-                  <a:srgbClr val="393939"/>
-                </a:solidFill>
-                <a:latin typeface="微軟正黑體" pitchFamily="34" charset="-120"/>
-                <a:ea typeface="微軟正黑體" pitchFamily="34" charset="-120"/>
-                <a:cs typeface="+mn-cs"/>
-              </a:defRPr>
-            </a:lvl4pPr>
-            <a:lvl5pPr marL="1619250" indent="-276225" algn="l" defTabSz="914400" rtl="0" eaLnBrk="1" latinLnBrk="0" hangingPunct="1">
-              <a:lnSpc>
-                <a:spcPct val="100000"/>
-              </a:lnSpc>
-              <a:spcBef>
-                <a:spcPts val="600"/>
-              </a:spcBef>
-              <a:spcAft>
-                <a:spcPts val="600"/>
-              </a:spcAft>
-              <a:buClr>
-                <a:schemeClr val="accent5"/>
-              </a:buClr>
-              <a:buFont typeface="Arial" pitchFamily="34" charset="0"/>
-              <a:buChar char="»"/>
-              <a:tabLst>
-                <a:tab pos="7981950" algn="l"/>
-              </a:tabLst>
-              <a:defRPr sz="1800" kern="1200">
-                <a:solidFill>
-                  <a:srgbClr val="393939"/>
-                </a:solidFill>
-                <a:latin typeface="微軟正黑體" pitchFamily="34" charset="-120"/>
-                <a:ea typeface="微軟正黑體" pitchFamily="34" charset="-120"/>
-                <a:cs typeface="+mn-cs"/>
-              </a:defRPr>
-            </a:lvl5pPr>
-            <a:lvl6pPr marL="2514600" indent="-228600" algn="l" defTabSz="914400" rtl="0" eaLnBrk="1" latinLnBrk="0" hangingPunct="1">
-              <a:spcBef>
-                <a:spcPct val="20000"/>
-              </a:spcBef>
-              <a:buFont typeface="Arial" pitchFamily="34" charset="0"/>
-              <a:buChar char="•"/>
-              <a:defRPr sz="2000" kern="1200">
-                <a:solidFill>
-                  <a:schemeClr val="tx1"/>
-                </a:solidFill>
-                <a:latin typeface="+mn-lt"/>
-                <a:ea typeface="+mn-ea"/>
-                <a:cs typeface="+mn-cs"/>
-              </a:defRPr>
-            </a:lvl6pPr>
-            <a:lvl7pPr marL="2971800" indent="-228600" algn="l" defTabSz="914400" rtl="0" eaLnBrk="1" latinLnBrk="0" hangingPunct="1">
-              <a:spcBef>
-                <a:spcPct val="20000"/>
-              </a:spcBef>
-              <a:buFont typeface="Arial" pitchFamily="34" charset="0"/>
-              <a:buChar char="•"/>
-              <a:defRPr sz="2000" kern="1200">
-                <a:solidFill>
-                  <a:schemeClr val="tx1"/>
-                </a:solidFill>
-                <a:latin typeface="+mn-lt"/>
-                <a:ea typeface="+mn-ea"/>
-                <a:cs typeface="+mn-cs"/>
-              </a:defRPr>
-            </a:lvl7pPr>
-            <a:lvl8pPr marL="3429000" indent="-228600" algn="l" defTabSz="914400" rtl="0" eaLnBrk="1" latinLnBrk="0" hangingPunct="1">
-              <a:spcBef>
-                <a:spcPct val="20000"/>
-              </a:spcBef>
-              <a:buFont typeface="Arial" pitchFamily="34" charset="0"/>
-              <a:buChar char="•"/>
-              <a:defRPr sz="2000" kern="1200">
-                <a:solidFill>
-                  <a:schemeClr val="tx1"/>
-                </a:solidFill>
-                <a:latin typeface="+mn-lt"/>
-                <a:ea typeface="+mn-ea"/>
-                <a:cs typeface="+mn-cs"/>
-              </a:defRPr>
-            </a:lvl8pPr>
-            <a:lvl9pPr marL="3886200" indent="-228600" algn="l" defTabSz="914400" rtl="0" eaLnBrk="1" latinLnBrk="0" hangingPunct="1">
-              <a:spcBef>
-                <a:spcPct val="20000"/>
-              </a:spcBef>
-              <a:buFont typeface="Arial" pitchFamily="34" charset="0"/>
-              <a:buChar char="•"/>
-              <a:defRPr sz="2000" kern="1200">
-                <a:solidFill>
-                  <a:schemeClr val="tx1"/>
-                </a:solidFill>
-                <a:latin typeface="+mn-lt"/>
-                <a:ea typeface="+mn-ea"/>
-                <a:cs typeface="+mn-cs"/>
-              </a:defRPr>
-            </a:lvl9pPr>
-          </a:lstStyle>
-          <a:p>
-            <a:pPr>
-              <a:lnSpc>
-                <a:spcPts val="3600"/>
-              </a:lnSpc>
-              <a:buFont typeface="Wingdings" panose="05000000000000000000" pitchFamily="2" charset="2"/>
-              <a:buChar char="l"/>
-            </a:pPr>
-            <a:r>
-              <a:rPr lang="zh-TW" altLang="en-US" dirty="0">
-                <a:solidFill>
-                  <a:schemeClr val="bg1"/>
-                </a:solidFill>
-              </a:rPr>
-              <a:t>許清彰：商城、結帳畫面、商品頁面、</a:t>
-            </a:r>
-            <a:r>
-              <a:rPr lang="en-US" altLang="zh-TW" dirty="0">
-                <a:solidFill>
-                  <a:schemeClr val="bg1"/>
-                </a:solidFill>
-              </a:rPr>
-              <a:t>GitHub</a:t>
-            </a:r>
-            <a:r>
-              <a:rPr lang="zh-TW" altLang="en-US" dirty="0">
-                <a:solidFill>
-                  <a:schemeClr val="bg1"/>
-                </a:solidFill>
-              </a:rPr>
-              <a:t>專案庫建置、資料表設計、企劃書整理、專題說明文件</a:t>
-            </a:r>
-            <a:endParaRPr kumimoji="0" lang="en-US" altLang="zh-TW" sz="2800" b="1" i="0" u="none" strike="noStrike" kern="1200" cap="none" spc="0" normalizeH="0" baseline="0" noProof="0" dirty="0">
-              <a:ln>
-                <a:noFill/>
-              </a:ln>
-              <a:solidFill>
-                <a:schemeClr val="bg1"/>
-              </a:solidFill>
-              <a:effectLst/>
-              <a:uLnTx/>
-              <a:uFillTx/>
-              <a:latin typeface="微軟正黑體" pitchFamily="34" charset="-120"/>
-              <a:ea typeface="微軟正黑體" pitchFamily="34" charset="-120"/>
-              <a:cs typeface="+mn-cs"/>
-            </a:endParaRPr>
-          </a:p>
-          <a:p>
-            <a:pPr>
-              <a:lnSpc>
-                <a:spcPts val="3600"/>
-              </a:lnSpc>
-              <a:buFont typeface="Wingdings" panose="05000000000000000000" pitchFamily="2" charset="2"/>
-              <a:buChar char="l"/>
-            </a:pPr>
-            <a:r>
-              <a:rPr lang="zh-TW" altLang="en-US" dirty="0">
-                <a:solidFill>
-                  <a:schemeClr val="bg1"/>
-                </a:solidFill>
-              </a:rPr>
-              <a:t>林楷紘：商城、結帳畫面、商品頁面、</a:t>
-            </a:r>
-            <a:r>
-              <a:rPr lang="en-US" altLang="zh-TW" dirty="0">
-                <a:solidFill>
-                  <a:schemeClr val="bg1"/>
-                </a:solidFill>
-              </a:rPr>
-              <a:t>GitHub</a:t>
-            </a:r>
-            <a:r>
-              <a:rPr lang="zh-TW" altLang="en-US" dirty="0">
-                <a:solidFill>
-                  <a:schemeClr val="bg1"/>
-                </a:solidFill>
-              </a:rPr>
-              <a:t>專案庫建置、資料表設計、企劃書整理、專題說明文件</a:t>
-            </a:r>
-            <a:endParaRPr lang="en-US" altLang="zh-TW" dirty="0">
-              <a:solidFill>
-                <a:schemeClr val="bg1"/>
-              </a:solidFill>
-            </a:endParaRPr>
-          </a:p>
-          <a:p>
-            <a:pPr>
-              <a:lnSpc>
-                <a:spcPts val="3600"/>
-              </a:lnSpc>
-              <a:buFont typeface="Wingdings" panose="05000000000000000000" pitchFamily="2" charset="2"/>
-              <a:buChar char="l"/>
-            </a:pPr>
-            <a:r>
-              <a:rPr lang="zh-TW" altLang="en-US" dirty="0">
-                <a:solidFill>
-                  <a:schemeClr val="bg1"/>
-                </a:solidFill>
-              </a:rPr>
-              <a:t>紀皓騫：首頁、新聞區、新聞文章、頁面草圖、初版模板</a:t>
-            </a:r>
-            <a:r>
-              <a:rPr lang="en-US" altLang="zh-TW" dirty="0">
-                <a:solidFill>
-                  <a:schemeClr val="bg1"/>
-                </a:solidFill>
-              </a:rPr>
-              <a:t>layout</a:t>
-            </a:r>
-            <a:r>
-              <a:rPr lang="zh-TW" altLang="en-US" dirty="0">
-                <a:solidFill>
-                  <a:schemeClr val="bg1"/>
-                </a:solidFill>
-              </a:rPr>
-              <a:t>、資料表設計</a:t>
-            </a:r>
-            <a:endParaRPr lang="en-US" altLang="zh-TW" dirty="0">
-              <a:solidFill>
-                <a:schemeClr val="bg1"/>
-              </a:solidFill>
-            </a:endParaRPr>
-          </a:p>
-          <a:p>
-            <a:pPr>
-              <a:lnSpc>
-                <a:spcPts val="3600"/>
-              </a:lnSpc>
-              <a:buFont typeface="Wingdings" panose="05000000000000000000" pitchFamily="2" charset="2"/>
-              <a:buChar char="l"/>
-            </a:pPr>
-            <a:r>
-              <a:rPr lang="zh-TW" altLang="en-US" dirty="0">
-                <a:solidFill>
-                  <a:schemeClr val="bg1"/>
-                </a:solidFill>
-              </a:rPr>
-              <a:t>熊偉誌：個人頁面、登入／註冊頁面、設定頁面、系統架構圖、資料表設計</a:t>
-            </a:r>
-            <a:endParaRPr lang="en-US" altLang="zh-TW" dirty="0">
-              <a:solidFill>
-                <a:schemeClr val="bg1"/>
-              </a:solidFill>
-            </a:endParaRPr>
-          </a:p>
-          <a:p>
-            <a:pPr>
-              <a:lnSpc>
-                <a:spcPts val="3600"/>
-              </a:lnSpc>
-              <a:buFont typeface="Wingdings" panose="05000000000000000000" pitchFamily="2" charset="2"/>
-              <a:buChar char="l"/>
-            </a:pPr>
-            <a:r>
-              <a:rPr lang="zh-TW" altLang="en-US" dirty="0">
-                <a:solidFill>
-                  <a:schemeClr val="bg1"/>
-                </a:solidFill>
-              </a:rPr>
-              <a:t>廖士傑：看板頁面</a:t>
-            </a:r>
-            <a:r>
-              <a:rPr lang="en-US" altLang="zh-TW" dirty="0">
-                <a:solidFill>
-                  <a:schemeClr val="bg1"/>
-                </a:solidFill>
-              </a:rPr>
-              <a:t>(</a:t>
-            </a:r>
-            <a:r>
-              <a:rPr lang="zh-TW" altLang="en-US" dirty="0">
-                <a:solidFill>
-                  <a:schemeClr val="bg1"/>
-                </a:solidFill>
-              </a:rPr>
-              <a:t>看板類別</a:t>
-            </a:r>
-            <a:r>
-              <a:rPr lang="en-US" altLang="zh-TW" dirty="0">
-                <a:solidFill>
-                  <a:schemeClr val="bg1"/>
-                </a:solidFill>
-              </a:rPr>
-              <a:t>)</a:t>
-            </a:r>
-            <a:r>
-              <a:rPr lang="zh-TW" altLang="en-US" dirty="0">
-                <a:solidFill>
-                  <a:schemeClr val="bg1"/>
-                </a:solidFill>
-              </a:rPr>
-              <a:t>、討論區</a:t>
-            </a:r>
-            <a:r>
-              <a:rPr lang="en-US" altLang="zh-TW" dirty="0">
-                <a:solidFill>
-                  <a:schemeClr val="bg1"/>
-                </a:solidFill>
-              </a:rPr>
-              <a:t>(</a:t>
-            </a:r>
-            <a:r>
-              <a:rPr lang="zh-TW" altLang="en-US" dirty="0">
-                <a:solidFill>
-                  <a:schemeClr val="bg1"/>
-                </a:solidFill>
-              </a:rPr>
-              <a:t>文章列表</a:t>
-            </a:r>
-            <a:r>
-              <a:rPr lang="en-US" altLang="zh-TW" dirty="0">
-                <a:solidFill>
-                  <a:schemeClr val="bg1"/>
-                </a:solidFill>
-              </a:rPr>
-              <a:t>)</a:t>
-            </a:r>
-            <a:r>
-              <a:rPr lang="zh-TW" altLang="en-US">
-                <a:solidFill>
-                  <a:schemeClr val="bg1"/>
-                </a:solidFill>
-              </a:rPr>
-              <a:t>、訂單紀錄</a:t>
-            </a:r>
-            <a:endParaRPr lang="en-US" altLang="zh-TW" dirty="0">
-              <a:solidFill>
-                <a:schemeClr val="bg1"/>
-              </a:solidFill>
-            </a:endParaRPr>
-          </a:p>
-          <a:p>
-            <a:pPr>
-              <a:lnSpc>
-                <a:spcPts val="3600"/>
-              </a:lnSpc>
-              <a:buFont typeface="Wingdings" panose="05000000000000000000" pitchFamily="2" charset="2"/>
-              <a:buChar char="l"/>
-            </a:pPr>
-            <a:endParaRPr lang="en-US" altLang="zh-TW" dirty="0">
-              <a:solidFill>
-                <a:schemeClr val="bg1"/>
-              </a:solidFill>
-            </a:endParaRPr>
-          </a:p>
-        </p:txBody>
-      </p:sp>
-    </p:spTree>
-    <p:extLst>
-      <p:ext uri="{BB962C8B-B14F-4D97-AF65-F5344CB8AC3E}">
-        <p14:creationId xmlns:p14="http://schemas.microsoft.com/office/powerpoint/2010/main" val="1179930141"/>
-      </p:ext>
-    </p:extLst>
-  </p:cSld>
-  <p:clrMapOvr>
-    <a:masterClrMapping/>
-  </p:clrMapOvr>
-</p:sld>
-</file>
-
-<file path=ppt/slides/slide9.xml><?xml version="1.0" encoding="utf-8"?>
-<p:sld xmlns:a="http://schemas.openxmlformats.org/drawingml/2006/main" xmlns:r="http://schemas.openxmlformats.org/officeDocument/2006/relationships" xmlns:p="http://schemas.openxmlformats.org/presentationml/2006/main">
-  <p:cSld>
-    <p:spTree>
-      <p:nvGrpSpPr>
-        <p:cNvPr id="1" name=""/>
-        <p:cNvGrpSpPr/>
-        <p:nvPr/>
-      </p:nvGrpSpPr>
-      <p:grpSpPr>
-        <a:xfrm>
-          <a:off x="0" y="0"/>
-          <a:ext cx="0" cy="0"/>
-          <a:chOff x="0" y="0"/>
-          <a:chExt cx="0" cy="0"/>
-        </a:xfrm>
-      </p:grpSpPr>
-      <p:sp>
-        <p:nvSpPr>
-          <p:cNvPr id="4" name="標題 3"/>
-          <p:cNvSpPr>
-            <a:spLocks noGrp="1"/>
-          </p:cNvSpPr>
-          <p:nvPr>
-            <p:ph type="title" idx="4294967295"/>
-          </p:nvPr>
-        </p:nvSpPr>
-        <p:spPr>
-          <a:xfrm>
-            <a:off x="632520" y="72008"/>
-            <a:ext cx="8640960" cy="692696"/>
-          </a:xfrm>
-          <a:prstGeom prst="rect">
-            <a:avLst/>
-          </a:prstGeom>
-        </p:spPr>
-        <p:txBody>
-          <a:bodyPr/>
-          <a:lstStyle/>
-          <a:p>
-            <a:r>
-              <a:rPr lang="zh-TW" altLang="en-US" dirty="0"/>
-              <a:t>大綱</a:t>
-            </a:r>
-          </a:p>
-        </p:txBody>
-      </p:sp>
-      <p:sp>
-        <p:nvSpPr>
-          <p:cNvPr id="6" name="內容版面配置區 1"/>
-          <p:cNvSpPr txBox="1">
-            <a:spLocks/>
-          </p:cNvSpPr>
-          <p:nvPr/>
-        </p:nvSpPr>
-        <p:spPr bwMode="ltGray">
-          <a:xfrm>
-            <a:off x="1065600" y="979200"/>
-            <a:ext cx="7920000" cy="4824536"/>
-          </a:xfrm>
-          <a:prstGeom prst="rect">
-            <a:avLst/>
-          </a:prstGeom>
-        </p:spPr>
-        <p:txBody>
-          <a:bodyPr vert="horz" lIns="91440" tIns="45720" rIns="91440" bIns="45720" rtlCol="0">
-            <a:normAutofit/>
-          </a:bodyPr>
-          <a:lstStyle>
-            <a:lvl1pPr marL="342900" indent="-342900" algn="l" defTabSz="914400" rtl="0" eaLnBrk="1" latinLnBrk="0" hangingPunct="1">
-              <a:lnSpc>
-                <a:spcPct val="100000"/>
-              </a:lnSpc>
-              <a:spcBef>
-                <a:spcPts val="600"/>
-              </a:spcBef>
-              <a:spcAft>
-                <a:spcPts val="600"/>
-              </a:spcAft>
-              <a:buClr>
-                <a:schemeClr val="accent1"/>
-              </a:buClr>
-              <a:buFont typeface="Arial" pitchFamily="34" charset="0"/>
-              <a:buChar char="•"/>
-              <a:defRPr sz="2800" b="1" kern="1200">
-                <a:solidFill>
-                  <a:srgbClr val="393939"/>
-                </a:solidFill>
-                <a:latin typeface="微軟正黑體" pitchFamily="34" charset="-120"/>
-                <a:ea typeface="微軟正黑體" pitchFamily="34" charset="-120"/>
-                <a:cs typeface="+mn-cs"/>
-              </a:defRPr>
-            </a:lvl1pPr>
-            <a:lvl2pPr marL="714375" indent="-352425" algn="l" defTabSz="914400" rtl="0" eaLnBrk="1" latinLnBrk="0" hangingPunct="1">
-              <a:lnSpc>
-                <a:spcPct val="100000"/>
-              </a:lnSpc>
-              <a:spcBef>
-                <a:spcPts val="600"/>
-              </a:spcBef>
-              <a:spcAft>
-                <a:spcPts val="600"/>
-              </a:spcAft>
-              <a:buClr>
-                <a:schemeClr val="accent2"/>
-              </a:buClr>
-              <a:buFont typeface="Arial" pitchFamily="34" charset="0"/>
-              <a:buChar char="–"/>
-              <a:defRPr sz="2400" b="1" kern="1200">
-                <a:solidFill>
-                  <a:srgbClr val="393939"/>
-                </a:solidFill>
-                <a:latin typeface="微軟正黑體" pitchFamily="34" charset="-120"/>
-                <a:ea typeface="微軟正黑體" pitchFamily="34" charset="-120"/>
-                <a:cs typeface="+mn-cs"/>
-              </a:defRPr>
-            </a:lvl2pPr>
-            <a:lvl3pPr marL="1076325" indent="-266700" algn="l" defTabSz="914400" rtl="0" eaLnBrk="1" latinLnBrk="0" hangingPunct="1">
-              <a:lnSpc>
-                <a:spcPct val="100000"/>
-              </a:lnSpc>
-              <a:spcBef>
-                <a:spcPts val="600"/>
-              </a:spcBef>
-              <a:spcAft>
-                <a:spcPts val="600"/>
-              </a:spcAft>
-              <a:buClr>
-                <a:schemeClr val="accent3"/>
-              </a:buClr>
-              <a:buFont typeface="Arial" pitchFamily="34" charset="0"/>
-              <a:buChar char="•"/>
-              <a:defRPr sz="2000" kern="1200">
-                <a:solidFill>
-                  <a:srgbClr val="393939"/>
-                </a:solidFill>
-                <a:latin typeface="微軟正黑體" pitchFamily="34" charset="-120"/>
-                <a:ea typeface="微軟正黑體" pitchFamily="34" charset="-120"/>
-                <a:cs typeface="+mn-cs"/>
-              </a:defRPr>
-            </a:lvl3pPr>
-            <a:lvl4pPr marL="1343025" indent="-180975" algn="l" defTabSz="914400" rtl="0" eaLnBrk="1" latinLnBrk="0" hangingPunct="1">
-              <a:lnSpc>
-                <a:spcPct val="100000"/>
-              </a:lnSpc>
-              <a:spcBef>
-                <a:spcPts val="600"/>
-              </a:spcBef>
-              <a:spcAft>
-                <a:spcPts val="600"/>
-              </a:spcAft>
-              <a:buClr>
-                <a:schemeClr val="accent4"/>
-              </a:buClr>
-              <a:buFont typeface="Arial" pitchFamily="34" charset="0"/>
-              <a:buChar char="–"/>
-              <a:defRPr sz="1800" kern="1200">
-                <a:solidFill>
-                  <a:srgbClr val="393939"/>
-                </a:solidFill>
-                <a:latin typeface="微軟正黑體" pitchFamily="34" charset="-120"/>
-                <a:ea typeface="微軟正黑體" pitchFamily="34" charset="-120"/>
-                <a:cs typeface="+mn-cs"/>
-              </a:defRPr>
-            </a:lvl4pPr>
-            <a:lvl5pPr marL="1619250" indent="-276225" algn="l" defTabSz="914400" rtl="0" eaLnBrk="1" latinLnBrk="0" hangingPunct="1">
-              <a:lnSpc>
-                <a:spcPct val="100000"/>
-              </a:lnSpc>
-              <a:spcBef>
-                <a:spcPts val="600"/>
-              </a:spcBef>
-              <a:spcAft>
-                <a:spcPts val="600"/>
-              </a:spcAft>
-              <a:buClr>
-                <a:schemeClr val="accent5"/>
-              </a:buClr>
-              <a:buFont typeface="Arial" pitchFamily="34" charset="0"/>
-              <a:buChar char="»"/>
-              <a:tabLst>
-                <a:tab pos="7981950" algn="l"/>
-              </a:tabLst>
-              <a:defRPr sz="1800" kern="1200">
-                <a:solidFill>
-                  <a:srgbClr val="393939"/>
-                </a:solidFill>
-                <a:latin typeface="微軟正黑體" pitchFamily="34" charset="-120"/>
-                <a:ea typeface="微軟正黑體" pitchFamily="34" charset="-120"/>
-                <a:cs typeface="+mn-cs"/>
-              </a:defRPr>
-            </a:lvl5pPr>
-            <a:lvl6pPr marL="2514600" indent="-228600" algn="l" defTabSz="914400" rtl="0" eaLnBrk="1" latinLnBrk="0" hangingPunct="1">
-              <a:spcBef>
-                <a:spcPct val="20000"/>
-              </a:spcBef>
-              <a:buFont typeface="Arial" pitchFamily="34" charset="0"/>
-              <a:buChar char="•"/>
-              <a:defRPr sz="2000" kern="1200">
-                <a:solidFill>
-                  <a:schemeClr val="tx1"/>
-                </a:solidFill>
-                <a:latin typeface="+mn-lt"/>
-                <a:ea typeface="+mn-ea"/>
-                <a:cs typeface="+mn-cs"/>
-              </a:defRPr>
-            </a:lvl6pPr>
-            <a:lvl7pPr marL="2971800" indent="-228600" algn="l" defTabSz="914400" rtl="0" eaLnBrk="1" latinLnBrk="0" hangingPunct="1">
-              <a:spcBef>
-                <a:spcPct val="20000"/>
-              </a:spcBef>
-              <a:buFont typeface="Arial" pitchFamily="34" charset="0"/>
-              <a:buChar char="•"/>
-              <a:defRPr sz="2000" kern="1200">
-                <a:solidFill>
-                  <a:schemeClr val="tx1"/>
-                </a:solidFill>
-                <a:latin typeface="+mn-lt"/>
-                <a:ea typeface="+mn-ea"/>
-                <a:cs typeface="+mn-cs"/>
-              </a:defRPr>
-            </a:lvl7pPr>
-            <a:lvl8pPr marL="3429000" indent="-228600" algn="l" defTabSz="914400" rtl="0" eaLnBrk="1" latinLnBrk="0" hangingPunct="1">
-              <a:spcBef>
-                <a:spcPct val="20000"/>
-              </a:spcBef>
-              <a:buFont typeface="Arial" pitchFamily="34" charset="0"/>
-              <a:buChar char="•"/>
-              <a:defRPr sz="2000" kern="1200">
-                <a:solidFill>
-                  <a:schemeClr val="tx1"/>
-                </a:solidFill>
-                <a:latin typeface="+mn-lt"/>
-                <a:ea typeface="+mn-ea"/>
-                <a:cs typeface="+mn-cs"/>
-              </a:defRPr>
-            </a:lvl8pPr>
-            <a:lvl9pPr marL="3886200" indent="-228600" algn="l" defTabSz="914400" rtl="0" eaLnBrk="1" latinLnBrk="0" hangingPunct="1">
-              <a:spcBef>
-                <a:spcPct val="20000"/>
-              </a:spcBef>
-              <a:buFont typeface="Arial" pitchFamily="34" charset="0"/>
-              <a:buChar char="•"/>
-              <a:defRPr sz="2000" kern="1200">
-                <a:solidFill>
-                  <a:schemeClr val="tx1"/>
-                </a:solidFill>
-                <a:latin typeface="+mn-lt"/>
-                <a:ea typeface="+mn-ea"/>
-                <a:cs typeface="+mn-cs"/>
-              </a:defRPr>
-            </a:lvl9pPr>
-          </a:lstStyle>
-          <a:p>
-            <a:pPr>
-              <a:lnSpc>
-                <a:spcPts val="3600"/>
-              </a:lnSpc>
-              <a:buFont typeface="Wingdings" panose="05000000000000000000" pitchFamily="2" charset="2"/>
-              <a:buChar char="l"/>
-            </a:pPr>
-            <a:r>
-              <a:rPr kumimoji="0" lang="zh-TW" altLang="en-US" sz="2800" b="1" i="0" u="none" strike="noStrike" kern="1200" cap="none" spc="0" normalizeH="0" baseline="0" noProof="0" dirty="0">
-                <a:ln>
-                  <a:noFill/>
-                </a:ln>
-                <a:solidFill>
-                  <a:schemeClr val="bg1"/>
-                </a:solidFill>
-                <a:effectLst/>
-                <a:uLnTx/>
-                <a:uFillTx/>
-                <a:latin typeface="微軟正黑體" pitchFamily="34" charset="-120"/>
-                <a:ea typeface="微軟正黑體" pitchFamily="34" charset="-120"/>
-                <a:cs typeface="+mn-cs"/>
-              </a:rPr>
-              <a:t>標題標題標題標題標題標題標題</a:t>
-            </a:r>
-            <a:endParaRPr kumimoji="0" lang="en-US" altLang="zh-TW" sz="2800" b="1" i="0" u="none" strike="noStrike" kern="1200" cap="none" spc="0" normalizeH="0" baseline="0" noProof="0" dirty="0">
-              <a:ln>
-                <a:noFill/>
-              </a:ln>
-              <a:solidFill>
-                <a:schemeClr val="bg1"/>
-              </a:solidFill>
-              <a:effectLst/>
-              <a:uLnTx/>
-              <a:uFillTx/>
-              <a:latin typeface="微軟正黑體" pitchFamily="34" charset="-120"/>
-              <a:ea typeface="微軟正黑體" pitchFamily="34" charset="-120"/>
-              <a:cs typeface="+mn-cs"/>
-            </a:endParaRPr>
-          </a:p>
-          <a:p>
-            <a:pPr marR="0" lvl="1" algn="l" defTabSz="914400" rtl="0" eaLnBrk="1" fontAlgn="auto" latinLnBrk="0" hangingPunct="1">
-              <a:lnSpc>
-                <a:spcPts val="3600"/>
-              </a:lnSpc>
-              <a:spcBef>
-                <a:spcPts val="600"/>
-              </a:spcBef>
-              <a:spcAft>
-                <a:spcPts val="600"/>
-              </a:spcAft>
-              <a:buClr>
-                <a:srgbClr val="42BBC6"/>
-              </a:buClr>
-              <a:buSzTx/>
-              <a:buFont typeface="Wingdings" panose="05000000000000000000" pitchFamily="2" charset="2"/>
-              <a:buChar char="u"/>
-              <a:tabLst/>
-              <a:defRPr/>
-            </a:pPr>
-            <a:r>
-              <a:rPr kumimoji="0" lang="zh-TW" altLang="en-US" sz="2400" b="1" i="0" u="none" strike="noStrike" kern="1200" cap="none" spc="0" normalizeH="0" baseline="0" noProof="0" dirty="0">
-                <a:ln>
-                  <a:noFill/>
-                </a:ln>
-                <a:solidFill>
-                  <a:schemeClr val="bg1"/>
-                </a:solidFill>
-                <a:effectLst/>
-                <a:uLnTx/>
-                <a:uFillTx/>
-                <a:latin typeface="微軟正黑體" pitchFamily="34" charset="-120"/>
-                <a:ea typeface="微軟正黑體" pitchFamily="34" charset="-120"/>
-                <a:cs typeface="+mn-cs"/>
-              </a:rPr>
-              <a:t>細項內容內容內容</a:t>
-            </a:r>
-            <a:endParaRPr kumimoji="0" lang="en-US" altLang="zh-TW" sz="2400" b="1" i="0" u="none" strike="noStrike" kern="1200" cap="none" spc="0" normalizeH="0" baseline="0" noProof="0" dirty="0">
-              <a:ln>
-                <a:noFill/>
-              </a:ln>
-              <a:solidFill>
-                <a:schemeClr val="bg1"/>
-              </a:solidFill>
-              <a:effectLst/>
-              <a:uLnTx/>
-              <a:uFillTx/>
-              <a:latin typeface="微軟正黑體" pitchFamily="34" charset="-120"/>
-              <a:ea typeface="微軟正黑體" pitchFamily="34" charset="-120"/>
-              <a:cs typeface="+mn-cs"/>
-            </a:endParaRPr>
-          </a:p>
-          <a:p>
-            <a:pPr>
-              <a:lnSpc>
-                <a:spcPts val="3600"/>
-              </a:lnSpc>
-              <a:buFont typeface="Wingdings" panose="05000000000000000000" pitchFamily="2" charset="2"/>
-              <a:buChar char="l"/>
-            </a:pPr>
-            <a:r>
-              <a:rPr lang="zh-TW" altLang="en-US" dirty="0">
-                <a:solidFill>
-                  <a:schemeClr val="bg1"/>
-                </a:solidFill>
-              </a:rPr>
-              <a:t>標題標題標題標題標題標題標題</a:t>
-            </a:r>
-            <a:endParaRPr lang="en-US" altLang="zh-TW" dirty="0">
-              <a:solidFill>
-                <a:schemeClr val="bg1"/>
-              </a:solidFill>
-            </a:endParaRPr>
-          </a:p>
-          <a:p>
-            <a:pPr lvl="1">
-              <a:lnSpc>
-                <a:spcPts val="3600"/>
-              </a:lnSpc>
-              <a:buClr>
-                <a:srgbClr val="42BBC6"/>
-              </a:buClr>
-              <a:buFont typeface="Wingdings" panose="05000000000000000000" pitchFamily="2" charset="2"/>
-              <a:buChar char="u"/>
-              <a:defRPr/>
-            </a:pPr>
-            <a:r>
-              <a:rPr lang="zh-TW" altLang="en-US" dirty="0">
-                <a:solidFill>
-                  <a:schemeClr val="bg1"/>
-                </a:solidFill>
-              </a:rPr>
-              <a:t>細項內容內容內容</a:t>
-            </a:r>
-            <a:endParaRPr lang="en-US" altLang="zh-TW" dirty="0">
-              <a:solidFill>
-                <a:schemeClr val="bg1"/>
-              </a:solidFill>
-            </a:endParaRPr>
-          </a:p>
-          <a:p>
-            <a:pPr>
-              <a:lnSpc>
-                <a:spcPts val="3600"/>
-              </a:lnSpc>
-              <a:buFont typeface="Wingdings" panose="05000000000000000000" pitchFamily="2" charset="2"/>
-              <a:buChar char="l"/>
-            </a:pPr>
-            <a:r>
-              <a:rPr lang="zh-TW" altLang="en-US" dirty="0">
-                <a:solidFill>
-                  <a:schemeClr val="bg1"/>
-                </a:solidFill>
-              </a:rPr>
-              <a:t>標題標題標題標題標題標題標題</a:t>
-            </a:r>
-            <a:endParaRPr lang="en-US" altLang="zh-TW" dirty="0">
-              <a:solidFill>
-                <a:schemeClr val="bg1"/>
-              </a:solidFill>
-            </a:endParaRPr>
-          </a:p>
-          <a:p>
-            <a:pPr lvl="1">
-              <a:lnSpc>
-                <a:spcPts val="3600"/>
-              </a:lnSpc>
-              <a:buClr>
-                <a:srgbClr val="42BBC6"/>
-              </a:buClr>
-              <a:buFont typeface="Wingdings" panose="05000000000000000000" pitchFamily="2" charset="2"/>
-              <a:buChar char="u"/>
-              <a:defRPr/>
-            </a:pPr>
-            <a:r>
-              <a:rPr lang="zh-TW" altLang="en-US" dirty="0">
-                <a:solidFill>
-                  <a:schemeClr val="bg1"/>
-                </a:solidFill>
-              </a:rPr>
-              <a:t>細項內容內容內容</a:t>
-            </a:r>
-            <a:endParaRPr lang="en-US" altLang="zh-TW" dirty="0">
-              <a:solidFill>
-                <a:schemeClr val="bg1"/>
-              </a:solidFill>
-            </a:endParaRPr>
-          </a:p>
-          <a:p>
-            <a:pPr>
-              <a:lnSpc>
-                <a:spcPts val="3600"/>
-              </a:lnSpc>
-              <a:buFont typeface="Wingdings" panose="05000000000000000000" pitchFamily="2" charset="2"/>
-              <a:buChar char="l"/>
-            </a:pPr>
-            <a:r>
-              <a:rPr lang="zh-TW" altLang="en-US" dirty="0">
-                <a:solidFill>
-                  <a:schemeClr val="bg1"/>
-                </a:solidFill>
-              </a:rPr>
-              <a:t>標題標題標題標題標題標題標題</a:t>
-            </a:r>
-            <a:endParaRPr lang="en-US" altLang="zh-TW" dirty="0">
-              <a:solidFill>
-                <a:schemeClr val="bg1"/>
-              </a:solidFill>
-            </a:endParaRPr>
-          </a:p>
-          <a:p>
-            <a:pPr lvl="1">
-              <a:lnSpc>
-                <a:spcPts val="3600"/>
-              </a:lnSpc>
-              <a:buClr>
-                <a:srgbClr val="42BBC6"/>
-              </a:buClr>
-              <a:buFont typeface="Wingdings" panose="05000000000000000000" pitchFamily="2" charset="2"/>
-              <a:buChar char="u"/>
-              <a:defRPr/>
-            </a:pPr>
-            <a:r>
-              <a:rPr lang="zh-TW" altLang="en-US" dirty="0">
-                <a:solidFill>
-                  <a:schemeClr val="bg1"/>
-                </a:solidFill>
-              </a:rPr>
-              <a:t>細項內容內容內容</a:t>
-            </a:r>
-            <a:endParaRPr lang="en-US" altLang="zh-TW" dirty="0">
-              <a:solidFill>
-                <a:schemeClr val="bg1"/>
-              </a:solidFill>
-            </a:endParaRPr>
-          </a:p>
-        </p:txBody>
-      </p:sp>
-    </p:spTree>
-    <p:extLst>
-      <p:ext uri="{BB962C8B-B14F-4D97-AF65-F5344CB8AC3E}">
-        <p14:creationId xmlns:p14="http://schemas.microsoft.com/office/powerpoint/2010/main" val="4201328092"/>
       </p:ext>
     </p:extLst>
   </p:cSld>

--- a/docs/ppt/chang.pptx
+++ b/docs/ppt/chang.pptx
@@ -5,10 +5,10 @@
     <p:sldMasterId id="2147483664" r:id="rId1"/>
   </p:sldMasterIdLst>
   <p:notesMasterIdLst>
-    <p:notesMasterId r:id="rId18"/>
+    <p:notesMasterId r:id="rId23"/>
   </p:notesMasterIdLst>
   <p:handoutMasterIdLst>
-    <p:handoutMasterId r:id="rId19"/>
+    <p:handoutMasterId r:id="rId24"/>
   </p:handoutMasterIdLst>
   <p:sldIdLst>
     <p:sldId id="276" r:id="rId2"/>
@@ -16,17 +16,22 @@
     <p:sldId id="278" r:id="rId4"/>
     <p:sldId id="281" r:id="rId5"/>
     <p:sldId id="282" r:id="rId6"/>
-    <p:sldId id="279" r:id="rId7"/>
-    <p:sldId id="283" r:id="rId8"/>
-    <p:sldId id="277" r:id="rId9"/>
-    <p:sldId id="264" r:id="rId10"/>
-    <p:sldId id="273" r:id="rId11"/>
-    <p:sldId id="270" r:id="rId12"/>
-    <p:sldId id="271" r:id="rId13"/>
-    <p:sldId id="274" r:id="rId14"/>
-    <p:sldId id="275" r:id="rId15"/>
-    <p:sldId id="265" r:id="rId16"/>
-    <p:sldId id="260" r:id="rId17"/>
+    <p:sldId id="284" r:id="rId7"/>
+    <p:sldId id="279" r:id="rId8"/>
+    <p:sldId id="283" r:id="rId9"/>
+    <p:sldId id="285" r:id="rId10"/>
+    <p:sldId id="286" r:id="rId11"/>
+    <p:sldId id="287" r:id="rId12"/>
+    <p:sldId id="289" r:id="rId13"/>
+    <p:sldId id="277" r:id="rId14"/>
+    <p:sldId id="264" r:id="rId15"/>
+    <p:sldId id="273" r:id="rId16"/>
+    <p:sldId id="270" r:id="rId17"/>
+    <p:sldId id="271" r:id="rId18"/>
+    <p:sldId id="274" r:id="rId19"/>
+    <p:sldId id="275" r:id="rId20"/>
+    <p:sldId id="265" r:id="rId21"/>
+    <p:sldId id="260" r:id="rId22"/>
   </p:sldIdLst>
   <p:sldSz cx="9906000" cy="6858000" type="A4"/>
   <p:notesSz cx="6807200" cy="9939338"/>
@@ -1885,7 +1890,7 @@
             <a:fld id="{05BF5AB9-3463-4E65-AFD3-5431B79ADFDC}" type="datetimeFigureOut">
               <a:rPr lang="zh-TW" altLang="en-US" smtClean="0"/>
               <a:pPr/>
-              <a:t>2025/3/26</a:t>
+              <a:t>2025/3/27</a:t>
             </a:fld>
             <a:endParaRPr lang="zh-TW" altLang="en-US"/>
           </a:p>
@@ -2052,7 +2057,7 @@
             <a:fld id="{838FF680-7B6B-4655-B6A1-33A8AD0AE8B4}" type="datetimeFigureOut">
               <a:rPr lang="zh-TW" altLang="en-US" smtClean="0"/>
               <a:pPr/>
-              <a:t>2025/3/26</a:t>
+              <a:t>2025/3/27</a:t>
             </a:fld>
             <a:endParaRPr lang="zh-TW" altLang="en-US"/>
           </a:p>
@@ -4563,6 +4568,1695 @@
       </p:grpSpPr>
       <p:sp>
         <p:nvSpPr>
+          <p:cNvPr id="3" name="標題 2">
+            <a:extLst>
+              <a:ext uri="{FF2B5EF4-FFF2-40B4-BE49-F238E27FC236}">
+                <a16:creationId xmlns:a16="http://schemas.microsoft.com/office/drawing/2014/main" id="{E2F12E2F-52EE-CA77-FB53-4EFC2E0F43C3}"/>
+              </a:ext>
+            </a:extLst>
+          </p:cNvPr>
+          <p:cNvSpPr>
+            <a:spLocks noGrp="1"/>
+          </p:cNvSpPr>
+          <p:nvPr>
+            <p:ph type="title"/>
+          </p:nvPr>
+        </p:nvSpPr>
+        <p:spPr/>
+        <p:txBody>
+          <a:bodyPr/>
+          <a:lstStyle/>
+          <a:p>
+            <a:r>
+              <a:rPr lang="zh-TW" altLang="en-US" dirty="0"/>
+              <a:t>商品管理頁面 </a:t>
+            </a:r>
+            <a:r>
+              <a:rPr lang="en-US" altLang="zh-TW" sz="3200" dirty="0"/>
+              <a:t>(</a:t>
+            </a:r>
+            <a:r>
+              <a:rPr lang="en-US" altLang="zh-TW" sz="3200" dirty="0" err="1"/>
+              <a:t>ProductManagement</a:t>
+            </a:r>
+            <a:r>
+              <a:rPr lang="en-US" altLang="zh-TW" sz="3200" dirty="0"/>
+              <a:t>)</a:t>
+            </a:r>
+            <a:endParaRPr lang="zh-TW" altLang="en-US" sz="3200" dirty="0"/>
+          </a:p>
+        </p:txBody>
+      </p:sp>
+      <p:sp>
+        <p:nvSpPr>
+          <p:cNvPr id="12" name="內容版面配置區 5">
+            <a:extLst>
+              <a:ext uri="{FF2B5EF4-FFF2-40B4-BE49-F238E27FC236}">
+                <a16:creationId xmlns:a16="http://schemas.microsoft.com/office/drawing/2014/main" id="{5B48F242-D606-4DF8-8884-2F1900A3B3C0}"/>
+              </a:ext>
+            </a:extLst>
+          </p:cNvPr>
+          <p:cNvSpPr txBox="1">
+            <a:spLocks/>
+          </p:cNvSpPr>
+          <p:nvPr/>
+        </p:nvSpPr>
+        <p:spPr bwMode="ltGray">
+          <a:xfrm>
+            <a:off x="7498451" y="963871"/>
+            <a:ext cx="2118387" cy="2897177"/>
+          </a:xfrm>
+          <a:prstGeom prst="rect">
+            <a:avLst/>
+          </a:prstGeom>
+          <a:ln w="9525" cap="flat" cmpd="sng" algn="ctr">
+            <a:solidFill>
+              <a:schemeClr val="accent1"/>
+            </a:solidFill>
+            <a:prstDash val="solid"/>
+            <a:round/>
+            <a:headEnd type="none" w="med" len="med"/>
+            <a:tailEnd type="none" w="med" len="med"/>
+          </a:ln>
+        </p:spPr>
+        <p:style>
+          <a:lnRef idx="0">
+            <a:scrgbClr r="0" g="0" b="0"/>
+          </a:lnRef>
+          <a:fillRef idx="0">
+            <a:scrgbClr r="0" g="0" b="0"/>
+          </a:fillRef>
+          <a:effectRef idx="0">
+            <a:scrgbClr r="0" g="0" b="0"/>
+          </a:effectRef>
+          <a:fontRef idx="minor">
+            <a:schemeClr val="accent1"/>
+          </a:fontRef>
+        </p:style>
+        <p:txBody>
+          <a:bodyPr vert="horz" lIns="91440" tIns="45720" rIns="91440" bIns="45720" rtlCol="0">
+            <a:normAutofit/>
+          </a:bodyPr>
+          <a:lstStyle>
+            <a:lvl1pPr marL="342900" indent="-342900" algn="l" defTabSz="914400" rtl="0" eaLnBrk="1" latinLnBrk="0" hangingPunct="1">
+              <a:lnSpc>
+                <a:spcPct val="100000"/>
+              </a:lnSpc>
+              <a:spcBef>
+                <a:spcPts val="600"/>
+              </a:spcBef>
+              <a:spcAft>
+                <a:spcPts val="600"/>
+              </a:spcAft>
+              <a:buClr>
+                <a:schemeClr val="accent1"/>
+              </a:buClr>
+              <a:buFont typeface="Wingdings" panose="05000000000000000000" pitchFamily="2" charset="2"/>
+              <a:buChar char="l"/>
+              <a:defRPr sz="2800" b="1" kern="1200">
+                <a:solidFill>
+                  <a:srgbClr val="FFFFFF"/>
+                </a:solidFill>
+                <a:latin typeface="+mn-lt"/>
+                <a:ea typeface="+mn-ea"/>
+                <a:cs typeface="+mn-cs"/>
+              </a:defRPr>
+            </a:lvl1pPr>
+            <a:lvl2pPr marL="714375" indent="-352425" algn="l" defTabSz="914400" rtl="0" eaLnBrk="1" latinLnBrk="0" hangingPunct="1">
+              <a:lnSpc>
+                <a:spcPct val="100000"/>
+              </a:lnSpc>
+              <a:spcBef>
+                <a:spcPts val="600"/>
+              </a:spcBef>
+              <a:spcAft>
+                <a:spcPts val="600"/>
+              </a:spcAft>
+              <a:buClr>
+                <a:schemeClr val="accent2"/>
+              </a:buClr>
+              <a:buFont typeface="Wingdings" panose="05000000000000000000" pitchFamily="2" charset="2"/>
+              <a:buChar char="u"/>
+              <a:defRPr sz="2400" b="0" kern="1200">
+                <a:solidFill>
+                  <a:srgbClr val="FFFFFF"/>
+                </a:solidFill>
+                <a:latin typeface="+mn-lt"/>
+                <a:ea typeface="+mn-ea"/>
+                <a:cs typeface="+mn-cs"/>
+              </a:defRPr>
+            </a:lvl2pPr>
+            <a:lvl3pPr marL="1076325" indent="-266700" algn="l" defTabSz="914400" rtl="0" eaLnBrk="1" latinLnBrk="0" hangingPunct="1">
+              <a:lnSpc>
+                <a:spcPct val="100000"/>
+              </a:lnSpc>
+              <a:spcBef>
+                <a:spcPts val="600"/>
+              </a:spcBef>
+              <a:spcAft>
+                <a:spcPts val="600"/>
+              </a:spcAft>
+              <a:buClr>
+                <a:schemeClr val="accent3"/>
+              </a:buClr>
+              <a:buFont typeface="Wingdings" panose="05000000000000000000" pitchFamily="2" charset="2"/>
+              <a:buChar char="p"/>
+              <a:defRPr sz="2000" kern="1200">
+                <a:solidFill>
+                  <a:srgbClr val="FFFFFF"/>
+                </a:solidFill>
+                <a:latin typeface="+mn-lt"/>
+                <a:ea typeface="+mn-ea"/>
+                <a:cs typeface="+mn-cs"/>
+              </a:defRPr>
+            </a:lvl3pPr>
+            <a:lvl4pPr marL="1343025" indent="-180975" algn="l" defTabSz="914400" rtl="0" eaLnBrk="1" latinLnBrk="0" hangingPunct="1">
+              <a:lnSpc>
+                <a:spcPct val="100000"/>
+              </a:lnSpc>
+              <a:spcBef>
+                <a:spcPts val="600"/>
+              </a:spcBef>
+              <a:spcAft>
+                <a:spcPts val="600"/>
+              </a:spcAft>
+              <a:buClr>
+                <a:schemeClr val="accent4"/>
+              </a:buClr>
+              <a:buFont typeface="Wingdings" panose="05000000000000000000" pitchFamily="2" charset="2"/>
+              <a:buChar char="n"/>
+              <a:defRPr sz="1800" kern="1200">
+                <a:solidFill>
+                  <a:srgbClr val="FFFFFF"/>
+                </a:solidFill>
+                <a:latin typeface="+mn-lt"/>
+                <a:ea typeface="+mn-ea"/>
+                <a:cs typeface="+mn-cs"/>
+              </a:defRPr>
+            </a:lvl4pPr>
+            <a:lvl5pPr marL="1619250" indent="-276225" algn="l" defTabSz="914400" rtl="0" eaLnBrk="1" latinLnBrk="0" hangingPunct="1">
+              <a:lnSpc>
+                <a:spcPct val="100000"/>
+              </a:lnSpc>
+              <a:spcBef>
+                <a:spcPts val="600"/>
+              </a:spcBef>
+              <a:spcAft>
+                <a:spcPts val="600"/>
+              </a:spcAft>
+              <a:buClr>
+                <a:schemeClr val="accent5"/>
+              </a:buClr>
+              <a:buFont typeface="Arial" pitchFamily="34" charset="0"/>
+              <a:buChar char="»"/>
+              <a:tabLst>
+                <a:tab pos="7981950" algn="l"/>
+              </a:tabLst>
+              <a:defRPr sz="1800" kern="1200">
+                <a:solidFill>
+                  <a:srgbClr val="FFFFFF"/>
+                </a:solidFill>
+                <a:latin typeface="+mn-lt"/>
+                <a:ea typeface="+mn-ea"/>
+                <a:cs typeface="+mn-cs"/>
+              </a:defRPr>
+            </a:lvl5pPr>
+            <a:lvl6pPr marL="2514600" indent="-228600" algn="l" defTabSz="914400" rtl="0" eaLnBrk="1" latinLnBrk="0" hangingPunct="1">
+              <a:spcBef>
+                <a:spcPct val="20000"/>
+              </a:spcBef>
+              <a:buFont typeface="Arial" pitchFamily="34" charset="0"/>
+              <a:buChar char="•"/>
+              <a:defRPr sz="2000" kern="1200">
+                <a:solidFill>
+                  <a:schemeClr val="accent1"/>
+                </a:solidFill>
+                <a:latin typeface="+mn-lt"/>
+                <a:ea typeface="+mn-ea"/>
+                <a:cs typeface="+mn-cs"/>
+              </a:defRPr>
+            </a:lvl6pPr>
+            <a:lvl7pPr marL="2971800" indent="-228600" algn="l" defTabSz="914400" rtl="0" eaLnBrk="1" latinLnBrk="0" hangingPunct="1">
+              <a:spcBef>
+                <a:spcPct val="20000"/>
+              </a:spcBef>
+              <a:buFont typeface="Arial" pitchFamily="34" charset="0"/>
+              <a:buChar char="•"/>
+              <a:defRPr sz="2000" kern="1200">
+                <a:solidFill>
+                  <a:schemeClr val="accent1"/>
+                </a:solidFill>
+                <a:latin typeface="+mn-lt"/>
+                <a:ea typeface="+mn-ea"/>
+                <a:cs typeface="+mn-cs"/>
+              </a:defRPr>
+            </a:lvl7pPr>
+            <a:lvl8pPr marL="3429000" indent="-228600" algn="l" defTabSz="914400" rtl="0" eaLnBrk="1" latinLnBrk="0" hangingPunct="1">
+              <a:spcBef>
+                <a:spcPct val="20000"/>
+              </a:spcBef>
+              <a:buFont typeface="Arial" pitchFamily="34" charset="0"/>
+              <a:buChar char="•"/>
+              <a:defRPr sz="2000" kern="1200">
+                <a:solidFill>
+                  <a:schemeClr val="accent1"/>
+                </a:solidFill>
+                <a:latin typeface="+mn-lt"/>
+                <a:ea typeface="+mn-ea"/>
+                <a:cs typeface="+mn-cs"/>
+              </a:defRPr>
+            </a:lvl8pPr>
+            <a:lvl9pPr marL="3886200" indent="-228600" algn="l" defTabSz="914400" rtl="0" eaLnBrk="1" latinLnBrk="0" hangingPunct="1">
+              <a:spcBef>
+                <a:spcPct val="20000"/>
+              </a:spcBef>
+              <a:buFont typeface="Arial" pitchFamily="34" charset="0"/>
+              <a:buChar char="•"/>
+              <a:defRPr sz="2000" kern="1200">
+                <a:solidFill>
+                  <a:schemeClr val="accent1"/>
+                </a:solidFill>
+                <a:latin typeface="+mn-lt"/>
+                <a:ea typeface="+mn-ea"/>
+                <a:cs typeface="+mn-cs"/>
+              </a:defRPr>
+            </a:lvl9pPr>
+          </a:lstStyle>
+          <a:p>
+            <a:pPr marL="0" indent="0">
+              <a:buFont typeface="Wingdings" panose="05000000000000000000" pitchFamily="2" charset="2"/>
+              <a:buNone/>
+            </a:pPr>
+            <a:r>
+              <a:rPr lang="zh-TW" altLang="en-US" sz="1800" dirty="0"/>
+              <a:t>畫面中，由上至下，區塊分別為：</a:t>
+            </a:r>
+            <a:endParaRPr lang="en-US" altLang="zh-TW" sz="1800" dirty="0"/>
+          </a:p>
+          <a:p>
+            <a:r>
+              <a:rPr lang="zh-TW" altLang="en-US" sz="1800" dirty="0"/>
+              <a:t>相關商品區塊：可看到不同商品的推薦。</a:t>
+            </a:r>
+          </a:p>
+          <a:p>
+            <a:r>
+              <a:rPr lang="zh-TW" altLang="en-US" sz="1800" dirty="0"/>
+              <a:t>瀏覽紀錄區塊：可看到使用者過去瀏覽過的商品。</a:t>
+            </a:r>
+          </a:p>
+        </p:txBody>
+      </p:sp>
+      <p:pic>
+        <p:nvPicPr>
+          <p:cNvPr id="4" name="圖片 3">
+            <a:extLst>
+              <a:ext uri="{FF2B5EF4-FFF2-40B4-BE49-F238E27FC236}">
+                <a16:creationId xmlns:a16="http://schemas.microsoft.com/office/drawing/2014/main" id="{59C4EB8F-7883-4DB8-8306-E82A5F8FA794}"/>
+              </a:ext>
+            </a:extLst>
+          </p:cNvPr>
+          <p:cNvPicPr>
+            <a:picLocks noChangeAspect="1"/>
+          </p:cNvPicPr>
+          <p:nvPr/>
+        </p:nvPicPr>
+        <p:blipFill>
+          <a:blip r:embed="rId2"/>
+          <a:stretch>
+            <a:fillRect/>
+          </a:stretch>
+        </p:blipFill>
+        <p:spPr>
+          <a:xfrm>
+            <a:off x="273178" y="966112"/>
+            <a:ext cx="6961684" cy="282430"/>
+          </a:xfrm>
+          <a:prstGeom prst="rect">
+            <a:avLst/>
+          </a:prstGeom>
+        </p:spPr>
+      </p:pic>
+      <p:pic>
+        <p:nvPicPr>
+          <p:cNvPr id="5" name="圖片 4">
+            <a:extLst>
+              <a:ext uri="{FF2B5EF4-FFF2-40B4-BE49-F238E27FC236}">
+                <a16:creationId xmlns:a16="http://schemas.microsoft.com/office/drawing/2014/main" id="{5A156EEB-67BA-48E6-8322-98869D47B02B}"/>
+              </a:ext>
+            </a:extLst>
+          </p:cNvPr>
+          <p:cNvPicPr>
+            <a:picLocks noChangeAspect="1"/>
+          </p:cNvPicPr>
+          <p:nvPr/>
+        </p:nvPicPr>
+        <p:blipFill>
+          <a:blip r:embed="rId3"/>
+          <a:stretch>
+            <a:fillRect/>
+          </a:stretch>
+        </p:blipFill>
+        <p:spPr>
+          <a:xfrm>
+            <a:off x="336783" y="1376414"/>
+            <a:ext cx="6917507" cy="4068810"/>
+          </a:xfrm>
+          <a:prstGeom prst="rect">
+            <a:avLst/>
+          </a:prstGeom>
+        </p:spPr>
+      </p:pic>
+    </p:spTree>
+    <p:extLst>
+      <p:ext uri="{BB962C8B-B14F-4D97-AF65-F5344CB8AC3E}">
+        <p14:creationId xmlns:p14="http://schemas.microsoft.com/office/powerpoint/2010/main" val="3116621470"/>
+      </p:ext>
+    </p:extLst>
+  </p:cSld>
+  <p:clrMapOvr>
+    <a:masterClrMapping/>
+  </p:clrMapOvr>
+</p:sld>
+</file>
+
+<file path=ppt/slides/slide11.xml><?xml version="1.0" encoding="utf-8"?>
+<p:sld xmlns:a="http://schemas.openxmlformats.org/drawingml/2006/main" xmlns:r="http://schemas.openxmlformats.org/officeDocument/2006/relationships" xmlns:p="http://schemas.openxmlformats.org/presentationml/2006/main">
+  <p:cSld>
+    <p:spTree>
+      <p:nvGrpSpPr>
+        <p:cNvPr id="1" name=""/>
+        <p:cNvGrpSpPr/>
+        <p:nvPr/>
+      </p:nvGrpSpPr>
+      <p:grpSpPr>
+        <a:xfrm>
+          <a:off x="0" y="0"/>
+          <a:ext cx="0" cy="0"/>
+          <a:chOff x="0" y="0"/>
+          <a:chExt cx="0" cy="0"/>
+        </a:xfrm>
+      </p:grpSpPr>
+      <p:sp>
+        <p:nvSpPr>
+          <p:cNvPr id="3" name="標題 2">
+            <a:extLst>
+              <a:ext uri="{FF2B5EF4-FFF2-40B4-BE49-F238E27FC236}">
+                <a16:creationId xmlns:a16="http://schemas.microsoft.com/office/drawing/2014/main" id="{E2F12E2F-52EE-CA77-FB53-4EFC2E0F43C3}"/>
+              </a:ext>
+            </a:extLst>
+          </p:cNvPr>
+          <p:cNvSpPr>
+            <a:spLocks noGrp="1"/>
+          </p:cNvSpPr>
+          <p:nvPr>
+            <p:ph type="title"/>
+          </p:nvPr>
+        </p:nvSpPr>
+        <p:spPr/>
+        <p:txBody>
+          <a:bodyPr/>
+          <a:lstStyle/>
+          <a:p>
+            <a:r>
+              <a:rPr lang="zh-TW" altLang="en-US" dirty="0"/>
+              <a:t>商品管理頁面 </a:t>
+            </a:r>
+            <a:r>
+              <a:rPr lang="en-US" altLang="zh-TW" sz="3200" dirty="0"/>
+              <a:t>(</a:t>
+            </a:r>
+            <a:r>
+              <a:rPr lang="en-US" altLang="zh-TW" sz="3200" dirty="0" err="1"/>
+              <a:t>ProductManagement</a:t>
+            </a:r>
+            <a:r>
+              <a:rPr lang="en-US" altLang="zh-TW" sz="3200" dirty="0"/>
+              <a:t>)</a:t>
+            </a:r>
+            <a:endParaRPr lang="zh-TW" altLang="en-US" sz="3200" dirty="0"/>
+          </a:p>
+        </p:txBody>
+      </p:sp>
+      <p:sp>
+        <p:nvSpPr>
+          <p:cNvPr id="12" name="內容版面配置區 5">
+            <a:extLst>
+              <a:ext uri="{FF2B5EF4-FFF2-40B4-BE49-F238E27FC236}">
+                <a16:creationId xmlns:a16="http://schemas.microsoft.com/office/drawing/2014/main" id="{5B48F242-D606-4DF8-8884-2F1900A3B3C0}"/>
+              </a:ext>
+            </a:extLst>
+          </p:cNvPr>
+          <p:cNvSpPr txBox="1">
+            <a:spLocks/>
+          </p:cNvSpPr>
+          <p:nvPr/>
+        </p:nvSpPr>
+        <p:spPr bwMode="ltGray">
+          <a:xfrm>
+            <a:off x="7498451" y="963871"/>
+            <a:ext cx="2118387" cy="2897177"/>
+          </a:xfrm>
+          <a:prstGeom prst="rect">
+            <a:avLst/>
+          </a:prstGeom>
+          <a:ln w="9525" cap="flat" cmpd="sng" algn="ctr">
+            <a:solidFill>
+              <a:schemeClr val="accent1"/>
+            </a:solidFill>
+            <a:prstDash val="solid"/>
+            <a:round/>
+            <a:headEnd type="none" w="med" len="med"/>
+            <a:tailEnd type="none" w="med" len="med"/>
+          </a:ln>
+        </p:spPr>
+        <p:style>
+          <a:lnRef idx="0">
+            <a:scrgbClr r="0" g="0" b="0"/>
+          </a:lnRef>
+          <a:fillRef idx="0">
+            <a:scrgbClr r="0" g="0" b="0"/>
+          </a:fillRef>
+          <a:effectRef idx="0">
+            <a:scrgbClr r="0" g="0" b="0"/>
+          </a:effectRef>
+          <a:fontRef idx="minor">
+            <a:schemeClr val="accent1"/>
+          </a:fontRef>
+        </p:style>
+        <p:txBody>
+          <a:bodyPr vert="horz" lIns="91440" tIns="45720" rIns="91440" bIns="45720" rtlCol="0">
+            <a:normAutofit/>
+          </a:bodyPr>
+          <a:lstStyle>
+            <a:lvl1pPr marL="342900" indent="-342900" algn="l" defTabSz="914400" rtl="0" eaLnBrk="1" latinLnBrk="0" hangingPunct="1">
+              <a:lnSpc>
+                <a:spcPct val="100000"/>
+              </a:lnSpc>
+              <a:spcBef>
+                <a:spcPts val="600"/>
+              </a:spcBef>
+              <a:spcAft>
+                <a:spcPts val="600"/>
+              </a:spcAft>
+              <a:buClr>
+                <a:schemeClr val="accent1"/>
+              </a:buClr>
+              <a:buFont typeface="Wingdings" panose="05000000000000000000" pitchFamily="2" charset="2"/>
+              <a:buChar char="l"/>
+              <a:defRPr sz="2800" b="1" kern="1200">
+                <a:solidFill>
+                  <a:srgbClr val="FFFFFF"/>
+                </a:solidFill>
+                <a:latin typeface="+mn-lt"/>
+                <a:ea typeface="+mn-ea"/>
+                <a:cs typeface="+mn-cs"/>
+              </a:defRPr>
+            </a:lvl1pPr>
+            <a:lvl2pPr marL="714375" indent="-352425" algn="l" defTabSz="914400" rtl="0" eaLnBrk="1" latinLnBrk="0" hangingPunct="1">
+              <a:lnSpc>
+                <a:spcPct val="100000"/>
+              </a:lnSpc>
+              <a:spcBef>
+                <a:spcPts val="600"/>
+              </a:spcBef>
+              <a:spcAft>
+                <a:spcPts val="600"/>
+              </a:spcAft>
+              <a:buClr>
+                <a:schemeClr val="accent2"/>
+              </a:buClr>
+              <a:buFont typeface="Wingdings" panose="05000000000000000000" pitchFamily="2" charset="2"/>
+              <a:buChar char="u"/>
+              <a:defRPr sz="2400" b="0" kern="1200">
+                <a:solidFill>
+                  <a:srgbClr val="FFFFFF"/>
+                </a:solidFill>
+                <a:latin typeface="+mn-lt"/>
+                <a:ea typeface="+mn-ea"/>
+                <a:cs typeface="+mn-cs"/>
+              </a:defRPr>
+            </a:lvl2pPr>
+            <a:lvl3pPr marL="1076325" indent="-266700" algn="l" defTabSz="914400" rtl="0" eaLnBrk="1" latinLnBrk="0" hangingPunct="1">
+              <a:lnSpc>
+                <a:spcPct val="100000"/>
+              </a:lnSpc>
+              <a:spcBef>
+                <a:spcPts val="600"/>
+              </a:spcBef>
+              <a:spcAft>
+                <a:spcPts val="600"/>
+              </a:spcAft>
+              <a:buClr>
+                <a:schemeClr val="accent3"/>
+              </a:buClr>
+              <a:buFont typeface="Wingdings" panose="05000000000000000000" pitchFamily="2" charset="2"/>
+              <a:buChar char="p"/>
+              <a:defRPr sz="2000" kern="1200">
+                <a:solidFill>
+                  <a:srgbClr val="FFFFFF"/>
+                </a:solidFill>
+                <a:latin typeface="+mn-lt"/>
+                <a:ea typeface="+mn-ea"/>
+                <a:cs typeface="+mn-cs"/>
+              </a:defRPr>
+            </a:lvl3pPr>
+            <a:lvl4pPr marL="1343025" indent="-180975" algn="l" defTabSz="914400" rtl="0" eaLnBrk="1" latinLnBrk="0" hangingPunct="1">
+              <a:lnSpc>
+                <a:spcPct val="100000"/>
+              </a:lnSpc>
+              <a:spcBef>
+                <a:spcPts val="600"/>
+              </a:spcBef>
+              <a:spcAft>
+                <a:spcPts val="600"/>
+              </a:spcAft>
+              <a:buClr>
+                <a:schemeClr val="accent4"/>
+              </a:buClr>
+              <a:buFont typeface="Wingdings" panose="05000000000000000000" pitchFamily="2" charset="2"/>
+              <a:buChar char="n"/>
+              <a:defRPr sz="1800" kern="1200">
+                <a:solidFill>
+                  <a:srgbClr val="FFFFFF"/>
+                </a:solidFill>
+                <a:latin typeface="+mn-lt"/>
+                <a:ea typeface="+mn-ea"/>
+                <a:cs typeface="+mn-cs"/>
+              </a:defRPr>
+            </a:lvl4pPr>
+            <a:lvl5pPr marL="1619250" indent="-276225" algn="l" defTabSz="914400" rtl="0" eaLnBrk="1" latinLnBrk="0" hangingPunct="1">
+              <a:lnSpc>
+                <a:spcPct val="100000"/>
+              </a:lnSpc>
+              <a:spcBef>
+                <a:spcPts val="600"/>
+              </a:spcBef>
+              <a:spcAft>
+                <a:spcPts val="600"/>
+              </a:spcAft>
+              <a:buClr>
+                <a:schemeClr val="accent5"/>
+              </a:buClr>
+              <a:buFont typeface="Arial" pitchFamily="34" charset="0"/>
+              <a:buChar char="»"/>
+              <a:tabLst>
+                <a:tab pos="7981950" algn="l"/>
+              </a:tabLst>
+              <a:defRPr sz="1800" kern="1200">
+                <a:solidFill>
+                  <a:srgbClr val="FFFFFF"/>
+                </a:solidFill>
+                <a:latin typeface="+mn-lt"/>
+                <a:ea typeface="+mn-ea"/>
+                <a:cs typeface="+mn-cs"/>
+              </a:defRPr>
+            </a:lvl5pPr>
+            <a:lvl6pPr marL="2514600" indent="-228600" algn="l" defTabSz="914400" rtl="0" eaLnBrk="1" latinLnBrk="0" hangingPunct="1">
+              <a:spcBef>
+                <a:spcPct val="20000"/>
+              </a:spcBef>
+              <a:buFont typeface="Arial" pitchFamily="34" charset="0"/>
+              <a:buChar char="•"/>
+              <a:defRPr sz="2000" kern="1200">
+                <a:solidFill>
+                  <a:schemeClr val="accent1"/>
+                </a:solidFill>
+                <a:latin typeface="+mn-lt"/>
+                <a:ea typeface="+mn-ea"/>
+                <a:cs typeface="+mn-cs"/>
+              </a:defRPr>
+            </a:lvl6pPr>
+            <a:lvl7pPr marL="2971800" indent="-228600" algn="l" defTabSz="914400" rtl="0" eaLnBrk="1" latinLnBrk="0" hangingPunct="1">
+              <a:spcBef>
+                <a:spcPct val="20000"/>
+              </a:spcBef>
+              <a:buFont typeface="Arial" pitchFamily="34" charset="0"/>
+              <a:buChar char="•"/>
+              <a:defRPr sz="2000" kern="1200">
+                <a:solidFill>
+                  <a:schemeClr val="accent1"/>
+                </a:solidFill>
+                <a:latin typeface="+mn-lt"/>
+                <a:ea typeface="+mn-ea"/>
+                <a:cs typeface="+mn-cs"/>
+              </a:defRPr>
+            </a:lvl7pPr>
+            <a:lvl8pPr marL="3429000" indent="-228600" algn="l" defTabSz="914400" rtl="0" eaLnBrk="1" latinLnBrk="0" hangingPunct="1">
+              <a:spcBef>
+                <a:spcPct val="20000"/>
+              </a:spcBef>
+              <a:buFont typeface="Arial" pitchFamily="34" charset="0"/>
+              <a:buChar char="•"/>
+              <a:defRPr sz="2000" kern="1200">
+                <a:solidFill>
+                  <a:schemeClr val="accent1"/>
+                </a:solidFill>
+                <a:latin typeface="+mn-lt"/>
+                <a:ea typeface="+mn-ea"/>
+                <a:cs typeface="+mn-cs"/>
+              </a:defRPr>
+            </a:lvl8pPr>
+            <a:lvl9pPr marL="3886200" indent="-228600" algn="l" defTabSz="914400" rtl="0" eaLnBrk="1" latinLnBrk="0" hangingPunct="1">
+              <a:spcBef>
+                <a:spcPct val="20000"/>
+              </a:spcBef>
+              <a:buFont typeface="Arial" pitchFamily="34" charset="0"/>
+              <a:buChar char="•"/>
+              <a:defRPr sz="2000" kern="1200">
+                <a:solidFill>
+                  <a:schemeClr val="accent1"/>
+                </a:solidFill>
+                <a:latin typeface="+mn-lt"/>
+                <a:ea typeface="+mn-ea"/>
+                <a:cs typeface="+mn-cs"/>
+              </a:defRPr>
+            </a:lvl9pPr>
+          </a:lstStyle>
+          <a:p>
+            <a:pPr marL="0" indent="0">
+              <a:buFont typeface="Wingdings" panose="05000000000000000000" pitchFamily="2" charset="2"/>
+              <a:buNone/>
+            </a:pPr>
+            <a:r>
+              <a:rPr lang="zh-TW" altLang="en-US" sz="1800" dirty="0"/>
+              <a:t>畫面中，由上至下，區塊分別為：</a:t>
+            </a:r>
+            <a:endParaRPr lang="en-US" altLang="zh-TW" sz="1800" dirty="0"/>
+          </a:p>
+          <a:p>
+            <a:r>
+              <a:rPr lang="zh-TW" altLang="en-US" sz="1800" dirty="0"/>
+              <a:t>相關商品區塊：可看到不同商品的推薦。</a:t>
+            </a:r>
+          </a:p>
+          <a:p>
+            <a:r>
+              <a:rPr lang="zh-TW" altLang="en-US" sz="1800" dirty="0"/>
+              <a:t>瀏覽紀錄區塊：可看到使用者過去瀏覽過的商品。</a:t>
+            </a:r>
+          </a:p>
+        </p:txBody>
+      </p:sp>
+      <p:pic>
+        <p:nvPicPr>
+          <p:cNvPr id="4" name="圖片 3">
+            <a:extLst>
+              <a:ext uri="{FF2B5EF4-FFF2-40B4-BE49-F238E27FC236}">
+                <a16:creationId xmlns:a16="http://schemas.microsoft.com/office/drawing/2014/main" id="{59C4EB8F-7883-4DB8-8306-E82A5F8FA794}"/>
+              </a:ext>
+            </a:extLst>
+          </p:cNvPr>
+          <p:cNvPicPr>
+            <a:picLocks noChangeAspect="1"/>
+          </p:cNvPicPr>
+          <p:nvPr/>
+        </p:nvPicPr>
+        <p:blipFill>
+          <a:blip r:embed="rId2"/>
+          <a:stretch>
+            <a:fillRect/>
+          </a:stretch>
+        </p:blipFill>
+        <p:spPr>
+          <a:xfrm>
+            <a:off x="273178" y="966112"/>
+            <a:ext cx="6961684" cy="282430"/>
+          </a:xfrm>
+          <a:prstGeom prst="rect">
+            <a:avLst/>
+          </a:prstGeom>
+        </p:spPr>
+      </p:pic>
+      <p:pic>
+        <p:nvPicPr>
+          <p:cNvPr id="8" name="圖片 7">
+            <a:extLst>
+              <a:ext uri="{FF2B5EF4-FFF2-40B4-BE49-F238E27FC236}">
+                <a16:creationId xmlns:a16="http://schemas.microsoft.com/office/drawing/2014/main" id="{CBB3B7FC-A3F2-43E4-A034-21B1B16D9B21}"/>
+              </a:ext>
+            </a:extLst>
+          </p:cNvPr>
+          <p:cNvPicPr>
+            <a:picLocks noChangeAspect="1"/>
+          </p:cNvPicPr>
+          <p:nvPr/>
+        </p:nvPicPr>
+        <p:blipFill>
+          <a:blip r:embed="rId3"/>
+          <a:stretch>
+            <a:fillRect/>
+          </a:stretch>
+        </p:blipFill>
+        <p:spPr>
+          <a:xfrm>
+            <a:off x="273178" y="1248542"/>
+            <a:ext cx="6945700" cy="1926975"/>
+          </a:xfrm>
+          <a:prstGeom prst="rect">
+            <a:avLst/>
+          </a:prstGeom>
+        </p:spPr>
+      </p:pic>
+      <p:pic>
+        <p:nvPicPr>
+          <p:cNvPr id="9" name="圖片 8">
+            <a:extLst>
+              <a:ext uri="{FF2B5EF4-FFF2-40B4-BE49-F238E27FC236}">
+                <a16:creationId xmlns:a16="http://schemas.microsoft.com/office/drawing/2014/main" id="{7D878A6B-3D3B-4216-A754-5F16917FA91F}"/>
+              </a:ext>
+            </a:extLst>
+          </p:cNvPr>
+          <p:cNvPicPr>
+            <a:picLocks noChangeAspect="1"/>
+          </p:cNvPicPr>
+          <p:nvPr/>
+        </p:nvPicPr>
+        <p:blipFill>
+          <a:blip r:embed="rId4"/>
+          <a:stretch>
+            <a:fillRect/>
+          </a:stretch>
+        </p:blipFill>
+        <p:spPr>
+          <a:xfrm>
+            <a:off x="273178" y="3175517"/>
+            <a:ext cx="6945700" cy="2933821"/>
+          </a:xfrm>
+          <a:prstGeom prst="rect">
+            <a:avLst/>
+          </a:prstGeom>
+        </p:spPr>
+      </p:pic>
+    </p:spTree>
+    <p:extLst>
+      <p:ext uri="{BB962C8B-B14F-4D97-AF65-F5344CB8AC3E}">
+        <p14:creationId xmlns:p14="http://schemas.microsoft.com/office/powerpoint/2010/main" val="3995257219"/>
+      </p:ext>
+    </p:extLst>
+  </p:cSld>
+  <p:clrMapOvr>
+    <a:masterClrMapping/>
+  </p:clrMapOvr>
+</p:sld>
+</file>
+
+<file path=ppt/slides/slide12.xml><?xml version="1.0" encoding="utf-8"?>
+<p:sld xmlns:a="http://schemas.openxmlformats.org/drawingml/2006/main" xmlns:r="http://schemas.openxmlformats.org/officeDocument/2006/relationships" xmlns:p="http://schemas.openxmlformats.org/presentationml/2006/main">
+  <p:cSld>
+    <p:spTree>
+      <p:nvGrpSpPr>
+        <p:cNvPr id="1" name=""/>
+        <p:cNvGrpSpPr/>
+        <p:nvPr/>
+      </p:nvGrpSpPr>
+      <p:grpSpPr>
+        <a:xfrm>
+          <a:off x="0" y="0"/>
+          <a:ext cx="0" cy="0"/>
+          <a:chOff x="0" y="0"/>
+          <a:chExt cx="0" cy="0"/>
+        </a:xfrm>
+      </p:grpSpPr>
+      <p:sp>
+        <p:nvSpPr>
+          <p:cNvPr id="3" name="標題 2">
+            <a:extLst>
+              <a:ext uri="{FF2B5EF4-FFF2-40B4-BE49-F238E27FC236}">
+                <a16:creationId xmlns:a16="http://schemas.microsoft.com/office/drawing/2014/main" id="{E2F12E2F-52EE-CA77-FB53-4EFC2E0F43C3}"/>
+              </a:ext>
+            </a:extLst>
+          </p:cNvPr>
+          <p:cNvSpPr>
+            <a:spLocks noGrp="1"/>
+          </p:cNvSpPr>
+          <p:nvPr>
+            <p:ph type="title"/>
+          </p:nvPr>
+        </p:nvSpPr>
+        <p:spPr/>
+        <p:txBody>
+          <a:bodyPr/>
+          <a:lstStyle/>
+          <a:p>
+            <a:r>
+              <a:rPr lang="zh-TW" altLang="en-US" dirty="0"/>
+              <a:t>商品管理頁面 </a:t>
+            </a:r>
+            <a:r>
+              <a:rPr lang="en-US" altLang="zh-TW" sz="3200" dirty="0"/>
+              <a:t>(</a:t>
+            </a:r>
+            <a:r>
+              <a:rPr lang="en-US" altLang="zh-TW" sz="3200" dirty="0" err="1"/>
+              <a:t>ProductManagement</a:t>
+            </a:r>
+            <a:r>
+              <a:rPr lang="en-US" altLang="zh-TW" sz="3200" dirty="0"/>
+              <a:t>)</a:t>
+            </a:r>
+            <a:endParaRPr lang="zh-TW" altLang="en-US" sz="3200" dirty="0"/>
+          </a:p>
+        </p:txBody>
+      </p:sp>
+      <p:sp>
+        <p:nvSpPr>
+          <p:cNvPr id="12" name="內容版面配置區 5">
+            <a:extLst>
+              <a:ext uri="{FF2B5EF4-FFF2-40B4-BE49-F238E27FC236}">
+                <a16:creationId xmlns:a16="http://schemas.microsoft.com/office/drawing/2014/main" id="{5B48F242-D606-4DF8-8884-2F1900A3B3C0}"/>
+              </a:ext>
+            </a:extLst>
+          </p:cNvPr>
+          <p:cNvSpPr txBox="1">
+            <a:spLocks/>
+          </p:cNvSpPr>
+          <p:nvPr/>
+        </p:nvSpPr>
+        <p:spPr bwMode="ltGray">
+          <a:xfrm>
+            <a:off x="7498451" y="963871"/>
+            <a:ext cx="2118387" cy="2897177"/>
+          </a:xfrm>
+          <a:prstGeom prst="rect">
+            <a:avLst/>
+          </a:prstGeom>
+          <a:ln w="9525" cap="flat" cmpd="sng" algn="ctr">
+            <a:solidFill>
+              <a:schemeClr val="accent1"/>
+            </a:solidFill>
+            <a:prstDash val="solid"/>
+            <a:round/>
+            <a:headEnd type="none" w="med" len="med"/>
+            <a:tailEnd type="none" w="med" len="med"/>
+          </a:ln>
+        </p:spPr>
+        <p:style>
+          <a:lnRef idx="0">
+            <a:scrgbClr r="0" g="0" b="0"/>
+          </a:lnRef>
+          <a:fillRef idx="0">
+            <a:scrgbClr r="0" g="0" b="0"/>
+          </a:fillRef>
+          <a:effectRef idx="0">
+            <a:scrgbClr r="0" g="0" b="0"/>
+          </a:effectRef>
+          <a:fontRef idx="minor">
+            <a:schemeClr val="accent1"/>
+          </a:fontRef>
+        </p:style>
+        <p:txBody>
+          <a:bodyPr vert="horz" lIns="91440" tIns="45720" rIns="91440" bIns="45720" rtlCol="0">
+            <a:normAutofit/>
+          </a:bodyPr>
+          <a:lstStyle>
+            <a:lvl1pPr marL="342900" indent="-342900" algn="l" defTabSz="914400" rtl="0" eaLnBrk="1" latinLnBrk="0" hangingPunct="1">
+              <a:lnSpc>
+                <a:spcPct val="100000"/>
+              </a:lnSpc>
+              <a:spcBef>
+                <a:spcPts val="600"/>
+              </a:spcBef>
+              <a:spcAft>
+                <a:spcPts val="600"/>
+              </a:spcAft>
+              <a:buClr>
+                <a:schemeClr val="accent1"/>
+              </a:buClr>
+              <a:buFont typeface="Wingdings" panose="05000000000000000000" pitchFamily="2" charset="2"/>
+              <a:buChar char="l"/>
+              <a:defRPr sz="2800" b="1" kern="1200">
+                <a:solidFill>
+                  <a:srgbClr val="FFFFFF"/>
+                </a:solidFill>
+                <a:latin typeface="+mn-lt"/>
+                <a:ea typeface="+mn-ea"/>
+                <a:cs typeface="+mn-cs"/>
+              </a:defRPr>
+            </a:lvl1pPr>
+            <a:lvl2pPr marL="714375" indent="-352425" algn="l" defTabSz="914400" rtl="0" eaLnBrk="1" latinLnBrk="0" hangingPunct="1">
+              <a:lnSpc>
+                <a:spcPct val="100000"/>
+              </a:lnSpc>
+              <a:spcBef>
+                <a:spcPts val="600"/>
+              </a:spcBef>
+              <a:spcAft>
+                <a:spcPts val="600"/>
+              </a:spcAft>
+              <a:buClr>
+                <a:schemeClr val="accent2"/>
+              </a:buClr>
+              <a:buFont typeface="Wingdings" panose="05000000000000000000" pitchFamily="2" charset="2"/>
+              <a:buChar char="u"/>
+              <a:defRPr sz="2400" b="0" kern="1200">
+                <a:solidFill>
+                  <a:srgbClr val="FFFFFF"/>
+                </a:solidFill>
+                <a:latin typeface="+mn-lt"/>
+                <a:ea typeface="+mn-ea"/>
+                <a:cs typeface="+mn-cs"/>
+              </a:defRPr>
+            </a:lvl2pPr>
+            <a:lvl3pPr marL="1076325" indent="-266700" algn="l" defTabSz="914400" rtl="0" eaLnBrk="1" latinLnBrk="0" hangingPunct="1">
+              <a:lnSpc>
+                <a:spcPct val="100000"/>
+              </a:lnSpc>
+              <a:spcBef>
+                <a:spcPts val="600"/>
+              </a:spcBef>
+              <a:spcAft>
+                <a:spcPts val="600"/>
+              </a:spcAft>
+              <a:buClr>
+                <a:schemeClr val="accent3"/>
+              </a:buClr>
+              <a:buFont typeface="Wingdings" panose="05000000000000000000" pitchFamily="2" charset="2"/>
+              <a:buChar char="p"/>
+              <a:defRPr sz="2000" kern="1200">
+                <a:solidFill>
+                  <a:srgbClr val="FFFFFF"/>
+                </a:solidFill>
+                <a:latin typeface="+mn-lt"/>
+                <a:ea typeface="+mn-ea"/>
+                <a:cs typeface="+mn-cs"/>
+              </a:defRPr>
+            </a:lvl3pPr>
+            <a:lvl4pPr marL="1343025" indent="-180975" algn="l" defTabSz="914400" rtl="0" eaLnBrk="1" latinLnBrk="0" hangingPunct="1">
+              <a:lnSpc>
+                <a:spcPct val="100000"/>
+              </a:lnSpc>
+              <a:spcBef>
+                <a:spcPts val="600"/>
+              </a:spcBef>
+              <a:spcAft>
+                <a:spcPts val="600"/>
+              </a:spcAft>
+              <a:buClr>
+                <a:schemeClr val="accent4"/>
+              </a:buClr>
+              <a:buFont typeface="Wingdings" panose="05000000000000000000" pitchFamily="2" charset="2"/>
+              <a:buChar char="n"/>
+              <a:defRPr sz="1800" kern="1200">
+                <a:solidFill>
+                  <a:srgbClr val="FFFFFF"/>
+                </a:solidFill>
+                <a:latin typeface="+mn-lt"/>
+                <a:ea typeface="+mn-ea"/>
+                <a:cs typeface="+mn-cs"/>
+              </a:defRPr>
+            </a:lvl4pPr>
+            <a:lvl5pPr marL="1619250" indent="-276225" algn="l" defTabSz="914400" rtl="0" eaLnBrk="1" latinLnBrk="0" hangingPunct="1">
+              <a:lnSpc>
+                <a:spcPct val="100000"/>
+              </a:lnSpc>
+              <a:spcBef>
+                <a:spcPts val="600"/>
+              </a:spcBef>
+              <a:spcAft>
+                <a:spcPts val="600"/>
+              </a:spcAft>
+              <a:buClr>
+                <a:schemeClr val="accent5"/>
+              </a:buClr>
+              <a:buFont typeface="Arial" pitchFamily="34" charset="0"/>
+              <a:buChar char="»"/>
+              <a:tabLst>
+                <a:tab pos="7981950" algn="l"/>
+              </a:tabLst>
+              <a:defRPr sz="1800" kern="1200">
+                <a:solidFill>
+                  <a:srgbClr val="FFFFFF"/>
+                </a:solidFill>
+                <a:latin typeface="+mn-lt"/>
+                <a:ea typeface="+mn-ea"/>
+                <a:cs typeface="+mn-cs"/>
+              </a:defRPr>
+            </a:lvl5pPr>
+            <a:lvl6pPr marL="2514600" indent="-228600" algn="l" defTabSz="914400" rtl="0" eaLnBrk="1" latinLnBrk="0" hangingPunct="1">
+              <a:spcBef>
+                <a:spcPct val="20000"/>
+              </a:spcBef>
+              <a:buFont typeface="Arial" pitchFamily="34" charset="0"/>
+              <a:buChar char="•"/>
+              <a:defRPr sz="2000" kern="1200">
+                <a:solidFill>
+                  <a:schemeClr val="accent1"/>
+                </a:solidFill>
+                <a:latin typeface="+mn-lt"/>
+                <a:ea typeface="+mn-ea"/>
+                <a:cs typeface="+mn-cs"/>
+              </a:defRPr>
+            </a:lvl6pPr>
+            <a:lvl7pPr marL="2971800" indent="-228600" algn="l" defTabSz="914400" rtl="0" eaLnBrk="1" latinLnBrk="0" hangingPunct="1">
+              <a:spcBef>
+                <a:spcPct val="20000"/>
+              </a:spcBef>
+              <a:buFont typeface="Arial" pitchFamily="34" charset="0"/>
+              <a:buChar char="•"/>
+              <a:defRPr sz="2000" kern="1200">
+                <a:solidFill>
+                  <a:schemeClr val="accent1"/>
+                </a:solidFill>
+                <a:latin typeface="+mn-lt"/>
+                <a:ea typeface="+mn-ea"/>
+                <a:cs typeface="+mn-cs"/>
+              </a:defRPr>
+            </a:lvl7pPr>
+            <a:lvl8pPr marL="3429000" indent="-228600" algn="l" defTabSz="914400" rtl="0" eaLnBrk="1" latinLnBrk="0" hangingPunct="1">
+              <a:spcBef>
+                <a:spcPct val="20000"/>
+              </a:spcBef>
+              <a:buFont typeface="Arial" pitchFamily="34" charset="0"/>
+              <a:buChar char="•"/>
+              <a:defRPr sz="2000" kern="1200">
+                <a:solidFill>
+                  <a:schemeClr val="accent1"/>
+                </a:solidFill>
+                <a:latin typeface="+mn-lt"/>
+                <a:ea typeface="+mn-ea"/>
+                <a:cs typeface="+mn-cs"/>
+              </a:defRPr>
+            </a:lvl8pPr>
+            <a:lvl9pPr marL="3886200" indent="-228600" algn="l" defTabSz="914400" rtl="0" eaLnBrk="1" latinLnBrk="0" hangingPunct="1">
+              <a:spcBef>
+                <a:spcPct val="20000"/>
+              </a:spcBef>
+              <a:buFont typeface="Arial" pitchFamily="34" charset="0"/>
+              <a:buChar char="•"/>
+              <a:defRPr sz="2000" kern="1200">
+                <a:solidFill>
+                  <a:schemeClr val="accent1"/>
+                </a:solidFill>
+                <a:latin typeface="+mn-lt"/>
+                <a:ea typeface="+mn-ea"/>
+                <a:cs typeface="+mn-cs"/>
+              </a:defRPr>
+            </a:lvl9pPr>
+          </a:lstStyle>
+          <a:p>
+            <a:pPr marL="0" indent="0">
+              <a:buFont typeface="Wingdings" panose="05000000000000000000" pitchFamily="2" charset="2"/>
+              <a:buNone/>
+            </a:pPr>
+            <a:r>
+              <a:rPr lang="zh-TW" altLang="en-US" sz="1800" dirty="0"/>
+              <a:t>畫面中，由上至下，區塊分別為：</a:t>
+            </a:r>
+            <a:endParaRPr lang="en-US" altLang="zh-TW" sz="1800" dirty="0"/>
+          </a:p>
+          <a:p>
+            <a:r>
+              <a:rPr lang="zh-TW" altLang="en-US" sz="1800" dirty="0"/>
+              <a:t>相關商品區塊：可看到不同商品的推薦。</a:t>
+            </a:r>
+          </a:p>
+          <a:p>
+            <a:r>
+              <a:rPr lang="zh-TW" altLang="en-US" sz="1800" dirty="0"/>
+              <a:t>瀏覽紀錄區塊：可看到使用者過去瀏覽過的商品。</a:t>
+            </a:r>
+          </a:p>
+        </p:txBody>
+      </p:sp>
+      <p:pic>
+        <p:nvPicPr>
+          <p:cNvPr id="9" name="圖片 8">
+            <a:extLst>
+              <a:ext uri="{FF2B5EF4-FFF2-40B4-BE49-F238E27FC236}">
+                <a16:creationId xmlns:a16="http://schemas.microsoft.com/office/drawing/2014/main" id="{7D878A6B-3D3B-4216-A754-5F16917FA91F}"/>
+              </a:ext>
+            </a:extLst>
+          </p:cNvPr>
+          <p:cNvPicPr>
+            <a:picLocks noChangeAspect="1"/>
+          </p:cNvPicPr>
+          <p:nvPr/>
+        </p:nvPicPr>
+        <p:blipFill>
+          <a:blip r:embed="rId2"/>
+          <a:stretch>
+            <a:fillRect/>
+          </a:stretch>
+        </p:blipFill>
+        <p:spPr>
+          <a:xfrm>
+            <a:off x="289162" y="963871"/>
+            <a:ext cx="6945700" cy="2933821"/>
+          </a:xfrm>
+          <a:prstGeom prst="rect">
+            <a:avLst/>
+          </a:prstGeom>
+        </p:spPr>
+      </p:pic>
+      <p:pic>
+        <p:nvPicPr>
+          <p:cNvPr id="7" name="圖片 6">
+            <a:extLst>
+              <a:ext uri="{FF2B5EF4-FFF2-40B4-BE49-F238E27FC236}">
+                <a16:creationId xmlns:a16="http://schemas.microsoft.com/office/drawing/2014/main" id="{D96DAC9A-1E08-4EEF-9D94-CBA54729C552}"/>
+              </a:ext>
+            </a:extLst>
+          </p:cNvPr>
+          <p:cNvPicPr>
+            <a:picLocks noChangeAspect="1"/>
+          </p:cNvPicPr>
+          <p:nvPr/>
+        </p:nvPicPr>
+        <p:blipFill>
+          <a:blip r:embed="rId3"/>
+          <a:stretch>
+            <a:fillRect/>
+          </a:stretch>
+        </p:blipFill>
+        <p:spPr>
+          <a:xfrm>
+            <a:off x="289162" y="3897692"/>
+            <a:ext cx="6945700" cy="1399867"/>
+          </a:xfrm>
+          <a:prstGeom prst="rect">
+            <a:avLst/>
+          </a:prstGeom>
+        </p:spPr>
+      </p:pic>
+    </p:spTree>
+    <p:extLst>
+      <p:ext uri="{BB962C8B-B14F-4D97-AF65-F5344CB8AC3E}">
+        <p14:creationId xmlns:p14="http://schemas.microsoft.com/office/powerpoint/2010/main" val="1014148538"/>
+      </p:ext>
+    </p:extLst>
+  </p:cSld>
+  <p:clrMapOvr>
+    <a:masterClrMapping/>
+  </p:clrMapOvr>
+</p:sld>
+</file>
+
+<file path=ppt/slides/slide13.xml><?xml version="1.0" encoding="utf-8"?>
+<p:sld xmlns:a="http://schemas.openxmlformats.org/drawingml/2006/main" xmlns:r="http://schemas.openxmlformats.org/officeDocument/2006/relationships" xmlns:p="http://schemas.openxmlformats.org/presentationml/2006/main">
+  <p:cSld>
+    <p:spTree>
+      <p:nvGrpSpPr>
+        <p:cNvPr id="1" name=""/>
+        <p:cNvGrpSpPr/>
+        <p:nvPr/>
+      </p:nvGrpSpPr>
+      <p:grpSpPr>
+        <a:xfrm>
+          <a:off x="0" y="0"/>
+          <a:ext cx="0" cy="0"/>
+          <a:chOff x="0" y="0"/>
+          <a:chExt cx="0" cy="0"/>
+        </a:xfrm>
+      </p:grpSpPr>
+      <p:sp>
+        <p:nvSpPr>
+          <p:cNvPr id="2" name="標題 1">
+            <a:extLst>
+              <a:ext uri="{FF2B5EF4-FFF2-40B4-BE49-F238E27FC236}">
+                <a16:creationId xmlns:a16="http://schemas.microsoft.com/office/drawing/2014/main" id="{83639908-06CA-42C7-B83D-AD430A4F2A2A}"/>
+              </a:ext>
+            </a:extLst>
+          </p:cNvPr>
+          <p:cNvSpPr>
+            <a:spLocks noGrp="1"/>
+          </p:cNvSpPr>
+          <p:nvPr>
+            <p:ph type="title"/>
+          </p:nvPr>
+        </p:nvSpPr>
+        <p:spPr/>
+        <p:txBody>
+          <a:bodyPr/>
+          <a:lstStyle/>
+          <a:p>
+            <a:r>
+              <a:rPr lang="zh-TW" altLang="en-US" dirty="0"/>
+              <a:t>參考模板</a:t>
+            </a:r>
+          </a:p>
+        </p:txBody>
+      </p:sp>
+      <p:sp>
+        <p:nvSpPr>
+          <p:cNvPr id="4" name="副標題 3">
+            <a:extLst>
+              <a:ext uri="{FF2B5EF4-FFF2-40B4-BE49-F238E27FC236}">
+                <a16:creationId xmlns:a16="http://schemas.microsoft.com/office/drawing/2014/main" id="{668B6347-AE94-4B61-910B-4CC242E0A3C3}"/>
+              </a:ext>
+            </a:extLst>
+          </p:cNvPr>
+          <p:cNvSpPr>
+            <a:spLocks noGrp="1"/>
+          </p:cNvSpPr>
+          <p:nvPr>
+            <p:ph type="subTitle" idx="1"/>
+          </p:nvPr>
+        </p:nvSpPr>
+        <p:spPr/>
+        <p:txBody>
+          <a:bodyPr/>
+          <a:lstStyle/>
+          <a:p>
+            <a:endParaRPr lang="zh-TW" altLang="en-US"/>
+          </a:p>
+        </p:txBody>
+      </p:sp>
+    </p:spTree>
+    <p:extLst>
+      <p:ext uri="{BB962C8B-B14F-4D97-AF65-F5344CB8AC3E}">
+        <p14:creationId xmlns:p14="http://schemas.microsoft.com/office/powerpoint/2010/main" val="1164905679"/>
+      </p:ext>
+    </p:extLst>
+  </p:cSld>
+  <p:clrMapOvr>
+    <a:masterClrMapping/>
+  </p:clrMapOvr>
+</p:sld>
+</file>
+
+<file path=ppt/slides/slide14.xml><?xml version="1.0" encoding="utf-8"?>
+<p:sld xmlns:a="http://schemas.openxmlformats.org/drawingml/2006/main" xmlns:r="http://schemas.openxmlformats.org/officeDocument/2006/relationships" xmlns:p="http://schemas.openxmlformats.org/presentationml/2006/main">
+  <p:cSld>
+    <p:spTree>
+      <p:nvGrpSpPr>
+        <p:cNvPr id="1" name=""/>
+        <p:cNvGrpSpPr/>
+        <p:nvPr/>
+      </p:nvGrpSpPr>
+      <p:grpSpPr>
+        <a:xfrm>
+          <a:off x="0" y="0"/>
+          <a:ext cx="0" cy="0"/>
+          <a:chOff x="0" y="0"/>
+          <a:chExt cx="0" cy="0"/>
+        </a:xfrm>
+      </p:grpSpPr>
+      <p:sp>
+        <p:nvSpPr>
+          <p:cNvPr id="2" name="標題 1"/>
+          <p:cNvSpPr>
+            <a:spLocks noGrp="1"/>
+          </p:cNvSpPr>
+          <p:nvPr>
+            <p:ph type="title"/>
+          </p:nvPr>
+        </p:nvSpPr>
+        <p:spPr>
+          <a:xfrm>
+            <a:off x="0" y="1556792"/>
+            <a:ext cx="9906000" cy="1503288"/>
+          </a:xfrm>
+        </p:spPr>
+        <p:txBody>
+          <a:bodyPr>
+            <a:normAutofit/>
+          </a:bodyPr>
+          <a:lstStyle/>
+          <a:p>
+            <a:r>
+              <a:rPr lang="zh-TW" altLang="en-US" sz="4000" dirty="0">
+                <a:solidFill>
+                  <a:schemeClr val="accent4"/>
+                </a:solidFill>
+                <a:latin typeface="微軟正黑體" panose="020B0604030504040204" pitchFamily="34" charset="-120"/>
+                <a:ea typeface="微軟正黑體" panose="020B0604030504040204" pitchFamily="34" charset="-120"/>
+              </a:rPr>
+              <a:t>遊戲論壇</a:t>
+            </a:r>
+            <a:br>
+              <a:rPr lang="en-US" altLang="zh-TW" sz="4000" dirty="0"/>
+            </a:br>
+            <a:r>
+              <a:rPr lang="en-US" altLang="zh-TW" sz="4000" dirty="0" err="1"/>
+              <a:t>GameForum</a:t>
+            </a:r>
+            <a:endParaRPr lang="zh-TW" altLang="en-US" sz="4000" dirty="0">
+              <a:solidFill>
+                <a:schemeClr val="accent4"/>
+              </a:solidFill>
+              <a:latin typeface="微軟正黑體" panose="020B0604030504040204" pitchFamily="34" charset="-120"/>
+              <a:ea typeface="微軟正黑體" panose="020B0604030504040204" pitchFamily="34" charset="-120"/>
+            </a:endParaRPr>
+          </a:p>
+        </p:txBody>
+      </p:sp>
+      <p:sp>
+        <p:nvSpPr>
+          <p:cNvPr id="8" name="副標題 4"/>
+          <p:cNvSpPr txBox="1">
+            <a:spLocks/>
+          </p:cNvSpPr>
+          <p:nvPr/>
+        </p:nvSpPr>
+        <p:spPr bwMode="ltGray">
+          <a:xfrm>
+            <a:off x="1353600" y="3960000"/>
+            <a:ext cx="7704856" cy="1845264"/>
+          </a:xfrm>
+          <a:prstGeom prst="rect">
+            <a:avLst/>
+          </a:prstGeom>
+        </p:spPr>
+        <p:txBody>
+          <a:bodyPr vert="horz" wrap="square" lIns="91440" tIns="45720" rIns="91440" bIns="45720" numCol="1" rtlCol="0" anchor="t" anchorCtr="0" compatLnSpc="1">
+            <a:prstTxWarp prst="textNoShape">
+              <a:avLst/>
+            </a:prstTxWarp>
+            <a:noAutofit/>
+          </a:bodyPr>
+          <a:lstStyle>
+            <a:lvl1pPr marL="0" indent="0" algn="ctr" defTabSz="914400" rtl="0" eaLnBrk="1" latinLnBrk="0" hangingPunct="1">
+              <a:lnSpc>
+                <a:spcPct val="150000"/>
+              </a:lnSpc>
+              <a:spcBef>
+                <a:spcPts val="600"/>
+              </a:spcBef>
+              <a:spcAft>
+                <a:spcPts val="600"/>
+              </a:spcAft>
+              <a:buClr>
+                <a:schemeClr val="accent1"/>
+              </a:buClr>
+              <a:buFont typeface="Arial" pitchFamily="34" charset="0"/>
+              <a:buNone/>
+              <a:defRPr sz="2000" b="1" kern="1200">
+                <a:solidFill>
+                  <a:srgbClr val="393939"/>
+                </a:solidFill>
+                <a:latin typeface="微軟正黑體" panose="020B0604030504040204" pitchFamily="34" charset="-120"/>
+                <a:ea typeface="微軟正黑體" panose="020B0604030504040204" pitchFamily="34" charset="-120"/>
+                <a:cs typeface="+mn-cs"/>
+              </a:defRPr>
+            </a:lvl1pPr>
+            <a:lvl2pPr marL="457200" indent="0" algn="ctr" defTabSz="914400" rtl="0" eaLnBrk="1" latinLnBrk="0" hangingPunct="1">
+              <a:lnSpc>
+                <a:spcPct val="150000"/>
+              </a:lnSpc>
+              <a:spcBef>
+                <a:spcPts val="600"/>
+              </a:spcBef>
+              <a:spcAft>
+                <a:spcPts val="600"/>
+              </a:spcAft>
+              <a:buClr>
+                <a:schemeClr val="accent2"/>
+              </a:buClr>
+              <a:buFont typeface="Arial" pitchFamily="34" charset="0"/>
+              <a:buNone/>
+              <a:defRPr sz="2400" b="1" kern="1200">
+                <a:solidFill>
+                  <a:schemeClr val="tx1">
+                    <a:tint val="75000"/>
+                  </a:schemeClr>
+                </a:solidFill>
+                <a:latin typeface="微軟正黑體" pitchFamily="34" charset="-120"/>
+                <a:ea typeface="微軟正黑體" pitchFamily="34" charset="-120"/>
+                <a:cs typeface="+mn-cs"/>
+              </a:defRPr>
+            </a:lvl2pPr>
+            <a:lvl3pPr marL="914400" indent="0" algn="ctr" defTabSz="914400" rtl="0" eaLnBrk="1" latinLnBrk="0" hangingPunct="1">
+              <a:lnSpc>
+                <a:spcPct val="100000"/>
+              </a:lnSpc>
+              <a:spcBef>
+                <a:spcPts val="600"/>
+              </a:spcBef>
+              <a:spcAft>
+                <a:spcPts val="600"/>
+              </a:spcAft>
+              <a:buClr>
+                <a:schemeClr val="accent3"/>
+              </a:buClr>
+              <a:buFont typeface="Arial" pitchFamily="34" charset="0"/>
+              <a:buNone/>
+              <a:defRPr sz="2000" kern="1200">
+                <a:solidFill>
+                  <a:schemeClr val="tx1">
+                    <a:tint val="75000"/>
+                  </a:schemeClr>
+                </a:solidFill>
+                <a:latin typeface="微軟正黑體" pitchFamily="34" charset="-120"/>
+                <a:ea typeface="微軟正黑體" pitchFamily="34" charset="-120"/>
+                <a:cs typeface="+mn-cs"/>
+              </a:defRPr>
+            </a:lvl3pPr>
+            <a:lvl4pPr marL="1371600" indent="0" algn="ctr" defTabSz="914400" rtl="0" eaLnBrk="1" latinLnBrk="0" hangingPunct="1">
+              <a:lnSpc>
+                <a:spcPct val="100000"/>
+              </a:lnSpc>
+              <a:spcBef>
+                <a:spcPts val="600"/>
+              </a:spcBef>
+              <a:spcAft>
+                <a:spcPts val="600"/>
+              </a:spcAft>
+              <a:buClr>
+                <a:schemeClr val="accent4"/>
+              </a:buClr>
+              <a:buFont typeface="Arial" pitchFamily="34" charset="0"/>
+              <a:buNone/>
+              <a:defRPr sz="1800" kern="1200">
+                <a:solidFill>
+                  <a:schemeClr val="tx1">
+                    <a:tint val="75000"/>
+                  </a:schemeClr>
+                </a:solidFill>
+                <a:latin typeface="微軟正黑體" pitchFamily="34" charset="-120"/>
+                <a:ea typeface="微軟正黑體" pitchFamily="34" charset="-120"/>
+                <a:cs typeface="+mn-cs"/>
+              </a:defRPr>
+            </a:lvl4pPr>
+            <a:lvl5pPr marL="1828800" indent="0" algn="ctr" defTabSz="914400" rtl="0" eaLnBrk="1" latinLnBrk="0" hangingPunct="1">
+              <a:lnSpc>
+                <a:spcPct val="100000"/>
+              </a:lnSpc>
+              <a:spcBef>
+                <a:spcPts val="600"/>
+              </a:spcBef>
+              <a:spcAft>
+                <a:spcPts val="600"/>
+              </a:spcAft>
+              <a:buClr>
+                <a:schemeClr val="accent5"/>
+              </a:buClr>
+              <a:buFont typeface="Arial" pitchFamily="34" charset="0"/>
+              <a:buNone/>
+              <a:defRPr sz="1800" kern="1200">
+                <a:solidFill>
+                  <a:schemeClr val="tx1">
+                    <a:tint val="75000"/>
+                  </a:schemeClr>
+                </a:solidFill>
+                <a:latin typeface="微軟正黑體" pitchFamily="34" charset="-120"/>
+                <a:ea typeface="微軟正黑體" pitchFamily="34" charset="-120"/>
+                <a:cs typeface="+mn-cs"/>
+              </a:defRPr>
+            </a:lvl5pPr>
+            <a:lvl6pPr marL="2286000" indent="0" algn="ctr" defTabSz="914400" rtl="0" eaLnBrk="1" latinLnBrk="0" hangingPunct="1">
+              <a:spcBef>
+                <a:spcPct val="20000"/>
+              </a:spcBef>
+              <a:buFont typeface="Arial" pitchFamily="34" charset="0"/>
+              <a:buNone/>
+              <a:defRPr sz="2000" kern="1200">
+                <a:solidFill>
+                  <a:schemeClr val="tx1">
+                    <a:tint val="75000"/>
+                  </a:schemeClr>
+                </a:solidFill>
+                <a:latin typeface="+mn-lt"/>
+                <a:ea typeface="+mn-ea"/>
+                <a:cs typeface="+mn-cs"/>
+              </a:defRPr>
+            </a:lvl6pPr>
+            <a:lvl7pPr marL="2743200" indent="0" algn="ctr" defTabSz="914400" rtl="0" eaLnBrk="1" latinLnBrk="0" hangingPunct="1">
+              <a:spcBef>
+                <a:spcPct val="20000"/>
+              </a:spcBef>
+              <a:buFont typeface="Arial" pitchFamily="34" charset="0"/>
+              <a:buNone/>
+              <a:defRPr sz="2000" kern="1200">
+                <a:solidFill>
+                  <a:schemeClr val="tx1">
+                    <a:tint val="75000"/>
+                  </a:schemeClr>
+                </a:solidFill>
+                <a:latin typeface="+mn-lt"/>
+                <a:ea typeface="+mn-ea"/>
+                <a:cs typeface="+mn-cs"/>
+              </a:defRPr>
+            </a:lvl7pPr>
+            <a:lvl8pPr marL="3200400" indent="0" algn="ctr" defTabSz="914400" rtl="0" eaLnBrk="1" latinLnBrk="0" hangingPunct="1">
+              <a:spcBef>
+                <a:spcPct val="20000"/>
+              </a:spcBef>
+              <a:buFont typeface="Arial" pitchFamily="34" charset="0"/>
+              <a:buNone/>
+              <a:defRPr sz="2000" kern="1200">
+                <a:solidFill>
+                  <a:schemeClr val="tx1">
+                    <a:tint val="75000"/>
+                  </a:schemeClr>
+                </a:solidFill>
+                <a:latin typeface="+mn-lt"/>
+                <a:ea typeface="+mn-ea"/>
+                <a:cs typeface="+mn-cs"/>
+              </a:defRPr>
+            </a:lvl8pPr>
+            <a:lvl9pPr marL="3657600" indent="0" algn="ctr" defTabSz="914400" rtl="0" eaLnBrk="1" latinLnBrk="0" hangingPunct="1">
+              <a:spcBef>
+                <a:spcPct val="20000"/>
+              </a:spcBef>
+              <a:buFont typeface="Arial" pitchFamily="34" charset="0"/>
+              <a:buNone/>
+              <a:defRPr sz="2000" kern="1200">
+                <a:solidFill>
+                  <a:schemeClr val="tx1">
+                    <a:tint val="75000"/>
+                  </a:schemeClr>
+                </a:solidFill>
+                <a:latin typeface="+mn-lt"/>
+                <a:ea typeface="+mn-ea"/>
+                <a:cs typeface="+mn-cs"/>
+              </a:defRPr>
+            </a:lvl9pPr>
+          </a:lstStyle>
+          <a:p>
+            <a:pPr algn="l">
+              <a:lnSpc>
+                <a:spcPct val="100000"/>
+              </a:lnSpc>
+              <a:spcBef>
+                <a:spcPct val="10000"/>
+              </a:spcBef>
+              <a:buClrTx/>
+              <a:defRPr/>
+            </a:pPr>
+            <a:r>
+              <a:rPr lang="zh-TW" altLang="en-US" sz="2400" b="0" dirty="0">
+                <a:solidFill>
+                  <a:schemeClr val="accent4"/>
+                </a:solidFill>
+              </a:rPr>
+              <a:t>組別：第一組</a:t>
+            </a:r>
+            <a:endParaRPr lang="en-US" altLang="zh-TW" sz="2400" b="0" dirty="0">
+              <a:solidFill>
+                <a:schemeClr val="accent4"/>
+              </a:solidFill>
+            </a:endParaRPr>
+          </a:p>
+          <a:p>
+            <a:pPr algn="l">
+              <a:lnSpc>
+                <a:spcPct val="100000"/>
+              </a:lnSpc>
+              <a:spcBef>
+                <a:spcPct val="10000"/>
+              </a:spcBef>
+              <a:buClrTx/>
+              <a:defRPr/>
+            </a:pPr>
+            <a:r>
+              <a:rPr lang="zh-TW" altLang="en-US" sz="2400" b="0" dirty="0">
+                <a:solidFill>
+                  <a:schemeClr val="accent4"/>
+                </a:solidFill>
+              </a:rPr>
+              <a:t>組長：許清彰</a:t>
+            </a:r>
+            <a:endParaRPr lang="en-US" altLang="zh-TW" sz="2400" b="0" dirty="0">
+              <a:solidFill>
+                <a:schemeClr val="accent4"/>
+              </a:solidFill>
+            </a:endParaRPr>
+          </a:p>
+          <a:p>
+            <a:pPr algn="l">
+              <a:lnSpc>
+                <a:spcPct val="100000"/>
+              </a:lnSpc>
+              <a:spcBef>
+                <a:spcPct val="10000"/>
+              </a:spcBef>
+              <a:buClrTx/>
+              <a:defRPr/>
+            </a:pPr>
+            <a:r>
+              <a:rPr lang="zh-TW" altLang="en-US" sz="2400" b="0" dirty="0">
+                <a:solidFill>
+                  <a:schemeClr val="accent4"/>
+                </a:solidFill>
+              </a:rPr>
+              <a:t>組員：林楷紘、紀皓騫、熊偉誌、廖士傑</a:t>
+            </a:r>
+            <a:endParaRPr lang="en-US" altLang="zh-TW" sz="2400" b="0" dirty="0">
+              <a:solidFill>
+                <a:schemeClr val="accent4"/>
+              </a:solidFill>
+            </a:endParaRPr>
+          </a:p>
+          <a:p>
+            <a:pPr algn="l">
+              <a:lnSpc>
+                <a:spcPct val="100000"/>
+              </a:lnSpc>
+              <a:spcBef>
+                <a:spcPct val="10000"/>
+              </a:spcBef>
+              <a:buClrTx/>
+              <a:defRPr/>
+            </a:pPr>
+            <a:r>
+              <a:rPr lang="zh-TW" altLang="en-US" sz="2400" b="0" dirty="0">
+                <a:solidFill>
+                  <a:schemeClr val="accent4"/>
+                </a:solidFill>
+              </a:rPr>
+              <a:t>指導老師：許雅婷、錢達智</a:t>
+            </a:r>
+            <a:endParaRPr lang="en-US" altLang="zh-TW" sz="2400" b="0" dirty="0">
+              <a:solidFill>
+                <a:schemeClr val="accent4"/>
+              </a:solidFill>
+            </a:endParaRPr>
+          </a:p>
+        </p:txBody>
+      </p:sp>
+    </p:spTree>
+    <p:extLst>
+      <p:ext uri="{BB962C8B-B14F-4D97-AF65-F5344CB8AC3E}">
+        <p14:creationId xmlns:p14="http://schemas.microsoft.com/office/powerpoint/2010/main" val="2586117660"/>
+      </p:ext>
+    </p:extLst>
+  </p:cSld>
+  <p:clrMapOvr>
+    <a:masterClrMapping/>
+  </p:clrMapOvr>
+</p:sld>
+</file>
+
+<file path=ppt/slides/slide15.xml><?xml version="1.0" encoding="utf-8"?>
+<p:sld xmlns:a="http://schemas.openxmlformats.org/drawingml/2006/main" xmlns:r="http://schemas.openxmlformats.org/officeDocument/2006/relationships" xmlns:p="http://schemas.openxmlformats.org/presentationml/2006/main">
+  <p:cSld>
+    <p:spTree>
+      <p:nvGrpSpPr>
+        <p:cNvPr id="1" name=""/>
+        <p:cNvGrpSpPr/>
+        <p:nvPr/>
+      </p:nvGrpSpPr>
+      <p:grpSpPr>
+        <a:xfrm>
+          <a:off x="0" y="0"/>
+          <a:ext cx="0" cy="0"/>
+          <a:chOff x="0" y="0"/>
+          <a:chExt cx="0" cy="0"/>
+        </a:xfrm>
+      </p:grpSpPr>
+      <p:sp>
+        <p:nvSpPr>
           <p:cNvPr id="4" name="標題 3"/>
           <p:cNvSpPr>
             <a:spLocks noGrp="1"/>
@@ -5063,7 +6757,7 @@
 </p:sld>
 </file>
 
-<file path=ppt/slides/slide11.xml><?xml version="1.0" encoding="utf-8"?>
+<file path=ppt/slides/slide16.xml><?xml version="1.0" encoding="utf-8"?>
 <p:sld xmlns:a="http://schemas.openxmlformats.org/drawingml/2006/main" xmlns:r="http://schemas.openxmlformats.org/officeDocument/2006/relationships" xmlns:p="http://schemas.openxmlformats.org/presentationml/2006/main">
   <p:cSld>
     <p:spTree>
@@ -5567,7 +7261,7 @@
 </p:sld>
 </file>
 
-<file path=ppt/slides/slide12.xml><?xml version="1.0" encoding="utf-8"?>
+<file path=ppt/slides/slide17.xml><?xml version="1.0" encoding="utf-8"?>
 <p:sld xmlns:a="http://schemas.openxmlformats.org/drawingml/2006/main" xmlns:r="http://schemas.openxmlformats.org/officeDocument/2006/relationships" xmlns:p="http://schemas.openxmlformats.org/presentationml/2006/main">
   <p:cSld>
     <p:spTree>
@@ -5689,7 +7383,7 @@
 </p:sld>
 </file>
 
-<file path=ppt/slides/slide13.xml><?xml version="1.0" encoding="utf-8"?>
+<file path=ppt/slides/slide18.xml><?xml version="1.0" encoding="utf-8"?>
 <p:sld xmlns:a="http://schemas.openxmlformats.org/drawingml/2006/main" xmlns:r="http://schemas.openxmlformats.org/officeDocument/2006/relationships" xmlns:p="http://schemas.openxmlformats.org/presentationml/2006/main">
   <p:cSld>
     <p:spTree>
@@ -5778,7 +7472,7 @@
 </p:sld>
 </file>
 
-<file path=ppt/slides/slide14.xml><?xml version="1.0" encoding="utf-8"?>
+<file path=ppt/slides/slide19.xml><?xml version="1.0" encoding="utf-8"?>
 <p:sld xmlns:a="http://schemas.openxmlformats.org/drawingml/2006/main" xmlns:r="http://schemas.openxmlformats.org/officeDocument/2006/relationships" xmlns:p="http://schemas.openxmlformats.org/presentationml/2006/main">
   <p:cSld>
     <p:spTree>
@@ -5893,225 +7587,6 @@
     <p:extLst>
       <p:ext uri="{BB962C8B-B14F-4D97-AF65-F5344CB8AC3E}">
         <p14:creationId xmlns:p14="http://schemas.microsoft.com/office/powerpoint/2010/main" val="1335810427"/>
-      </p:ext>
-    </p:extLst>
-  </p:cSld>
-  <p:clrMapOvr>
-    <a:masterClrMapping/>
-  </p:clrMapOvr>
-</p:sld>
-</file>
-
-<file path=ppt/slides/slide15.xml><?xml version="1.0" encoding="utf-8"?>
-<p:sld xmlns:a="http://schemas.openxmlformats.org/drawingml/2006/main" xmlns:r="http://schemas.openxmlformats.org/officeDocument/2006/relationships" xmlns:p="http://schemas.openxmlformats.org/presentationml/2006/main">
-  <p:cSld>
-    <p:spTree>
-      <p:nvGrpSpPr>
-        <p:cNvPr id="1" name=""/>
-        <p:cNvGrpSpPr/>
-        <p:nvPr/>
-      </p:nvGrpSpPr>
-      <p:grpSpPr>
-        <a:xfrm>
-          <a:off x="0" y="0"/>
-          <a:ext cx="0" cy="0"/>
-          <a:chOff x="0" y="0"/>
-          <a:chExt cx="0" cy="0"/>
-        </a:xfrm>
-      </p:grpSpPr>
-      <p:sp>
-        <p:nvSpPr>
-          <p:cNvPr id="5" name="標題 4"/>
-          <p:cNvSpPr>
-            <a:spLocks noGrp="1"/>
-          </p:cNvSpPr>
-          <p:nvPr>
-            <p:ph type="title" idx="4294967295"/>
-          </p:nvPr>
-        </p:nvSpPr>
-        <p:spPr>
-          <a:xfrm>
-            <a:off x="632520" y="72008"/>
-            <a:ext cx="8640960" cy="692696"/>
-          </a:xfrm>
-          <a:prstGeom prst="rect">
-            <a:avLst/>
-          </a:prstGeom>
-        </p:spPr>
-        <p:txBody>
-          <a:bodyPr/>
-          <a:lstStyle/>
-          <a:p>
-            <a:r>
-              <a:rPr lang="zh-TW" altLang="en-US" dirty="0"/>
-              <a:t>填入標題，若不會用到請移除此頁</a:t>
-            </a:r>
-          </a:p>
-        </p:txBody>
-      </p:sp>
-      <p:graphicFrame>
-        <p:nvGraphicFramePr>
-          <p:cNvPr id="7" name="內容版面配置區 5"/>
-          <p:cNvGraphicFramePr>
-            <a:graphicFrameLocks noGrp="1"/>
-          </p:cNvGraphicFramePr>
-          <p:nvPr>
-            <p:ph idx="1"/>
-            <p:extLst>
-              <p:ext uri="{D42A27DB-BD31-4B8C-83A1-F6EECF244321}">
-                <p14:modId xmlns:p14="http://schemas.microsoft.com/office/powerpoint/2010/main" val="3645921703"/>
-              </p:ext>
-            </p:extLst>
-          </p:nvPr>
-        </p:nvGraphicFramePr>
-        <p:xfrm>
-          <a:off x="632520" y="836712"/>
-          <a:ext cx="8640960" cy="5472608"/>
-        </p:xfrm>
-        <a:graphic>
-          <a:graphicData uri="http://schemas.openxmlformats.org/drawingml/2006/chart">
-            <c:chart xmlns:c="http://schemas.openxmlformats.org/drawingml/2006/chart" xmlns:r="http://schemas.openxmlformats.org/officeDocument/2006/relationships" r:id="rId2"/>
-          </a:graphicData>
-        </a:graphic>
-      </p:graphicFrame>
-    </p:spTree>
-    <p:extLst>
-      <p:ext uri="{BB962C8B-B14F-4D97-AF65-F5344CB8AC3E}">
-        <p14:creationId xmlns:p14="http://schemas.microsoft.com/office/powerpoint/2010/main" val="3577770813"/>
-      </p:ext>
-    </p:extLst>
-  </p:cSld>
-  <p:clrMapOvr>
-    <a:masterClrMapping/>
-  </p:clrMapOvr>
-</p:sld>
-</file>
-
-<file path=ppt/slides/slide16.xml><?xml version="1.0" encoding="utf-8"?>
-<p:sld xmlns:a="http://schemas.openxmlformats.org/drawingml/2006/main" xmlns:r="http://schemas.openxmlformats.org/officeDocument/2006/relationships" xmlns:p="http://schemas.openxmlformats.org/presentationml/2006/main">
-  <p:cSld>
-    <p:spTree>
-      <p:nvGrpSpPr>
-        <p:cNvPr id="1" name=""/>
-        <p:cNvGrpSpPr/>
-        <p:nvPr/>
-      </p:nvGrpSpPr>
-      <p:grpSpPr>
-        <a:xfrm>
-          <a:off x="0" y="0"/>
-          <a:ext cx="0" cy="0"/>
-          <a:chOff x="0" y="0"/>
-          <a:chExt cx="0" cy="0"/>
-        </a:xfrm>
-      </p:grpSpPr>
-      <p:sp>
-        <p:nvSpPr>
-          <p:cNvPr id="3" name="文字方塊 2"/>
-          <p:cNvSpPr txBox="1"/>
-          <p:nvPr/>
-        </p:nvSpPr>
-        <p:spPr>
-          <a:xfrm>
-            <a:off x="3512840" y="2996952"/>
-            <a:ext cx="2880320" cy="720080"/>
-          </a:xfrm>
-          <a:prstGeom prst="rect">
-            <a:avLst/>
-          </a:prstGeom>
-          <a:noFill/>
-        </p:spPr>
-        <p:txBody>
-          <a:bodyPr wrap="square" rtlCol="0">
-            <a:spAutoFit/>
-          </a:bodyPr>
-          <a:lstStyle/>
-          <a:p>
-            <a:r>
-              <a:rPr lang="en-US" altLang="zh-TW" sz="4000" dirty="0">
-                <a:solidFill>
-                  <a:schemeClr val="accent1"/>
-                </a:solidFill>
-              </a:rPr>
-              <a:t>T</a:t>
-            </a:r>
-            <a:r>
-              <a:rPr lang="en-US" altLang="zh-TW" sz="4000" dirty="0">
-                <a:solidFill>
-                  <a:schemeClr val="accent2"/>
-                </a:solidFill>
-              </a:rPr>
-              <a:t>h</a:t>
-            </a:r>
-            <a:r>
-              <a:rPr lang="en-US" altLang="zh-TW" sz="4000" dirty="0">
-                <a:solidFill>
-                  <a:schemeClr val="accent3"/>
-                </a:solidFill>
-              </a:rPr>
-              <a:t>a</a:t>
-            </a:r>
-            <a:r>
-              <a:rPr lang="en-US" altLang="zh-TW" sz="4000" dirty="0">
-                <a:solidFill>
-                  <a:schemeClr val="accent4"/>
-                </a:solidFill>
-              </a:rPr>
-              <a:t>n</a:t>
-            </a:r>
-            <a:r>
-              <a:rPr lang="en-US" altLang="zh-TW" sz="4000" dirty="0">
-                <a:solidFill>
-                  <a:schemeClr val="accent5"/>
-                </a:solidFill>
-              </a:rPr>
-              <a:t>k</a:t>
-            </a:r>
-            <a:r>
-              <a:rPr lang="en-US" altLang="zh-TW" sz="4000" dirty="0">
-                <a:solidFill>
-                  <a:schemeClr val="tx1">
-                    <a:lumMod val="75000"/>
-                  </a:schemeClr>
-                </a:solidFill>
-              </a:rPr>
-              <a:t> </a:t>
-            </a:r>
-            <a:r>
-              <a:rPr lang="en-US" altLang="zh-TW" sz="4000" dirty="0">
-                <a:solidFill>
-                  <a:schemeClr val="accent6"/>
-                </a:solidFill>
-              </a:rPr>
-              <a:t>y</a:t>
-            </a:r>
-            <a:r>
-              <a:rPr lang="en-US" altLang="zh-TW" sz="4000" dirty="0">
-                <a:solidFill>
-                  <a:schemeClr val="accent1"/>
-                </a:solidFill>
-              </a:rPr>
-              <a:t>o</a:t>
-            </a:r>
-            <a:r>
-              <a:rPr lang="en-US" altLang="zh-TW" sz="4000" dirty="0">
-                <a:solidFill>
-                  <a:schemeClr val="accent3"/>
-                </a:solidFill>
-              </a:rPr>
-              <a:t>u</a:t>
-            </a:r>
-            <a:endParaRPr lang="zh-TW" altLang="en-US" sz="4000" dirty="0" err="1">
-              <a:solidFill>
-                <a:schemeClr val="accent3"/>
-              </a:solidFill>
-            </a:endParaRPr>
-          </a:p>
-        </p:txBody>
-      </p:sp>
-    </p:spTree>
-    <p:extLst>
-      <p:ext uri="{BB962C8B-B14F-4D97-AF65-F5344CB8AC3E}">
-        <p14:creationId xmlns:p14="http://schemas.microsoft.com/office/powerpoint/2010/main" val="4034723819"/>
       </p:ext>
     </p:extLst>
   </p:cSld>
@@ -6322,6 +7797,225 @@
     <p:extLst>
       <p:ext uri="{BB962C8B-B14F-4D97-AF65-F5344CB8AC3E}">
         <p14:creationId xmlns:p14="http://schemas.microsoft.com/office/powerpoint/2010/main" val="4217363242"/>
+      </p:ext>
+    </p:extLst>
+  </p:cSld>
+  <p:clrMapOvr>
+    <a:masterClrMapping/>
+  </p:clrMapOvr>
+</p:sld>
+</file>
+
+<file path=ppt/slides/slide20.xml><?xml version="1.0" encoding="utf-8"?>
+<p:sld xmlns:a="http://schemas.openxmlformats.org/drawingml/2006/main" xmlns:r="http://schemas.openxmlformats.org/officeDocument/2006/relationships" xmlns:p="http://schemas.openxmlformats.org/presentationml/2006/main">
+  <p:cSld>
+    <p:spTree>
+      <p:nvGrpSpPr>
+        <p:cNvPr id="1" name=""/>
+        <p:cNvGrpSpPr/>
+        <p:nvPr/>
+      </p:nvGrpSpPr>
+      <p:grpSpPr>
+        <a:xfrm>
+          <a:off x="0" y="0"/>
+          <a:ext cx="0" cy="0"/>
+          <a:chOff x="0" y="0"/>
+          <a:chExt cx="0" cy="0"/>
+        </a:xfrm>
+      </p:grpSpPr>
+      <p:sp>
+        <p:nvSpPr>
+          <p:cNvPr id="5" name="標題 4"/>
+          <p:cNvSpPr>
+            <a:spLocks noGrp="1"/>
+          </p:cNvSpPr>
+          <p:nvPr>
+            <p:ph type="title" idx="4294967295"/>
+          </p:nvPr>
+        </p:nvSpPr>
+        <p:spPr>
+          <a:xfrm>
+            <a:off x="632520" y="72008"/>
+            <a:ext cx="8640960" cy="692696"/>
+          </a:xfrm>
+          <a:prstGeom prst="rect">
+            <a:avLst/>
+          </a:prstGeom>
+        </p:spPr>
+        <p:txBody>
+          <a:bodyPr/>
+          <a:lstStyle/>
+          <a:p>
+            <a:r>
+              <a:rPr lang="zh-TW" altLang="en-US" dirty="0"/>
+              <a:t>填入標題，若不會用到請移除此頁</a:t>
+            </a:r>
+          </a:p>
+        </p:txBody>
+      </p:sp>
+      <p:graphicFrame>
+        <p:nvGraphicFramePr>
+          <p:cNvPr id="7" name="內容版面配置區 5"/>
+          <p:cNvGraphicFramePr>
+            <a:graphicFrameLocks noGrp="1"/>
+          </p:cNvGraphicFramePr>
+          <p:nvPr>
+            <p:ph idx="1"/>
+            <p:extLst>
+              <p:ext uri="{D42A27DB-BD31-4B8C-83A1-F6EECF244321}">
+                <p14:modId xmlns:p14="http://schemas.microsoft.com/office/powerpoint/2010/main" val="3645921703"/>
+              </p:ext>
+            </p:extLst>
+          </p:nvPr>
+        </p:nvGraphicFramePr>
+        <p:xfrm>
+          <a:off x="632520" y="836712"/>
+          <a:ext cx="8640960" cy="5472608"/>
+        </p:xfrm>
+        <a:graphic>
+          <a:graphicData uri="http://schemas.openxmlformats.org/drawingml/2006/chart">
+            <c:chart xmlns:c="http://schemas.openxmlformats.org/drawingml/2006/chart" xmlns:r="http://schemas.openxmlformats.org/officeDocument/2006/relationships" r:id="rId2"/>
+          </a:graphicData>
+        </a:graphic>
+      </p:graphicFrame>
+    </p:spTree>
+    <p:extLst>
+      <p:ext uri="{BB962C8B-B14F-4D97-AF65-F5344CB8AC3E}">
+        <p14:creationId xmlns:p14="http://schemas.microsoft.com/office/powerpoint/2010/main" val="3577770813"/>
+      </p:ext>
+    </p:extLst>
+  </p:cSld>
+  <p:clrMapOvr>
+    <a:masterClrMapping/>
+  </p:clrMapOvr>
+</p:sld>
+</file>
+
+<file path=ppt/slides/slide21.xml><?xml version="1.0" encoding="utf-8"?>
+<p:sld xmlns:a="http://schemas.openxmlformats.org/drawingml/2006/main" xmlns:r="http://schemas.openxmlformats.org/officeDocument/2006/relationships" xmlns:p="http://schemas.openxmlformats.org/presentationml/2006/main">
+  <p:cSld>
+    <p:spTree>
+      <p:nvGrpSpPr>
+        <p:cNvPr id="1" name=""/>
+        <p:cNvGrpSpPr/>
+        <p:nvPr/>
+      </p:nvGrpSpPr>
+      <p:grpSpPr>
+        <a:xfrm>
+          <a:off x="0" y="0"/>
+          <a:ext cx="0" cy="0"/>
+          <a:chOff x="0" y="0"/>
+          <a:chExt cx="0" cy="0"/>
+        </a:xfrm>
+      </p:grpSpPr>
+      <p:sp>
+        <p:nvSpPr>
+          <p:cNvPr id="3" name="文字方塊 2"/>
+          <p:cNvSpPr txBox="1"/>
+          <p:nvPr/>
+        </p:nvSpPr>
+        <p:spPr>
+          <a:xfrm>
+            <a:off x="3512840" y="2996952"/>
+            <a:ext cx="2880320" cy="720080"/>
+          </a:xfrm>
+          <a:prstGeom prst="rect">
+            <a:avLst/>
+          </a:prstGeom>
+          <a:noFill/>
+        </p:spPr>
+        <p:txBody>
+          <a:bodyPr wrap="square" rtlCol="0">
+            <a:spAutoFit/>
+          </a:bodyPr>
+          <a:lstStyle/>
+          <a:p>
+            <a:r>
+              <a:rPr lang="en-US" altLang="zh-TW" sz="4000" dirty="0">
+                <a:solidFill>
+                  <a:schemeClr val="accent1"/>
+                </a:solidFill>
+              </a:rPr>
+              <a:t>T</a:t>
+            </a:r>
+            <a:r>
+              <a:rPr lang="en-US" altLang="zh-TW" sz="4000" dirty="0">
+                <a:solidFill>
+                  <a:schemeClr val="accent2"/>
+                </a:solidFill>
+              </a:rPr>
+              <a:t>h</a:t>
+            </a:r>
+            <a:r>
+              <a:rPr lang="en-US" altLang="zh-TW" sz="4000" dirty="0">
+                <a:solidFill>
+                  <a:schemeClr val="accent3"/>
+                </a:solidFill>
+              </a:rPr>
+              <a:t>a</a:t>
+            </a:r>
+            <a:r>
+              <a:rPr lang="en-US" altLang="zh-TW" sz="4000" dirty="0">
+                <a:solidFill>
+                  <a:schemeClr val="accent4"/>
+                </a:solidFill>
+              </a:rPr>
+              <a:t>n</a:t>
+            </a:r>
+            <a:r>
+              <a:rPr lang="en-US" altLang="zh-TW" sz="4000" dirty="0">
+                <a:solidFill>
+                  <a:schemeClr val="accent5"/>
+                </a:solidFill>
+              </a:rPr>
+              <a:t>k</a:t>
+            </a:r>
+            <a:r>
+              <a:rPr lang="en-US" altLang="zh-TW" sz="4000" dirty="0">
+                <a:solidFill>
+                  <a:schemeClr val="tx1">
+                    <a:lumMod val="75000"/>
+                  </a:schemeClr>
+                </a:solidFill>
+              </a:rPr>
+              <a:t> </a:t>
+            </a:r>
+            <a:r>
+              <a:rPr lang="en-US" altLang="zh-TW" sz="4000" dirty="0">
+                <a:solidFill>
+                  <a:schemeClr val="accent6"/>
+                </a:solidFill>
+              </a:rPr>
+              <a:t>y</a:t>
+            </a:r>
+            <a:r>
+              <a:rPr lang="en-US" altLang="zh-TW" sz="4000" dirty="0">
+                <a:solidFill>
+                  <a:schemeClr val="accent1"/>
+                </a:solidFill>
+              </a:rPr>
+              <a:t>o</a:t>
+            </a:r>
+            <a:r>
+              <a:rPr lang="en-US" altLang="zh-TW" sz="4000" dirty="0">
+                <a:solidFill>
+                  <a:schemeClr val="accent3"/>
+                </a:solidFill>
+              </a:rPr>
+              <a:t>u</a:t>
+            </a:r>
+            <a:endParaRPr lang="zh-TW" altLang="en-US" sz="4000" dirty="0" err="1">
+              <a:solidFill>
+                <a:schemeClr val="accent3"/>
+              </a:solidFill>
+            </a:endParaRPr>
+          </a:p>
+        </p:txBody>
+      </p:sp>
+    </p:spTree>
+    <p:extLst>
+      <p:ext uri="{BB962C8B-B14F-4D97-AF65-F5344CB8AC3E}">
+        <p14:creationId xmlns:p14="http://schemas.microsoft.com/office/powerpoint/2010/main" val="4034723819"/>
       </p:ext>
     </p:extLst>
   </p:cSld>
@@ -7495,6 +9189,66 @@
           </a:p>
         </p:txBody>
       </p:sp>
+      <p:pic>
+        <p:nvPicPr>
+          <p:cNvPr id="5" name="圖片 4">
+            <a:extLst>
+              <a:ext uri="{FF2B5EF4-FFF2-40B4-BE49-F238E27FC236}">
+                <a16:creationId xmlns:a16="http://schemas.microsoft.com/office/drawing/2014/main" id="{F7D873A8-958E-4AC7-9BE8-400B55ECA2AE}"/>
+              </a:ext>
+            </a:extLst>
+          </p:cNvPr>
+          <p:cNvPicPr>
+            <a:picLocks noChangeAspect="1"/>
+          </p:cNvPicPr>
+          <p:nvPr/>
+        </p:nvPicPr>
+        <p:blipFill>
+          <a:blip r:embed="rId2"/>
+          <a:stretch>
+            <a:fillRect/>
+          </a:stretch>
+        </p:blipFill>
+        <p:spPr>
+          <a:xfrm>
+            <a:off x="289162" y="1311078"/>
+            <a:ext cx="6943914" cy="4062137"/>
+          </a:xfrm>
+          <a:prstGeom prst="rect">
+            <a:avLst/>
+          </a:prstGeom>
+        </p:spPr>
+      </p:pic>
+      <p:pic>
+        <p:nvPicPr>
+          <p:cNvPr id="7" name="圖片 6">
+            <a:extLst>
+              <a:ext uri="{FF2B5EF4-FFF2-40B4-BE49-F238E27FC236}">
+                <a16:creationId xmlns:a16="http://schemas.microsoft.com/office/drawing/2014/main" id="{6AD8BD8B-CF64-4EBF-8BFC-1C060C61A418}"/>
+              </a:ext>
+            </a:extLst>
+          </p:cNvPr>
+          <p:cNvPicPr>
+            <a:picLocks noChangeAspect="1"/>
+          </p:cNvPicPr>
+          <p:nvPr/>
+        </p:nvPicPr>
+        <p:blipFill>
+          <a:blip r:embed="rId3"/>
+          <a:stretch>
+            <a:fillRect/>
+          </a:stretch>
+        </p:blipFill>
+        <p:spPr>
+          <a:xfrm>
+            <a:off x="273178" y="966112"/>
+            <a:ext cx="6961684" cy="282430"/>
+          </a:xfrm>
+          <a:prstGeom prst="rect">
+            <a:avLst/>
+          </a:prstGeom>
+        </p:spPr>
+      </p:pic>
     </p:spTree>
     <p:extLst>
       <p:ext uri="{BB962C8B-B14F-4D97-AF65-F5344CB8AC3E}">
@@ -7548,434 +9302,21 @@
           <a:p>
             <a:r>
               <a:rPr lang="zh-TW" altLang="en-US" dirty="0"/>
-              <a:t>結帳頁面 </a:t>
+              <a:t>購物車頁面 </a:t>
             </a:r>
             <a:r>
               <a:rPr lang="en-US" altLang="zh-TW" dirty="0"/>
-              <a:t>(Checkout)</a:t>
+              <a:t>(</a:t>
+            </a:r>
+            <a:r>
+              <a:rPr lang="en-US" altLang="zh-TW" dirty="0" err="1"/>
+              <a:t>ShoppingCart</a:t>
+            </a:r>
+            <a:r>
+              <a:rPr lang="en-US" altLang="zh-TW" dirty="0"/>
+              <a:t>)</a:t>
             </a:r>
             <a:endParaRPr lang="zh-TW" altLang="en-US" dirty="0"/>
-          </a:p>
-        </p:txBody>
-      </p:sp>
-      <p:pic>
-        <p:nvPicPr>
-          <p:cNvPr id="2" name="圖片 1">
-            <a:extLst>
-              <a:ext uri="{FF2B5EF4-FFF2-40B4-BE49-F238E27FC236}">
-                <a16:creationId xmlns:a16="http://schemas.microsoft.com/office/drawing/2014/main" id="{4A8C53D4-10B5-4F9E-B3AC-472BF16D3669}"/>
-              </a:ext>
-            </a:extLst>
-          </p:cNvPr>
-          <p:cNvPicPr>
-            <a:picLocks noChangeAspect="1"/>
-          </p:cNvPicPr>
-          <p:nvPr/>
-        </p:nvPicPr>
-        <p:blipFill>
-          <a:blip r:embed="rId2"/>
-          <a:stretch>
-            <a:fillRect/>
-          </a:stretch>
-        </p:blipFill>
-        <p:spPr>
-          <a:xfrm>
-            <a:off x="344488" y="1151366"/>
-            <a:ext cx="6825208" cy="458174"/>
-          </a:xfrm>
-          <a:prstGeom prst="rect">
-            <a:avLst/>
-          </a:prstGeom>
-        </p:spPr>
-      </p:pic>
-      <p:pic>
-        <p:nvPicPr>
-          <p:cNvPr id="4" name="圖片 3">
-            <a:extLst>
-              <a:ext uri="{FF2B5EF4-FFF2-40B4-BE49-F238E27FC236}">
-                <a16:creationId xmlns:a16="http://schemas.microsoft.com/office/drawing/2014/main" id="{9FFA057E-2BA0-47E5-B40C-8137F2F6F331}"/>
-              </a:ext>
-            </a:extLst>
-          </p:cNvPr>
-          <p:cNvPicPr>
-            <a:picLocks noChangeAspect="1"/>
-          </p:cNvPicPr>
-          <p:nvPr/>
-        </p:nvPicPr>
-        <p:blipFill>
-          <a:blip r:embed="rId3"/>
-          <a:stretch>
-            <a:fillRect/>
-          </a:stretch>
-        </p:blipFill>
-        <p:spPr>
-          <a:xfrm>
-            <a:off x="344489" y="1609540"/>
-            <a:ext cx="6825207" cy="2121990"/>
-          </a:xfrm>
-          <a:prstGeom prst="rect">
-            <a:avLst/>
-          </a:prstGeom>
-        </p:spPr>
-      </p:pic>
-      <p:pic>
-        <p:nvPicPr>
-          <p:cNvPr id="5" name="圖片 4">
-            <a:extLst>
-              <a:ext uri="{FF2B5EF4-FFF2-40B4-BE49-F238E27FC236}">
-                <a16:creationId xmlns:a16="http://schemas.microsoft.com/office/drawing/2014/main" id="{B5050947-0122-42D4-8585-08DDFD5D12CB}"/>
-              </a:ext>
-            </a:extLst>
-          </p:cNvPr>
-          <p:cNvPicPr>
-            <a:picLocks noChangeAspect="1"/>
-          </p:cNvPicPr>
-          <p:nvPr/>
-        </p:nvPicPr>
-        <p:blipFill>
-          <a:blip r:embed="rId4"/>
-          <a:stretch>
-            <a:fillRect/>
-          </a:stretch>
-        </p:blipFill>
-        <p:spPr>
-          <a:xfrm>
-            <a:off x="334011" y="3738507"/>
-            <a:ext cx="6835685" cy="2369845"/>
-          </a:xfrm>
-          <a:prstGeom prst="rect">
-            <a:avLst/>
-          </a:prstGeom>
-        </p:spPr>
-      </p:pic>
-      <p:sp>
-        <p:nvSpPr>
-          <p:cNvPr id="9" name="內容版面配置區 5">
-            <a:extLst>
-              <a:ext uri="{FF2B5EF4-FFF2-40B4-BE49-F238E27FC236}">
-                <a16:creationId xmlns:a16="http://schemas.microsoft.com/office/drawing/2014/main" id="{4E700A2C-04B5-46C4-BBCB-FD5F3FCCB046}"/>
-              </a:ext>
-            </a:extLst>
-          </p:cNvPr>
-          <p:cNvSpPr txBox="1">
-            <a:spLocks/>
-          </p:cNvSpPr>
-          <p:nvPr/>
-        </p:nvSpPr>
-        <p:spPr bwMode="ltGray">
-          <a:xfrm>
-            <a:off x="7498451" y="1151366"/>
-            <a:ext cx="2118387" cy="3213738"/>
-          </a:xfrm>
-          <a:prstGeom prst="rect">
-            <a:avLst/>
-          </a:prstGeom>
-          <a:ln w="9525" cap="flat" cmpd="sng" algn="ctr">
-            <a:solidFill>
-              <a:schemeClr val="accent1"/>
-            </a:solidFill>
-            <a:prstDash val="solid"/>
-            <a:round/>
-            <a:headEnd type="none" w="med" len="med"/>
-            <a:tailEnd type="none" w="med" len="med"/>
-          </a:ln>
-        </p:spPr>
-        <p:style>
-          <a:lnRef idx="0">
-            <a:scrgbClr r="0" g="0" b="0"/>
-          </a:lnRef>
-          <a:fillRef idx="0">
-            <a:scrgbClr r="0" g="0" b="0"/>
-          </a:fillRef>
-          <a:effectRef idx="0">
-            <a:scrgbClr r="0" g="0" b="0"/>
-          </a:effectRef>
-          <a:fontRef idx="minor">
-            <a:schemeClr val="accent1"/>
-          </a:fontRef>
-        </p:style>
-        <p:txBody>
-          <a:bodyPr vert="horz" lIns="91440" tIns="45720" rIns="91440" bIns="45720" rtlCol="0">
-            <a:normAutofit/>
-          </a:bodyPr>
-          <a:lstStyle>
-            <a:lvl1pPr marL="342900" indent="-342900" algn="l" defTabSz="914400" rtl="0" eaLnBrk="1" latinLnBrk="0" hangingPunct="1">
-              <a:lnSpc>
-                <a:spcPct val="100000"/>
-              </a:lnSpc>
-              <a:spcBef>
-                <a:spcPts val="600"/>
-              </a:spcBef>
-              <a:spcAft>
-                <a:spcPts val="600"/>
-              </a:spcAft>
-              <a:buClr>
-                <a:schemeClr val="accent1"/>
-              </a:buClr>
-              <a:buFont typeface="Wingdings" panose="05000000000000000000" pitchFamily="2" charset="2"/>
-              <a:buChar char="l"/>
-              <a:defRPr sz="2800" b="1" kern="1200">
-                <a:solidFill>
-                  <a:srgbClr val="FFFFFF"/>
-                </a:solidFill>
-                <a:latin typeface="+mn-lt"/>
-                <a:ea typeface="+mn-ea"/>
-                <a:cs typeface="+mn-cs"/>
-              </a:defRPr>
-            </a:lvl1pPr>
-            <a:lvl2pPr marL="714375" indent="-352425" algn="l" defTabSz="914400" rtl="0" eaLnBrk="1" latinLnBrk="0" hangingPunct="1">
-              <a:lnSpc>
-                <a:spcPct val="100000"/>
-              </a:lnSpc>
-              <a:spcBef>
-                <a:spcPts val="600"/>
-              </a:spcBef>
-              <a:spcAft>
-                <a:spcPts val="600"/>
-              </a:spcAft>
-              <a:buClr>
-                <a:schemeClr val="accent2"/>
-              </a:buClr>
-              <a:buFont typeface="Wingdings" panose="05000000000000000000" pitchFamily="2" charset="2"/>
-              <a:buChar char="u"/>
-              <a:defRPr sz="2400" b="0" kern="1200">
-                <a:solidFill>
-                  <a:srgbClr val="FFFFFF"/>
-                </a:solidFill>
-                <a:latin typeface="+mn-lt"/>
-                <a:ea typeface="+mn-ea"/>
-                <a:cs typeface="+mn-cs"/>
-              </a:defRPr>
-            </a:lvl2pPr>
-            <a:lvl3pPr marL="1076325" indent="-266700" algn="l" defTabSz="914400" rtl="0" eaLnBrk="1" latinLnBrk="0" hangingPunct="1">
-              <a:lnSpc>
-                <a:spcPct val="100000"/>
-              </a:lnSpc>
-              <a:spcBef>
-                <a:spcPts val="600"/>
-              </a:spcBef>
-              <a:spcAft>
-                <a:spcPts val="600"/>
-              </a:spcAft>
-              <a:buClr>
-                <a:schemeClr val="accent3"/>
-              </a:buClr>
-              <a:buFont typeface="Wingdings" panose="05000000000000000000" pitchFamily="2" charset="2"/>
-              <a:buChar char="p"/>
-              <a:defRPr sz="2000" kern="1200">
-                <a:solidFill>
-                  <a:srgbClr val="FFFFFF"/>
-                </a:solidFill>
-                <a:latin typeface="+mn-lt"/>
-                <a:ea typeface="+mn-ea"/>
-                <a:cs typeface="+mn-cs"/>
-              </a:defRPr>
-            </a:lvl3pPr>
-            <a:lvl4pPr marL="1343025" indent="-180975" algn="l" defTabSz="914400" rtl="0" eaLnBrk="1" latinLnBrk="0" hangingPunct="1">
-              <a:lnSpc>
-                <a:spcPct val="100000"/>
-              </a:lnSpc>
-              <a:spcBef>
-                <a:spcPts val="600"/>
-              </a:spcBef>
-              <a:spcAft>
-                <a:spcPts val="600"/>
-              </a:spcAft>
-              <a:buClr>
-                <a:schemeClr val="accent4"/>
-              </a:buClr>
-              <a:buFont typeface="Wingdings" panose="05000000000000000000" pitchFamily="2" charset="2"/>
-              <a:buChar char="n"/>
-              <a:defRPr sz="1800" kern="1200">
-                <a:solidFill>
-                  <a:srgbClr val="FFFFFF"/>
-                </a:solidFill>
-                <a:latin typeface="+mn-lt"/>
-                <a:ea typeface="+mn-ea"/>
-                <a:cs typeface="+mn-cs"/>
-              </a:defRPr>
-            </a:lvl4pPr>
-            <a:lvl5pPr marL="1619250" indent="-276225" algn="l" defTabSz="914400" rtl="0" eaLnBrk="1" latinLnBrk="0" hangingPunct="1">
-              <a:lnSpc>
-                <a:spcPct val="100000"/>
-              </a:lnSpc>
-              <a:spcBef>
-                <a:spcPts val="600"/>
-              </a:spcBef>
-              <a:spcAft>
-                <a:spcPts val="600"/>
-              </a:spcAft>
-              <a:buClr>
-                <a:schemeClr val="accent5"/>
-              </a:buClr>
-              <a:buFont typeface="Arial" pitchFamily="34" charset="0"/>
-              <a:buChar char="»"/>
-              <a:tabLst>
-                <a:tab pos="7981950" algn="l"/>
-              </a:tabLst>
-              <a:defRPr sz="1800" kern="1200">
-                <a:solidFill>
-                  <a:srgbClr val="FFFFFF"/>
-                </a:solidFill>
-                <a:latin typeface="+mn-lt"/>
-                <a:ea typeface="+mn-ea"/>
-                <a:cs typeface="+mn-cs"/>
-              </a:defRPr>
-            </a:lvl5pPr>
-            <a:lvl6pPr marL="2514600" indent="-228600" algn="l" defTabSz="914400" rtl="0" eaLnBrk="1" latinLnBrk="0" hangingPunct="1">
-              <a:spcBef>
-                <a:spcPct val="20000"/>
-              </a:spcBef>
-              <a:buFont typeface="Arial" pitchFamily="34" charset="0"/>
-              <a:buChar char="•"/>
-              <a:defRPr sz="2000" kern="1200">
-                <a:solidFill>
-                  <a:schemeClr val="accent1"/>
-                </a:solidFill>
-                <a:latin typeface="+mn-lt"/>
-                <a:ea typeface="+mn-ea"/>
-                <a:cs typeface="+mn-cs"/>
-              </a:defRPr>
-            </a:lvl6pPr>
-            <a:lvl7pPr marL="2971800" indent="-228600" algn="l" defTabSz="914400" rtl="0" eaLnBrk="1" latinLnBrk="0" hangingPunct="1">
-              <a:spcBef>
-                <a:spcPct val="20000"/>
-              </a:spcBef>
-              <a:buFont typeface="Arial" pitchFamily="34" charset="0"/>
-              <a:buChar char="•"/>
-              <a:defRPr sz="2000" kern="1200">
-                <a:solidFill>
-                  <a:schemeClr val="accent1"/>
-                </a:solidFill>
-                <a:latin typeface="+mn-lt"/>
-                <a:ea typeface="+mn-ea"/>
-                <a:cs typeface="+mn-cs"/>
-              </a:defRPr>
-            </a:lvl7pPr>
-            <a:lvl8pPr marL="3429000" indent="-228600" algn="l" defTabSz="914400" rtl="0" eaLnBrk="1" latinLnBrk="0" hangingPunct="1">
-              <a:spcBef>
-                <a:spcPct val="20000"/>
-              </a:spcBef>
-              <a:buFont typeface="Arial" pitchFamily="34" charset="0"/>
-              <a:buChar char="•"/>
-              <a:defRPr sz="2000" kern="1200">
-                <a:solidFill>
-                  <a:schemeClr val="accent1"/>
-                </a:solidFill>
-                <a:latin typeface="+mn-lt"/>
-                <a:ea typeface="+mn-ea"/>
-                <a:cs typeface="+mn-cs"/>
-              </a:defRPr>
-            </a:lvl8pPr>
-            <a:lvl9pPr marL="3886200" indent="-228600" algn="l" defTabSz="914400" rtl="0" eaLnBrk="1" latinLnBrk="0" hangingPunct="1">
-              <a:spcBef>
-                <a:spcPct val="20000"/>
-              </a:spcBef>
-              <a:buFont typeface="Arial" pitchFamily="34" charset="0"/>
-              <a:buChar char="•"/>
-              <a:defRPr sz="2000" kern="1200">
-                <a:solidFill>
-                  <a:schemeClr val="accent1"/>
-                </a:solidFill>
-                <a:latin typeface="+mn-lt"/>
-                <a:ea typeface="+mn-ea"/>
-                <a:cs typeface="+mn-cs"/>
-              </a:defRPr>
-            </a:lvl9pPr>
-          </a:lstStyle>
-          <a:p>
-            <a:pPr marL="0" indent="0">
-              <a:buFont typeface="Wingdings" panose="05000000000000000000" pitchFamily="2" charset="2"/>
-              <a:buNone/>
-            </a:pPr>
-            <a:r>
-              <a:rPr lang="zh-TW" altLang="en-US" sz="1800" dirty="0"/>
-              <a:t>畫面中，由上至下，區塊分別為：</a:t>
-            </a:r>
-            <a:endParaRPr lang="en-US" altLang="zh-TW" sz="1800" dirty="0"/>
-          </a:p>
-          <a:p>
-            <a:r>
-              <a:rPr lang="zh-TW" altLang="en-US" sz="1800" dirty="0"/>
-              <a:t>訂單明細區塊：可看到準備結帳的商品資訊。</a:t>
-            </a:r>
-          </a:p>
-          <a:p>
-            <a:r>
-              <a:rPr lang="zh-TW" altLang="en-US" sz="1800" dirty="0"/>
-              <a:t>收件人資訊區塊：請使用者填寫個人資訊以利商品後續寄件與通知。</a:t>
-            </a:r>
-          </a:p>
-        </p:txBody>
-      </p:sp>
-    </p:spTree>
-    <p:extLst>
-      <p:ext uri="{BB962C8B-B14F-4D97-AF65-F5344CB8AC3E}">
-        <p14:creationId xmlns:p14="http://schemas.microsoft.com/office/powerpoint/2010/main" val="3867403799"/>
-      </p:ext>
-    </p:extLst>
-  </p:cSld>
-  <p:clrMapOvr>
-    <a:masterClrMapping/>
-  </p:clrMapOvr>
-</p:sld>
-</file>
-
-<file path=ppt/slides/slide7.xml><?xml version="1.0" encoding="utf-8"?>
-<p:sld xmlns:a="http://schemas.openxmlformats.org/drawingml/2006/main" xmlns:r="http://schemas.openxmlformats.org/officeDocument/2006/relationships" xmlns:p="http://schemas.openxmlformats.org/presentationml/2006/main">
-  <p:cSld>
-    <p:spTree>
-      <p:nvGrpSpPr>
-        <p:cNvPr id="1" name=""/>
-        <p:cNvGrpSpPr/>
-        <p:nvPr/>
-      </p:nvGrpSpPr>
-      <p:grpSpPr>
-        <a:xfrm>
-          <a:off x="0" y="0"/>
-          <a:ext cx="0" cy="0"/>
-          <a:chOff x="0" y="0"/>
-          <a:chExt cx="0" cy="0"/>
-        </a:xfrm>
-      </p:grpSpPr>
-      <p:sp>
-        <p:nvSpPr>
-          <p:cNvPr id="3" name="標題 2">
-            <a:extLst>
-              <a:ext uri="{FF2B5EF4-FFF2-40B4-BE49-F238E27FC236}">
-                <a16:creationId xmlns:a16="http://schemas.microsoft.com/office/drawing/2014/main" id="{E2F12E2F-52EE-CA77-FB53-4EFC2E0F43C3}"/>
-              </a:ext>
-            </a:extLst>
-          </p:cNvPr>
-          <p:cNvSpPr>
-            <a:spLocks noGrp="1"/>
-          </p:cNvSpPr>
-          <p:nvPr>
-            <p:ph type="title"/>
-          </p:nvPr>
-        </p:nvSpPr>
-        <p:spPr/>
-        <p:txBody>
-          <a:bodyPr/>
-          <a:lstStyle/>
-          <a:p>
-            <a:r>
-              <a:rPr lang="zh-TW" altLang="en-US" dirty="0"/>
-              <a:t>商品管理頁面 </a:t>
-            </a:r>
-            <a:r>
-              <a:rPr lang="en-US" altLang="zh-TW" sz="3200" dirty="0"/>
-              <a:t>(</a:t>
-            </a:r>
-            <a:r>
-              <a:rPr lang="en-US" altLang="zh-TW" sz="3200" dirty="0" err="1"/>
-              <a:t>ProductManagement</a:t>
-            </a:r>
-            <a:r>
-              <a:rPr lang="en-US" altLang="zh-TW" sz="3200" dirty="0"/>
-              <a:t>)</a:t>
-            </a:r>
-            <a:endParaRPr lang="zh-TW" altLang="en-US" sz="3200" dirty="0"/>
           </a:p>
         </p:txBody>
       </p:sp>
@@ -8239,10 +9580,513 @@
           </a:p>
         </p:txBody>
       </p:sp>
+      <p:pic>
+        <p:nvPicPr>
+          <p:cNvPr id="7" name="圖片 6">
+            <a:extLst>
+              <a:ext uri="{FF2B5EF4-FFF2-40B4-BE49-F238E27FC236}">
+                <a16:creationId xmlns:a16="http://schemas.microsoft.com/office/drawing/2014/main" id="{6AD8BD8B-CF64-4EBF-8BFC-1C060C61A418}"/>
+              </a:ext>
+            </a:extLst>
+          </p:cNvPr>
+          <p:cNvPicPr>
+            <a:picLocks noChangeAspect="1"/>
+          </p:cNvPicPr>
+          <p:nvPr/>
+        </p:nvPicPr>
+        <p:blipFill>
+          <a:blip r:embed="rId2"/>
+          <a:stretch>
+            <a:fillRect/>
+          </a:stretch>
+        </p:blipFill>
+        <p:spPr>
+          <a:xfrm>
+            <a:off x="273178" y="966112"/>
+            <a:ext cx="6961684" cy="282430"/>
+          </a:xfrm>
+          <a:prstGeom prst="rect">
+            <a:avLst/>
+          </a:prstGeom>
+        </p:spPr>
+      </p:pic>
+      <p:pic>
+        <p:nvPicPr>
+          <p:cNvPr id="6" name="圖片 5">
+            <a:extLst>
+              <a:ext uri="{FF2B5EF4-FFF2-40B4-BE49-F238E27FC236}">
+                <a16:creationId xmlns:a16="http://schemas.microsoft.com/office/drawing/2014/main" id="{F02B0056-F25C-4811-806F-A51AF3F78F65}"/>
+              </a:ext>
+            </a:extLst>
+          </p:cNvPr>
+          <p:cNvPicPr>
+            <a:picLocks noChangeAspect="1"/>
+          </p:cNvPicPr>
+          <p:nvPr/>
+        </p:nvPicPr>
+        <p:blipFill>
+          <a:blip r:embed="rId3"/>
+          <a:stretch>
+            <a:fillRect/>
+          </a:stretch>
+        </p:blipFill>
+        <p:spPr>
+          <a:xfrm>
+            <a:off x="289162" y="1376414"/>
+            <a:ext cx="6945700" cy="4064995"/>
+          </a:xfrm>
+          <a:prstGeom prst="rect">
+            <a:avLst/>
+          </a:prstGeom>
+        </p:spPr>
+      </p:pic>
     </p:spTree>
     <p:extLst>
       <p:ext uri="{BB962C8B-B14F-4D97-AF65-F5344CB8AC3E}">
-        <p14:creationId xmlns:p14="http://schemas.microsoft.com/office/powerpoint/2010/main" val="2434716186"/>
+        <p14:creationId xmlns:p14="http://schemas.microsoft.com/office/powerpoint/2010/main" val="3423082754"/>
+      </p:ext>
+    </p:extLst>
+  </p:cSld>
+  <p:clrMapOvr>
+    <a:masterClrMapping/>
+  </p:clrMapOvr>
+</p:sld>
+</file>
+
+<file path=ppt/slides/slide7.xml><?xml version="1.0" encoding="utf-8"?>
+<p:sld xmlns:a="http://schemas.openxmlformats.org/drawingml/2006/main" xmlns:r="http://schemas.openxmlformats.org/officeDocument/2006/relationships" xmlns:p="http://schemas.openxmlformats.org/presentationml/2006/main">
+  <p:cSld>
+    <p:spTree>
+      <p:nvGrpSpPr>
+        <p:cNvPr id="1" name=""/>
+        <p:cNvGrpSpPr/>
+        <p:nvPr/>
+      </p:nvGrpSpPr>
+      <p:grpSpPr>
+        <a:xfrm>
+          <a:off x="0" y="0"/>
+          <a:ext cx="0" cy="0"/>
+          <a:chOff x="0" y="0"/>
+          <a:chExt cx="0" cy="0"/>
+        </a:xfrm>
+      </p:grpSpPr>
+      <p:sp>
+        <p:nvSpPr>
+          <p:cNvPr id="3" name="標題 2">
+            <a:extLst>
+              <a:ext uri="{FF2B5EF4-FFF2-40B4-BE49-F238E27FC236}">
+                <a16:creationId xmlns:a16="http://schemas.microsoft.com/office/drawing/2014/main" id="{E2F12E2F-52EE-CA77-FB53-4EFC2E0F43C3}"/>
+              </a:ext>
+            </a:extLst>
+          </p:cNvPr>
+          <p:cNvSpPr>
+            <a:spLocks noGrp="1"/>
+          </p:cNvSpPr>
+          <p:nvPr>
+            <p:ph type="title"/>
+          </p:nvPr>
+        </p:nvSpPr>
+        <p:spPr/>
+        <p:txBody>
+          <a:bodyPr/>
+          <a:lstStyle/>
+          <a:p>
+            <a:r>
+              <a:rPr lang="zh-TW" altLang="en-US" dirty="0"/>
+              <a:t>結帳頁面 </a:t>
+            </a:r>
+            <a:r>
+              <a:rPr lang="en-US" altLang="zh-TW" dirty="0"/>
+              <a:t>(Checkout)</a:t>
+            </a:r>
+            <a:endParaRPr lang="zh-TW" altLang="en-US" dirty="0"/>
+          </a:p>
+        </p:txBody>
+      </p:sp>
+      <p:sp>
+        <p:nvSpPr>
+          <p:cNvPr id="9" name="內容版面配置區 5">
+            <a:extLst>
+              <a:ext uri="{FF2B5EF4-FFF2-40B4-BE49-F238E27FC236}">
+                <a16:creationId xmlns:a16="http://schemas.microsoft.com/office/drawing/2014/main" id="{4E700A2C-04B5-46C4-BBCB-FD5F3FCCB046}"/>
+              </a:ext>
+            </a:extLst>
+          </p:cNvPr>
+          <p:cNvSpPr txBox="1">
+            <a:spLocks/>
+          </p:cNvSpPr>
+          <p:nvPr/>
+        </p:nvSpPr>
+        <p:spPr bwMode="ltGray">
+          <a:xfrm>
+            <a:off x="7498451" y="1151366"/>
+            <a:ext cx="2118387" cy="3213738"/>
+          </a:xfrm>
+          <a:prstGeom prst="rect">
+            <a:avLst/>
+          </a:prstGeom>
+          <a:ln w="9525" cap="flat" cmpd="sng" algn="ctr">
+            <a:solidFill>
+              <a:schemeClr val="accent1"/>
+            </a:solidFill>
+            <a:prstDash val="solid"/>
+            <a:round/>
+            <a:headEnd type="none" w="med" len="med"/>
+            <a:tailEnd type="none" w="med" len="med"/>
+          </a:ln>
+        </p:spPr>
+        <p:style>
+          <a:lnRef idx="0">
+            <a:scrgbClr r="0" g="0" b="0"/>
+          </a:lnRef>
+          <a:fillRef idx="0">
+            <a:scrgbClr r="0" g="0" b="0"/>
+          </a:fillRef>
+          <a:effectRef idx="0">
+            <a:scrgbClr r="0" g="0" b="0"/>
+          </a:effectRef>
+          <a:fontRef idx="minor">
+            <a:schemeClr val="accent1"/>
+          </a:fontRef>
+        </p:style>
+        <p:txBody>
+          <a:bodyPr vert="horz" lIns="91440" tIns="45720" rIns="91440" bIns="45720" rtlCol="0">
+            <a:normAutofit/>
+          </a:bodyPr>
+          <a:lstStyle>
+            <a:lvl1pPr marL="342900" indent="-342900" algn="l" defTabSz="914400" rtl="0" eaLnBrk="1" latinLnBrk="0" hangingPunct="1">
+              <a:lnSpc>
+                <a:spcPct val="100000"/>
+              </a:lnSpc>
+              <a:spcBef>
+                <a:spcPts val="600"/>
+              </a:spcBef>
+              <a:spcAft>
+                <a:spcPts val="600"/>
+              </a:spcAft>
+              <a:buClr>
+                <a:schemeClr val="accent1"/>
+              </a:buClr>
+              <a:buFont typeface="Wingdings" panose="05000000000000000000" pitchFamily="2" charset="2"/>
+              <a:buChar char="l"/>
+              <a:defRPr sz="2800" b="1" kern="1200">
+                <a:solidFill>
+                  <a:srgbClr val="FFFFFF"/>
+                </a:solidFill>
+                <a:latin typeface="+mn-lt"/>
+                <a:ea typeface="+mn-ea"/>
+                <a:cs typeface="+mn-cs"/>
+              </a:defRPr>
+            </a:lvl1pPr>
+            <a:lvl2pPr marL="714375" indent="-352425" algn="l" defTabSz="914400" rtl="0" eaLnBrk="1" latinLnBrk="0" hangingPunct="1">
+              <a:lnSpc>
+                <a:spcPct val="100000"/>
+              </a:lnSpc>
+              <a:spcBef>
+                <a:spcPts val="600"/>
+              </a:spcBef>
+              <a:spcAft>
+                <a:spcPts val="600"/>
+              </a:spcAft>
+              <a:buClr>
+                <a:schemeClr val="accent2"/>
+              </a:buClr>
+              <a:buFont typeface="Wingdings" panose="05000000000000000000" pitchFamily="2" charset="2"/>
+              <a:buChar char="u"/>
+              <a:defRPr sz="2400" b="0" kern="1200">
+                <a:solidFill>
+                  <a:srgbClr val="FFFFFF"/>
+                </a:solidFill>
+                <a:latin typeface="+mn-lt"/>
+                <a:ea typeface="+mn-ea"/>
+                <a:cs typeface="+mn-cs"/>
+              </a:defRPr>
+            </a:lvl2pPr>
+            <a:lvl3pPr marL="1076325" indent="-266700" algn="l" defTabSz="914400" rtl="0" eaLnBrk="1" latinLnBrk="0" hangingPunct="1">
+              <a:lnSpc>
+                <a:spcPct val="100000"/>
+              </a:lnSpc>
+              <a:spcBef>
+                <a:spcPts val="600"/>
+              </a:spcBef>
+              <a:spcAft>
+                <a:spcPts val="600"/>
+              </a:spcAft>
+              <a:buClr>
+                <a:schemeClr val="accent3"/>
+              </a:buClr>
+              <a:buFont typeface="Wingdings" panose="05000000000000000000" pitchFamily="2" charset="2"/>
+              <a:buChar char="p"/>
+              <a:defRPr sz="2000" kern="1200">
+                <a:solidFill>
+                  <a:srgbClr val="FFFFFF"/>
+                </a:solidFill>
+                <a:latin typeface="+mn-lt"/>
+                <a:ea typeface="+mn-ea"/>
+                <a:cs typeface="+mn-cs"/>
+              </a:defRPr>
+            </a:lvl3pPr>
+            <a:lvl4pPr marL="1343025" indent="-180975" algn="l" defTabSz="914400" rtl="0" eaLnBrk="1" latinLnBrk="0" hangingPunct="1">
+              <a:lnSpc>
+                <a:spcPct val="100000"/>
+              </a:lnSpc>
+              <a:spcBef>
+                <a:spcPts val="600"/>
+              </a:spcBef>
+              <a:spcAft>
+                <a:spcPts val="600"/>
+              </a:spcAft>
+              <a:buClr>
+                <a:schemeClr val="accent4"/>
+              </a:buClr>
+              <a:buFont typeface="Wingdings" panose="05000000000000000000" pitchFamily="2" charset="2"/>
+              <a:buChar char="n"/>
+              <a:defRPr sz="1800" kern="1200">
+                <a:solidFill>
+                  <a:srgbClr val="FFFFFF"/>
+                </a:solidFill>
+                <a:latin typeface="+mn-lt"/>
+                <a:ea typeface="+mn-ea"/>
+                <a:cs typeface="+mn-cs"/>
+              </a:defRPr>
+            </a:lvl4pPr>
+            <a:lvl5pPr marL="1619250" indent="-276225" algn="l" defTabSz="914400" rtl="0" eaLnBrk="1" latinLnBrk="0" hangingPunct="1">
+              <a:lnSpc>
+                <a:spcPct val="100000"/>
+              </a:lnSpc>
+              <a:spcBef>
+                <a:spcPts val="600"/>
+              </a:spcBef>
+              <a:spcAft>
+                <a:spcPts val="600"/>
+              </a:spcAft>
+              <a:buClr>
+                <a:schemeClr val="accent5"/>
+              </a:buClr>
+              <a:buFont typeface="Arial" pitchFamily="34" charset="0"/>
+              <a:buChar char="»"/>
+              <a:tabLst>
+                <a:tab pos="7981950" algn="l"/>
+              </a:tabLst>
+              <a:defRPr sz="1800" kern="1200">
+                <a:solidFill>
+                  <a:srgbClr val="FFFFFF"/>
+                </a:solidFill>
+                <a:latin typeface="+mn-lt"/>
+                <a:ea typeface="+mn-ea"/>
+                <a:cs typeface="+mn-cs"/>
+              </a:defRPr>
+            </a:lvl5pPr>
+            <a:lvl6pPr marL="2514600" indent="-228600" algn="l" defTabSz="914400" rtl="0" eaLnBrk="1" latinLnBrk="0" hangingPunct="1">
+              <a:spcBef>
+                <a:spcPct val="20000"/>
+              </a:spcBef>
+              <a:buFont typeface="Arial" pitchFamily="34" charset="0"/>
+              <a:buChar char="•"/>
+              <a:defRPr sz="2000" kern="1200">
+                <a:solidFill>
+                  <a:schemeClr val="accent1"/>
+                </a:solidFill>
+                <a:latin typeface="+mn-lt"/>
+                <a:ea typeface="+mn-ea"/>
+                <a:cs typeface="+mn-cs"/>
+              </a:defRPr>
+            </a:lvl6pPr>
+            <a:lvl7pPr marL="2971800" indent="-228600" algn="l" defTabSz="914400" rtl="0" eaLnBrk="1" latinLnBrk="0" hangingPunct="1">
+              <a:spcBef>
+                <a:spcPct val="20000"/>
+              </a:spcBef>
+              <a:buFont typeface="Arial" pitchFamily="34" charset="0"/>
+              <a:buChar char="•"/>
+              <a:defRPr sz="2000" kern="1200">
+                <a:solidFill>
+                  <a:schemeClr val="accent1"/>
+                </a:solidFill>
+                <a:latin typeface="+mn-lt"/>
+                <a:ea typeface="+mn-ea"/>
+                <a:cs typeface="+mn-cs"/>
+              </a:defRPr>
+            </a:lvl7pPr>
+            <a:lvl8pPr marL="3429000" indent="-228600" algn="l" defTabSz="914400" rtl="0" eaLnBrk="1" latinLnBrk="0" hangingPunct="1">
+              <a:spcBef>
+                <a:spcPct val="20000"/>
+              </a:spcBef>
+              <a:buFont typeface="Arial" pitchFamily="34" charset="0"/>
+              <a:buChar char="•"/>
+              <a:defRPr sz="2000" kern="1200">
+                <a:solidFill>
+                  <a:schemeClr val="accent1"/>
+                </a:solidFill>
+                <a:latin typeface="+mn-lt"/>
+                <a:ea typeface="+mn-ea"/>
+                <a:cs typeface="+mn-cs"/>
+              </a:defRPr>
+            </a:lvl8pPr>
+            <a:lvl9pPr marL="3886200" indent="-228600" algn="l" defTabSz="914400" rtl="0" eaLnBrk="1" latinLnBrk="0" hangingPunct="1">
+              <a:spcBef>
+                <a:spcPct val="20000"/>
+              </a:spcBef>
+              <a:buFont typeface="Arial" pitchFamily="34" charset="0"/>
+              <a:buChar char="•"/>
+              <a:defRPr sz="2000" kern="1200">
+                <a:solidFill>
+                  <a:schemeClr val="accent1"/>
+                </a:solidFill>
+                <a:latin typeface="+mn-lt"/>
+                <a:ea typeface="+mn-ea"/>
+                <a:cs typeface="+mn-cs"/>
+              </a:defRPr>
+            </a:lvl9pPr>
+          </a:lstStyle>
+          <a:p>
+            <a:pPr marL="0" indent="0">
+              <a:buFont typeface="Wingdings" panose="05000000000000000000" pitchFamily="2" charset="2"/>
+              <a:buNone/>
+            </a:pPr>
+            <a:r>
+              <a:rPr lang="zh-TW" altLang="en-US" sz="1800" dirty="0"/>
+              <a:t>畫面中，由上至下，區塊分別為：</a:t>
+            </a:r>
+            <a:endParaRPr lang="en-US" altLang="zh-TW" sz="1800" dirty="0"/>
+          </a:p>
+          <a:p>
+            <a:r>
+              <a:rPr lang="zh-TW" altLang="en-US" sz="1800" dirty="0"/>
+              <a:t>訂單明細區塊：可看到準備結帳的商品資訊。</a:t>
+            </a:r>
+          </a:p>
+          <a:p>
+            <a:r>
+              <a:rPr lang="zh-TW" altLang="en-US" sz="1800" dirty="0"/>
+              <a:t>收件人資訊區塊：請使用者填寫個人資訊以利商品後續寄件與通知。</a:t>
+            </a:r>
+          </a:p>
+        </p:txBody>
+      </p:sp>
+      <p:pic>
+        <p:nvPicPr>
+          <p:cNvPr id="7" name="圖片 6">
+            <a:extLst>
+              <a:ext uri="{FF2B5EF4-FFF2-40B4-BE49-F238E27FC236}">
+                <a16:creationId xmlns:a16="http://schemas.microsoft.com/office/drawing/2014/main" id="{0B7D2B43-E90A-4AD0-86E8-65D909DFA222}"/>
+              </a:ext>
+            </a:extLst>
+          </p:cNvPr>
+          <p:cNvPicPr>
+            <a:picLocks noChangeAspect="1"/>
+          </p:cNvPicPr>
+          <p:nvPr/>
+        </p:nvPicPr>
+        <p:blipFill>
+          <a:blip r:embed="rId2"/>
+          <a:stretch>
+            <a:fillRect/>
+          </a:stretch>
+        </p:blipFill>
+        <p:spPr>
+          <a:xfrm>
+            <a:off x="273178" y="966112"/>
+            <a:ext cx="6961684" cy="282430"/>
+          </a:xfrm>
+          <a:prstGeom prst="rect">
+            <a:avLst/>
+          </a:prstGeom>
+        </p:spPr>
+      </p:pic>
+      <p:pic>
+        <p:nvPicPr>
+          <p:cNvPr id="6" name="圖片 5">
+            <a:extLst>
+              <a:ext uri="{FF2B5EF4-FFF2-40B4-BE49-F238E27FC236}">
+                <a16:creationId xmlns:a16="http://schemas.microsoft.com/office/drawing/2014/main" id="{2946F7DF-1266-4BDA-BABC-CAAF00FCA569}"/>
+              </a:ext>
+            </a:extLst>
+          </p:cNvPr>
+          <p:cNvPicPr>
+            <a:picLocks noChangeAspect="1"/>
+          </p:cNvPicPr>
+          <p:nvPr/>
+        </p:nvPicPr>
+        <p:blipFill>
+          <a:blip r:embed="rId3"/>
+          <a:stretch>
+            <a:fillRect/>
+          </a:stretch>
+        </p:blipFill>
+        <p:spPr>
+          <a:xfrm>
+            <a:off x="297691" y="1363092"/>
+            <a:ext cx="6887547" cy="1614019"/>
+          </a:xfrm>
+          <a:prstGeom prst="rect">
+            <a:avLst/>
+          </a:prstGeom>
+        </p:spPr>
+      </p:pic>
+      <p:pic>
+        <p:nvPicPr>
+          <p:cNvPr id="8" name="圖片 7">
+            <a:extLst>
+              <a:ext uri="{FF2B5EF4-FFF2-40B4-BE49-F238E27FC236}">
+                <a16:creationId xmlns:a16="http://schemas.microsoft.com/office/drawing/2014/main" id="{EA117624-62A5-4022-A767-FCB2FBE67F86}"/>
+              </a:ext>
+            </a:extLst>
+          </p:cNvPr>
+          <p:cNvPicPr>
+            <a:picLocks noChangeAspect="1"/>
+          </p:cNvPicPr>
+          <p:nvPr/>
+        </p:nvPicPr>
+        <p:blipFill>
+          <a:blip r:embed="rId4"/>
+          <a:stretch>
+            <a:fillRect/>
+          </a:stretch>
+        </p:blipFill>
+        <p:spPr>
+          <a:xfrm>
+            <a:off x="289162" y="3041147"/>
+            <a:ext cx="6896076" cy="2410434"/>
+          </a:xfrm>
+          <a:prstGeom prst="rect">
+            <a:avLst/>
+          </a:prstGeom>
+        </p:spPr>
+      </p:pic>
+      <p:pic>
+        <p:nvPicPr>
+          <p:cNvPr id="10" name="圖片 9">
+            <a:extLst>
+              <a:ext uri="{FF2B5EF4-FFF2-40B4-BE49-F238E27FC236}">
+                <a16:creationId xmlns:a16="http://schemas.microsoft.com/office/drawing/2014/main" id="{A337536B-4B4C-4E13-A3AF-746CD2FF153A}"/>
+              </a:ext>
+            </a:extLst>
+          </p:cNvPr>
+          <p:cNvPicPr>
+            <a:picLocks noChangeAspect="1"/>
+          </p:cNvPicPr>
+          <p:nvPr/>
+        </p:nvPicPr>
+        <p:blipFill>
+          <a:blip r:embed="rId5"/>
+          <a:stretch>
+            <a:fillRect/>
+          </a:stretch>
+        </p:blipFill>
+        <p:spPr>
+          <a:xfrm>
+            <a:off x="280725" y="5515618"/>
+            <a:ext cx="6904513" cy="748747"/>
+          </a:xfrm>
+          <a:prstGeom prst="rect">
+            <a:avLst/>
+          </a:prstGeom>
+        </p:spPr>
+      </p:pic>
+    </p:spTree>
+    <p:extLst>
+      <p:ext uri="{BB962C8B-B14F-4D97-AF65-F5344CB8AC3E}">
+        <p14:creationId xmlns:p14="http://schemas.microsoft.com/office/powerpoint/2010/main" val="3867403799"/>
       </p:ext>
     </p:extLst>
   </p:cSld>
@@ -8271,10 +10115,10 @@
       </p:grpSpPr>
       <p:sp>
         <p:nvSpPr>
-          <p:cNvPr id="2" name="標題 1">
+          <p:cNvPr id="3" name="標題 2">
             <a:extLst>
               <a:ext uri="{FF2B5EF4-FFF2-40B4-BE49-F238E27FC236}">
-                <a16:creationId xmlns:a16="http://schemas.microsoft.com/office/drawing/2014/main" id="{83639908-06CA-42C7-B83D-AD430A4F2A2A}"/>
+                <a16:creationId xmlns:a16="http://schemas.microsoft.com/office/drawing/2014/main" id="{E2F12E2F-52EE-CA77-FB53-4EFC2E0F43C3}"/>
               </a:ext>
             </a:extLst>
           </p:cNvPr>
@@ -8292,40 +10136,378 @@
           <a:p>
             <a:r>
               <a:rPr lang="zh-TW" altLang="en-US" dirty="0"/>
-              <a:t>參考模板</a:t>
-            </a:r>
+              <a:t>商品管理頁面 </a:t>
+            </a:r>
+            <a:r>
+              <a:rPr lang="en-US" altLang="zh-TW" sz="3200" dirty="0"/>
+              <a:t>(</a:t>
+            </a:r>
+            <a:r>
+              <a:rPr lang="en-US" altLang="zh-TW" sz="3200" dirty="0" err="1"/>
+              <a:t>ProductManagement</a:t>
+            </a:r>
+            <a:r>
+              <a:rPr lang="en-US" altLang="zh-TW" sz="3200" dirty="0"/>
+              <a:t>)</a:t>
+            </a:r>
+            <a:endParaRPr lang="zh-TW" altLang="en-US" sz="3200" dirty="0"/>
           </a:p>
         </p:txBody>
       </p:sp>
       <p:sp>
         <p:nvSpPr>
-          <p:cNvPr id="4" name="副標題 3">
+          <p:cNvPr id="12" name="內容版面配置區 5">
             <a:extLst>
               <a:ext uri="{FF2B5EF4-FFF2-40B4-BE49-F238E27FC236}">
-                <a16:creationId xmlns:a16="http://schemas.microsoft.com/office/drawing/2014/main" id="{668B6347-AE94-4B61-910B-4CC242E0A3C3}"/>
+                <a16:creationId xmlns:a16="http://schemas.microsoft.com/office/drawing/2014/main" id="{5B48F242-D606-4DF8-8884-2F1900A3B3C0}"/>
               </a:ext>
             </a:extLst>
           </p:cNvPr>
-          <p:cNvSpPr>
-            <a:spLocks noGrp="1"/>
+          <p:cNvSpPr txBox="1">
+            <a:spLocks/>
           </p:cNvSpPr>
-          <p:nvPr>
-            <p:ph type="subTitle" idx="1"/>
-          </p:nvPr>
+          <p:nvPr/>
         </p:nvSpPr>
-        <p:spPr/>
+        <p:spPr bwMode="ltGray">
+          <a:xfrm>
+            <a:off x="7498451" y="963871"/>
+            <a:ext cx="2118387" cy="2897177"/>
+          </a:xfrm>
+          <a:prstGeom prst="rect">
+            <a:avLst/>
+          </a:prstGeom>
+          <a:ln w="9525" cap="flat" cmpd="sng" algn="ctr">
+            <a:solidFill>
+              <a:schemeClr val="accent1"/>
+            </a:solidFill>
+            <a:prstDash val="solid"/>
+            <a:round/>
+            <a:headEnd type="none" w="med" len="med"/>
+            <a:tailEnd type="none" w="med" len="med"/>
+          </a:ln>
+        </p:spPr>
+        <p:style>
+          <a:lnRef idx="0">
+            <a:scrgbClr r="0" g="0" b="0"/>
+          </a:lnRef>
+          <a:fillRef idx="0">
+            <a:scrgbClr r="0" g="0" b="0"/>
+          </a:fillRef>
+          <a:effectRef idx="0">
+            <a:scrgbClr r="0" g="0" b="0"/>
+          </a:effectRef>
+          <a:fontRef idx="minor">
+            <a:schemeClr val="accent1"/>
+          </a:fontRef>
+        </p:style>
         <p:txBody>
-          <a:bodyPr/>
-          <a:lstStyle/>
-          <a:p>
-            <a:endParaRPr lang="zh-TW" altLang="en-US"/>
+          <a:bodyPr vert="horz" lIns="91440" tIns="45720" rIns="91440" bIns="45720" rtlCol="0">
+            <a:normAutofit/>
+          </a:bodyPr>
+          <a:lstStyle>
+            <a:lvl1pPr marL="342900" indent="-342900" algn="l" defTabSz="914400" rtl="0" eaLnBrk="1" latinLnBrk="0" hangingPunct="1">
+              <a:lnSpc>
+                <a:spcPct val="100000"/>
+              </a:lnSpc>
+              <a:spcBef>
+                <a:spcPts val="600"/>
+              </a:spcBef>
+              <a:spcAft>
+                <a:spcPts val="600"/>
+              </a:spcAft>
+              <a:buClr>
+                <a:schemeClr val="accent1"/>
+              </a:buClr>
+              <a:buFont typeface="Wingdings" panose="05000000000000000000" pitchFamily="2" charset="2"/>
+              <a:buChar char="l"/>
+              <a:defRPr sz="2800" b="1" kern="1200">
+                <a:solidFill>
+                  <a:srgbClr val="FFFFFF"/>
+                </a:solidFill>
+                <a:latin typeface="+mn-lt"/>
+                <a:ea typeface="+mn-ea"/>
+                <a:cs typeface="+mn-cs"/>
+              </a:defRPr>
+            </a:lvl1pPr>
+            <a:lvl2pPr marL="714375" indent="-352425" algn="l" defTabSz="914400" rtl="0" eaLnBrk="1" latinLnBrk="0" hangingPunct="1">
+              <a:lnSpc>
+                <a:spcPct val="100000"/>
+              </a:lnSpc>
+              <a:spcBef>
+                <a:spcPts val="600"/>
+              </a:spcBef>
+              <a:spcAft>
+                <a:spcPts val="600"/>
+              </a:spcAft>
+              <a:buClr>
+                <a:schemeClr val="accent2"/>
+              </a:buClr>
+              <a:buFont typeface="Wingdings" panose="05000000000000000000" pitchFamily="2" charset="2"/>
+              <a:buChar char="u"/>
+              <a:defRPr sz="2400" b="0" kern="1200">
+                <a:solidFill>
+                  <a:srgbClr val="FFFFFF"/>
+                </a:solidFill>
+                <a:latin typeface="+mn-lt"/>
+                <a:ea typeface="+mn-ea"/>
+                <a:cs typeface="+mn-cs"/>
+              </a:defRPr>
+            </a:lvl2pPr>
+            <a:lvl3pPr marL="1076325" indent="-266700" algn="l" defTabSz="914400" rtl="0" eaLnBrk="1" latinLnBrk="0" hangingPunct="1">
+              <a:lnSpc>
+                <a:spcPct val="100000"/>
+              </a:lnSpc>
+              <a:spcBef>
+                <a:spcPts val="600"/>
+              </a:spcBef>
+              <a:spcAft>
+                <a:spcPts val="600"/>
+              </a:spcAft>
+              <a:buClr>
+                <a:schemeClr val="accent3"/>
+              </a:buClr>
+              <a:buFont typeface="Wingdings" panose="05000000000000000000" pitchFamily="2" charset="2"/>
+              <a:buChar char="p"/>
+              <a:defRPr sz="2000" kern="1200">
+                <a:solidFill>
+                  <a:srgbClr val="FFFFFF"/>
+                </a:solidFill>
+                <a:latin typeface="+mn-lt"/>
+                <a:ea typeface="+mn-ea"/>
+                <a:cs typeface="+mn-cs"/>
+              </a:defRPr>
+            </a:lvl3pPr>
+            <a:lvl4pPr marL="1343025" indent="-180975" algn="l" defTabSz="914400" rtl="0" eaLnBrk="1" latinLnBrk="0" hangingPunct="1">
+              <a:lnSpc>
+                <a:spcPct val="100000"/>
+              </a:lnSpc>
+              <a:spcBef>
+                <a:spcPts val="600"/>
+              </a:spcBef>
+              <a:spcAft>
+                <a:spcPts val="600"/>
+              </a:spcAft>
+              <a:buClr>
+                <a:schemeClr val="accent4"/>
+              </a:buClr>
+              <a:buFont typeface="Wingdings" panose="05000000000000000000" pitchFamily="2" charset="2"/>
+              <a:buChar char="n"/>
+              <a:defRPr sz="1800" kern="1200">
+                <a:solidFill>
+                  <a:srgbClr val="FFFFFF"/>
+                </a:solidFill>
+                <a:latin typeface="+mn-lt"/>
+                <a:ea typeface="+mn-ea"/>
+                <a:cs typeface="+mn-cs"/>
+              </a:defRPr>
+            </a:lvl4pPr>
+            <a:lvl5pPr marL="1619250" indent="-276225" algn="l" defTabSz="914400" rtl="0" eaLnBrk="1" latinLnBrk="0" hangingPunct="1">
+              <a:lnSpc>
+                <a:spcPct val="100000"/>
+              </a:lnSpc>
+              <a:spcBef>
+                <a:spcPts val="600"/>
+              </a:spcBef>
+              <a:spcAft>
+                <a:spcPts val="600"/>
+              </a:spcAft>
+              <a:buClr>
+                <a:schemeClr val="accent5"/>
+              </a:buClr>
+              <a:buFont typeface="Arial" pitchFamily="34" charset="0"/>
+              <a:buChar char="»"/>
+              <a:tabLst>
+                <a:tab pos="7981950" algn="l"/>
+              </a:tabLst>
+              <a:defRPr sz="1800" kern="1200">
+                <a:solidFill>
+                  <a:srgbClr val="FFFFFF"/>
+                </a:solidFill>
+                <a:latin typeface="+mn-lt"/>
+                <a:ea typeface="+mn-ea"/>
+                <a:cs typeface="+mn-cs"/>
+              </a:defRPr>
+            </a:lvl5pPr>
+            <a:lvl6pPr marL="2514600" indent="-228600" algn="l" defTabSz="914400" rtl="0" eaLnBrk="1" latinLnBrk="0" hangingPunct="1">
+              <a:spcBef>
+                <a:spcPct val="20000"/>
+              </a:spcBef>
+              <a:buFont typeface="Arial" pitchFamily="34" charset="0"/>
+              <a:buChar char="•"/>
+              <a:defRPr sz="2000" kern="1200">
+                <a:solidFill>
+                  <a:schemeClr val="accent1"/>
+                </a:solidFill>
+                <a:latin typeface="+mn-lt"/>
+                <a:ea typeface="+mn-ea"/>
+                <a:cs typeface="+mn-cs"/>
+              </a:defRPr>
+            </a:lvl6pPr>
+            <a:lvl7pPr marL="2971800" indent="-228600" algn="l" defTabSz="914400" rtl="0" eaLnBrk="1" latinLnBrk="0" hangingPunct="1">
+              <a:spcBef>
+                <a:spcPct val="20000"/>
+              </a:spcBef>
+              <a:buFont typeface="Arial" pitchFamily="34" charset="0"/>
+              <a:buChar char="•"/>
+              <a:defRPr sz="2000" kern="1200">
+                <a:solidFill>
+                  <a:schemeClr val="accent1"/>
+                </a:solidFill>
+                <a:latin typeface="+mn-lt"/>
+                <a:ea typeface="+mn-ea"/>
+                <a:cs typeface="+mn-cs"/>
+              </a:defRPr>
+            </a:lvl7pPr>
+            <a:lvl8pPr marL="3429000" indent="-228600" algn="l" defTabSz="914400" rtl="0" eaLnBrk="1" latinLnBrk="0" hangingPunct="1">
+              <a:spcBef>
+                <a:spcPct val="20000"/>
+              </a:spcBef>
+              <a:buFont typeface="Arial" pitchFamily="34" charset="0"/>
+              <a:buChar char="•"/>
+              <a:defRPr sz="2000" kern="1200">
+                <a:solidFill>
+                  <a:schemeClr val="accent1"/>
+                </a:solidFill>
+                <a:latin typeface="+mn-lt"/>
+                <a:ea typeface="+mn-ea"/>
+                <a:cs typeface="+mn-cs"/>
+              </a:defRPr>
+            </a:lvl8pPr>
+            <a:lvl9pPr marL="3886200" indent="-228600" algn="l" defTabSz="914400" rtl="0" eaLnBrk="1" latinLnBrk="0" hangingPunct="1">
+              <a:spcBef>
+                <a:spcPct val="20000"/>
+              </a:spcBef>
+              <a:buFont typeface="Arial" pitchFamily="34" charset="0"/>
+              <a:buChar char="•"/>
+              <a:defRPr sz="2000" kern="1200">
+                <a:solidFill>
+                  <a:schemeClr val="accent1"/>
+                </a:solidFill>
+                <a:latin typeface="+mn-lt"/>
+                <a:ea typeface="+mn-ea"/>
+                <a:cs typeface="+mn-cs"/>
+              </a:defRPr>
+            </a:lvl9pPr>
+          </a:lstStyle>
+          <a:p>
+            <a:pPr marL="0" indent="0">
+              <a:buFont typeface="Wingdings" panose="05000000000000000000" pitchFamily="2" charset="2"/>
+              <a:buNone/>
+            </a:pPr>
+            <a:r>
+              <a:rPr lang="zh-TW" altLang="en-US" sz="1800" dirty="0"/>
+              <a:t>畫面中，由上至下，區塊分別為：</a:t>
+            </a:r>
+            <a:endParaRPr lang="en-US" altLang="zh-TW" sz="1800" dirty="0"/>
+          </a:p>
+          <a:p>
+            <a:r>
+              <a:rPr lang="zh-TW" altLang="en-US" sz="1800" dirty="0"/>
+              <a:t>相關商品區塊：可看到不同商品的推薦。</a:t>
+            </a:r>
+          </a:p>
+          <a:p>
+            <a:r>
+              <a:rPr lang="zh-TW" altLang="en-US" sz="1800" dirty="0"/>
+              <a:t>瀏覽紀錄區塊：可看到使用者過去瀏覽過的商品。</a:t>
+            </a:r>
           </a:p>
         </p:txBody>
       </p:sp>
+      <p:pic>
+        <p:nvPicPr>
+          <p:cNvPr id="4" name="圖片 3">
+            <a:extLst>
+              <a:ext uri="{FF2B5EF4-FFF2-40B4-BE49-F238E27FC236}">
+                <a16:creationId xmlns:a16="http://schemas.microsoft.com/office/drawing/2014/main" id="{59C4EB8F-7883-4DB8-8306-E82A5F8FA794}"/>
+              </a:ext>
+            </a:extLst>
+          </p:cNvPr>
+          <p:cNvPicPr>
+            <a:picLocks noChangeAspect="1"/>
+          </p:cNvPicPr>
+          <p:nvPr/>
+        </p:nvPicPr>
+        <p:blipFill>
+          <a:blip r:embed="rId2"/>
+          <a:stretch>
+            <a:fillRect/>
+          </a:stretch>
+        </p:blipFill>
+        <p:spPr>
+          <a:xfrm>
+            <a:off x="273178" y="966112"/>
+            <a:ext cx="6961684" cy="282430"/>
+          </a:xfrm>
+          <a:prstGeom prst="rect">
+            <a:avLst/>
+          </a:prstGeom>
+        </p:spPr>
+      </p:pic>
+      <p:pic>
+        <p:nvPicPr>
+          <p:cNvPr id="2" name="圖片 1">
+            <a:extLst>
+              <a:ext uri="{FF2B5EF4-FFF2-40B4-BE49-F238E27FC236}">
+                <a16:creationId xmlns:a16="http://schemas.microsoft.com/office/drawing/2014/main" id="{D9F6A33F-3EDD-4767-B5B8-928C481139B6}"/>
+              </a:ext>
+            </a:extLst>
+          </p:cNvPr>
+          <p:cNvPicPr>
+            <a:picLocks noChangeAspect="1"/>
+          </p:cNvPicPr>
+          <p:nvPr/>
+        </p:nvPicPr>
+        <p:blipFill>
+          <a:blip r:embed="rId3"/>
+          <a:stretch>
+            <a:fillRect/>
+          </a:stretch>
+        </p:blipFill>
+        <p:spPr>
+          <a:xfrm>
+            <a:off x="305333" y="1375063"/>
+            <a:ext cx="6924630" cy="4070161"/>
+          </a:xfrm>
+          <a:prstGeom prst="rect">
+            <a:avLst/>
+          </a:prstGeom>
+        </p:spPr>
+      </p:pic>
+      <p:pic>
+        <p:nvPicPr>
+          <p:cNvPr id="6" name="圖片 5">
+            <a:extLst>
+              <a:ext uri="{FF2B5EF4-FFF2-40B4-BE49-F238E27FC236}">
+                <a16:creationId xmlns:a16="http://schemas.microsoft.com/office/drawing/2014/main" id="{DB4D9A68-C8BB-4827-8941-5D6DE6D3A9B6}"/>
+              </a:ext>
+            </a:extLst>
+          </p:cNvPr>
+          <p:cNvPicPr>
+            <a:picLocks noChangeAspect="1"/>
+          </p:cNvPicPr>
+          <p:nvPr/>
+        </p:nvPicPr>
+        <p:blipFill>
+          <a:blip r:embed="rId4"/>
+          <a:stretch>
+            <a:fillRect/>
+          </a:stretch>
+        </p:blipFill>
+        <p:spPr>
+          <a:xfrm>
+            <a:off x="305333" y="5445224"/>
+            <a:ext cx="6930261" cy="315729"/>
+          </a:xfrm>
+          <a:prstGeom prst="rect">
+            <a:avLst/>
+          </a:prstGeom>
+        </p:spPr>
+      </p:pic>
     </p:spTree>
     <p:extLst>
       <p:ext uri="{BB962C8B-B14F-4D97-AF65-F5344CB8AC3E}">
-        <p14:creationId xmlns:p14="http://schemas.microsoft.com/office/powerpoint/2010/main" val="1164905679"/>
+        <p14:creationId xmlns:p14="http://schemas.microsoft.com/office/powerpoint/2010/main" val="2434716186"/>
       </p:ext>
     </p:extLst>
   </p:cSld>
@@ -8354,7 +10536,13 @@
       </p:grpSpPr>
       <p:sp>
         <p:nvSpPr>
-          <p:cNvPr id="2" name="標題 1"/>
+          <p:cNvPr id="3" name="標題 2">
+            <a:extLst>
+              <a:ext uri="{FF2B5EF4-FFF2-40B4-BE49-F238E27FC236}">
+                <a16:creationId xmlns:a16="http://schemas.microsoft.com/office/drawing/2014/main" id="{E2F12E2F-52EE-CA77-FB53-4EFC2E0F43C3}"/>
+              </a:ext>
+            </a:extLst>
+          </p:cNvPr>
           <p:cNvSpPr>
             <a:spLocks noGrp="1"/>
           </p:cNvSpPr>
@@ -8362,48 +10550,40 @@
             <p:ph type="title"/>
           </p:nvPr>
         </p:nvSpPr>
-        <p:spPr>
-          <a:xfrm>
-            <a:off x="0" y="1556792"/>
-            <a:ext cx="9906000" cy="1503288"/>
-          </a:xfrm>
-        </p:spPr>
+        <p:spPr/>
         <p:txBody>
-          <a:bodyPr>
-            <a:normAutofit/>
-          </a:bodyPr>
+          <a:bodyPr/>
           <a:lstStyle/>
           <a:p>
             <a:r>
-              <a:rPr lang="zh-TW" altLang="en-US" sz="4000" dirty="0">
-                <a:solidFill>
-                  <a:schemeClr val="accent4"/>
-                </a:solidFill>
-                <a:latin typeface="微軟正黑體" panose="020B0604030504040204" pitchFamily="34" charset="-120"/>
-                <a:ea typeface="微軟正黑體" panose="020B0604030504040204" pitchFamily="34" charset="-120"/>
-              </a:rPr>
-              <a:t>遊戲論壇</a:t>
-            </a:r>
-            <a:br>
-              <a:rPr lang="en-US" altLang="zh-TW" sz="4000" dirty="0"/>
-            </a:br>
-            <a:r>
-              <a:rPr lang="en-US" altLang="zh-TW" sz="4000" dirty="0" err="1"/>
-              <a:t>GameForum</a:t>
-            </a:r>
-            <a:endParaRPr lang="zh-TW" altLang="en-US" sz="4000" dirty="0">
-              <a:solidFill>
-                <a:schemeClr val="accent4"/>
-              </a:solidFill>
-              <a:latin typeface="微軟正黑體" panose="020B0604030504040204" pitchFamily="34" charset="-120"/>
-              <a:ea typeface="微軟正黑體" panose="020B0604030504040204" pitchFamily="34" charset="-120"/>
-            </a:endParaRPr>
+              <a:rPr lang="zh-TW" altLang="en-US" dirty="0"/>
+              <a:t>商品管理頁面 </a:t>
+            </a:r>
+            <a:r>
+              <a:rPr lang="en-US" altLang="zh-TW" sz="3200" dirty="0"/>
+              <a:t>(</a:t>
+            </a:r>
+            <a:r>
+              <a:rPr lang="en-US" altLang="zh-TW" sz="3200" dirty="0" err="1"/>
+              <a:t>ProductManagement</a:t>
+            </a:r>
+            <a:r>
+              <a:rPr lang="en-US" altLang="zh-TW" sz="3200" dirty="0"/>
+              <a:t>)</a:t>
+            </a:r>
+            <a:endParaRPr lang="zh-TW" altLang="en-US" sz="3200" dirty="0"/>
           </a:p>
         </p:txBody>
       </p:sp>
       <p:sp>
         <p:nvSpPr>
-          <p:cNvPr id="8" name="副標題 4"/>
+          <p:cNvPr id="12" name="內容版面配置區 5">
+            <a:extLst>
+              <a:ext uri="{FF2B5EF4-FFF2-40B4-BE49-F238E27FC236}">
+                <a16:creationId xmlns:a16="http://schemas.microsoft.com/office/drawing/2014/main" id="{5B48F242-D606-4DF8-8884-2F1900A3B3C0}"/>
+              </a:ext>
+            </a:extLst>
+          </p:cNvPr>
           <p:cNvSpPr txBox="1">
             <a:spLocks/>
           </p:cNvSpPr>
@@ -8411,324 +10591,314 @@
         </p:nvSpPr>
         <p:spPr bwMode="ltGray">
           <a:xfrm>
-            <a:off x="1353600" y="3960000"/>
-            <a:ext cx="7704856" cy="1845264"/>
+            <a:off x="7498451" y="963871"/>
+            <a:ext cx="2118387" cy="2897177"/>
+          </a:xfrm>
+          <a:prstGeom prst="rect">
+            <a:avLst/>
+          </a:prstGeom>
+          <a:ln w="9525" cap="flat" cmpd="sng" algn="ctr">
+            <a:solidFill>
+              <a:schemeClr val="accent1"/>
+            </a:solidFill>
+            <a:prstDash val="solid"/>
+            <a:round/>
+            <a:headEnd type="none" w="med" len="med"/>
+            <a:tailEnd type="none" w="med" len="med"/>
+          </a:ln>
+        </p:spPr>
+        <p:style>
+          <a:lnRef idx="0">
+            <a:scrgbClr r="0" g="0" b="0"/>
+          </a:lnRef>
+          <a:fillRef idx="0">
+            <a:scrgbClr r="0" g="0" b="0"/>
+          </a:fillRef>
+          <a:effectRef idx="0">
+            <a:scrgbClr r="0" g="0" b="0"/>
+          </a:effectRef>
+          <a:fontRef idx="minor">
+            <a:schemeClr val="accent1"/>
+          </a:fontRef>
+        </p:style>
+        <p:txBody>
+          <a:bodyPr vert="horz" lIns="91440" tIns="45720" rIns="91440" bIns="45720" rtlCol="0">
+            <a:normAutofit/>
+          </a:bodyPr>
+          <a:lstStyle>
+            <a:lvl1pPr marL="342900" indent="-342900" algn="l" defTabSz="914400" rtl="0" eaLnBrk="1" latinLnBrk="0" hangingPunct="1">
+              <a:lnSpc>
+                <a:spcPct val="100000"/>
+              </a:lnSpc>
+              <a:spcBef>
+                <a:spcPts val="600"/>
+              </a:spcBef>
+              <a:spcAft>
+                <a:spcPts val="600"/>
+              </a:spcAft>
+              <a:buClr>
+                <a:schemeClr val="accent1"/>
+              </a:buClr>
+              <a:buFont typeface="Wingdings" panose="05000000000000000000" pitchFamily="2" charset="2"/>
+              <a:buChar char="l"/>
+              <a:defRPr sz="2800" b="1" kern="1200">
+                <a:solidFill>
+                  <a:srgbClr val="FFFFFF"/>
+                </a:solidFill>
+                <a:latin typeface="+mn-lt"/>
+                <a:ea typeface="+mn-ea"/>
+                <a:cs typeface="+mn-cs"/>
+              </a:defRPr>
+            </a:lvl1pPr>
+            <a:lvl2pPr marL="714375" indent="-352425" algn="l" defTabSz="914400" rtl="0" eaLnBrk="1" latinLnBrk="0" hangingPunct="1">
+              <a:lnSpc>
+                <a:spcPct val="100000"/>
+              </a:lnSpc>
+              <a:spcBef>
+                <a:spcPts val="600"/>
+              </a:spcBef>
+              <a:spcAft>
+                <a:spcPts val="600"/>
+              </a:spcAft>
+              <a:buClr>
+                <a:schemeClr val="accent2"/>
+              </a:buClr>
+              <a:buFont typeface="Wingdings" panose="05000000000000000000" pitchFamily="2" charset="2"/>
+              <a:buChar char="u"/>
+              <a:defRPr sz="2400" b="0" kern="1200">
+                <a:solidFill>
+                  <a:srgbClr val="FFFFFF"/>
+                </a:solidFill>
+                <a:latin typeface="+mn-lt"/>
+                <a:ea typeface="+mn-ea"/>
+                <a:cs typeface="+mn-cs"/>
+              </a:defRPr>
+            </a:lvl2pPr>
+            <a:lvl3pPr marL="1076325" indent="-266700" algn="l" defTabSz="914400" rtl="0" eaLnBrk="1" latinLnBrk="0" hangingPunct="1">
+              <a:lnSpc>
+                <a:spcPct val="100000"/>
+              </a:lnSpc>
+              <a:spcBef>
+                <a:spcPts val="600"/>
+              </a:spcBef>
+              <a:spcAft>
+                <a:spcPts val="600"/>
+              </a:spcAft>
+              <a:buClr>
+                <a:schemeClr val="accent3"/>
+              </a:buClr>
+              <a:buFont typeface="Wingdings" panose="05000000000000000000" pitchFamily="2" charset="2"/>
+              <a:buChar char="p"/>
+              <a:defRPr sz="2000" kern="1200">
+                <a:solidFill>
+                  <a:srgbClr val="FFFFFF"/>
+                </a:solidFill>
+                <a:latin typeface="+mn-lt"/>
+                <a:ea typeface="+mn-ea"/>
+                <a:cs typeface="+mn-cs"/>
+              </a:defRPr>
+            </a:lvl3pPr>
+            <a:lvl4pPr marL="1343025" indent="-180975" algn="l" defTabSz="914400" rtl="0" eaLnBrk="1" latinLnBrk="0" hangingPunct="1">
+              <a:lnSpc>
+                <a:spcPct val="100000"/>
+              </a:lnSpc>
+              <a:spcBef>
+                <a:spcPts val="600"/>
+              </a:spcBef>
+              <a:spcAft>
+                <a:spcPts val="600"/>
+              </a:spcAft>
+              <a:buClr>
+                <a:schemeClr val="accent4"/>
+              </a:buClr>
+              <a:buFont typeface="Wingdings" panose="05000000000000000000" pitchFamily="2" charset="2"/>
+              <a:buChar char="n"/>
+              <a:defRPr sz="1800" kern="1200">
+                <a:solidFill>
+                  <a:srgbClr val="FFFFFF"/>
+                </a:solidFill>
+                <a:latin typeface="+mn-lt"/>
+                <a:ea typeface="+mn-ea"/>
+                <a:cs typeface="+mn-cs"/>
+              </a:defRPr>
+            </a:lvl4pPr>
+            <a:lvl5pPr marL="1619250" indent="-276225" algn="l" defTabSz="914400" rtl="0" eaLnBrk="1" latinLnBrk="0" hangingPunct="1">
+              <a:lnSpc>
+                <a:spcPct val="100000"/>
+              </a:lnSpc>
+              <a:spcBef>
+                <a:spcPts val="600"/>
+              </a:spcBef>
+              <a:spcAft>
+                <a:spcPts val="600"/>
+              </a:spcAft>
+              <a:buClr>
+                <a:schemeClr val="accent5"/>
+              </a:buClr>
+              <a:buFont typeface="Arial" pitchFamily="34" charset="0"/>
+              <a:buChar char="»"/>
+              <a:tabLst>
+                <a:tab pos="7981950" algn="l"/>
+              </a:tabLst>
+              <a:defRPr sz="1800" kern="1200">
+                <a:solidFill>
+                  <a:srgbClr val="FFFFFF"/>
+                </a:solidFill>
+                <a:latin typeface="+mn-lt"/>
+                <a:ea typeface="+mn-ea"/>
+                <a:cs typeface="+mn-cs"/>
+              </a:defRPr>
+            </a:lvl5pPr>
+            <a:lvl6pPr marL="2514600" indent="-228600" algn="l" defTabSz="914400" rtl="0" eaLnBrk="1" latinLnBrk="0" hangingPunct="1">
+              <a:spcBef>
+                <a:spcPct val="20000"/>
+              </a:spcBef>
+              <a:buFont typeface="Arial" pitchFamily="34" charset="0"/>
+              <a:buChar char="•"/>
+              <a:defRPr sz="2000" kern="1200">
+                <a:solidFill>
+                  <a:schemeClr val="accent1"/>
+                </a:solidFill>
+                <a:latin typeface="+mn-lt"/>
+                <a:ea typeface="+mn-ea"/>
+                <a:cs typeface="+mn-cs"/>
+              </a:defRPr>
+            </a:lvl6pPr>
+            <a:lvl7pPr marL="2971800" indent="-228600" algn="l" defTabSz="914400" rtl="0" eaLnBrk="1" latinLnBrk="0" hangingPunct="1">
+              <a:spcBef>
+                <a:spcPct val="20000"/>
+              </a:spcBef>
+              <a:buFont typeface="Arial" pitchFamily="34" charset="0"/>
+              <a:buChar char="•"/>
+              <a:defRPr sz="2000" kern="1200">
+                <a:solidFill>
+                  <a:schemeClr val="accent1"/>
+                </a:solidFill>
+                <a:latin typeface="+mn-lt"/>
+                <a:ea typeface="+mn-ea"/>
+                <a:cs typeface="+mn-cs"/>
+              </a:defRPr>
+            </a:lvl7pPr>
+            <a:lvl8pPr marL="3429000" indent="-228600" algn="l" defTabSz="914400" rtl="0" eaLnBrk="1" latinLnBrk="0" hangingPunct="1">
+              <a:spcBef>
+                <a:spcPct val="20000"/>
+              </a:spcBef>
+              <a:buFont typeface="Arial" pitchFamily="34" charset="0"/>
+              <a:buChar char="•"/>
+              <a:defRPr sz="2000" kern="1200">
+                <a:solidFill>
+                  <a:schemeClr val="accent1"/>
+                </a:solidFill>
+                <a:latin typeface="+mn-lt"/>
+                <a:ea typeface="+mn-ea"/>
+                <a:cs typeface="+mn-cs"/>
+              </a:defRPr>
+            </a:lvl8pPr>
+            <a:lvl9pPr marL="3886200" indent="-228600" algn="l" defTabSz="914400" rtl="0" eaLnBrk="1" latinLnBrk="0" hangingPunct="1">
+              <a:spcBef>
+                <a:spcPct val="20000"/>
+              </a:spcBef>
+              <a:buFont typeface="Arial" pitchFamily="34" charset="0"/>
+              <a:buChar char="•"/>
+              <a:defRPr sz="2000" kern="1200">
+                <a:solidFill>
+                  <a:schemeClr val="accent1"/>
+                </a:solidFill>
+                <a:latin typeface="+mn-lt"/>
+                <a:ea typeface="+mn-ea"/>
+                <a:cs typeface="+mn-cs"/>
+              </a:defRPr>
+            </a:lvl9pPr>
+          </a:lstStyle>
+          <a:p>
+            <a:pPr marL="0" indent="0">
+              <a:buFont typeface="Wingdings" panose="05000000000000000000" pitchFamily="2" charset="2"/>
+              <a:buNone/>
+            </a:pPr>
+            <a:r>
+              <a:rPr lang="zh-TW" altLang="en-US" sz="1800" dirty="0"/>
+              <a:t>畫面中，由上至下，區塊分別為：</a:t>
+            </a:r>
+            <a:endParaRPr lang="en-US" altLang="zh-TW" sz="1800" dirty="0"/>
+          </a:p>
+          <a:p>
+            <a:r>
+              <a:rPr lang="zh-TW" altLang="en-US" sz="1800" dirty="0"/>
+              <a:t>相關商品區塊：可看到不同商品的推薦。</a:t>
+            </a:r>
+          </a:p>
+          <a:p>
+            <a:r>
+              <a:rPr lang="zh-TW" altLang="en-US" sz="1800" dirty="0"/>
+              <a:t>瀏覽紀錄區塊：可看到使用者過去瀏覽過的商品。</a:t>
+            </a:r>
+          </a:p>
+        </p:txBody>
+      </p:sp>
+      <p:pic>
+        <p:nvPicPr>
+          <p:cNvPr id="4" name="圖片 3">
+            <a:extLst>
+              <a:ext uri="{FF2B5EF4-FFF2-40B4-BE49-F238E27FC236}">
+                <a16:creationId xmlns:a16="http://schemas.microsoft.com/office/drawing/2014/main" id="{59C4EB8F-7883-4DB8-8306-E82A5F8FA794}"/>
+              </a:ext>
+            </a:extLst>
+          </p:cNvPr>
+          <p:cNvPicPr>
+            <a:picLocks noChangeAspect="1"/>
+          </p:cNvPicPr>
+          <p:nvPr/>
+        </p:nvPicPr>
+        <p:blipFill>
+          <a:blip r:embed="rId2"/>
+          <a:stretch>
+            <a:fillRect/>
+          </a:stretch>
+        </p:blipFill>
+        <p:spPr>
+          <a:xfrm>
+            <a:off x="273178" y="966112"/>
+            <a:ext cx="6961684" cy="282430"/>
           </a:xfrm>
           <a:prstGeom prst="rect">
             <a:avLst/>
           </a:prstGeom>
         </p:spPr>
-        <p:txBody>
-          <a:bodyPr vert="horz" wrap="square" lIns="91440" tIns="45720" rIns="91440" bIns="45720" numCol="1" rtlCol="0" anchor="t" anchorCtr="0" compatLnSpc="1">
-            <a:prstTxWarp prst="textNoShape">
-              <a:avLst/>
-            </a:prstTxWarp>
-            <a:noAutofit/>
-          </a:bodyPr>
-          <a:lstStyle>
-            <a:lvl1pPr marL="0" indent="0" algn="ctr" defTabSz="914400" rtl="0" eaLnBrk="1" latinLnBrk="0" hangingPunct="1">
-              <a:lnSpc>
-                <a:spcPct val="150000"/>
-              </a:lnSpc>
-              <a:spcBef>
-                <a:spcPts val="600"/>
-              </a:spcBef>
-              <a:spcAft>
-                <a:spcPts val="600"/>
-              </a:spcAft>
-              <a:buClr>
-                <a:schemeClr val="accent1"/>
-              </a:buClr>
-              <a:buFont typeface="Arial" pitchFamily="34" charset="0"/>
-              <a:buNone/>
-              <a:defRPr sz="2000" b="1" kern="1200">
-                <a:solidFill>
-                  <a:srgbClr val="393939"/>
-                </a:solidFill>
-                <a:latin typeface="微軟正黑體" panose="020B0604030504040204" pitchFamily="34" charset="-120"/>
-                <a:ea typeface="微軟正黑體" panose="020B0604030504040204" pitchFamily="34" charset="-120"/>
-                <a:cs typeface="+mn-cs"/>
-              </a:defRPr>
-            </a:lvl1pPr>
-            <a:lvl2pPr marL="457200" indent="0" algn="ctr" defTabSz="914400" rtl="0" eaLnBrk="1" latinLnBrk="0" hangingPunct="1">
-              <a:lnSpc>
-                <a:spcPct val="150000"/>
-              </a:lnSpc>
-              <a:spcBef>
-                <a:spcPts val="600"/>
-              </a:spcBef>
-              <a:spcAft>
-                <a:spcPts val="600"/>
-              </a:spcAft>
-              <a:buClr>
-                <a:schemeClr val="accent2"/>
-              </a:buClr>
-              <a:buFont typeface="Arial" pitchFamily="34" charset="0"/>
-              <a:buNone/>
-              <a:defRPr sz="2400" b="1" kern="1200">
-                <a:solidFill>
-                  <a:schemeClr val="tx1">
-                    <a:tint val="75000"/>
-                  </a:schemeClr>
-                </a:solidFill>
-                <a:latin typeface="微軟正黑體" pitchFamily="34" charset="-120"/>
-                <a:ea typeface="微軟正黑體" pitchFamily="34" charset="-120"/>
-                <a:cs typeface="+mn-cs"/>
-              </a:defRPr>
-            </a:lvl2pPr>
-            <a:lvl3pPr marL="914400" indent="0" algn="ctr" defTabSz="914400" rtl="0" eaLnBrk="1" latinLnBrk="0" hangingPunct="1">
-              <a:lnSpc>
-                <a:spcPct val="100000"/>
-              </a:lnSpc>
-              <a:spcBef>
-                <a:spcPts val="600"/>
-              </a:spcBef>
-              <a:spcAft>
-                <a:spcPts val="600"/>
-              </a:spcAft>
-              <a:buClr>
-                <a:schemeClr val="accent3"/>
-              </a:buClr>
-              <a:buFont typeface="Arial" pitchFamily="34" charset="0"/>
-              <a:buNone/>
-              <a:defRPr sz="2000" kern="1200">
-                <a:solidFill>
-                  <a:schemeClr val="tx1">
-                    <a:tint val="75000"/>
-                  </a:schemeClr>
-                </a:solidFill>
-                <a:latin typeface="微軟正黑體" pitchFamily="34" charset="-120"/>
-                <a:ea typeface="微軟正黑體" pitchFamily="34" charset="-120"/>
-                <a:cs typeface="+mn-cs"/>
-              </a:defRPr>
-            </a:lvl3pPr>
-            <a:lvl4pPr marL="1371600" indent="0" algn="ctr" defTabSz="914400" rtl="0" eaLnBrk="1" latinLnBrk="0" hangingPunct="1">
-              <a:lnSpc>
-                <a:spcPct val="100000"/>
-              </a:lnSpc>
-              <a:spcBef>
-                <a:spcPts val="600"/>
-              </a:spcBef>
-              <a:spcAft>
-                <a:spcPts val="600"/>
-              </a:spcAft>
-              <a:buClr>
-                <a:schemeClr val="accent4"/>
-              </a:buClr>
-              <a:buFont typeface="Arial" pitchFamily="34" charset="0"/>
-              <a:buNone/>
-              <a:defRPr sz="1800" kern="1200">
-                <a:solidFill>
-                  <a:schemeClr val="tx1">
-                    <a:tint val="75000"/>
-                  </a:schemeClr>
-                </a:solidFill>
-                <a:latin typeface="微軟正黑體" pitchFamily="34" charset="-120"/>
-                <a:ea typeface="微軟正黑體" pitchFamily="34" charset="-120"/>
-                <a:cs typeface="+mn-cs"/>
-              </a:defRPr>
-            </a:lvl4pPr>
-            <a:lvl5pPr marL="1828800" indent="0" algn="ctr" defTabSz="914400" rtl="0" eaLnBrk="1" latinLnBrk="0" hangingPunct="1">
-              <a:lnSpc>
-                <a:spcPct val="100000"/>
-              </a:lnSpc>
-              <a:spcBef>
-                <a:spcPts val="600"/>
-              </a:spcBef>
-              <a:spcAft>
-                <a:spcPts val="600"/>
-              </a:spcAft>
-              <a:buClr>
-                <a:schemeClr val="accent5"/>
-              </a:buClr>
-              <a:buFont typeface="Arial" pitchFamily="34" charset="0"/>
-              <a:buNone/>
-              <a:defRPr sz="1800" kern="1200">
-                <a:solidFill>
-                  <a:schemeClr val="tx1">
-                    <a:tint val="75000"/>
-                  </a:schemeClr>
-                </a:solidFill>
-                <a:latin typeface="微軟正黑體" pitchFamily="34" charset="-120"/>
-                <a:ea typeface="微軟正黑體" pitchFamily="34" charset="-120"/>
-                <a:cs typeface="+mn-cs"/>
-              </a:defRPr>
-            </a:lvl5pPr>
-            <a:lvl6pPr marL="2286000" indent="0" algn="ctr" defTabSz="914400" rtl="0" eaLnBrk="1" latinLnBrk="0" hangingPunct="1">
-              <a:spcBef>
-                <a:spcPct val="20000"/>
-              </a:spcBef>
-              <a:buFont typeface="Arial" pitchFamily="34" charset="0"/>
-              <a:buNone/>
-              <a:defRPr sz="2000" kern="1200">
-                <a:solidFill>
-                  <a:schemeClr val="tx1">
-                    <a:tint val="75000"/>
-                  </a:schemeClr>
-                </a:solidFill>
-                <a:latin typeface="+mn-lt"/>
-                <a:ea typeface="+mn-ea"/>
-                <a:cs typeface="+mn-cs"/>
-              </a:defRPr>
-            </a:lvl6pPr>
-            <a:lvl7pPr marL="2743200" indent="0" algn="ctr" defTabSz="914400" rtl="0" eaLnBrk="1" latinLnBrk="0" hangingPunct="1">
-              <a:spcBef>
-                <a:spcPct val="20000"/>
-              </a:spcBef>
-              <a:buFont typeface="Arial" pitchFamily="34" charset="0"/>
-              <a:buNone/>
-              <a:defRPr sz="2000" kern="1200">
-                <a:solidFill>
-                  <a:schemeClr val="tx1">
-                    <a:tint val="75000"/>
-                  </a:schemeClr>
-                </a:solidFill>
-                <a:latin typeface="+mn-lt"/>
-                <a:ea typeface="+mn-ea"/>
-                <a:cs typeface="+mn-cs"/>
-              </a:defRPr>
-            </a:lvl7pPr>
-            <a:lvl8pPr marL="3200400" indent="0" algn="ctr" defTabSz="914400" rtl="0" eaLnBrk="1" latinLnBrk="0" hangingPunct="1">
-              <a:spcBef>
-                <a:spcPct val="20000"/>
-              </a:spcBef>
-              <a:buFont typeface="Arial" pitchFamily="34" charset="0"/>
-              <a:buNone/>
-              <a:defRPr sz="2000" kern="1200">
-                <a:solidFill>
-                  <a:schemeClr val="tx1">
-                    <a:tint val="75000"/>
-                  </a:schemeClr>
-                </a:solidFill>
-                <a:latin typeface="+mn-lt"/>
-                <a:ea typeface="+mn-ea"/>
-                <a:cs typeface="+mn-cs"/>
-              </a:defRPr>
-            </a:lvl8pPr>
-            <a:lvl9pPr marL="3657600" indent="0" algn="ctr" defTabSz="914400" rtl="0" eaLnBrk="1" latinLnBrk="0" hangingPunct="1">
-              <a:spcBef>
-                <a:spcPct val="20000"/>
-              </a:spcBef>
-              <a:buFont typeface="Arial" pitchFamily="34" charset="0"/>
-              <a:buNone/>
-              <a:defRPr sz="2000" kern="1200">
-                <a:solidFill>
-                  <a:schemeClr val="tx1">
-                    <a:tint val="75000"/>
-                  </a:schemeClr>
-                </a:solidFill>
-                <a:latin typeface="+mn-lt"/>
-                <a:ea typeface="+mn-ea"/>
-                <a:cs typeface="+mn-cs"/>
-              </a:defRPr>
-            </a:lvl9pPr>
-          </a:lstStyle>
-          <a:p>
-            <a:pPr algn="l">
-              <a:lnSpc>
-                <a:spcPct val="100000"/>
-              </a:lnSpc>
-              <a:spcBef>
-                <a:spcPct val="10000"/>
-              </a:spcBef>
-              <a:buClrTx/>
-              <a:defRPr/>
-            </a:pPr>
-            <a:r>
-              <a:rPr lang="zh-TW" altLang="en-US" sz="2400" b="0" dirty="0">
-                <a:solidFill>
-                  <a:schemeClr val="accent4"/>
-                </a:solidFill>
-              </a:rPr>
-              <a:t>組別：第一組</a:t>
-            </a:r>
-            <a:endParaRPr lang="en-US" altLang="zh-TW" sz="2400" b="0" dirty="0">
-              <a:solidFill>
-                <a:schemeClr val="accent4"/>
-              </a:solidFill>
-            </a:endParaRPr>
-          </a:p>
-          <a:p>
-            <a:pPr algn="l">
-              <a:lnSpc>
-                <a:spcPct val="100000"/>
-              </a:lnSpc>
-              <a:spcBef>
-                <a:spcPct val="10000"/>
-              </a:spcBef>
-              <a:buClrTx/>
-              <a:defRPr/>
-            </a:pPr>
-            <a:r>
-              <a:rPr lang="zh-TW" altLang="en-US" sz="2400" b="0" dirty="0">
-                <a:solidFill>
-                  <a:schemeClr val="accent4"/>
-                </a:solidFill>
-              </a:rPr>
-              <a:t>組長：許清彰</a:t>
-            </a:r>
-            <a:endParaRPr lang="en-US" altLang="zh-TW" sz="2400" b="0" dirty="0">
-              <a:solidFill>
-                <a:schemeClr val="accent4"/>
-              </a:solidFill>
-            </a:endParaRPr>
-          </a:p>
-          <a:p>
-            <a:pPr algn="l">
-              <a:lnSpc>
-                <a:spcPct val="100000"/>
-              </a:lnSpc>
-              <a:spcBef>
-                <a:spcPct val="10000"/>
-              </a:spcBef>
-              <a:buClrTx/>
-              <a:defRPr/>
-            </a:pPr>
-            <a:r>
-              <a:rPr lang="zh-TW" altLang="en-US" sz="2400" b="0" dirty="0">
-                <a:solidFill>
-                  <a:schemeClr val="accent4"/>
-                </a:solidFill>
-              </a:rPr>
-              <a:t>組員：林楷紘、紀皓騫、熊偉誌、廖士傑</a:t>
-            </a:r>
-            <a:endParaRPr lang="en-US" altLang="zh-TW" sz="2400" b="0" dirty="0">
-              <a:solidFill>
-                <a:schemeClr val="accent4"/>
-              </a:solidFill>
-            </a:endParaRPr>
-          </a:p>
-          <a:p>
-            <a:pPr algn="l">
-              <a:lnSpc>
-                <a:spcPct val="100000"/>
-              </a:lnSpc>
-              <a:spcBef>
-                <a:spcPct val="10000"/>
-              </a:spcBef>
-              <a:buClrTx/>
-              <a:defRPr/>
-            </a:pPr>
-            <a:r>
-              <a:rPr lang="zh-TW" altLang="en-US" sz="2400" b="0" dirty="0">
-                <a:solidFill>
-                  <a:schemeClr val="accent4"/>
-                </a:solidFill>
-              </a:rPr>
-              <a:t>指導老師：許雅婷、錢達智</a:t>
-            </a:r>
-            <a:endParaRPr lang="en-US" altLang="zh-TW" sz="2400" b="0" dirty="0">
-              <a:solidFill>
-                <a:schemeClr val="accent4"/>
-              </a:solidFill>
-            </a:endParaRPr>
-          </a:p>
-        </p:txBody>
-      </p:sp>
+      </p:pic>
+      <p:pic>
+        <p:nvPicPr>
+          <p:cNvPr id="5" name="圖片 4">
+            <a:extLst>
+              <a:ext uri="{FF2B5EF4-FFF2-40B4-BE49-F238E27FC236}">
+                <a16:creationId xmlns:a16="http://schemas.microsoft.com/office/drawing/2014/main" id="{5A156EEB-67BA-48E6-8322-98869D47B02B}"/>
+              </a:ext>
+            </a:extLst>
+          </p:cNvPr>
+          <p:cNvPicPr>
+            <a:picLocks noChangeAspect="1"/>
+          </p:cNvPicPr>
+          <p:nvPr/>
+        </p:nvPicPr>
+        <p:blipFill>
+          <a:blip r:embed="rId3"/>
+          <a:stretch>
+            <a:fillRect/>
+          </a:stretch>
+        </p:blipFill>
+        <p:spPr>
+          <a:xfrm>
+            <a:off x="336783" y="1376414"/>
+            <a:ext cx="6917507" cy="4068810"/>
+          </a:xfrm>
+          <a:prstGeom prst="rect">
+            <a:avLst/>
+          </a:prstGeom>
+        </p:spPr>
+      </p:pic>
     </p:spTree>
     <p:extLst>
       <p:ext uri="{BB962C8B-B14F-4D97-AF65-F5344CB8AC3E}">
-        <p14:creationId xmlns:p14="http://schemas.microsoft.com/office/powerpoint/2010/main" val="2586117660"/>
+        <p14:creationId xmlns:p14="http://schemas.microsoft.com/office/powerpoint/2010/main" val="1236632541"/>
       </p:ext>
     </p:extLst>
   </p:cSld>

--- a/docs/ppt/chang.pptx
+++ b/docs/ppt/chang.pptx
@@ -5,10 +5,10 @@
     <p:sldMasterId id="2147483664" r:id="rId1"/>
   </p:sldMasterIdLst>
   <p:notesMasterIdLst>
-    <p:notesMasterId r:id="rId23"/>
+    <p:notesMasterId r:id="rId22"/>
   </p:notesMasterIdLst>
   <p:handoutMasterIdLst>
-    <p:handoutMasterId r:id="rId24"/>
+    <p:handoutMasterId r:id="rId23"/>
   </p:handoutMasterIdLst>
   <p:sldIdLst>
     <p:sldId id="276" r:id="rId2"/>
@@ -20,18 +20,17 @@
     <p:sldId id="279" r:id="rId8"/>
     <p:sldId id="283" r:id="rId9"/>
     <p:sldId id="285" r:id="rId10"/>
-    <p:sldId id="286" r:id="rId11"/>
-    <p:sldId id="287" r:id="rId12"/>
-    <p:sldId id="289" r:id="rId13"/>
-    <p:sldId id="277" r:id="rId14"/>
-    <p:sldId id="264" r:id="rId15"/>
-    <p:sldId id="273" r:id="rId16"/>
-    <p:sldId id="270" r:id="rId17"/>
-    <p:sldId id="271" r:id="rId18"/>
-    <p:sldId id="274" r:id="rId19"/>
-    <p:sldId id="275" r:id="rId20"/>
-    <p:sldId id="265" r:id="rId21"/>
-    <p:sldId id="260" r:id="rId22"/>
+    <p:sldId id="287" r:id="rId11"/>
+    <p:sldId id="289" r:id="rId12"/>
+    <p:sldId id="277" r:id="rId13"/>
+    <p:sldId id="264" r:id="rId14"/>
+    <p:sldId id="273" r:id="rId15"/>
+    <p:sldId id="270" r:id="rId16"/>
+    <p:sldId id="271" r:id="rId17"/>
+    <p:sldId id="274" r:id="rId18"/>
+    <p:sldId id="275" r:id="rId19"/>
+    <p:sldId id="265" r:id="rId20"/>
+    <p:sldId id="260" r:id="rId21"/>
   </p:sldIdLst>
   <p:sldSz cx="9906000" cy="6858000" type="A4"/>
   <p:notesSz cx="6807200" cy="9939338"/>
@@ -4899,397 +4898,6 @@
       </p:pic>
       <p:pic>
         <p:nvPicPr>
-          <p:cNvPr id="5" name="圖片 4">
-            <a:extLst>
-              <a:ext uri="{FF2B5EF4-FFF2-40B4-BE49-F238E27FC236}">
-                <a16:creationId xmlns:a16="http://schemas.microsoft.com/office/drawing/2014/main" id="{5A156EEB-67BA-48E6-8322-98869D47B02B}"/>
-              </a:ext>
-            </a:extLst>
-          </p:cNvPr>
-          <p:cNvPicPr>
-            <a:picLocks noChangeAspect="1"/>
-          </p:cNvPicPr>
-          <p:nvPr/>
-        </p:nvPicPr>
-        <p:blipFill>
-          <a:blip r:embed="rId3"/>
-          <a:stretch>
-            <a:fillRect/>
-          </a:stretch>
-        </p:blipFill>
-        <p:spPr>
-          <a:xfrm>
-            <a:off x="336783" y="1376414"/>
-            <a:ext cx="6917507" cy="4068810"/>
-          </a:xfrm>
-          <a:prstGeom prst="rect">
-            <a:avLst/>
-          </a:prstGeom>
-        </p:spPr>
-      </p:pic>
-    </p:spTree>
-    <p:extLst>
-      <p:ext uri="{BB962C8B-B14F-4D97-AF65-F5344CB8AC3E}">
-        <p14:creationId xmlns:p14="http://schemas.microsoft.com/office/powerpoint/2010/main" val="3116621470"/>
-      </p:ext>
-    </p:extLst>
-  </p:cSld>
-  <p:clrMapOvr>
-    <a:masterClrMapping/>
-  </p:clrMapOvr>
-</p:sld>
-</file>
-
-<file path=ppt/slides/slide11.xml><?xml version="1.0" encoding="utf-8"?>
-<p:sld xmlns:a="http://schemas.openxmlformats.org/drawingml/2006/main" xmlns:r="http://schemas.openxmlformats.org/officeDocument/2006/relationships" xmlns:p="http://schemas.openxmlformats.org/presentationml/2006/main">
-  <p:cSld>
-    <p:spTree>
-      <p:nvGrpSpPr>
-        <p:cNvPr id="1" name=""/>
-        <p:cNvGrpSpPr/>
-        <p:nvPr/>
-      </p:nvGrpSpPr>
-      <p:grpSpPr>
-        <a:xfrm>
-          <a:off x="0" y="0"/>
-          <a:ext cx="0" cy="0"/>
-          <a:chOff x="0" y="0"/>
-          <a:chExt cx="0" cy="0"/>
-        </a:xfrm>
-      </p:grpSpPr>
-      <p:sp>
-        <p:nvSpPr>
-          <p:cNvPr id="3" name="標題 2">
-            <a:extLst>
-              <a:ext uri="{FF2B5EF4-FFF2-40B4-BE49-F238E27FC236}">
-                <a16:creationId xmlns:a16="http://schemas.microsoft.com/office/drawing/2014/main" id="{E2F12E2F-52EE-CA77-FB53-4EFC2E0F43C3}"/>
-              </a:ext>
-            </a:extLst>
-          </p:cNvPr>
-          <p:cNvSpPr>
-            <a:spLocks noGrp="1"/>
-          </p:cNvSpPr>
-          <p:nvPr>
-            <p:ph type="title"/>
-          </p:nvPr>
-        </p:nvSpPr>
-        <p:spPr/>
-        <p:txBody>
-          <a:bodyPr/>
-          <a:lstStyle/>
-          <a:p>
-            <a:r>
-              <a:rPr lang="zh-TW" altLang="en-US" dirty="0"/>
-              <a:t>商品管理頁面 </a:t>
-            </a:r>
-            <a:r>
-              <a:rPr lang="en-US" altLang="zh-TW" sz="3200" dirty="0"/>
-              <a:t>(</a:t>
-            </a:r>
-            <a:r>
-              <a:rPr lang="en-US" altLang="zh-TW" sz="3200" dirty="0" err="1"/>
-              <a:t>ProductManagement</a:t>
-            </a:r>
-            <a:r>
-              <a:rPr lang="en-US" altLang="zh-TW" sz="3200" dirty="0"/>
-              <a:t>)</a:t>
-            </a:r>
-            <a:endParaRPr lang="zh-TW" altLang="en-US" sz="3200" dirty="0"/>
-          </a:p>
-        </p:txBody>
-      </p:sp>
-      <p:sp>
-        <p:nvSpPr>
-          <p:cNvPr id="12" name="內容版面配置區 5">
-            <a:extLst>
-              <a:ext uri="{FF2B5EF4-FFF2-40B4-BE49-F238E27FC236}">
-                <a16:creationId xmlns:a16="http://schemas.microsoft.com/office/drawing/2014/main" id="{5B48F242-D606-4DF8-8884-2F1900A3B3C0}"/>
-              </a:ext>
-            </a:extLst>
-          </p:cNvPr>
-          <p:cNvSpPr txBox="1">
-            <a:spLocks/>
-          </p:cNvSpPr>
-          <p:nvPr/>
-        </p:nvSpPr>
-        <p:spPr bwMode="ltGray">
-          <a:xfrm>
-            <a:off x="7498451" y="963871"/>
-            <a:ext cx="2118387" cy="2897177"/>
-          </a:xfrm>
-          <a:prstGeom prst="rect">
-            <a:avLst/>
-          </a:prstGeom>
-          <a:ln w="9525" cap="flat" cmpd="sng" algn="ctr">
-            <a:solidFill>
-              <a:schemeClr val="accent1"/>
-            </a:solidFill>
-            <a:prstDash val="solid"/>
-            <a:round/>
-            <a:headEnd type="none" w="med" len="med"/>
-            <a:tailEnd type="none" w="med" len="med"/>
-          </a:ln>
-        </p:spPr>
-        <p:style>
-          <a:lnRef idx="0">
-            <a:scrgbClr r="0" g="0" b="0"/>
-          </a:lnRef>
-          <a:fillRef idx="0">
-            <a:scrgbClr r="0" g="0" b="0"/>
-          </a:fillRef>
-          <a:effectRef idx="0">
-            <a:scrgbClr r="0" g="0" b="0"/>
-          </a:effectRef>
-          <a:fontRef idx="minor">
-            <a:schemeClr val="accent1"/>
-          </a:fontRef>
-        </p:style>
-        <p:txBody>
-          <a:bodyPr vert="horz" lIns="91440" tIns="45720" rIns="91440" bIns="45720" rtlCol="0">
-            <a:normAutofit/>
-          </a:bodyPr>
-          <a:lstStyle>
-            <a:lvl1pPr marL="342900" indent="-342900" algn="l" defTabSz="914400" rtl="0" eaLnBrk="1" latinLnBrk="0" hangingPunct="1">
-              <a:lnSpc>
-                <a:spcPct val="100000"/>
-              </a:lnSpc>
-              <a:spcBef>
-                <a:spcPts val="600"/>
-              </a:spcBef>
-              <a:spcAft>
-                <a:spcPts val="600"/>
-              </a:spcAft>
-              <a:buClr>
-                <a:schemeClr val="accent1"/>
-              </a:buClr>
-              <a:buFont typeface="Wingdings" panose="05000000000000000000" pitchFamily="2" charset="2"/>
-              <a:buChar char="l"/>
-              <a:defRPr sz="2800" b="1" kern="1200">
-                <a:solidFill>
-                  <a:srgbClr val="FFFFFF"/>
-                </a:solidFill>
-                <a:latin typeface="+mn-lt"/>
-                <a:ea typeface="+mn-ea"/>
-                <a:cs typeface="+mn-cs"/>
-              </a:defRPr>
-            </a:lvl1pPr>
-            <a:lvl2pPr marL="714375" indent="-352425" algn="l" defTabSz="914400" rtl="0" eaLnBrk="1" latinLnBrk="0" hangingPunct="1">
-              <a:lnSpc>
-                <a:spcPct val="100000"/>
-              </a:lnSpc>
-              <a:spcBef>
-                <a:spcPts val="600"/>
-              </a:spcBef>
-              <a:spcAft>
-                <a:spcPts val="600"/>
-              </a:spcAft>
-              <a:buClr>
-                <a:schemeClr val="accent2"/>
-              </a:buClr>
-              <a:buFont typeface="Wingdings" panose="05000000000000000000" pitchFamily="2" charset="2"/>
-              <a:buChar char="u"/>
-              <a:defRPr sz="2400" b="0" kern="1200">
-                <a:solidFill>
-                  <a:srgbClr val="FFFFFF"/>
-                </a:solidFill>
-                <a:latin typeface="+mn-lt"/>
-                <a:ea typeface="+mn-ea"/>
-                <a:cs typeface="+mn-cs"/>
-              </a:defRPr>
-            </a:lvl2pPr>
-            <a:lvl3pPr marL="1076325" indent="-266700" algn="l" defTabSz="914400" rtl="0" eaLnBrk="1" latinLnBrk="0" hangingPunct="1">
-              <a:lnSpc>
-                <a:spcPct val="100000"/>
-              </a:lnSpc>
-              <a:spcBef>
-                <a:spcPts val="600"/>
-              </a:spcBef>
-              <a:spcAft>
-                <a:spcPts val="600"/>
-              </a:spcAft>
-              <a:buClr>
-                <a:schemeClr val="accent3"/>
-              </a:buClr>
-              <a:buFont typeface="Wingdings" panose="05000000000000000000" pitchFamily="2" charset="2"/>
-              <a:buChar char="p"/>
-              <a:defRPr sz="2000" kern="1200">
-                <a:solidFill>
-                  <a:srgbClr val="FFFFFF"/>
-                </a:solidFill>
-                <a:latin typeface="+mn-lt"/>
-                <a:ea typeface="+mn-ea"/>
-                <a:cs typeface="+mn-cs"/>
-              </a:defRPr>
-            </a:lvl3pPr>
-            <a:lvl4pPr marL="1343025" indent="-180975" algn="l" defTabSz="914400" rtl="0" eaLnBrk="1" latinLnBrk="0" hangingPunct="1">
-              <a:lnSpc>
-                <a:spcPct val="100000"/>
-              </a:lnSpc>
-              <a:spcBef>
-                <a:spcPts val="600"/>
-              </a:spcBef>
-              <a:spcAft>
-                <a:spcPts val="600"/>
-              </a:spcAft>
-              <a:buClr>
-                <a:schemeClr val="accent4"/>
-              </a:buClr>
-              <a:buFont typeface="Wingdings" panose="05000000000000000000" pitchFamily="2" charset="2"/>
-              <a:buChar char="n"/>
-              <a:defRPr sz="1800" kern="1200">
-                <a:solidFill>
-                  <a:srgbClr val="FFFFFF"/>
-                </a:solidFill>
-                <a:latin typeface="+mn-lt"/>
-                <a:ea typeface="+mn-ea"/>
-                <a:cs typeface="+mn-cs"/>
-              </a:defRPr>
-            </a:lvl4pPr>
-            <a:lvl5pPr marL="1619250" indent="-276225" algn="l" defTabSz="914400" rtl="0" eaLnBrk="1" latinLnBrk="0" hangingPunct="1">
-              <a:lnSpc>
-                <a:spcPct val="100000"/>
-              </a:lnSpc>
-              <a:spcBef>
-                <a:spcPts val="600"/>
-              </a:spcBef>
-              <a:spcAft>
-                <a:spcPts val="600"/>
-              </a:spcAft>
-              <a:buClr>
-                <a:schemeClr val="accent5"/>
-              </a:buClr>
-              <a:buFont typeface="Arial" pitchFamily="34" charset="0"/>
-              <a:buChar char="»"/>
-              <a:tabLst>
-                <a:tab pos="7981950" algn="l"/>
-              </a:tabLst>
-              <a:defRPr sz="1800" kern="1200">
-                <a:solidFill>
-                  <a:srgbClr val="FFFFFF"/>
-                </a:solidFill>
-                <a:latin typeface="+mn-lt"/>
-                <a:ea typeface="+mn-ea"/>
-                <a:cs typeface="+mn-cs"/>
-              </a:defRPr>
-            </a:lvl5pPr>
-            <a:lvl6pPr marL="2514600" indent="-228600" algn="l" defTabSz="914400" rtl="0" eaLnBrk="1" latinLnBrk="0" hangingPunct="1">
-              <a:spcBef>
-                <a:spcPct val="20000"/>
-              </a:spcBef>
-              <a:buFont typeface="Arial" pitchFamily="34" charset="0"/>
-              <a:buChar char="•"/>
-              <a:defRPr sz="2000" kern="1200">
-                <a:solidFill>
-                  <a:schemeClr val="accent1"/>
-                </a:solidFill>
-                <a:latin typeface="+mn-lt"/>
-                <a:ea typeface="+mn-ea"/>
-                <a:cs typeface="+mn-cs"/>
-              </a:defRPr>
-            </a:lvl6pPr>
-            <a:lvl7pPr marL="2971800" indent="-228600" algn="l" defTabSz="914400" rtl="0" eaLnBrk="1" latinLnBrk="0" hangingPunct="1">
-              <a:spcBef>
-                <a:spcPct val="20000"/>
-              </a:spcBef>
-              <a:buFont typeface="Arial" pitchFamily="34" charset="0"/>
-              <a:buChar char="•"/>
-              <a:defRPr sz="2000" kern="1200">
-                <a:solidFill>
-                  <a:schemeClr val="accent1"/>
-                </a:solidFill>
-                <a:latin typeface="+mn-lt"/>
-                <a:ea typeface="+mn-ea"/>
-                <a:cs typeface="+mn-cs"/>
-              </a:defRPr>
-            </a:lvl7pPr>
-            <a:lvl8pPr marL="3429000" indent="-228600" algn="l" defTabSz="914400" rtl="0" eaLnBrk="1" latinLnBrk="0" hangingPunct="1">
-              <a:spcBef>
-                <a:spcPct val="20000"/>
-              </a:spcBef>
-              <a:buFont typeface="Arial" pitchFamily="34" charset="0"/>
-              <a:buChar char="•"/>
-              <a:defRPr sz="2000" kern="1200">
-                <a:solidFill>
-                  <a:schemeClr val="accent1"/>
-                </a:solidFill>
-                <a:latin typeface="+mn-lt"/>
-                <a:ea typeface="+mn-ea"/>
-                <a:cs typeface="+mn-cs"/>
-              </a:defRPr>
-            </a:lvl8pPr>
-            <a:lvl9pPr marL="3886200" indent="-228600" algn="l" defTabSz="914400" rtl="0" eaLnBrk="1" latinLnBrk="0" hangingPunct="1">
-              <a:spcBef>
-                <a:spcPct val="20000"/>
-              </a:spcBef>
-              <a:buFont typeface="Arial" pitchFamily="34" charset="0"/>
-              <a:buChar char="•"/>
-              <a:defRPr sz="2000" kern="1200">
-                <a:solidFill>
-                  <a:schemeClr val="accent1"/>
-                </a:solidFill>
-                <a:latin typeface="+mn-lt"/>
-                <a:ea typeface="+mn-ea"/>
-                <a:cs typeface="+mn-cs"/>
-              </a:defRPr>
-            </a:lvl9pPr>
-          </a:lstStyle>
-          <a:p>
-            <a:pPr marL="0" indent="0">
-              <a:buFont typeface="Wingdings" panose="05000000000000000000" pitchFamily="2" charset="2"/>
-              <a:buNone/>
-            </a:pPr>
-            <a:r>
-              <a:rPr lang="zh-TW" altLang="en-US" sz="1800" dirty="0"/>
-              <a:t>畫面中，由上至下，區塊分別為：</a:t>
-            </a:r>
-            <a:endParaRPr lang="en-US" altLang="zh-TW" sz="1800" dirty="0"/>
-          </a:p>
-          <a:p>
-            <a:r>
-              <a:rPr lang="zh-TW" altLang="en-US" sz="1800" dirty="0"/>
-              <a:t>相關商品區塊：可看到不同商品的推薦。</a:t>
-            </a:r>
-          </a:p>
-          <a:p>
-            <a:r>
-              <a:rPr lang="zh-TW" altLang="en-US" sz="1800" dirty="0"/>
-              <a:t>瀏覽紀錄區塊：可看到使用者過去瀏覽過的商品。</a:t>
-            </a:r>
-          </a:p>
-        </p:txBody>
-      </p:sp>
-      <p:pic>
-        <p:nvPicPr>
-          <p:cNvPr id="4" name="圖片 3">
-            <a:extLst>
-              <a:ext uri="{FF2B5EF4-FFF2-40B4-BE49-F238E27FC236}">
-                <a16:creationId xmlns:a16="http://schemas.microsoft.com/office/drawing/2014/main" id="{59C4EB8F-7883-4DB8-8306-E82A5F8FA794}"/>
-              </a:ext>
-            </a:extLst>
-          </p:cNvPr>
-          <p:cNvPicPr>
-            <a:picLocks noChangeAspect="1"/>
-          </p:cNvPicPr>
-          <p:nvPr/>
-        </p:nvPicPr>
-        <p:blipFill>
-          <a:blip r:embed="rId2"/>
-          <a:stretch>
-            <a:fillRect/>
-          </a:stretch>
-        </p:blipFill>
-        <p:spPr>
-          <a:xfrm>
-            <a:off x="273178" y="966112"/>
-            <a:ext cx="6961684" cy="282430"/>
-          </a:xfrm>
-          <a:prstGeom prst="rect">
-            <a:avLst/>
-          </a:prstGeom>
-        </p:spPr>
-      </p:pic>
-      <p:pic>
-        <p:nvPicPr>
           <p:cNvPr id="8" name="圖片 7">
             <a:extLst>
               <a:ext uri="{FF2B5EF4-FFF2-40B4-BE49-F238E27FC236}">
@@ -5361,7 +4969,7 @@
 </p:sld>
 </file>
 
-<file path=ppt/slides/slide12.xml><?xml version="1.0" encoding="utf-8"?>
+<file path=ppt/slides/slide11.xml><?xml version="1.0" encoding="utf-8"?>
 <p:sld xmlns:a="http://schemas.openxmlformats.org/drawingml/2006/main" xmlns:r="http://schemas.openxmlformats.org/officeDocument/2006/relationships" xmlns:p="http://schemas.openxmlformats.org/presentationml/2006/main">
   <p:cSld>
     <p:spTree>
@@ -5752,7 +5360,7 @@
 </p:sld>
 </file>
 
-<file path=ppt/slides/slide13.xml><?xml version="1.0" encoding="utf-8"?>
+<file path=ppt/slides/slide12.xml><?xml version="1.0" encoding="utf-8"?>
 <p:sld xmlns:a="http://schemas.openxmlformats.org/drawingml/2006/main" xmlns:r="http://schemas.openxmlformats.org/officeDocument/2006/relationships" xmlns:p="http://schemas.openxmlformats.org/presentationml/2006/main">
   <p:cSld>
     <p:spTree>
@@ -5835,7 +5443,7 @@
 </p:sld>
 </file>
 
-<file path=ppt/slides/slide14.xml><?xml version="1.0" encoding="utf-8"?>
+<file path=ppt/slides/slide13.xml><?xml version="1.0" encoding="utf-8"?>
 <p:sld xmlns:a="http://schemas.openxmlformats.org/drawingml/2006/main" xmlns:r="http://schemas.openxmlformats.org/officeDocument/2006/relationships" xmlns:p="http://schemas.openxmlformats.org/presentationml/2006/main">
   <p:cSld>
     <p:spTree>
@@ -6229,6 +5837,525 @@
     <p:extLst>
       <p:ext uri="{BB962C8B-B14F-4D97-AF65-F5344CB8AC3E}">
         <p14:creationId xmlns:p14="http://schemas.microsoft.com/office/powerpoint/2010/main" val="2586117660"/>
+      </p:ext>
+    </p:extLst>
+  </p:cSld>
+  <p:clrMapOvr>
+    <a:masterClrMapping/>
+  </p:clrMapOvr>
+</p:sld>
+</file>
+
+<file path=ppt/slides/slide14.xml><?xml version="1.0" encoding="utf-8"?>
+<p:sld xmlns:a="http://schemas.openxmlformats.org/drawingml/2006/main" xmlns:r="http://schemas.openxmlformats.org/officeDocument/2006/relationships" xmlns:p="http://schemas.openxmlformats.org/presentationml/2006/main">
+  <p:cSld>
+    <p:spTree>
+      <p:nvGrpSpPr>
+        <p:cNvPr id="1" name=""/>
+        <p:cNvGrpSpPr/>
+        <p:nvPr/>
+      </p:nvGrpSpPr>
+      <p:grpSpPr>
+        <a:xfrm>
+          <a:off x="0" y="0"/>
+          <a:ext cx="0" cy="0"/>
+          <a:chOff x="0" y="0"/>
+          <a:chExt cx="0" cy="0"/>
+        </a:xfrm>
+      </p:grpSpPr>
+      <p:sp>
+        <p:nvSpPr>
+          <p:cNvPr id="4" name="標題 3"/>
+          <p:cNvSpPr>
+            <a:spLocks noGrp="1"/>
+          </p:cNvSpPr>
+          <p:nvPr>
+            <p:ph type="title" idx="4294967295"/>
+          </p:nvPr>
+        </p:nvSpPr>
+        <p:spPr>
+          <a:xfrm>
+            <a:off x="632520" y="83684"/>
+            <a:ext cx="8640960" cy="681020"/>
+          </a:xfrm>
+          <a:prstGeom prst="rect">
+            <a:avLst/>
+          </a:prstGeom>
+        </p:spPr>
+        <p:txBody>
+          <a:bodyPr/>
+          <a:lstStyle/>
+          <a:p>
+            <a:r>
+              <a:rPr lang="zh-TW" altLang="en-US" dirty="0"/>
+              <a:t>小組成員與分工介紹</a:t>
+            </a:r>
+          </a:p>
+        </p:txBody>
+      </p:sp>
+      <p:sp>
+        <p:nvSpPr>
+          <p:cNvPr id="3" name="內容版面配置區 1">
+            <a:extLst>
+              <a:ext uri="{FF2B5EF4-FFF2-40B4-BE49-F238E27FC236}">
+                <a16:creationId xmlns:a16="http://schemas.microsoft.com/office/drawing/2014/main" id="{DC987D51-13BD-4CA3-9C55-14EE58EBF5B0}"/>
+              </a:ext>
+            </a:extLst>
+          </p:cNvPr>
+          <p:cNvSpPr txBox="1">
+            <a:spLocks/>
+          </p:cNvSpPr>
+          <p:nvPr/>
+        </p:nvSpPr>
+        <p:spPr bwMode="ltGray">
+          <a:xfrm>
+            <a:off x="1065600" y="979200"/>
+            <a:ext cx="7920000" cy="4824536"/>
+          </a:xfrm>
+          <a:prstGeom prst="rect">
+            <a:avLst/>
+          </a:prstGeom>
+        </p:spPr>
+        <p:txBody>
+          <a:bodyPr vert="horz" lIns="91440" tIns="45720" rIns="91440" bIns="45720" rtlCol="0">
+            <a:normAutofit fontScale="55000" lnSpcReduction="20000"/>
+          </a:bodyPr>
+          <a:lstStyle>
+            <a:lvl1pPr marL="342900" indent="-342900" algn="l" defTabSz="914400" rtl="0" eaLnBrk="1" latinLnBrk="0" hangingPunct="1">
+              <a:lnSpc>
+                <a:spcPct val="100000"/>
+              </a:lnSpc>
+              <a:spcBef>
+                <a:spcPts val="600"/>
+              </a:spcBef>
+              <a:spcAft>
+                <a:spcPts val="600"/>
+              </a:spcAft>
+              <a:buClr>
+                <a:schemeClr val="accent1"/>
+              </a:buClr>
+              <a:buFont typeface="Arial" pitchFamily="34" charset="0"/>
+              <a:buChar char="•"/>
+              <a:defRPr sz="2800" b="1" kern="1200">
+                <a:solidFill>
+                  <a:srgbClr val="393939"/>
+                </a:solidFill>
+                <a:latin typeface="微軟正黑體" pitchFamily="34" charset="-120"/>
+                <a:ea typeface="微軟正黑體" pitchFamily="34" charset="-120"/>
+                <a:cs typeface="+mn-cs"/>
+              </a:defRPr>
+            </a:lvl1pPr>
+            <a:lvl2pPr marL="714375" indent="-352425" algn="l" defTabSz="914400" rtl="0" eaLnBrk="1" latinLnBrk="0" hangingPunct="1">
+              <a:lnSpc>
+                <a:spcPct val="100000"/>
+              </a:lnSpc>
+              <a:spcBef>
+                <a:spcPts val="600"/>
+              </a:spcBef>
+              <a:spcAft>
+                <a:spcPts val="600"/>
+              </a:spcAft>
+              <a:buClr>
+                <a:schemeClr val="accent2"/>
+              </a:buClr>
+              <a:buFont typeface="Arial" pitchFamily="34" charset="0"/>
+              <a:buChar char="–"/>
+              <a:defRPr sz="2400" b="1" kern="1200">
+                <a:solidFill>
+                  <a:srgbClr val="393939"/>
+                </a:solidFill>
+                <a:latin typeface="微軟正黑體" pitchFamily="34" charset="-120"/>
+                <a:ea typeface="微軟正黑體" pitchFamily="34" charset="-120"/>
+                <a:cs typeface="+mn-cs"/>
+              </a:defRPr>
+            </a:lvl2pPr>
+            <a:lvl3pPr marL="1076325" indent="-266700" algn="l" defTabSz="914400" rtl="0" eaLnBrk="1" latinLnBrk="0" hangingPunct="1">
+              <a:lnSpc>
+                <a:spcPct val="100000"/>
+              </a:lnSpc>
+              <a:spcBef>
+                <a:spcPts val="600"/>
+              </a:spcBef>
+              <a:spcAft>
+                <a:spcPts val="600"/>
+              </a:spcAft>
+              <a:buClr>
+                <a:schemeClr val="accent3"/>
+              </a:buClr>
+              <a:buFont typeface="Arial" pitchFamily="34" charset="0"/>
+              <a:buChar char="•"/>
+              <a:defRPr sz="2000" kern="1200">
+                <a:solidFill>
+                  <a:srgbClr val="393939"/>
+                </a:solidFill>
+                <a:latin typeface="微軟正黑體" pitchFamily="34" charset="-120"/>
+                <a:ea typeface="微軟正黑體" pitchFamily="34" charset="-120"/>
+                <a:cs typeface="+mn-cs"/>
+              </a:defRPr>
+            </a:lvl3pPr>
+            <a:lvl4pPr marL="1343025" indent="-180975" algn="l" defTabSz="914400" rtl="0" eaLnBrk="1" latinLnBrk="0" hangingPunct="1">
+              <a:lnSpc>
+                <a:spcPct val="100000"/>
+              </a:lnSpc>
+              <a:spcBef>
+                <a:spcPts val="600"/>
+              </a:spcBef>
+              <a:spcAft>
+                <a:spcPts val="600"/>
+              </a:spcAft>
+              <a:buClr>
+                <a:schemeClr val="accent4"/>
+              </a:buClr>
+              <a:buFont typeface="Arial" pitchFamily="34" charset="0"/>
+              <a:buChar char="–"/>
+              <a:defRPr sz="1800" kern="1200">
+                <a:solidFill>
+                  <a:srgbClr val="393939"/>
+                </a:solidFill>
+                <a:latin typeface="微軟正黑體" pitchFamily="34" charset="-120"/>
+                <a:ea typeface="微軟正黑體" pitchFamily="34" charset="-120"/>
+                <a:cs typeface="+mn-cs"/>
+              </a:defRPr>
+            </a:lvl4pPr>
+            <a:lvl5pPr marL="1619250" indent="-276225" algn="l" defTabSz="914400" rtl="0" eaLnBrk="1" latinLnBrk="0" hangingPunct="1">
+              <a:lnSpc>
+                <a:spcPct val="100000"/>
+              </a:lnSpc>
+              <a:spcBef>
+                <a:spcPts val="600"/>
+              </a:spcBef>
+              <a:spcAft>
+                <a:spcPts val="600"/>
+              </a:spcAft>
+              <a:buClr>
+                <a:schemeClr val="accent5"/>
+              </a:buClr>
+              <a:buFont typeface="Arial" pitchFamily="34" charset="0"/>
+              <a:buChar char="»"/>
+              <a:tabLst>
+                <a:tab pos="7981950" algn="l"/>
+              </a:tabLst>
+              <a:defRPr sz="1800" kern="1200">
+                <a:solidFill>
+                  <a:srgbClr val="393939"/>
+                </a:solidFill>
+                <a:latin typeface="微軟正黑體" pitchFamily="34" charset="-120"/>
+                <a:ea typeface="微軟正黑體" pitchFamily="34" charset="-120"/>
+                <a:cs typeface="+mn-cs"/>
+              </a:defRPr>
+            </a:lvl5pPr>
+            <a:lvl6pPr marL="2514600" indent="-228600" algn="l" defTabSz="914400" rtl="0" eaLnBrk="1" latinLnBrk="0" hangingPunct="1">
+              <a:spcBef>
+                <a:spcPct val="20000"/>
+              </a:spcBef>
+              <a:buFont typeface="Arial" pitchFamily="34" charset="0"/>
+              <a:buChar char="•"/>
+              <a:defRPr sz="2000" kern="1200">
+                <a:solidFill>
+                  <a:schemeClr val="tx1"/>
+                </a:solidFill>
+                <a:latin typeface="+mn-lt"/>
+                <a:ea typeface="+mn-ea"/>
+                <a:cs typeface="+mn-cs"/>
+              </a:defRPr>
+            </a:lvl6pPr>
+            <a:lvl7pPr marL="2971800" indent="-228600" algn="l" defTabSz="914400" rtl="0" eaLnBrk="1" latinLnBrk="0" hangingPunct="1">
+              <a:spcBef>
+                <a:spcPct val="20000"/>
+              </a:spcBef>
+              <a:buFont typeface="Arial" pitchFamily="34" charset="0"/>
+              <a:buChar char="•"/>
+              <a:defRPr sz="2000" kern="1200">
+                <a:solidFill>
+                  <a:schemeClr val="tx1"/>
+                </a:solidFill>
+                <a:latin typeface="+mn-lt"/>
+                <a:ea typeface="+mn-ea"/>
+                <a:cs typeface="+mn-cs"/>
+              </a:defRPr>
+            </a:lvl7pPr>
+            <a:lvl8pPr marL="3429000" indent="-228600" algn="l" defTabSz="914400" rtl="0" eaLnBrk="1" latinLnBrk="0" hangingPunct="1">
+              <a:spcBef>
+                <a:spcPct val="20000"/>
+              </a:spcBef>
+              <a:buFont typeface="Arial" pitchFamily="34" charset="0"/>
+              <a:buChar char="•"/>
+              <a:defRPr sz="2000" kern="1200">
+                <a:solidFill>
+                  <a:schemeClr val="tx1"/>
+                </a:solidFill>
+                <a:latin typeface="+mn-lt"/>
+                <a:ea typeface="+mn-ea"/>
+                <a:cs typeface="+mn-cs"/>
+              </a:defRPr>
+            </a:lvl8pPr>
+            <a:lvl9pPr marL="3886200" indent="-228600" algn="l" defTabSz="914400" rtl="0" eaLnBrk="1" latinLnBrk="0" hangingPunct="1">
+              <a:spcBef>
+                <a:spcPct val="20000"/>
+              </a:spcBef>
+              <a:buFont typeface="Arial" pitchFamily="34" charset="0"/>
+              <a:buChar char="•"/>
+              <a:defRPr sz="2000" kern="1200">
+                <a:solidFill>
+                  <a:schemeClr val="tx1"/>
+                </a:solidFill>
+                <a:latin typeface="+mn-lt"/>
+                <a:ea typeface="+mn-ea"/>
+                <a:cs typeface="+mn-cs"/>
+              </a:defRPr>
+            </a:lvl9pPr>
+          </a:lstStyle>
+          <a:p>
+            <a:pPr>
+              <a:lnSpc>
+                <a:spcPts val="3600"/>
+              </a:lnSpc>
+              <a:buFont typeface="Wingdings" panose="05000000000000000000" pitchFamily="2" charset="2"/>
+              <a:buChar char="l"/>
+            </a:pPr>
+            <a:r>
+              <a:rPr lang="zh-TW" altLang="en-US" dirty="0">
+                <a:solidFill>
+                  <a:schemeClr val="bg1"/>
+                </a:solidFill>
+              </a:rPr>
+              <a:t>許清彰：商城、結帳畫面、商品頁面、</a:t>
+            </a:r>
+            <a:r>
+              <a:rPr lang="en-US" altLang="zh-TW" dirty="0">
+                <a:solidFill>
+                  <a:schemeClr val="bg1"/>
+                </a:solidFill>
+              </a:rPr>
+              <a:t>GitHub</a:t>
+            </a:r>
+            <a:r>
+              <a:rPr lang="zh-TW" altLang="en-US" dirty="0">
+                <a:solidFill>
+                  <a:schemeClr val="bg1"/>
+                </a:solidFill>
+              </a:rPr>
+              <a:t>專案庫建置、資料表設計、企劃書整理、專題說明文件</a:t>
+            </a:r>
+            <a:endParaRPr kumimoji="0" lang="en-US" altLang="zh-TW" sz="2800" b="1" i="0" u="none" strike="noStrike" kern="1200" cap="none" spc="0" normalizeH="0" baseline="0" noProof="0" dirty="0">
+              <a:ln>
+                <a:noFill/>
+              </a:ln>
+              <a:solidFill>
+                <a:schemeClr val="bg1"/>
+              </a:solidFill>
+              <a:effectLst/>
+              <a:uLnTx/>
+              <a:uFillTx/>
+              <a:latin typeface="微軟正黑體" pitchFamily="34" charset="-120"/>
+              <a:ea typeface="微軟正黑體" pitchFamily="34" charset="-120"/>
+              <a:cs typeface="+mn-cs"/>
+            </a:endParaRPr>
+          </a:p>
+          <a:p>
+            <a:pPr>
+              <a:lnSpc>
+                <a:spcPts val="3600"/>
+              </a:lnSpc>
+              <a:buFont typeface="Wingdings" panose="05000000000000000000" pitchFamily="2" charset="2"/>
+              <a:buChar char="l"/>
+            </a:pPr>
+            <a:r>
+              <a:rPr lang="zh-TW" altLang="en-US" dirty="0">
+                <a:solidFill>
+                  <a:schemeClr val="bg1"/>
+                </a:solidFill>
+              </a:rPr>
+              <a:t>林楷紘：商城、結帳畫面、商品頁面、</a:t>
+            </a:r>
+            <a:r>
+              <a:rPr lang="en-US" altLang="zh-TW" dirty="0">
+                <a:solidFill>
+                  <a:schemeClr val="bg1"/>
+                </a:solidFill>
+              </a:rPr>
+              <a:t>GitHub</a:t>
+            </a:r>
+            <a:r>
+              <a:rPr lang="zh-TW" altLang="en-US" dirty="0">
+                <a:solidFill>
+                  <a:schemeClr val="bg1"/>
+                </a:solidFill>
+              </a:rPr>
+              <a:t>專案庫建置、資料表設計、企劃書整理、專題說明文件</a:t>
+            </a:r>
+            <a:endParaRPr lang="en-US" altLang="zh-TW" dirty="0">
+              <a:solidFill>
+                <a:schemeClr val="bg1"/>
+              </a:solidFill>
+            </a:endParaRPr>
+          </a:p>
+          <a:p>
+            <a:pPr>
+              <a:lnSpc>
+                <a:spcPts val="3600"/>
+              </a:lnSpc>
+              <a:buFont typeface="Wingdings" panose="05000000000000000000" pitchFamily="2" charset="2"/>
+              <a:buChar char="l"/>
+            </a:pPr>
+            <a:r>
+              <a:rPr lang="zh-TW" altLang="en-US" dirty="0">
+                <a:solidFill>
+                  <a:schemeClr val="bg1"/>
+                </a:solidFill>
+              </a:rPr>
+              <a:t>紀皓騫：首頁、新聞區、新聞文章、頁面草圖、初版模板</a:t>
+            </a:r>
+            <a:r>
+              <a:rPr lang="en-US" altLang="zh-TW" dirty="0">
+                <a:solidFill>
+                  <a:schemeClr val="bg1"/>
+                </a:solidFill>
+              </a:rPr>
+              <a:t>layout</a:t>
+            </a:r>
+            <a:r>
+              <a:rPr lang="zh-TW" altLang="en-US" dirty="0">
+                <a:solidFill>
+                  <a:schemeClr val="bg1"/>
+                </a:solidFill>
+              </a:rPr>
+              <a:t>、資料表設計</a:t>
+            </a:r>
+            <a:endParaRPr lang="en-US" altLang="zh-TW" dirty="0">
+              <a:solidFill>
+                <a:schemeClr val="bg1"/>
+              </a:solidFill>
+            </a:endParaRPr>
+          </a:p>
+          <a:p>
+            <a:pPr>
+              <a:lnSpc>
+                <a:spcPts val="3600"/>
+              </a:lnSpc>
+              <a:buFont typeface="Wingdings" panose="05000000000000000000" pitchFamily="2" charset="2"/>
+              <a:buChar char="l"/>
+            </a:pPr>
+            <a:r>
+              <a:rPr lang="zh-TW" altLang="en-US" dirty="0">
+                <a:solidFill>
+                  <a:schemeClr val="bg1"/>
+                </a:solidFill>
+              </a:rPr>
+              <a:t>熊偉誌：個人頁面、登入／註冊頁面、設定頁面、系統架構圖、資料表設計</a:t>
+            </a:r>
+            <a:endParaRPr lang="en-US" altLang="zh-TW" dirty="0">
+              <a:solidFill>
+                <a:schemeClr val="bg1"/>
+              </a:solidFill>
+            </a:endParaRPr>
+          </a:p>
+          <a:p>
+            <a:pPr>
+              <a:lnSpc>
+                <a:spcPts val="3600"/>
+              </a:lnSpc>
+              <a:buFont typeface="Wingdings" panose="05000000000000000000" pitchFamily="2" charset="2"/>
+              <a:buChar char="l"/>
+            </a:pPr>
+            <a:r>
+              <a:rPr lang="zh-TW" altLang="en-US" dirty="0">
+                <a:solidFill>
+                  <a:schemeClr val="bg1"/>
+                </a:solidFill>
+              </a:rPr>
+              <a:t>廖士傑：看板頁面</a:t>
+            </a:r>
+            <a:r>
+              <a:rPr lang="en-US" altLang="zh-TW" dirty="0">
+                <a:solidFill>
+                  <a:schemeClr val="bg1"/>
+                </a:solidFill>
+              </a:rPr>
+              <a:t>(</a:t>
+            </a:r>
+            <a:r>
+              <a:rPr lang="zh-TW" altLang="en-US" dirty="0">
+                <a:solidFill>
+                  <a:schemeClr val="bg1"/>
+                </a:solidFill>
+              </a:rPr>
+              <a:t>看板類別</a:t>
+            </a:r>
+            <a:r>
+              <a:rPr lang="en-US" altLang="zh-TW" dirty="0">
+                <a:solidFill>
+                  <a:schemeClr val="bg1"/>
+                </a:solidFill>
+              </a:rPr>
+              <a:t>)</a:t>
+            </a:r>
+            <a:r>
+              <a:rPr lang="zh-TW" altLang="en-US" dirty="0">
+                <a:solidFill>
+                  <a:schemeClr val="bg1"/>
+                </a:solidFill>
+              </a:rPr>
+              <a:t>、討論區</a:t>
+            </a:r>
+            <a:r>
+              <a:rPr lang="en-US" altLang="zh-TW" dirty="0">
+                <a:solidFill>
+                  <a:schemeClr val="bg1"/>
+                </a:solidFill>
+              </a:rPr>
+              <a:t>(</a:t>
+            </a:r>
+            <a:r>
+              <a:rPr lang="zh-TW" altLang="en-US" dirty="0">
+                <a:solidFill>
+                  <a:schemeClr val="bg1"/>
+                </a:solidFill>
+              </a:rPr>
+              <a:t>文章列表</a:t>
+            </a:r>
+            <a:r>
+              <a:rPr lang="en-US" altLang="zh-TW" dirty="0">
+                <a:solidFill>
+                  <a:schemeClr val="bg1"/>
+                </a:solidFill>
+              </a:rPr>
+              <a:t>)</a:t>
+            </a:r>
+            <a:r>
+              <a:rPr lang="zh-TW" altLang="en-US">
+                <a:solidFill>
+                  <a:schemeClr val="bg1"/>
+                </a:solidFill>
+              </a:rPr>
+              <a:t>、訂單紀錄</a:t>
+            </a:r>
+            <a:endParaRPr lang="en-US" altLang="zh-TW" dirty="0">
+              <a:solidFill>
+                <a:schemeClr val="bg1"/>
+              </a:solidFill>
+            </a:endParaRPr>
+          </a:p>
+          <a:p>
+            <a:pPr>
+              <a:lnSpc>
+                <a:spcPts val="3600"/>
+              </a:lnSpc>
+              <a:buFont typeface="Wingdings" panose="05000000000000000000" pitchFamily="2" charset="2"/>
+              <a:buChar char="l"/>
+            </a:pPr>
+            <a:endParaRPr lang="en-US" altLang="zh-TW" dirty="0">
+              <a:solidFill>
+                <a:schemeClr val="bg1"/>
+              </a:solidFill>
+            </a:endParaRPr>
+          </a:p>
+        </p:txBody>
+      </p:sp>
+    </p:spTree>
+    <p:extLst>
+      <p:ext uri="{BB962C8B-B14F-4D97-AF65-F5344CB8AC3E}">
+        <p14:creationId xmlns:p14="http://schemas.microsoft.com/office/powerpoint/2010/main" val="1179930141"/>
       </p:ext>
     </p:extLst>
   </p:cSld>
@@ -6267,525 +6394,6 @@
         </p:nvSpPr>
         <p:spPr>
           <a:xfrm>
-            <a:off x="632520" y="83684"/>
-            <a:ext cx="8640960" cy="681020"/>
-          </a:xfrm>
-          <a:prstGeom prst="rect">
-            <a:avLst/>
-          </a:prstGeom>
-        </p:spPr>
-        <p:txBody>
-          <a:bodyPr/>
-          <a:lstStyle/>
-          <a:p>
-            <a:r>
-              <a:rPr lang="zh-TW" altLang="en-US" dirty="0"/>
-              <a:t>小組成員與分工介紹</a:t>
-            </a:r>
-          </a:p>
-        </p:txBody>
-      </p:sp>
-      <p:sp>
-        <p:nvSpPr>
-          <p:cNvPr id="3" name="內容版面配置區 1">
-            <a:extLst>
-              <a:ext uri="{FF2B5EF4-FFF2-40B4-BE49-F238E27FC236}">
-                <a16:creationId xmlns:a16="http://schemas.microsoft.com/office/drawing/2014/main" id="{DC987D51-13BD-4CA3-9C55-14EE58EBF5B0}"/>
-              </a:ext>
-            </a:extLst>
-          </p:cNvPr>
-          <p:cNvSpPr txBox="1">
-            <a:spLocks/>
-          </p:cNvSpPr>
-          <p:nvPr/>
-        </p:nvSpPr>
-        <p:spPr bwMode="ltGray">
-          <a:xfrm>
-            <a:off x="1065600" y="979200"/>
-            <a:ext cx="7920000" cy="4824536"/>
-          </a:xfrm>
-          <a:prstGeom prst="rect">
-            <a:avLst/>
-          </a:prstGeom>
-        </p:spPr>
-        <p:txBody>
-          <a:bodyPr vert="horz" lIns="91440" tIns="45720" rIns="91440" bIns="45720" rtlCol="0">
-            <a:normAutofit fontScale="55000" lnSpcReduction="20000"/>
-          </a:bodyPr>
-          <a:lstStyle>
-            <a:lvl1pPr marL="342900" indent="-342900" algn="l" defTabSz="914400" rtl="0" eaLnBrk="1" latinLnBrk="0" hangingPunct="1">
-              <a:lnSpc>
-                <a:spcPct val="100000"/>
-              </a:lnSpc>
-              <a:spcBef>
-                <a:spcPts val="600"/>
-              </a:spcBef>
-              <a:spcAft>
-                <a:spcPts val="600"/>
-              </a:spcAft>
-              <a:buClr>
-                <a:schemeClr val="accent1"/>
-              </a:buClr>
-              <a:buFont typeface="Arial" pitchFamily="34" charset="0"/>
-              <a:buChar char="•"/>
-              <a:defRPr sz="2800" b="1" kern="1200">
-                <a:solidFill>
-                  <a:srgbClr val="393939"/>
-                </a:solidFill>
-                <a:latin typeface="微軟正黑體" pitchFamily="34" charset="-120"/>
-                <a:ea typeface="微軟正黑體" pitchFamily="34" charset="-120"/>
-                <a:cs typeface="+mn-cs"/>
-              </a:defRPr>
-            </a:lvl1pPr>
-            <a:lvl2pPr marL="714375" indent="-352425" algn="l" defTabSz="914400" rtl="0" eaLnBrk="1" latinLnBrk="0" hangingPunct="1">
-              <a:lnSpc>
-                <a:spcPct val="100000"/>
-              </a:lnSpc>
-              <a:spcBef>
-                <a:spcPts val="600"/>
-              </a:spcBef>
-              <a:spcAft>
-                <a:spcPts val="600"/>
-              </a:spcAft>
-              <a:buClr>
-                <a:schemeClr val="accent2"/>
-              </a:buClr>
-              <a:buFont typeface="Arial" pitchFamily="34" charset="0"/>
-              <a:buChar char="–"/>
-              <a:defRPr sz="2400" b="1" kern="1200">
-                <a:solidFill>
-                  <a:srgbClr val="393939"/>
-                </a:solidFill>
-                <a:latin typeface="微軟正黑體" pitchFamily="34" charset="-120"/>
-                <a:ea typeface="微軟正黑體" pitchFamily="34" charset="-120"/>
-                <a:cs typeface="+mn-cs"/>
-              </a:defRPr>
-            </a:lvl2pPr>
-            <a:lvl3pPr marL="1076325" indent="-266700" algn="l" defTabSz="914400" rtl="0" eaLnBrk="1" latinLnBrk="0" hangingPunct="1">
-              <a:lnSpc>
-                <a:spcPct val="100000"/>
-              </a:lnSpc>
-              <a:spcBef>
-                <a:spcPts val="600"/>
-              </a:spcBef>
-              <a:spcAft>
-                <a:spcPts val="600"/>
-              </a:spcAft>
-              <a:buClr>
-                <a:schemeClr val="accent3"/>
-              </a:buClr>
-              <a:buFont typeface="Arial" pitchFamily="34" charset="0"/>
-              <a:buChar char="•"/>
-              <a:defRPr sz="2000" kern="1200">
-                <a:solidFill>
-                  <a:srgbClr val="393939"/>
-                </a:solidFill>
-                <a:latin typeface="微軟正黑體" pitchFamily="34" charset="-120"/>
-                <a:ea typeface="微軟正黑體" pitchFamily="34" charset="-120"/>
-                <a:cs typeface="+mn-cs"/>
-              </a:defRPr>
-            </a:lvl3pPr>
-            <a:lvl4pPr marL="1343025" indent="-180975" algn="l" defTabSz="914400" rtl="0" eaLnBrk="1" latinLnBrk="0" hangingPunct="1">
-              <a:lnSpc>
-                <a:spcPct val="100000"/>
-              </a:lnSpc>
-              <a:spcBef>
-                <a:spcPts val="600"/>
-              </a:spcBef>
-              <a:spcAft>
-                <a:spcPts val="600"/>
-              </a:spcAft>
-              <a:buClr>
-                <a:schemeClr val="accent4"/>
-              </a:buClr>
-              <a:buFont typeface="Arial" pitchFamily="34" charset="0"/>
-              <a:buChar char="–"/>
-              <a:defRPr sz="1800" kern="1200">
-                <a:solidFill>
-                  <a:srgbClr val="393939"/>
-                </a:solidFill>
-                <a:latin typeface="微軟正黑體" pitchFamily="34" charset="-120"/>
-                <a:ea typeface="微軟正黑體" pitchFamily="34" charset="-120"/>
-                <a:cs typeface="+mn-cs"/>
-              </a:defRPr>
-            </a:lvl4pPr>
-            <a:lvl5pPr marL="1619250" indent="-276225" algn="l" defTabSz="914400" rtl="0" eaLnBrk="1" latinLnBrk="0" hangingPunct="1">
-              <a:lnSpc>
-                <a:spcPct val="100000"/>
-              </a:lnSpc>
-              <a:spcBef>
-                <a:spcPts val="600"/>
-              </a:spcBef>
-              <a:spcAft>
-                <a:spcPts val="600"/>
-              </a:spcAft>
-              <a:buClr>
-                <a:schemeClr val="accent5"/>
-              </a:buClr>
-              <a:buFont typeface="Arial" pitchFamily="34" charset="0"/>
-              <a:buChar char="»"/>
-              <a:tabLst>
-                <a:tab pos="7981950" algn="l"/>
-              </a:tabLst>
-              <a:defRPr sz="1800" kern="1200">
-                <a:solidFill>
-                  <a:srgbClr val="393939"/>
-                </a:solidFill>
-                <a:latin typeface="微軟正黑體" pitchFamily="34" charset="-120"/>
-                <a:ea typeface="微軟正黑體" pitchFamily="34" charset="-120"/>
-                <a:cs typeface="+mn-cs"/>
-              </a:defRPr>
-            </a:lvl5pPr>
-            <a:lvl6pPr marL="2514600" indent="-228600" algn="l" defTabSz="914400" rtl="0" eaLnBrk="1" latinLnBrk="0" hangingPunct="1">
-              <a:spcBef>
-                <a:spcPct val="20000"/>
-              </a:spcBef>
-              <a:buFont typeface="Arial" pitchFamily="34" charset="0"/>
-              <a:buChar char="•"/>
-              <a:defRPr sz="2000" kern="1200">
-                <a:solidFill>
-                  <a:schemeClr val="tx1"/>
-                </a:solidFill>
-                <a:latin typeface="+mn-lt"/>
-                <a:ea typeface="+mn-ea"/>
-                <a:cs typeface="+mn-cs"/>
-              </a:defRPr>
-            </a:lvl6pPr>
-            <a:lvl7pPr marL="2971800" indent="-228600" algn="l" defTabSz="914400" rtl="0" eaLnBrk="1" latinLnBrk="0" hangingPunct="1">
-              <a:spcBef>
-                <a:spcPct val="20000"/>
-              </a:spcBef>
-              <a:buFont typeface="Arial" pitchFamily="34" charset="0"/>
-              <a:buChar char="•"/>
-              <a:defRPr sz="2000" kern="1200">
-                <a:solidFill>
-                  <a:schemeClr val="tx1"/>
-                </a:solidFill>
-                <a:latin typeface="+mn-lt"/>
-                <a:ea typeface="+mn-ea"/>
-                <a:cs typeface="+mn-cs"/>
-              </a:defRPr>
-            </a:lvl7pPr>
-            <a:lvl8pPr marL="3429000" indent="-228600" algn="l" defTabSz="914400" rtl="0" eaLnBrk="1" latinLnBrk="0" hangingPunct="1">
-              <a:spcBef>
-                <a:spcPct val="20000"/>
-              </a:spcBef>
-              <a:buFont typeface="Arial" pitchFamily="34" charset="0"/>
-              <a:buChar char="•"/>
-              <a:defRPr sz="2000" kern="1200">
-                <a:solidFill>
-                  <a:schemeClr val="tx1"/>
-                </a:solidFill>
-                <a:latin typeface="+mn-lt"/>
-                <a:ea typeface="+mn-ea"/>
-                <a:cs typeface="+mn-cs"/>
-              </a:defRPr>
-            </a:lvl8pPr>
-            <a:lvl9pPr marL="3886200" indent="-228600" algn="l" defTabSz="914400" rtl="0" eaLnBrk="1" latinLnBrk="0" hangingPunct="1">
-              <a:spcBef>
-                <a:spcPct val="20000"/>
-              </a:spcBef>
-              <a:buFont typeface="Arial" pitchFamily="34" charset="0"/>
-              <a:buChar char="•"/>
-              <a:defRPr sz="2000" kern="1200">
-                <a:solidFill>
-                  <a:schemeClr val="tx1"/>
-                </a:solidFill>
-                <a:latin typeface="+mn-lt"/>
-                <a:ea typeface="+mn-ea"/>
-                <a:cs typeface="+mn-cs"/>
-              </a:defRPr>
-            </a:lvl9pPr>
-          </a:lstStyle>
-          <a:p>
-            <a:pPr>
-              <a:lnSpc>
-                <a:spcPts val="3600"/>
-              </a:lnSpc>
-              <a:buFont typeface="Wingdings" panose="05000000000000000000" pitchFamily="2" charset="2"/>
-              <a:buChar char="l"/>
-            </a:pPr>
-            <a:r>
-              <a:rPr lang="zh-TW" altLang="en-US" dirty="0">
-                <a:solidFill>
-                  <a:schemeClr val="bg1"/>
-                </a:solidFill>
-              </a:rPr>
-              <a:t>許清彰：商城、結帳畫面、商品頁面、</a:t>
-            </a:r>
-            <a:r>
-              <a:rPr lang="en-US" altLang="zh-TW" dirty="0">
-                <a:solidFill>
-                  <a:schemeClr val="bg1"/>
-                </a:solidFill>
-              </a:rPr>
-              <a:t>GitHub</a:t>
-            </a:r>
-            <a:r>
-              <a:rPr lang="zh-TW" altLang="en-US" dirty="0">
-                <a:solidFill>
-                  <a:schemeClr val="bg1"/>
-                </a:solidFill>
-              </a:rPr>
-              <a:t>專案庫建置、資料表設計、企劃書整理、專題說明文件</a:t>
-            </a:r>
-            <a:endParaRPr kumimoji="0" lang="en-US" altLang="zh-TW" sz="2800" b="1" i="0" u="none" strike="noStrike" kern="1200" cap="none" spc="0" normalizeH="0" baseline="0" noProof="0" dirty="0">
-              <a:ln>
-                <a:noFill/>
-              </a:ln>
-              <a:solidFill>
-                <a:schemeClr val="bg1"/>
-              </a:solidFill>
-              <a:effectLst/>
-              <a:uLnTx/>
-              <a:uFillTx/>
-              <a:latin typeface="微軟正黑體" pitchFamily="34" charset="-120"/>
-              <a:ea typeface="微軟正黑體" pitchFamily="34" charset="-120"/>
-              <a:cs typeface="+mn-cs"/>
-            </a:endParaRPr>
-          </a:p>
-          <a:p>
-            <a:pPr>
-              <a:lnSpc>
-                <a:spcPts val="3600"/>
-              </a:lnSpc>
-              <a:buFont typeface="Wingdings" panose="05000000000000000000" pitchFamily="2" charset="2"/>
-              <a:buChar char="l"/>
-            </a:pPr>
-            <a:r>
-              <a:rPr lang="zh-TW" altLang="en-US" dirty="0">
-                <a:solidFill>
-                  <a:schemeClr val="bg1"/>
-                </a:solidFill>
-              </a:rPr>
-              <a:t>林楷紘：商城、結帳畫面、商品頁面、</a:t>
-            </a:r>
-            <a:r>
-              <a:rPr lang="en-US" altLang="zh-TW" dirty="0">
-                <a:solidFill>
-                  <a:schemeClr val="bg1"/>
-                </a:solidFill>
-              </a:rPr>
-              <a:t>GitHub</a:t>
-            </a:r>
-            <a:r>
-              <a:rPr lang="zh-TW" altLang="en-US" dirty="0">
-                <a:solidFill>
-                  <a:schemeClr val="bg1"/>
-                </a:solidFill>
-              </a:rPr>
-              <a:t>專案庫建置、資料表設計、企劃書整理、專題說明文件</a:t>
-            </a:r>
-            <a:endParaRPr lang="en-US" altLang="zh-TW" dirty="0">
-              <a:solidFill>
-                <a:schemeClr val="bg1"/>
-              </a:solidFill>
-            </a:endParaRPr>
-          </a:p>
-          <a:p>
-            <a:pPr>
-              <a:lnSpc>
-                <a:spcPts val="3600"/>
-              </a:lnSpc>
-              <a:buFont typeface="Wingdings" panose="05000000000000000000" pitchFamily="2" charset="2"/>
-              <a:buChar char="l"/>
-            </a:pPr>
-            <a:r>
-              <a:rPr lang="zh-TW" altLang="en-US" dirty="0">
-                <a:solidFill>
-                  <a:schemeClr val="bg1"/>
-                </a:solidFill>
-              </a:rPr>
-              <a:t>紀皓騫：首頁、新聞區、新聞文章、頁面草圖、初版模板</a:t>
-            </a:r>
-            <a:r>
-              <a:rPr lang="en-US" altLang="zh-TW" dirty="0">
-                <a:solidFill>
-                  <a:schemeClr val="bg1"/>
-                </a:solidFill>
-              </a:rPr>
-              <a:t>layout</a:t>
-            </a:r>
-            <a:r>
-              <a:rPr lang="zh-TW" altLang="en-US" dirty="0">
-                <a:solidFill>
-                  <a:schemeClr val="bg1"/>
-                </a:solidFill>
-              </a:rPr>
-              <a:t>、資料表設計</a:t>
-            </a:r>
-            <a:endParaRPr lang="en-US" altLang="zh-TW" dirty="0">
-              <a:solidFill>
-                <a:schemeClr val="bg1"/>
-              </a:solidFill>
-            </a:endParaRPr>
-          </a:p>
-          <a:p>
-            <a:pPr>
-              <a:lnSpc>
-                <a:spcPts val="3600"/>
-              </a:lnSpc>
-              <a:buFont typeface="Wingdings" panose="05000000000000000000" pitchFamily="2" charset="2"/>
-              <a:buChar char="l"/>
-            </a:pPr>
-            <a:r>
-              <a:rPr lang="zh-TW" altLang="en-US" dirty="0">
-                <a:solidFill>
-                  <a:schemeClr val="bg1"/>
-                </a:solidFill>
-              </a:rPr>
-              <a:t>熊偉誌：個人頁面、登入／註冊頁面、設定頁面、系統架構圖、資料表設計</a:t>
-            </a:r>
-            <a:endParaRPr lang="en-US" altLang="zh-TW" dirty="0">
-              <a:solidFill>
-                <a:schemeClr val="bg1"/>
-              </a:solidFill>
-            </a:endParaRPr>
-          </a:p>
-          <a:p>
-            <a:pPr>
-              <a:lnSpc>
-                <a:spcPts val="3600"/>
-              </a:lnSpc>
-              <a:buFont typeface="Wingdings" panose="05000000000000000000" pitchFamily="2" charset="2"/>
-              <a:buChar char="l"/>
-            </a:pPr>
-            <a:r>
-              <a:rPr lang="zh-TW" altLang="en-US" dirty="0">
-                <a:solidFill>
-                  <a:schemeClr val="bg1"/>
-                </a:solidFill>
-              </a:rPr>
-              <a:t>廖士傑：看板頁面</a:t>
-            </a:r>
-            <a:r>
-              <a:rPr lang="en-US" altLang="zh-TW" dirty="0">
-                <a:solidFill>
-                  <a:schemeClr val="bg1"/>
-                </a:solidFill>
-              </a:rPr>
-              <a:t>(</a:t>
-            </a:r>
-            <a:r>
-              <a:rPr lang="zh-TW" altLang="en-US" dirty="0">
-                <a:solidFill>
-                  <a:schemeClr val="bg1"/>
-                </a:solidFill>
-              </a:rPr>
-              <a:t>看板類別</a:t>
-            </a:r>
-            <a:r>
-              <a:rPr lang="en-US" altLang="zh-TW" dirty="0">
-                <a:solidFill>
-                  <a:schemeClr val="bg1"/>
-                </a:solidFill>
-              </a:rPr>
-              <a:t>)</a:t>
-            </a:r>
-            <a:r>
-              <a:rPr lang="zh-TW" altLang="en-US" dirty="0">
-                <a:solidFill>
-                  <a:schemeClr val="bg1"/>
-                </a:solidFill>
-              </a:rPr>
-              <a:t>、討論區</a:t>
-            </a:r>
-            <a:r>
-              <a:rPr lang="en-US" altLang="zh-TW" dirty="0">
-                <a:solidFill>
-                  <a:schemeClr val="bg1"/>
-                </a:solidFill>
-              </a:rPr>
-              <a:t>(</a:t>
-            </a:r>
-            <a:r>
-              <a:rPr lang="zh-TW" altLang="en-US" dirty="0">
-                <a:solidFill>
-                  <a:schemeClr val="bg1"/>
-                </a:solidFill>
-              </a:rPr>
-              <a:t>文章列表</a:t>
-            </a:r>
-            <a:r>
-              <a:rPr lang="en-US" altLang="zh-TW" dirty="0">
-                <a:solidFill>
-                  <a:schemeClr val="bg1"/>
-                </a:solidFill>
-              </a:rPr>
-              <a:t>)</a:t>
-            </a:r>
-            <a:r>
-              <a:rPr lang="zh-TW" altLang="en-US">
-                <a:solidFill>
-                  <a:schemeClr val="bg1"/>
-                </a:solidFill>
-              </a:rPr>
-              <a:t>、訂單紀錄</a:t>
-            </a:r>
-            <a:endParaRPr lang="en-US" altLang="zh-TW" dirty="0">
-              <a:solidFill>
-                <a:schemeClr val="bg1"/>
-              </a:solidFill>
-            </a:endParaRPr>
-          </a:p>
-          <a:p>
-            <a:pPr>
-              <a:lnSpc>
-                <a:spcPts val="3600"/>
-              </a:lnSpc>
-              <a:buFont typeface="Wingdings" panose="05000000000000000000" pitchFamily="2" charset="2"/>
-              <a:buChar char="l"/>
-            </a:pPr>
-            <a:endParaRPr lang="en-US" altLang="zh-TW" dirty="0">
-              <a:solidFill>
-                <a:schemeClr val="bg1"/>
-              </a:solidFill>
-            </a:endParaRPr>
-          </a:p>
-        </p:txBody>
-      </p:sp>
-    </p:spTree>
-    <p:extLst>
-      <p:ext uri="{BB962C8B-B14F-4D97-AF65-F5344CB8AC3E}">
-        <p14:creationId xmlns:p14="http://schemas.microsoft.com/office/powerpoint/2010/main" val="1179930141"/>
-      </p:ext>
-    </p:extLst>
-  </p:cSld>
-  <p:clrMapOvr>
-    <a:masterClrMapping/>
-  </p:clrMapOvr>
-</p:sld>
-</file>
-
-<file path=ppt/slides/slide16.xml><?xml version="1.0" encoding="utf-8"?>
-<p:sld xmlns:a="http://schemas.openxmlformats.org/drawingml/2006/main" xmlns:r="http://schemas.openxmlformats.org/officeDocument/2006/relationships" xmlns:p="http://schemas.openxmlformats.org/presentationml/2006/main">
-  <p:cSld>
-    <p:spTree>
-      <p:nvGrpSpPr>
-        <p:cNvPr id="1" name=""/>
-        <p:cNvGrpSpPr/>
-        <p:nvPr/>
-      </p:nvGrpSpPr>
-      <p:grpSpPr>
-        <a:xfrm>
-          <a:off x="0" y="0"/>
-          <a:ext cx="0" cy="0"/>
-          <a:chOff x="0" y="0"/>
-          <a:chExt cx="0" cy="0"/>
-        </a:xfrm>
-      </p:grpSpPr>
-      <p:sp>
-        <p:nvSpPr>
-          <p:cNvPr id="4" name="標題 3"/>
-          <p:cNvSpPr>
-            <a:spLocks noGrp="1"/>
-          </p:cNvSpPr>
-          <p:nvPr>
-            <p:ph type="title" idx="4294967295"/>
-          </p:nvPr>
-        </p:nvSpPr>
-        <p:spPr>
-          <a:xfrm>
             <a:off x="632520" y="72008"/>
             <a:ext cx="8640960" cy="692696"/>
           </a:xfrm>
@@ -7261,7 +6869,7 @@
 </p:sld>
 </file>
 
-<file path=ppt/slides/slide17.xml><?xml version="1.0" encoding="utf-8"?>
+<file path=ppt/slides/slide16.xml><?xml version="1.0" encoding="utf-8"?>
 <p:sld xmlns:a="http://schemas.openxmlformats.org/drawingml/2006/main" xmlns:r="http://schemas.openxmlformats.org/officeDocument/2006/relationships" xmlns:p="http://schemas.openxmlformats.org/presentationml/2006/main">
   <p:cSld>
     <p:spTree>
@@ -7383,7 +6991,7 @@
 </p:sld>
 </file>
 
-<file path=ppt/slides/slide18.xml><?xml version="1.0" encoding="utf-8"?>
+<file path=ppt/slides/slide17.xml><?xml version="1.0" encoding="utf-8"?>
 <p:sld xmlns:a="http://schemas.openxmlformats.org/drawingml/2006/main" xmlns:r="http://schemas.openxmlformats.org/officeDocument/2006/relationships" xmlns:p="http://schemas.openxmlformats.org/presentationml/2006/main">
   <p:cSld>
     <p:spTree>
@@ -7472,7 +7080,7 @@
 </p:sld>
 </file>
 
-<file path=ppt/slides/slide19.xml><?xml version="1.0" encoding="utf-8"?>
+<file path=ppt/slides/slide18.xml><?xml version="1.0" encoding="utf-8"?>
 <p:sld xmlns:a="http://schemas.openxmlformats.org/drawingml/2006/main" xmlns:r="http://schemas.openxmlformats.org/officeDocument/2006/relationships" xmlns:p="http://schemas.openxmlformats.org/presentationml/2006/main">
   <p:cSld>
     <p:spTree>
@@ -7587,6 +7195,91 @@
     <p:extLst>
       <p:ext uri="{BB962C8B-B14F-4D97-AF65-F5344CB8AC3E}">
         <p14:creationId xmlns:p14="http://schemas.microsoft.com/office/powerpoint/2010/main" val="1335810427"/>
+      </p:ext>
+    </p:extLst>
+  </p:cSld>
+  <p:clrMapOvr>
+    <a:masterClrMapping/>
+  </p:clrMapOvr>
+</p:sld>
+</file>
+
+<file path=ppt/slides/slide19.xml><?xml version="1.0" encoding="utf-8"?>
+<p:sld xmlns:a="http://schemas.openxmlformats.org/drawingml/2006/main" xmlns:r="http://schemas.openxmlformats.org/officeDocument/2006/relationships" xmlns:p="http://schemas.openxmlformats.org/presentationml/2006/main">
+  <p:cSld>
+    <p:spTree>
+      <p:nvGrpSpPr>
+        <p:cNvPr id="1" name=""/>
+        <p:cNvGrpSpPr/>
+        <p:nvPr/>
+      </p:nvGrpSpPr>
+      <p:grpSpPr>
+        <a:xfrm>
+          <a:off x="0" y="0"/>
+          <a:ext cx="0" cy="0"/>
+          <a:chOff x="0" y="0"/>
+          <a:chExt cx="0" cy="0"/>
+        </a:xfrm>
+      </p:grpSpPr>
+      <p:sp>
+        <p:nvSpPr>
+          <p:cNvPr id="5" name="標題 4"/>
+          <p:cNvSpPr>
+            <a:spLocks noGrp="1"/>
+          </p:cNvSpPr>
+          <p:nvPr>
+            <p:ph type="title" idx="4294967295"/>
+          </p:nvPr>
+        </p:nvSpPr>
+        <p:spPr>
+          <a:xfrm>
+            <a:off x="632520" y="72008"/>
+            <a:ext cx="8640960" cy="692696"/>
+          </a:xfrm>
+          <a:prstGeom prst="rect">
+            <a:avLst/>
+          </a:prstGeom>
+        </p:spPr>
+        <p:txBody>
+          <a:bodyPr/>
+          <a:lstStyle/>
+          <a:p>
+            <a:r>
+              <a:rPr lang="zh-TW" altLang="en-US" dirty="0"/>
+              <a:t>填入標題，若不會用到請移除此頁</a:t>
+            </a:r>
+          </a:p>
+        </p:txBody>
+      </p:sp>
+      <p:graphicFrame>
+        <p:nvGraphicFramePr>
+          <p:cNvPr id="7" name="內容版面配置區 5"/>
+          <p:cNvGraphicFramePr>
+            <a:graphicFrameLocks noGrp="1"/>
+          </p:cNvGraphicFramePr>
+          <p:nvPr>
+            <p:ph idx="1"/>
+            <p:extLst>
+              <p:ext uri="{D42A27DB-BD31-4B8C-83A1-F6EECF244321}">
+                <p14:modId xmlns:p14="http://schemas.microsoft.com/office/powerpoint/2010/main" val="3645921703"/>
+              </p:ext>
+            </p:extLst>
+          </p:nvPr>
+        </p:nvGraphicFramePr>
+        <p:xfrm>
+          <a:off x="632520" y="836712"/>
+          <a:ext cx="8640960" cy="5472608"/>
+        </p:xfrm>
+        <a:graphic>
+          <a:graphicData uri="http://schemas.openxmlformats.org/drawingml/2006/chart">
+            <c:chart xmlns:c="http://schemas.openxmlformats.org/drawingml/2006/chart" xmlns:r="http://schemas.openxmlformats.org/officeDocument/2006/relationships" r:id="rId2"/>
+          </a:graphicData>
+        </a:graphic>
+      </p:graphicFrame>
+    </p:spTree>
+    <p:extLst>
+      <p:ext uri="{BB962C8B-B14F-4D97-AF65-F5344CB8AC3E}">
+        <p14:creationId xmlns:p14="http://schemas.microsoft.com/office/powerpoint/2010/main" val="3577770813"/>
       </p:ext>
     </p:extLst>
   </p:cSld>
@@ -7807,91 +7500,6 @@
 </file>
 
 <file path=ppt/slides/slide20.xml><?xml version="1.0" encoding="utf-8"?>
-<p:sld xmlns:a="http://schemas.openxmlformats.org/drawingml/2006/main" xmlns:r="http://schemas.openxmlformats.org/officeDocument/2006/relationships" xmlns:p="http://schemas.openxmlformats.org/presentationml/2006/main">
-  <p:cSld>
-    <p:spTree>
-      <p:nvGrpSpPr>
-        <p:cNvPr id="1" name=""/>
-        <p:cNvGrpSpPr/>
-        <p:nvPr/>
-      </p:nvGrpSpPr>
-      <p:grpSpPr>
-        <a:xfrm>
-          <a:off x="0" y="0"/>
-          <a:ext cx="0" cy="0"/>
-          <a:chOff x="0" y="0"/>
-          <a:chExt cx="0" cy="0"/>
-        </a:xfrm>
-      </p:grpSpPr>
-      <p:sp>
-        <p:nvSpPr>
-          <p:cNvPr id="5" name="標題 4"/>
-          <p:cNvSpPr>
-            <a:spLocks noGrp="1"/>
-          </p:cNvSpPr>
-          <p:nvPr>
-            <p:ph type="title" idx="4294967295"/>
-          </p:nvPr>
-        </p:nvSpPr>
-        <p:spPr>
-          <a:xfrm>
-            <a:off x="632520" y="72008"/>
-            <a:ext cx="8640960" cy="692696"/>
-          </a:xfrm>
-          <a:prstGeom prst="rect">
-            <a:avLst/>
-          </a:prstGeom>
-        </p:spPr>
-        <p:txBody>
-          <a:bodyPr/>
-          <a:lstStyle/>
-          <a:p>
-            <a:r>
-              <a:rPr lang="zh-TW" altLang="en-US" dirty="0"/>
-              <a:t>填入標題，若不會用到請移除此頁</a:t>
-            </a:r>
-          </a:p>
-        </p:txBody>
-      </p:sp>
-      <p:graphicFrame>
-        <p:nvGraphicFramePr>
-          <p:cNvPr id="7" name="內容版面配置區 5"/>
-          <p:cNvGraphicFramePr>
-            <a:graphicFrameLocks noGrp="1"/>
-          </p:cNvGraphicFramePr>
-          <p:nvPr>
-            <p:ph idx="1"/>
-            <p:extLst>
-              <p:ext uri="{D42A27DB-BD31-4B8C-83A1-F6EECF244321}">
-                <p14:modId xmlns:p14="http://schemas.microsoft.com/office/powerpoint/2010/main" val="3645921703"/>
-              </p:ext>
-            </p:extLst>
-          </p:nvPr>
-        </p:nvGraphicFramePr>
-        <p:xfrm>
-          <a:off x="632520" y="836712"/>
-          <a:ext cx="8640960" cy="5472608"/>
-        </p:xfrm>
-        <a:graphic>
-          <a:graphicData uri="http://schemas.openxmlformats.org/drawingml/2006/chart">
-            <c:chart xmlns:c="http://schemas.openxmlformats.org/drawingml/2006/chart" xmlns:r="http://schemas.openxmlformats.org/officeDocument/2006/relationships" r:id="rId2"/>
-          </a:graphicData>
-        </a:graphic>
-      </p:graphicFrame>
-    </p:spTree>
-    <p:extLst>
-      <p:ext uri="{BB962C8B-B14F-4D97-AF65-F5344CB8AC3E}">
-        <p14:creationId xmlns:p14="http://schemas.microsoft.com/office/powerpoint/2010/main" val="3577770813"/>
-      </p:ext>
-    </p:extLst>
-  </p:cSld>
-  <p:clrMapOvr>
-    <a:masterClrMapping/>
-  </p:clrMapOvr>
-</p:sld>
-</file>
-
-<file path=ppt/slides/slide21.xml><?xml version="1.0" encoding="utf-8"?>
 <p:sld xmlns:a="http://schemas.openxmlformats.org/drawingml/2006/main" xmlns:r="http://schemas.openxmlformats.org/officeDocument/2006/relationships" xmlns:p="http://schemas.openxmlformats.org/presentationml/2006/main">
   <p:cSld>
     <p:spTree>

--- a/docs/ppt/chang.pptx
+++ b/docs/ppt/chang.pptx
@@ -4340,20 +4340,8 @@
               <a:t>商城頁面  </a:t>
             </a:r>
             <a:r>
-              <a:rPr lang="en-US" altLang="zh-TW"/>
-              <a:t>(Shopping </a:t>
-            </a:r>
-            <a:r>
               <a:rPr lang="en-US" altLang="zh-TW" dirty="0"/>
-              <a:t>M</a:t>
-            </a:r>
-            <a:r>
-              <a:rPr lang="en-US" altLang="zh-TW"/>
-              <a:t>all</a:t>
-            </a:r>
-            <a:r>
-              <a:rPr lang="en-US" altLang="zh-TW" dirty="0"/>
-              <a:t>)</a:t>
+              <a:t>(Shopping Mall)</a:t>
             </a:r>
             <a:endParaRPr lang="zh-TW" altLang="en-US" dirty="0"/>
           </a:p>
@@ -4467,7 +4455,7 @@
         </p:blipFill>
         <p:spPr>
           <a:xfrm>
-            <a:off x="0" y="1268760"/>
+            <a:off x="33529" y="1011732"/>
             <a:ext cx="7169696" cy="290868"/>
           </a:xfrm>
           <a:prstGeom prst="rect">
@@ -4497,7 +4485,7 @@
         </p:blipFill>
         <p:spPr>
           <a:xfrm>
-            <a:off x="0" y="1645818"/>
+            <a:off x="33529" y="1388790"/>
             <a:ext cx="7169696" cy="2270219"/>
           </a:xfrm>
           <a:prstGeom prst="rect">
@@ -4527,7 +4515,7 @@
         </p:blipFill>
         <p:spPr>
           <a:xfrm>
-            <a:off x="9108" y="3938748"/>
+            <a:off x="42637" y="3681720"/>
             <a:ext cx="7169696" cy="2546868"/>
           </a:xfrm>
           <a:prstGeom prst="rect">
@@ -8083,6 +8071,36 @@
           </a:prstGeom>
         </p:spPr>
       </p:pic>
+      <p:pic>
+        <p:nvPicPr>
+          <p:cNvPr id="5" name="圖片 4">
+            <a:extLst>
+              <a:ext uri="{FF2B5EF4-FFF2-40B4-BE49-F238E27FC236}">
+                <a16:creationId xmlns:a16="http://schemas.microsoft.com/office/drawing/2014/main" id="{8DBECA12-2A49-4C8F-B6AA-89554033483F}"/>
+              </a:ext>
+            </a:extLst>
+          </p:cNvPr>
+          <p:cNvPicPr>
+            <a:picLocks noChangeAspect="1"/>
+          </p:cNvPicPr>
+          <p:nvPr/>
+        </p:nvPicPr>
+        <p:blipFill>
+          <a:blip r:embed="rId5"/>
+          <a:stretch>
+            <a:fillRect/>
+          </a:stretch>
+        </p:blipFill>
+        <p:spPr>
+          <a:xfrm>
+            <a:off x="2133704" y="5226723"/>
+            <a:ext cx="5134692" cy="371527"/>
+          </a:xfrm>
+          <a:prstGeom prst="rect">
+            <a:avLst/>
+          </a:prstGeom>
+        </p:spPr>
+      </p:pic>
     </p:spTree>
     <p:extLst>
       <p:ext uri="{BB962C8B-B14F-4D97-AF65-F5344CB8AC3E}">
@@ -8141,397 +8159,6 @@
             <a:r>
               <a:rPr lang="en-US" altLang="zh-TW" dirty="0"/>
               <a:t>(Product)</a:t>
-            </a:r>
-            <a:endParaRPr lang="zh-TW" altLang="en-US" dirty="0"/>
-          </a:p>
-        </p:txBody>
-      </p:sp>
-      <p:pic>
-        <p:nvPicPr>
-          <p:cNvPr id="2" name="圖片 1">
-            <a:extLst>
-              <a:ext uri="{FF2B5EF4-FFF2-40B4-BE49-F238E27FC236}">
-                <a16:creationId xmlns:a16="http://schemas.microsoft.com/office/drawing/2014/main" id="{68F27229-5C63-450F-8051-7B05A6CB2FFC}"/>
-              </a:ext>
-            </a:extLst>
-          </p:cNvPr>
-          <p:cNvPicPr>
-            <a:picLocks noChangeAspect="1"/>
-          </p:cNvPicPr>
-          <p:nvPr/>
-        </p:nvPicPr>
-        <p:blipFill>
-          <a:blip r:embed="rId2"/>
-          <a:stretch>
-            <a:fillRect/>
-          </a:stretch>
-        </p:blipFill>
-        <p:spPr>
-          <a:xfrm>
-            <a:off x="200472" y="963871"/>
-            <a:ext cx="7113240" cy="2699835"/>
-          </a:xfrm>
-          <a:prstGeom prst="rect">
-            <a:avLst/>
-          </a:prstGeom>
-        </p:spPr>
-      </p:pic>
-      <p:pic>
-        <p:nvPicPr>
-          <p:cNvPr id="9" name="圖片 8">
-            <a:extLst>
-              <a:ext uri="{FF2B5EF4-FFF2-40B4-BE49-F238E27FC236}">
-                <a16:creationId xmlns:a16="http://schemas.microsoft.com/office/drawing/2014/main" id="{90C34B42-8589-434C-96E8-D1717FE71DED}"/>
-              </a:ext>
-            </a:extLst>
-          </p:cNvPr>
-          <p:cNvPicPr>
-            <a:picLocks noChangeAspect="1"/>
-          </p:cNvPicPr>
-          <p:nvPr/>
-        </p:nvPicPr>
-        <p:blipFill>
-          <a:blip r:embed="rId3"/>
-          <a:stretch>
-            <a:fillRect/>
-          </a:stretch>
-        </p:blipFill>
-        <p:spPr>
-          <a:xfrm>
-            <a:off x="199101" y="3668595"/>
-            <a:ext cx="7113240" cy="2663355"/>
-          </a:xfrm>
-          <a:prstGeom prst="rect">
-            <a:avLst/>
-          </a:prstGeom>
-        </p:spPr>
-      </p:pic>
-      <p:sp>
-        <p:nvSpPr>
-          <p:cNvPr id="12" name="內容版面配置區 5">
-            <a:extLst>
-              <a:ext uri="{FF2B5EF4-FFF2-40B4-BE49-F238E27FC236}">
-                <a16:creationId xmlns:a16="http://schemas.microsoft.com/office/drawing/2014/main" id="{5B48F242-D606-4DF8-8884-2F1900A3B3C0}"/>
-              </a:ext>
-            </a:extLst>
-          </p:cNvPr>
-          <p:cNvSpPr txBox="1">
-            <a:spLocks/>
-          </p:cNvSpPr>
-          <p:nvPr/>
-        </p:nvSpPr>
-        <p:spPr bwMode="ltGray">
-          <a:xfrm>
-            <a:off x="7498451" y="963871"/>
-            <a:ext cx="2118387" cy="2897177"/>
-          </a:xfrm>
-          <a:prstGeom prst="rect">
-            <a:avLst/>
-          </a:prstGeom>
-          <a:ln w="9525" cap="flat" cmpd="sng" algn="ctr">
-            <a:solidFill>
-              <a:schemeClr val="accent1"/>
-            </a:solidFill>
-            <a:prstDash val="solid"/>
-            <a:round/>
-            <a:headEnd type="none" w="med" len="med"/>
-            <a:tailEnd type="none" w="med" len="med"/>
-          </a:ln>
-        </p:spPr>
-        <p:style>
-          <a:lnRef idx="0">
-            <a:scrgbClr r="0" g="0" b="0"/>
-          </a:lnRef>
-          <a:fillRef idx="0">
-            <a:scrgbClr r="0" g="0" b="0"/>
-          </a:fillRef>
-          <a:effectRef idx="0">
-            <a:scrgbClr r="0" g="0" b="0"/>
-          </a:effectRef>
-          <a:fontRef idx="minor">
-            <a:schemeClr val="accent1"/>
-          </a:fontRef>
-        </p:style>
-        <p:txBody>
-          <a:bodyPr vert="horz" lIns="91440" tIns="45720" rIns="91440" bIns="45720" rtlCol="0">
-            <a:normAutofit/>
-          </a:bodyPr>
-          <a:lstStyle>
-            <a:lvl1pPr marL="342900" indent="-342900" algn="l" defTabSz="914400" rtl="0" eaLnBrk="1" latinLnBrk="0" hangingPunct="1">
-              <a:lnSpc>
-                <a:spcPct val="100000"/>
-              </a:lnSpc>
-              <a:spcBef>
-                <a:spcPts val="600"/>
-              </a:spcBef>
-              <a:spcAft>
-                <a:spcPts val="600"/>
-              </a:spcAft>
-              <a:buClr>
-                <a:schemeClr val="accent1"/>
-              </a:buClr>
-              <a:buFont typeface="Wingdings" panose="05000000000000000000" pitchFamily="2" charset="2"/>
-              <a:buChar char="l"/>
-              <a:defRPr sz="2800" b="1" kern="1200">
-                <a:solidFill>
-                  <a:srgbClr val="FFFFFF"/>
-                </a:solidFill>
-                <a:latin typeface="+mn-lt"/>
-                <a:ea typeface="+mn-ea"/>
-                <a:cs typeface="+mn-cs"/>
-              </a:defRPr>
-            </a:lvl1pPr>
-            <a:lvl2pPr marL="714375" indent="-352425" algn="l" defTabSz="914400" rtl="0" eaLnBrk="1" latinLnBrk="0" hangingPunct="1">
-              <a:lnSpc>
-                <a:spcPct val="100000"/>
-              </a:lnSpc>
-              <a:spcBef>
-                <a:spcPts val="600"/>
-              </a:spcBef>
-              <a:spcAft>
-                <a:spcPts val="600"/>
-              </a:spcAft>
-              <a:buClr>
-                <a:schemeClr val="accent2"/>
-              </a:buClr>
-              <a:buFont typeface="Wingdings" panose="05000000000000000000" pitchFamily="2" charset="2"/>
-              <a:buChar char="u"/>
-              <a:defRPr sz="2400" b="0" kern="1200">
-                <a:solidFill>
-                  <a:srgbClr val="FFFFFF"/>
-                </a:solidFill>
-                <a:latin typeface="+mn-lt"/>
-                <a:ea typeface="+mn-ea"/>
-                <a:cs typeface="+mn-cs"/>
-              </a:defRPr>
-            </a:lvl2pPr>
-            <a:lvl3pPr marL="1076325" indent="-266700" algn="l" defTabSz="914400" rtl="0" eaLnBrk="1" latinLnBrk="0" hangingPunct="1">
-              <a:lnSpc>
-                <a:spcPct val="100000"/>
-              </a:lnSpc>
-              <a:spcBef>
-                <a:spcPts val="600"/>
-              </a:spcBef>
-              <a:spcAft>
-                <a:spcPts val="600"/>
-              </a:spcAft>
-              <a:buClr>
-                <a:schemeClr val="accent3"/>
-              </a:buClr>
-              <a:buFont typeface="Wingdings" panose="05000000000000000000" pitchFamily="2" charset="2"/>
-              <a:buChar char="p"/>
-              <a:defRPr sz="2000" kern="1200">
-                <a:solidFill>
-                  <a:srgbClr val="FFFFFF"/>
-                </a:solidFill>
-                <a:latin typeface="+mn-lt"/>
-                <a:ea typeface="+mn-ea"/>
-                <a:cs typeface="+mn-cs"/>
-              </a:defRPr>
-            </a:lvl3pPr>
-            <a:lvl4pPr marL="1343025" indent="-180975" algn="l" defTabSz="914400" rtl="0" eaLnBrk="1" latinLnBrk="0" hangingPunct="1">
-              <a:lnSpc>
-                <a:spcPct val="100000"/>
-              </a:lnSpc>
-              <a:spcBef>
-                <a:spcPts val="600"/>
-              </a:spcBef>
-              <a:spcAft>
-                <a:spcPts val="600"/>
-              </a:spcAft>
-              <a:buClr>
-                <a:schemeClr val="accent4"/>
-              </a:buClr>
-              <a:buFont typeface="Wingdings" panose="05000000000000000000" pitchFamily="2" charset="2"/>
-              <a:buChar char="n"/>
-              <a:defRPr sz="1800" kern="1200">
-                <a:solidFill>
-                  <a:srgbClr val="FFFFFF"/>
-                </a:solidFill>
-                <a:latin typeface="+mn-lt"/>
-                <a:ea typeface="+mn-ea"/>
-                <a:cs typeface="+mn-cs"/>
-              </a:defRPr>
-            </a:lvl4pPr>
-            <a:lvl5pPr marL="1619250" indent="-276225" algn="l" defTabSz="914400" rtl="0" eaLnBrk="1" latinLnBrk="0" hangingPunct="1">
-              <a:lnSpc>
-                <a:spcPct val="100000"/>
-              </a:lnSpc>
-              <a:spcBef>
-                <a:spcPts val="600"/>
-              </a:spcBef>
-              <a:spcAft>
-                <a:spcPts val="600"/>
-              </a:spcAft>
-              <a:buClr>
-                <a:schemeClr val="accent5"/>
-              </a:buClr>
-              <a:buFont typeface="Arial" pitchFamily="34" charset="0"/>
-              <a:buChar char="»"/>
-              <a:tabLst>
-                <a:tab pos="7981950" algn="l"/>
-              </a:tabLst>
-              <a:defRPr sz="1800" kern="1200">
-                <a:solidFill>
-                  <a:srgbClr val="FFFFFF"/>
-                </a:solidFill>
-                <a:latin typeface="+mn-lt"/>
-                <a:ea typeface="+mn-ea"/>
-                <a:cs typeface="+mn-cs"/>
-              </a:defRPr>
-            </a:lvl5pPr>
-            <a:lvl6pPr marL="2514600" indent="-228600" algn="l" defTabSz="914400" rtl="0" eaLnBrk="1" latinLnBrk="0" hangingPunct="1">
-              <a:spcBef>
-                <a:spcPct val="20000"/>
-              </a:spcBef>
-              <a:buFont typeface="Arial" pitchFamily="34" charset="0"/>
-              <a:buChar char="•"/>
-              <a:defRPr sz="2000" kern="1200">
-                <a:solidFill>
-                  <a:schemeClr val="accent1"/>
-                </a:solidFill>
-                <a:latin typeface="+mn-lt"/>
-                <a:ea typeface="+mn-ea"/>
-                <a:cs typeface="+mn-cs"/>
-              </a:defRPr>
-            </a:lvl6pPr>
-            <a:lvl7pPr marL="2971800" indent="-228600" algn="l" defTabSz="914400" rtl="0" eaLnBrk="1" latinLnBrk="0" hangingPunct="1">
-              <a:spcBef>
-                <a:spcPct val="20000"/>
-              </a:spcBef>
-              <a:buFont typeface="Arial" pitchFamily="34" charset="0"/>
-              <a:buChar char="•"/>
-              <a:defRPr sz="2000" kern="1200">
-                <a:solidFill>
-                  <a:schemeClr val="accent1"/>
-                </a:solidFill>
-                <a:latin typeface="+mn-lt"/>
-                <a:ea typeface="+mn-ea"/>
-                <a:cs typeface="+mn-cs"/>
-              </a:defRPr>
-            </a:lvl7pPr>
-            <a:lvl8pPr marL="3429000" indent="-228600" algn="l" defTabSz="914400" rtl="0" eaLnBrk="1" latinLnBrk="0" hangingPunct="1">
-              <a:spcBef>
-                <a:spcPct val="20000"/>
-              </a:spcBef>
-              <a:buFont typeface="Arial" pitchFamily="34" charset="0"/>
-              <a:buChar char="•"/>
-              <a:defRPr sz="2000" kern="1200">
-                <a:solidFill>
-                  <a:schemeClr val="accent1"/>
-                </a:solidFill>
-                <a:latin typeface="+mn-lt"/>
-                <a:ea typeface="+mn-ea"/>
-                <a:cs typeface="+mn-cs"/>
-              </a:defRPr>
-            </a:lvl8pPr>
-            <a:lvl9pPr marL="3886200" indent="-228600" algn="l" defTabSz="914400" rtl="0" eaLnBrk="1" latinLnBrk="0" hangingPunct="1">
-              <a:spcBef>
-                <a:spcPct val="20000"/>
-              </a:spcBef>
-              <a:buFont typeface="Arial" pitchFamily="34" charset="0"/>
-              <a:buChar char="•"/>
-              <a:defRPr sz="2000" kern="1200">
-                <a:solidFill>
-                  <a:schemeClr val="accent1"/>
-                </a:solidFill>
-                <a:latin typeface="+mn-lt"/>
-                <a:ea typeface="+mn-ea"/>
-                <a:cs typeface="+mn-cs"/>
-              </a:defRPr>
-            </a:lvl9pPr>
-          </a:lstStyle>
-          <a:p>
-            <a:pPr marL="0" indent="0">
-              <a:buFont typeface="Wingdings" panose="05000000000000000000" pitchFamily="2" charset="2"/>
-              <a:buNone/>
-            </a:pPr>
-            <a:r>
-              <a:rPr lang="zh-TW" altLang="en-US" sz="1800" dirty="0"/>
-              <a:t>畫面中，由上至下，區塊分別為：</a:t>
-            </a:r>
-            <a:endParaRPr lang="en-US" altLang="zh-TW" sz="1800" dirty="0"/>
-          </a:p>
-          <a:p>
-            <a:r>
-              <a:rPr lang="zh-TW" altLang="en-US" sz="1800" dirty="0"/>
-              <a:t>相關商品區塊：可看到不同商品的推薦。</a:t>
-            </a:r>
-          </a:p>
-          <a:p>
-            <a:r>
-              <a:rPr lang="zh-TW" altLang="en-US" sz="1800" dirty="0"/>
-              <a:t>瀏覽紀錄區塊：可看到使用者過去瀏覽過的商品。</a:t>
-            </a:r>
-          </a:p>
-        </p:txBody>
-      </p:sp>
-    </p:spTree>
-    <p:extLst>
-      <p:ext uri="{BB962C8B-B14F-4D97-AF65-F5344CB8AC3E}">
-        <p14:creationId xmlns:p14="http://schemas.microsoft.com/office/powerpoint/2010/main" val="683462432"/>
-      </p:ext>
-    </p:extLst>
-  </p:cSld>
-  <p:clrMapOvr>
-    <a:masterClrMapping/>
-  </p:clrMapOvr>
-</p:sld>
-</file>
-
-<file path=ppt/slides/slide5.xml><?xml version="1.0" encoding="utf-8"?>
-<p:sld xmlns:a="http://schemas.openxmlformats.org/drawingml/2006/main" xmlns:r="http://schemas.openxmlformats.org/officeDocument/2006/relationships" xmlns:p="http://schemas.openxmlformats.org/presentationml/2006/main">
-  <p:cSld>
-    <p:spTree>
-      <p:nvGrpSpPr>
-        <p:cNvPr id="1" name=""/>
-        <p:cNvGrpSpPr/>
-        <p:nvPr/>
-      </p:nvGrpSpPr>
-      <p:grpSpPr>
-        <a:xfrm>
-          <a:off x="0" y="0"/>
-          <a:ext cx="0" cy="0"/>
-          <a:chOff x="0" y="0"/>
-          <a:chExt cx="0" cy="0"/>
-        </a:xfrm>
-      </p:grpSpPr>
-      <p:sp>
-        <p:nvSpPr>
-          <p:cNvPr id="3" name="標題 2">
-            <a:extLst>
-              <a:ext uri="{FF2B5EF4-FFF2-40B4-BE49-F238E27FC236}">
-                <a16:creationId xmlns:a16="http://schemas.microsoft.com/office/drawing/2014/main" id="{E2F12E2F-52EE-CA77-FB53-4EFC2E0F43C3}"/>
-              </a:ext>
-            </a:extLst>
-          </p:cNvPr>
-          <p:cNvSpPr>
-            <a:spLocks noGrp="1"/>
-          </p:cNvSpPr>
-          <p:nvPr>
-            <p:ph type="title"/>
-          </p:nvPr>
-        </p:nvSpPr>
-        <p:spPr/>
-        <p:txBody>
-          <a:bodyPr/>
-          <a:lstStyle/>
-          <a:p>
-            <a:r>
-              <a:rPr lang="zh-TW" altLang="en-US" dirty="0"/>
-              <a:t>購物車頁面 </a:t>
-            </a:r>
-            <a:r>
-              <a:rPr lang="en-US" altLang="zh-TW" dirty="0"/>
-              <a:t>(</a:t>
-            </a:r>
-            <a:r>
-              <a:rPr lang="en-US" altLang="zh-TW" dirty="0" err="1"/>
-              <a:t>ShoppingCart</a:t>
-            </a:r>
-            <a:r>
-              <a:rPr lang="en-US" altLang="zh-TW" dirty="0"/>
-              <a:t>)</a:t>
             </a:r>
             <a:endParaRPr lang="zh-TW" altLang="en-US" dirty="0"/>
           </a:p>
@@ -8786,13 +8413,495 @@
           <a:p>
             <a:r>
               <a:rPr lang="zh-TW" altLang="en-US" sz="1800" dirty="0"/>
-              <a:t>相關商品區塊：可看到不同商品的推薦。</a:t>
+              <a:t>相關商品區塊：可看到同類別商品的推薦。</a:t>
             </a:r>
           </a:p>
           <a:p>
             <a:r>
               <a:rPr lang="zh-TW" altLang="en-US" sz="1800" dirty="0"/>
               <a:t>瀏覽紀錄區塊：可看到使用者過去瀏覽過的商品。</a:t>
+            </a:r>
+          </a:p>
+        </p:txBody>
+      </p:sp>
+      <p:pic>
+        <p:nvPicPr>
+          <p:cNvPr id="4" name="圖片 3">
+            <a:extLst>
+              <a:ext uri="{FF2B5EF4-FFF2-40B4-BE49-F238E27FC236}">
+                <a16:creationId xmlns:a16="http://schemas.microsoft.com/office/drawing/2014/main" id="{94BF0CAB-AB6B-487E-BAF1-0F2216E3AF5D}"/>
+              </a:ext>
+            </a:extLst>
+          </p:cNvPr>
+          <p:cNvPicPr>
+            <a:picLocks noChangeAspect="1"/>
+          </p:cNvPicPr>
+          <p:nvPr/>
+        </p:nvPicPr>
+        <p:blipFill>
+          <a:blip r:embed="rId2"/>
+          <a:stretch>
+            <a:fillRect/>
+          </a:stretch>
+        </p:blipFill>
+        <p:spPr>
+          <a:xfrm>
+            <a:off x="199101" y="920192"/>
+            <a:ext cx="7045769" cy="1860736"/>
+          </a:xfrm>
+          <a:prstGeom prst="rect">
+            <a:avLst/>
+          </a:prstGeom>
+        </p:spPr>
+      </p:pic>
+      <p:pic>
+        <p:nvPicPr>
+          <p:cNvPr id="5" name="圖片 4">
+            <a:extLst>
+              <a:ext uri="{FF2B5EF4-FFF2-40B4-BE49-F238E27FC236}">
+                <a16:creationId xmlns:a16="http://schemas.microsoft.com/office/drawing/2014/main" id="{C1B8A2C2-007B-4867-8508-B34F288EB06E}"/>
+              </a:ext>
+            </a:extLst>
+          </p:cNvPr>
+          <p:cNvPicPr>
+            <a:picLocks noChangeAspect="1"/>
+          </p:cNvPicPr>
+          <p:nvPr/>
+        </p:nvPicPr>
+        <p:blipFill>
+          <a:blip r:embed="rId3"/>
+          <a:stretch>
+            <a:fillRect/>
+          </a:stretch>
+        </p:blipFill>
+        <p:spPr>
+          <a:xfrm>
+            <a:off x="199101" y="2804181"/>
+            <a:ext cx="7045769" cy="1951721"/>
+          </a:xfrm>
+          <a:prstGeom prst="rect">
+            <a:avLst/>
+          </a:prstGeom>
+        </p:spPr>
+      </p:pic>
+      <p:pic>
+        <p:nvPicPr>
+          <p:cNvPr id="6" name="圖片 5">
+            <a:extLst>
+              <a:ext uri="{FF2B5EF4-FFF2-40B4-BE49-F238E27FC236}">
+                <a16:creationId xmlns:a16="http://schemas.microsoft.com/office/drawing/2014/main" id="{5FC0E9AA-7464-4051-AD29-9FE6D97D85CA}"/>
+              </a:ext>
+            </a:extLst>
+          </p:cNvPr>
+          <p:cNvPicPr>
+            <a:picLocks noChangeAspect="1"/>
+          </p:cNvPicPr>
+          <p:nvPr/>
+        </p:nvPicPr>
+        <p:blipFill>
+          <a:blip r:embed="rId4"/>
+          <a:stretch>
+            <a:fillRect/>
+          </a:stretch>
+        </p:blipFill>
+        <p:spPr>
+          <a:xfrm>
+            <a:off x="1352600" y="1340768"/>
+            <a:ext cx="864096" cy="1176414"/>
+          </a:xfrm>
+          <a:prstGeom prst="rect">
+            <a:avLst/>
+          </a:prstGeom>
+        </p:spPr>
+      </p:pic>
+      <p:pic>
+        <p:nvPicPr>
+          <p:cNvPr id="7" name="圖片 6">
+            <a:extLst>
+              <a:ext uri="{FF2B5EF4-FFF2-40B4-BE49-F238E27FC236}">
+                <a16:creationId xmlns:a16="http://schemas.microsoft.com/office/drawing/2014/main" id="{C8C32278-3857-4408-83DF-2EAD75E15C10}"/>
+              </a:ext>
+            </a:extLst>
+          </p:cNvPr>
+          <p:cNvPicPr>
+            <a:picLocks noChangeAspect="1"/>
+          </p:cNvPicPr>
+          <p:nvPr/>
+        </p:nvPicPr>
+        <p:blipFill>
+          <a:blip r:embed="rId5"/>
+          <a:stretch>
+            <a:fillRect/>
+          </a:stretch>
+        </p:blipFill>
+        <p:spPr>
+          <a:xfrm>
+            <a:off x="2317536" y="1340768"/>
+            <a:ext cx="1870414" cy="1176414"/>
+          </a:xfrm>
+          <a:prstGeom prst="rect">
+            <a:avLst/>
+          </a:prstGeom>
+        </p:spPr>
+      </p:pic>
+      <p:pic>
+        <p:nvPicPr>
+          <p:cNvPr id="10" name="圖片 9">
+            <a:extLst>
+              <a:ext uri="{FF2B5EF4-FFF2-40B4-BE49-F238E27FC236}">
+                <a16:creationId xmlns:a16="http://schemas.microsoft.com/office/drawing/2014/main" id="{2AEAF5E8-D453-4814-85EA-173AECE06721}"/>
+              </a:ext>
+            </a:extLst>
+          </p:cNvPr>
+          <p:cNvPicPr>
+            <a:picLocks noChangeAspect="1"/>
+          </p:cNvPicPr>
+          <p:nvPr/>
+        </p:nvPicPr>
+        <p:blipFill>
+          <a:blip r:embed="rId5"/>
+          <a:stretch>
+            <a:fillRect/>
+          </a:stretch>
+        </p:blipFill>
+        <p:spPr>
+          <a:xfrm>
+            <a:off x="4275448" y="1340768"/>
+            <a:ext cx="1870414" cy="1176414"/>
+          </a:xfrm>
+          <a:prstGeom prst="rect">
+            <a:avLst/>
+          </a:prstGeom>
+        </p:spPr>
+      </p:pic>
+    </p:spTree>
+    <p:extLst>
+      <p:ext uri="{BB962C8B-B14F-4D97-AF65-F5344CB8AC3E}">
+        <p14:creationId xmlns:p14="http://schemas.microsoft.com/office/powerpoint/2010/main" val="683462432"/>
+      </p:ext>
+    </p:extLst>
+  </p:cSld>
+  <p:clrMapOvr>
+    <a:masterClrMapping/>
+  </p:clrMapOvr>
+</p:sld>
+</file>
+
+<file path=ppt/slides/slide5.xml><?xml version="1.0" encoding="utf-8"?>
+<p:sld xmlns:a="http://schemas.openxmlformats.org/drawingml/2006/main" xmlns:r="http://schemas.openxmlformats.org/officeDocument/2006/relationships" xmlns:p="http://schemas.openxmlformats.org/presentationml/2006/main">
+  <p:cSld>
+    <p:spTree>
+      <p:nvGrpSpPr>
+        <p:cNvPr id="1" name=""/>
+        <p:cNvGrpSpPr/>
+        <p:nvPr/>
+      </p:nvGrpSpPr>
+      <p:grpSpPr>
+        <a:xfrm>
+          <a:off x="0" y="0"/>
+          <a:ext cx="0" cy="0"/>
+          <a:chOff x="0" y="0"/>
+          <a:chExt cx="0" cy="0"/>
+        </a:xfrm>
+      </p:grpSpPr>
+      <p:sp>
+        <p:nvSpPr>
+          <p:cNvPr id="3" name="標題 2">
+            <a:extLst>
+              <a:ext uri="{FF2B5EF4-FFF2-40B4-BE49-F238E27FC236}">
+                <a16:creationId xmlns:a16="http://schemas.microsoft.com/office/drawing/2014/main" id="{E2F12E2F-52EE-CA77-FB53-4EFC2E0F43C3}"/>
+              </a:ext>
+            </a:extLst>
+          </p:cNvPr>
+          <p:cNvSpPr>
+            <a:spLocks noGrp="1"/>
+          </p:cNvSpPr>
+          <p:nvPr>
+            <p:ph type="title"/>
+          </p:nvPr>
+        </p:nvSpPr>
+        <p:spPr/>
+        <p:txBody>
+          <a:bodyPr/>
+          <a:lstStyle/>
+          <a:p>
+            <a:r>
+              <a:rPr lang="zh-TW" altLang="en-US" dirty="0"/>
+              <a:t>購物車頁面 </a:t>
+            </a:r>
+            <a:r>
+              <a:rPr lang="en-US" altLang="zh-TW" dirty="0"/>
+              <a:t>(</a:t>
+            </a:r>
+            <a:r>
+              <a:rPr lang="en-US" altLang="zh-TW" dirty="0" err="1"/>
+              <a:t>ShoppingCart</a:t>
+            </a:r>
+            <a:r>
+              <a:rPr lang="en-US" altLang="zh-TW" dirty="0"/>
+              <a:t>)</a:t>
+            </a:r>
+            <a:endParaRPr lang="zh-TW" altLang="en-US" dirty="0"/>
+          </a:p>
+        </p:txBody>
+      </p:sp>
+      <p:sp>
+        <p:nvSpPr>
+          <p:cNvPr id="12" name="內容版面配置區 5">
+            <a:extLst>
+              <a:ext uri="{FF2B5EF4-FFF2-40B4-BE49-F238E27FC236}">
+                <a16:creationId xmlns:a16="http://schemas.microsoft.com/office/drawing/2014/main" id="{5B48F242-D606-4DF8-8884-2F1900A3B3C0}"/>
+              </a:ext>
+            </a:extLst>
+          </p:cNvPr>
+          <p:cNvSpPr txBox="1">
+            <a:spLocks/>
+          </p:cNvSpPr>
+          <p:nvPr/>
+        </p:nvSpPr>
+        <p:spPr bwMode="ltGray">
+          <a:xfrm>
+            <a:off x="7498451" y="963871"/>
+            <a:ext cx="2118387" cy="2249105"/>
+          </a:xfrm>
+          <a:prstGeom prst="rect">
+            <a:avLst/>
+          </a:prstGeom>
+          <a:ln w="9525" cap="flat" cmpd="sng" algn="ctr">
+            <a:solidFill>
+              <a:schemeClr val="accent1"/>
+            </a:solidFill>
+            <a:prstDash val="solid"/>
+            <a:round/>
+            <a:headEnd type="none" w="med" len="med"/>
+            <a:tailEnd type="none" w="med" len="med"/>
+          </a:ln>
+        </p:spPr>
+        <p:style>
+          <a:lnRef idx="0">
+            <a:scrgbClr r="0" g="0" b="0"/>
+          </a:lnRef>
+          <a:fillRef idx="0">
+            <a:scrgbClr r="0" g="0" b="0"/>
+          </a:fillRef>
+          <a:effectRef idx="0">
+            <a:scrgbClr r="0" g="0" b="0"/>
+          </a:effectRef>
+          <a:fontRef idx="minor">
+            <a:schemeClr val="accent1"/>
+          </a:fontRef>
+        </p:style>
+        <p:txBody>
+          <a:bodyPr vert="horz" lIns="91440" tIns="45720" rIns="91440" bIns="45720" rtlCol="0">
+            <a:normAutofit fontScale="92500"/>
+          </a:bodyPr>
+          <a:lstStyle>
+            <a:lvl1pPr marL="342900" indent="-342900" algn="l" defTabSz="914400" rtl="0" eaLnBrk="1" latinLnBrk="0" hangingPunct="1">
+              <a:lnSpc>
+                <a:spcPct val="100000"/>
+              </a:lnSpc>
+              <a:spcBef>
+                <a:spcPts val="600"/>
+              </a:spcBef>
+              <a:spcAft>
+                <a:spcPts val="600"/>
+              </a:spcAft>
+              <a:buClr>
+                <a:schemeClr val="accent1"/>
+              </a:buClr>
+              <a:buFont typeface="Wingdings" panose="05000000000000000000" pitchFamily="2" charset="2"/>
+              <a:buChar char="l"/>
+              <a:defRPr sz="2800" b="1" kern="1200">
+                <a:solidFill>
+                  <a:srgbClr val="FFFFFF"/>
+                </a:solidFill>
+                <a:latin typeface="+mn-lt"/>
+                <a:ea typeface="+mn-ea"/>
+                <a:cs typeface="+mn-cs"/>
+              </a:defRPr>
+            </a:lvl1pPr>
+            <a:lvl2pPr marL="714375" indent="-352425" algn="l" defTabSz="914400" rtl="0" eaLnBrk="1" latinLnBrk="0" hangingPunct="1">
+              <a:lnSpc>
+                <a:spcPct val="100000"/>
+              </a:lnSpc>
+              <a:spcBef>
+                <a:spcPts val="600"/>
+              </a:spcBef>
+              <a:spcAft>
+                <a:spcPts val="600"/>
+              </a:spcAft>
+              <a:buClr>
+                <a:schemeClr val="accent2"/>
+              </a:buClr>
+              <a:buFont typeface="Wingdings" panose="05000000000000000000" pitchFamily="2" charset="2"/>
+              <a:buChar char="u"/>
+              <a:defRPr sz="2400" b="0" kern="1200">
+                <a:solidFill>
+                  <a:srgbClr val="FFFFFF"/>
+                </a:solidFill>
+                <a:latin typeface="+mn-lt"/>
+                <a:ea typeface="+mn-ea"/>
+                <a:cs typeface="+mn-cs"/>
+              </a:defRPr>
+            </a:lvl2pPr>
+            <a:lvl3pPr marL="1076325" indent="-266700" algn="l" defTabSz="914400" rtl="0" eaLnBrk="1" latinLnBrk="0" hangingPunct="1">
+              <a:lnSpc>
+                <a:spcPct val="100000"/>
+              </a:lnSpc>
+              <a:spcBef>
+                <a:spcPts val="600"/>
+              </a:spcBef>
+              <a:spcAft>
+                <a:spcPts val="600"/>
+              </a:spcAft>
+              <a:buClr>
+                <a:schemeClr val="accent3"/>
+              </a:buClr>
+              <a:buFont typeface="Wingdings" panose="05000000000000000000" pitchFamily="2" charset="2"/>
+              <a:buChar char="p"/>
+              <a:defRPr sz="2000" kern="1200">
+                <a:solidFill>
+                  <a:srgbClr val="FFFFFF"/>
+                </a:solidFill>
+                <a:latin typeface="+mn-lt"/>
+                <a:ea typeface="+mn-ea"/>
+                <a:cs typeface="+mn-cs"/>
+              </a:defRPr>
+            </a:lvl3pPr>
+            <a:lvl4pPr marL="1343025" indent="-180975" algn="l" defTabSz="914400" rtl="0" eaLnBrk="1" latinLnBrk="0" hangingPunct="1">
+              <a:lnSpc>
+                <a:spcPct val="100000"/>
+              </a:lnSpc>
+              <a:spcBef>
+                <a:spcPts val="600"/>
+              </a:spcBef>
+              <a:spcAft>
+                <a:spcPts val="600"/>
+              </a:spcAft>
+              <a:buClr>
+                <a:schemeClr val="accent4"/>
+              </a:buClr>
+              <a:buFont typeface="Wingdings" panose="05000000000000000000" pitchFamily="2" charset="2"/>
+              <a:buChar char="n"/>
+              <a:defRPr sz="1800" kern="1200">
+                <a:solidFill>
+                  <a:srgbClr val="FFFFFF"/>
+                </a:solidFill>
+                <a:latin typeface="+mn-lt"/>
+                <a:ea typeface="+mn-ea"/>
+                <a:cs typeface="+mn-cs"/>
+              </a:defRPr>
+            </a:lvl4pPr>
+            <a:lvl5pPr marL="1619250" indent="-276225" algn="l" defTabSz="914400" rtl="0" eaLnBrk="1" latinLnBrk="0" hangingPunct="1">
+              <a:lnSpc>
+                <a:spcPct val="100000"/>
+              </a:lnSpc>
+              <a:spcBef>
+                <a:spcPts val="600"/>
+              </a:spcBef>
+              <a:spcAft>
+                <a:spcPts val="600"/>
+              </a:spcAft>
+              <a:buClr>
+                <a:schemeClr val="accent5"/>
+              </a:buClr>
+              <a:buFont typeface="Arial" pitchFamily="34" charset="0"/>
+              <a:buChar char="»"/>
+              <a:tabLst>
+                <a:tab pos="7981950" algn="l"/>
+              </a:tabLst>
+              <a:defRPr sz="1800" kern="1200">
+                <a:solidFill>
+                  <a:srgbClr val="FFFFFF"/>
+                </a:solidFill>
+                <a:latin typeface="+mn-lt"/>
+                <a:ea typeface="+mn-ea"/>
+                <a:cs typeface="+mn-cs"/>
+              </a:defRPr>
+            </a:lvl5pPr>
+            <a:lvl6pPr marL="2514600" indent="-228600" algn="l" defTabSz="914400" rtl="0" eaLnBrk="1" latinLnBrk="0" hangingPunct="1">
+              <a:spcBef>
+                <a:spcPct val="20000"/>
+              </a:spcBef>
+              <a:buFont typeface="Arial" pitchFamily="34" charset="0"/>
+              <a:buChar char="•"/>
+              <a:defRPr sz="2000" kern="1200">
+                <a:solidFill>
+                  <a:schemeClr val="accent1"/>
+                </a:solidFill>
+                <a:latin typeface="+mn-lt"/>
+                <a:ea typeface="+mn-ea"/>
+                <a:cs typeface="+mn-cs"/>
+              </a:defRPr>
+            </a:lvl6pPr>
+            <a:lvl7pPr marL="2971800" indent="-228600" algn="l" defTabSz="914400" rtl="0" eaLnBrk="1" latinLnBrk="0" hangingPunct="1">
+              <a:spcBef>
+                <a:spcPct val="20000"/>
+              </a:spcBef>
+              <a:buFont typeface="Arial" pitchFamily="34" charset="0"/>
+              <a:buChar char="•"/>
+              <a:defRPr sz="2000" kern="1200">
+                <a:solidFill>
+                  <a:schemeClr val="accent1"/>
+                </a:solidFill>
+                <a:latin typeface="+mn-lt"/>
+                <a:ea typeface="+mn-ea"/>
+                <a:cs typeface="+mn-cs"/>
+              </a:defRPr>
+            </a:lvl7pPr>
+            <a:lvl8pPr marL="3429000" indent="-228600" algn="l" defTabSz="914400" rtl="0" eaLnBrk="1" latinLnBrk="0" hangingPunct="1">
+              <a:spcBef>
+                <a:spcPct val="20000"/>
+              </a:spcBef>
+              <a:buFont typeface="Arial" pitchFamily="34" charset="0"/>
+              <a:buChar char="•"/>
+              <a:defRPr sz="2000" kern="1200">
+                <a:solidFill>
+                  <a:schemeClr val="accent1"/>
+                </a:solidFill>
+                <a:latin typeface="+mn-lt"/>
+                <a:ea typeface="+mn-ea"/>
+                <a:cs typeface="+mn-cs"/>
+              </a:defRPr>
+            </a:lvl8pPr>
+            <a:lvl9pPr marL="3886200" indent="-228600" algn="l" defTabSz="914400" rtl="0" eaLnBrk="1" latinLnBrk="0" hangingPunct="1">
+              <a:spcBef>
+                <a:spcPct val="20000"/>
+              </a:spcBef>
+              <a:buFont typeface="Arial" pitchFamily="34" charset="0"/>
+              <a:buChar char="•"/>
+              <a:defRPr sz="2000" kern="1200">
+                <a:solidFill>
+                  <a:schemeClr val="accent1"/>
+                </a:solidFill>
+                <a:latin typeface="+mn-lt"/>
+                <a:ea typeface="+mn-ea"/>
+                <a:cs typeface="+mn-cs"/>
+              </a:defRPr>
+            </a:lvl9pPr>
+          </a:lstStyle>
+          <a:p>
+            <a:pPr marL="0" indent="0">
+              <a:buFont typeface="Wingdings" panose="05000000000000000000" pitchFamily="2" charset="2"/>
+              <a:buNone/>
+            </a:pPr>
+            <a:r>
+              <a:rPr lang="zh-TW" altLang="en-US" sz="1800" dirty="0"/>
+              <a:t>畫面中，由上至下，區塊分別為：</a:t>
+            </a:r>
+            <a:endParaRPr lang="en-US" altLang="zh-TW" sz="1800" dirty="0"/>
+          </a:p>
+          <a:p>
+            <a:r>
+              <a:rPr lang="zh-TW" altLang="en-US" sz="1800" dirty="0"/>
+              <a:t>商城導覽列</a:t>
+            </a:r>
+            <a:endParaRPr lang="en-US" altLang="zh-TW" sz="1800" dirty="0"/>
+          </a:p>
+          <a:p>
+            <a:r>
+              <a:rPr lang="zh-TW" altLang="en-US" sz="1800" dirty="0"/>
+              <a:t>購物車區塊：當沒有商品加入時，會提示使用者購物車是空的。</a:t>
             </a:r>
           </a:p>
         </p:txBody>
@@ -8928,266 +9037,6 @@
           </a:p>
         </p:txBody>
       </p:sp>
-      <p:sp>
-        <p:nvSpPr>
-          <p:cNvPr id="12" name="內容版面配置區 5">
-            <a:extLst>
-              <a:ext uri="{FF2B5EF4-FFF2-40B4-BE49-F238E27FC236}">
-                <a16:creationId xmlns:a16="http://schemas.microsoft.com/office/drawing/2014/main" id="{5B48F242-D606-4DF8-8884-2F1900A3B3C0}"/>
-              </a:ext>
-            </a:extLst>
-          </p:cNvPr>
-          <p:cNvSpPr txBox="1">
-            <a:spLocks/>
-          </p:cNvSpPr>
-          <p:nvPr/>
-        </p:nvSpPr>
-        <p:spPr bwMode="ltGray">
-          <a:xfrm>
-            <a:off x="7498451" y="963871"/>
-            <a:ext cx="2118387" cy="2897177"/>
-          </a:xfrm>
-          <a:prstGeom prst="rect">
-            <a:avLst/>
-          </a:prstGeom>
-          <a:ln w="9525" cap="flat" cmpd="sng" algn="ctr">
-            <a:solidFill>
-              <a:schemeClr val="accent1"/>
-            </a:solidFill>
-            <a:prstDash val="solid"/>
-            <a:round/>
-            <a:headEnd type="none" w="med" len="med"/>
-            <a:tailEnd type="none" w="med" len="med"/>
-          </a:ln>
-        </p:spPr>
-        <p:style>
-          <a:lnRef idx="0">
-            <a:scrgbClr r="0" g="0" b="0"/>
-          </a:lnRef>
-          <a:fillRef idx="0">
-            <a:scrgbClr r="0" g="0" b="0"/>
-          </a:fillRef>
-          <a:effectRef idx="0">
-            <a:scrgbClr r="0" g="0" b="0"/>
-          </a:effectRef>
-          <a:fontRef idx="minor">
-            <a:schemeClr val="accent1"/>
-          </a:fontRef>
-        </p:style>
-        <p:txBody>
-          <a:bodyPr vert="horz" lIns="91440" tIns="45720" rIns="91440" bIns="45720" rtlCol="0">
-            <a:normAutofit/>
-          </a:bodyPr>
-          <a:lstStyle>
-            <a:lvl1pPr marL="342900" indent="-342900" algn="l" defTabSz="914400" rtl="0" eaLnBrk="1" latinLnBrk="0" hangingPunct="1">
-              <a:lnSpc>
-                <a:spcPct val="100000"/>
-              </a:lnSpc>
-              <a:spcBef>
-                <a:spcPts val="600"/>
-              </a:spcBef>
-              <a:spcAft>
-                <a:spcPts val="600"/>
-              </a:spcAft>
-              <a:buClr>
-                <a:schemeClr val="accent1"/>
-              </a:buClr>
-              <a:buFont typeface="Wingdings" panose="05000000000000000000" pitchFamily="2" charset="2"/>
-              <a:buChar char="l"/>
-              <a:defRPr sz="2800" b="1" kern="1200">
-                <a:solidFill>
-                  <a:srgbClr val="FFFFFF"/>
-                </a:solidFill>
-                <a:latin typeface="+mn-lt"/>
-                <a:ea typeface="+mn-ea"/>
-                <a:cs typeface="+mn-cs"/>
-              </a:defRPr>
-            </a:lvl1pPr>
-            <a:lvl2pPr marL="714375" indent="-352425" algn="l" defTabSz="914400" rtl="0" eaLnBrk="1" latinLnBrk="0" hangingPunct="1">
-              <a:lnSpc>
-                <a:spcPct val="100000"/>
-              </a:lnSpc>
-              <a:spcBef>
-                <a:spcPts val="600"/>
-              </a:spcBef>
-              <a:spcAft>
-                <a:spcPts val="600"/>
-              </a:spcAft>
-              <a:buClr>
-                <a:schemeClr val="accent2"/>
-              </a:buClr>
-              <a:buFont typeface="Wingdings" panose="05000000000000000000" pitchFamily="2" charset="2"/>
-              <a:buChar char="u"/>
-              <a:defRPr sz="2400" b="0" kern="1200">
-                <a:solidFill>
-                  <a:srgbClr val="FFFFFF"/>
-                </a:solidFill>
-                <a:latin typeface="+mn-lt"/>
-                <a:ea typeface="+mn-ea"/>
-                <a:cs typeface="+mn-cs"/>
-              </a:defRPr>
-            </a:lvl2pPr>
-            <a:lvl3pPr marL="1076325" indent="-266700" algn="l" defTabSz="914400" rtl="0" eaLnBrk="1" latinLnBrk="0" hangingPunct="1">
-              <a:lnSpc>
-                <a:spcPct val="100000"/>
-              </a:lnSpc>
-              <a:spcBef>
-                <a:spcPts val="600"/>
-              </a:spcBef>
-              <a:spcAft>
-                <a:spcPts val="600"/>
-              </a:spcAft>
-              <a:buClr>
-                <a:schemeClr val="accent3"/>
-              </a:buClr>
-              <a:buFont typeface="Wingdings" panose="05000000000000000000" pitchFamily="2" charset="2"/>
-              <a:buChar char="p"/>
-              <a:defRPr sz="2000" kern="1200">
-                <a:solidFill>
-                  <a:srgbClr val="FFFFFF"/>
-                </a:solidFill>
-                <a:latin typeface="+mn-lt"/>
-                <a:ea typeface="+mn-ea"/>
-                <a:cs typeface="+mn-cs"/>
-              </a:defRPr>
-            </a:lvl3pPr>
-            <a:lvl4pPr marL="1343025" indent="-180975" algn="l" defTabSz="914400" rtl="0" eaLnBrk="1" latinLnBrk="0" hangingPunct="1">
-              <a:lnSpc>
-                <a:spcPct val="100000"/>
-              </a:lnSpc>
-              <a:spcBef>
-                <a:spcPts val="600"/>
-              </a:spcBef>
-              <a:spcAft>
-                <a:spcPts val="600"/>
-              </a:spcAft>
-              <a:buClr>
-                <a:schemeClr val="accent4"/>
-              </a:buClr>
-              <a:buFont typeface="Wingdings" panose="05000000000000000000" pitchFamily="2" charset="2"/>
-              <a:buChar char="n"/>
-              <a:defRPr sz="1800" kern="1200">
-                <a:solidFill>
-                  <a:srgbClr val="FFFFFF"/>
-                </a:solidFill>
-                <a:latin typeface="+mn-lt"/>
-                <a:ea typeface="+mn-ea"/>
-                <a:cs typeface="+mn-cs"/>
-              </a:defRPr>
-            </a:lvl4pPr>
-            <a:lvl5pPr marL="1619250" indent="-276225" algn="l" defTabSz="914400" rtl="0" eaLnBrk="1" latinLnBrk="0" hangingPunct="1">
-              <a:lnSpc>
-                <a:spcPct val="100000"/>
-              </a:lnSpc>
-              <a:spcBef>
-                <a:spcPts val="600"/>
-              </a:spcBef>
-              <a:spcAft>
-                <a:spcPts val="600"/>
-              </a:spcAft>
-              <a:buClr>
-                <a:schemeClr val="accent5"/>
-              </a:buClr>
-              <a:buFont typeface="Arial" pitchFamily="34" charset="0"/>
-              <a:buChar char="»"/>
-              <a:tabLst>
-                <a:tab pos="7981950" algn="l"/>
-              </a:tabLst>
-              <a:defRPr sz="1800" kern="1200">
-                <a:solidFill>
-                  <a:srgbClr val="FFFFFF"/>
-                </a:solidFill>
-                <a:latin typeface="+mn-lt"/>
-                <a:ea typeface="+mn-ea"/>
-                <a:cs typeface="+mn-cs"/>
-              </a:defRPr>
-            </a:lvl5pPr>
-            <a:lvl6pPr marL="2514600" indent="-228600" algn="l" defTabSz="914400" rtl="0" eaLnBrk="1" latinLnBrk="0" hangingPunct="1">
-              <a:spcBef>
-                <a:spcPct val="20000"/>
-              </a:spcBef>
-              <a:buFont typeface="Arial" pitchFamily="34" charset="0"/>
-              <a:buChar char="•"/>
-              <a:defRPr sz="2000" kern="1200">
-                <a:solidFill>
-                  <a:schemeClr val="accent1"/>
-                </a:solidFill>
-                <a:latin typeface="+mn-lt"/>
-                <a:ea typeface="+mn-ea"/>
-                <a:cs typeface="+mn-cs"/>
-              </a:defRPr>
-            </a:lvl6pPr>
-            <a:lvl7pPr marL="2971800" indent="-228600" algn="l" defTabSz="914400" rtl="0" eaLnBrk="1" latinLnBrk="0" hangingPunct="1">
-              <a:spcBef>
-                <a:spcPct val="20000"/>
-              </a:spcBef>
-              <a:buFont typeface="Arial" pitchFamily="34" charset="0"/>
-              <a:buChar char="•"/>
-              <a:defRPr sz="2000" kern="1200">
-                <a:solidFill>
-                  <a:schemeClr val="accent1"/>
-                </a:solidFill>
-                <a:latin typeface="+mn-lt"/>
-                <a:ea typeface="+mn-ea"/>
-                <a:cs typeface="+mn-cs"/>
-              </a:defRPr>
-            </a:lvl7pPr>
-            <a:lvl8pPr marL="3429000" indent="-228600" algn="l" defTabSz="914400" rtl="0" eaLnBrk="1" latinLnBrk="0" hangingPunct="1">
-              <a:spcBef>
-                <a:spcPct val="20000"/>
-              </a:spcBef>
-              <a:buFont typeface="Arial" pitchFamily="34" charset="0"/>
-              <a:buChar char="•"/>
-              <a:defRPr sz="2000" kern="1200">
-                <a:solidFill>
-                  <a:schemeClr val="accent1"/>
-                </a:solidFill>
-                <a:latin typeface="+mn-lt"/>
-                <a:ea typeface="+mn-ea"/>
-                <a:cs typeface="+mn-cs"/>
-              </a:defRPr>
-            </a:lvl8pPr>
-            <a:lvl9pPr marL="3886200" indent="-228600" algn="l" defTabSz="914400" rtl="0" eaLnBrk="1" latinLnBrk="0" hangingPunct="1">
-              <a:spcBef>
-                <a:spcPct val="20000"/>
-              </a:spcBef>
-              <a:buFont typeface="Arial" pitchFamily="34" charset="0"/>
-              <a:buChar char="•"/>
-              <a:defRPr sz="2000" kern="1200">
-                <a:solidFill>
-                  <a:schemeClr val="accent1"/>
-                </a:solidFill>
-                <a:latin typeface="+mn-lt"/>
-                <a:ea typeface="+mn-ea"/>
-                <a:cs typeface="+mn-cs"/>
-              </a:defRPr>
-            </a:lvl9pPr>
-          </a:lstStyle>
-          <a:p>
-            <a:pPr marL="0" indent="0">
-              <a:buFont typeface="Wingdings" panose="05000000000000000000" pitchFamily="2" charset="2"/>
-              <a:buNone/>
-            </a:pPr>
-            <a:r>
-              <a:rPr lang="zh-TW" altLang="en-US" sz="1800" dirty="0"/>
-              <a:t>畫面中，由上至下，區塊分別為：</a:t>
-            </a:r>
-            <a:endParaRPr lang="en-US" altLang="zh-TW" sz="1800" dirty="0"/>
-          </a:p>
-          <a:p>
-            <a:r>
-              <a:rPr lang="zh-TW" altLang="en-US" sz="1800" dirty="0"/>
-              <a:t>相關商品區塊：可看到不同商品的推薦。</a:t>
-            </a:r>
-          </a:p>
-          <a:p>
-            <a:r>
-              <a:rPr lang="zh-TW" altLang="en-US" sz="1800" dirty="0"/>
-              <a:t>瀏覽紀錄區塊：可看到使用者過去瀏覽過的商品。</a:t>
-            </a:r>
-          </a:p>
-        </p:txBody>
-      </p:sp>
       <p:pic>
         <p:nvPicPr>
           <p:cNvPr id="7" name="圖片 6">
@@ -9248,6 +9097,284 @@
           </a:prstGeom>
         </p:spPr>
       </p:pic>
+      <p:sp>
+        <p:nvSpPr>
+          <p:cNvPr id="9" name="內容版面配置區 5">
+            <a:extLst>
+              <a:ext uri="{FF2B5EF4-FFF2-40B4-BE49-F238E27FC236}">
+                <a16:creationId xmlns:a16="http://schemas.microsoft.com/office/drawing/2014/main" id="{35B23AAD-4E70-400B-9CBE-83A6EAAE4A72}"/>
+              </a:ext>
+            </a:extLst>
+          </p:cNvPr>
+          <p:cNvSpPr txBox="1">
+            <a:spLocks/>
+          </p:cNvSpPr>
+          <p:nvPr/>
+        </p:nvSpPr>
+        <p:spPr bwMode="ltGray">
+          <a:xfrm>
+            <a:off x="7498451" y="963871"/>
+            <a:ext cx="2118387" cy="3977297"/>
+          </a:xfrm>
+          <a:prstGeom prst="rect">
+            <a:avLst/>
+          </a:prstGeom>
+          <a:ln w="9525" cap="flat" cmpd="sng" algn="ctr">
+            <a:solidFill>
+              <a:schemeClr val="accent1"/>
+            </a:solidFill>
+            <a:prstDash val="solid"/>
+            <a:round/>
+            <a:headEnd type="none" w="med" len="med"/>
+            <a:tailEnd type="none" w="med" len="med"/>
+          </a:ln>
+        </p:spPr>
+        <p:style>
+          <a:lnRef idx="0">
+            <a:scrgbClr r="0" g="0" b="0"/>
+          </a:lnRef>
+          <a:fillRef idx="0">
+            <a:scrgbClr r="0" g="0" b="0"/>
+          </a:fillRef>
+          <a:effectRef idx="0">
+            <a:scrgbClr r="0" g="0" b="0"/>
+          </a:effectRef>
+          <a:fontRef idx="minor">
+            <a:schemeClr val="accent1"/>
+          </a:fontRef>
+        </p:style>
+        <p:txBody>
+          <a:bodyPr vert="horz" lIns="91440" tIns="45720" rIns="91440" bIns="45720" rtlCol="0">
+            <a:normAutofit fontScale="92500" lnSpcReduction="10000"/>
+          </a:bodyPr>
+          <a:lstStyle>
+            <a:lvl1pPr marL="342900" indent="-342900" algn="l" defTabSz="914400" rtl="0" eaLnBrk="1" latinLnBrk="0" hangingPunct="1">
+              <a:lnSpc>
+                <a:spcPct val="100000"/>
+              </a:lnSpc>
+              <a:spcBef>
+                <a:spcPts val="600"/>
+              </a:spcBef>
+              <a:spcAft>
+                <a:spcPts val="600"/>
+              </a:spcAft>
+              <a:buClr>
+                <a:schemeClr val="accent1"/>
+              </a:buClr>
+              <a:buFont typeface="Wingdings" panose="05000000000000000000" pitchFamily="2" charset="2"/>
+              <a:buChar char="l"/>
+              <a:defRPr sz="2800" b="1" kern="1200">
+                <a:solidFill>
+                  <a:srgbClr val="FFFFFF"/>
+                </a:solidFill>
+                <a:latin typeface="+mn-lt"/>
+                <a:ea typeface="+mn-ea"/>
+                <a:cs typeface="+mn-cs"/>
+              </a:defRPr>
+            </a:lvl1pPr>
+            <a:lvl2pPr marL="714375" indent="-352425" algn="l" defTabSz="914400" rtl="0" eaLnBrk="1" latinLnBrk="0" hangingPunct="1">
+              <a:lnSpc>
+                <a:spcPct val="100000"/>
+              </a:lnSpc>
+              <a:spcBef>
+                <a:spcPts val="600"/>
+              </a:spcBef>
+              <a:spcAft>
+                <a:spcPts val="600"/>
+              </a:spcAft>
+              <a:buClr>
+                <a:schemeClr val="accent2"/>
+              </a:buClr>
+              <a:buFont typeface="Wingdings" panose="05000000000000000000" pitchFamily="2" charset="2"/>
+              <a:buChar char="u"/>
+              <a:defRPr sz="2400" b="0" kern="1200">
+                <a:solidFill>
+                  <a:srgbClr val="FFFFFF"/>
+                </a:solidFill>
+                <a:latin typeface="+mn-lt"/>
+                <a:ea typeface="+mn-ea"/>
+                <a:cs typeface="+mn-cs"/>
+              </a:defRPr>
+            </a:lvl2pPr>
+            <a:lvl3pPr marL="1076325" indent="-266700" algn="l" defTabSz="914400" rtl="0" eaLnBrk="1" latinLnBrk="0" hangingPunct="1">
+              <a:lnSpc>
+                <a:spcPct val="100000"/>
+              </a:lnSpc>
+              <a:spcBef>
+                <a:spcPts val="600"/>
+              </a:spcBef>
+              <a:spcAft>
+                <a:spcPts val="600"/>
+              </a:spcAft>
+              <a:buClr>
+                <a:schemeClr val="accent3"/>
+              </a:buClr>
+              <a:buFont typeface="Wingdings" panose="05000000000000000000" pitchFamily="2" charset="2"/>
+              <a:buChar char="p"/>
+              <a:defRPr sz="2000" kern="1200">
+                <a:solidFill>
+                  <a:srgbClr val="FFFFFF"/>
+                </a:solidFill>
+                <a:latin typeface="+mn-lt"/>
+                <a:ea typeface="+mn-ea"/>
+                <a:cs typeface="+mn-cs"/>
+              </a:defRPr>
+            </a:lvl3pPr>
+            <a:lvl4pPr marL="1343025" indent="-180975" algn="l" defTabSz="914400" rtl="0" eaLnBrk="1" latinLnBrk="0" hangingPunct="1">
+              <a:lnSpc>
+                <a:spcPct val="100000"/>
+              </a:lnSpc>
+              <a:spcBef>
+                <a:spcPts val="600"/>
+              </a:spcBef>
+              <a:spcAft>
+                <a:spcPts val="600"/>
+              </a:spcAft>
+              <a:buClr>
+                <a:schemeClr val="accent4"/>
+              </a:buClr>
+              <a:buFont typeface="Wingdings" panose="05000000000000000000" pitchFamily="2" charset="2"/>
+              <a:buChar char="n"/>
+              <a:defRPr sz="1800" kern="1200">
+                <a:solidFill>
+                  <a:srgbClr val="FFFFFF"/>
+                </a:solidFill>
+                <a:latin typeface="+mn-lt"/>
+                <a:ea typeface="+mn-ea"/>
+                <a:cs typeface="+mn-cs"/>
+              </a:defRPr>
+            </a:lvl4pPr>
+            <a:lvl5pPr marL="1619250" indent="-276225" algn="l" defTabSz="914400" rtl="0" eaLnBrk="1" latinLnBrk="0" hangingPunct="1">
+              <a:lnSpc>
+                <a:spcPct val="100000"/>
+              </a:lnSpc>
+              <a:spcBef>
+                <a:spcPts val="600"/>
+              </a:spcBef>
+              <a:spcAft>
+                <a:spcPts val="600"/>
+              </a:spcAft>
+              <a:buClr>
+                <a:schemeClr val="accent5"/>
+              </a:buClr>
+              <a:buFont typeface="Arial" pitchFamily="34" charset="0"/>
+              <a:buChar char="»"/>
+              <a:tabLst>
+                <a:tab pos="7981950" algn="l"/>
+              </a:tabLst>
+              <a:defRPr sz="1800" kern="1200">
+                <a:solidFill>
+                  <a:srgbClr val="FFFFFF"/>
+                </a:solidFill>
+                <a:latin typeface="+mn-lt"/>
+                <a:ea typeface="+mn-ea"/>
+                <a:cs typeface="+mn-cs"/>
+              </a:defRPr>
+            </a:lvl5pPr>
+            <a:lvl6pPr marL="2514600" indent="-228600" algn="l" defTabSz="914400" rtl="0" eaLnBrk="1" latinLnBrk="0" hangingPunct="1">
+              <a:spcBef>
+                <a:spcPct val="20000"/>
+              </a:spcBef>
+              <a:buFont typeface="Arial" pitchFamily="34" charset="0"/>
+              <a:buChar char="•"/>
+              <a:defRPr sz="2000" kern="1200">
+                <a:solidFill>
+                  <a:schemeClr val="accent1"/>
+                </a:solidFill>
+                <a:latin typeface="+mn-lt"/>
+                <a:ea typeface="+mn-ea"/>
+                <a:cs typeface="+mn-cs"/>
+              </a:defRPr>
+            </a:lvl6pPr>
+            <a:lvl7pPr marL="2971800" indent="-228600" algn="l" defTabSz="914400" rtl="0" eaLnBrk="1" latinLnBrk="0" hangingPunct="1">
+              <a:spcBef>
+                <a:spcPct val="20000"/>
+              </a:spcBef>
+              <a:buFont typeface="Arial" pitchFamily="34" charset="0"/>
+              <a:buChar char="•"/>
+              <a:defRPr sz="2000" kern="1200">
+                <a:solidFill>
+                  <a:schemeClr val="accent1"/>
+                </a:solidFill>
+                <a:latin typeface="+mn-lt"/>
+                <a:ea typeface="+mn-ea"/>
+                <a:cs typeface="+mn-cs"/>
+              </a:defRPr>
+            </a:lvl7pPr>
+            <a:lvl8pPr marL="3429000" indent="-228600" algn="l" defTabSz="914400" rtl="0" eaLnBrk="1" latinLnBrk="0" hangingPunct="1">
+              <a:spcBef>
+                <a:spcPct val="20000"/>
+              </a:spcBef>
+              <a:buFont typeface="Arial" pitchFamily="34" charset="0"/>
+              <a:buChar char="•"/>
+              <a:defRPr sz="2000" kern="1200">
+                <a:solidFill>
+                  <a:schemeClr val="accent1"/>
+                </a:solidFill>
+                <a:latin typeface="+mn-lt"/>
+                <a:ea typeface="+mn-ea"/>
+                <a:cs typeface="+mn-cs"/>
+              </a:defRPr>
+            </a:lvl8pPr>
+            <a:lvl9pPr marL="3886200" indent="-228600" algn="l" defTabSz="914400" rtl="0" eaLnBrk="1" latinLnBrk="0" hangingPunct="1">
+              <a:spcBef>
+                <a:spcPct val="20000"/>
+              </a:spcBef>
+              <a:buFont typeface="Arial" pitchFamily="34" charset="0"/>
+              <a:buChar char="•"/>
+              <a:defRPr sz="2000" kern="1200">
+                <a:solidFill>
+                  <a:schemeClr val="accent1"/>
+                </a:solidFill>
+                <a:latin typeface="+mn-lt"/>
+                <a:ea typeface="+mn-ea"/>
+                <a:cs typeface="+mn-cs"/>
+              </a:defRPr>
+            </a:lvl9pPr>
+          </a:lstStyle>
+          <a:p>
+            <a:pPr marL="0" indent="0">
+              <a:buFont typeface="Wingdings" panose="05000000000000000000" pitchFamily="2" charset="2"/>
+              <a:buNone/>
+            </a:pPr>
+            <a:r>
+              <a:rPr lang="zh-TW" altLang="en-US" sz="1800" dirty="0"/>
+              <a:t>畫面中，由上至下，區塊分別為：</a:t>
+            </a:r>
+            <a:endParaRPr lang="en-US" altLang="zh-TW" sz="1800" dirty="0"/>
+          </a:p>
+          <a:p>
+            <a:r>
+              <a:rPr lang="zh-TW" altLang="en-US" sz="1800" dirty="0"/>
+              <a:t>商城導覽列</a:t>
+            </a:r>
+            <a:endParaRPr lang="en-US" altLang="zh-TW" sz="1800" dirty="0"/>
+          </a:p>
+          <a:p>
+            <a:r>
+              <a:rPr lang="zh-TW" altLang="en-US" sz="1800" dirty="0"/>
+              <a:t>購物車區塊：</a:t>
+            </a:r>
+            <a:endParaRPr lang="en-US" altLang="zh-TW" sz="1800" dirty="0"/>
+          </a:p>
+          <a:p>
+            <a:pPr lvl="1"/>
+            <a:r>
+              <a:rPr lang="zh-TW" altLang="en-US" sz="1800" dirty="0"/>
+              <a:t>當有商品加入時，則會顯示商品的單價、數量、小計。</a:t>
+            </a:r>
+            <a:endParaRPr lang="en-US" altLang="zh-TW" sz="1800" dirty="0"/>
+          </a:p>
+          <a:p>
+            <a:pPr lvl="1"/>
+            <a:r>
+              <a:rPr lang="zh-TW" altLang="en-US" sz="1800" dirty="0"/>
+              <a:t>當移除按鈕被按下，會直接移除該筆商品。</a:t>
+            </a:r>
+            <a:endParaRPr lang="en-US" altLang="zh-TW" sz="1400" dirty="0"/>
+          </a:p>
+        </p:txBody>
+      </p:sp>
     </p:spTree>
     <p:extLst>
       <p:ext uri="{BB962C8B-B14F-4D97-AF65-F5344CB8AC3E}">
@@ -9328,7 +9455,7 @@
         <p:spPr bwMode="ltGray">
           <a:xfrm>
             <a:off x="7498451" y="1151366"/>
-            <a:ext cx="2118387" cy="3213738"/>
+            <a:ext cx="2118387" cy="5013938"/>
           </a:xfrm>
           <a:prstGeom prst="rect">
             <a:avLst/>
@@ -9359,7 +9486,7 @@
         </p:style>
         <p:txBody>
           <a:bodyPr vert="horz" lIns="91440" tIns="45720" rIns="91440" bIns="45720" rtlCol="0">
-            <a:normAutofit/>
+            <a:normAutofit lnSpcReduction="10000"/>
           </a:bodyPr>
           <a:lstStyle>
             <a:lvl1pPr marL="342900" indent="-342900" algn="l" defTabSz="914400" rtl="0" eaLnBrk="1" latinLnBrk="0" hangingPunct="1">
@@ -9560,6 +9687,13 @@
           <a:p>
             <a:r>
               <a:rPr lang="zh-TW" altLang="en-US" sz="1800" dirty="0"/>
+              <a:t>商城導覽列</a:t>
+            </a:r>
+            <a:endParaRPr lang="en-US" altLang="zh-TW" sz="1800" dirty="0"/>
+          </a:p>
+          <a:p>
+            <a:r>
+              <a:rPr lang="zh-TW" altLang="en-US" sz="1800" dirty="0"/>
               <a:t>訂單明細區塊：可看到準備結帳的商品資訊。</a:t>
             </a:r>
           </a:p>
@@ -9567,6 +9701,21 @@
             <a:r>
               <a:rPr lang="zh-TW" altLang="en-US" sz="1800" dirty="0"/>
               <a:t>收件人資訊區塊：請使用者填寫個人資訊以利商品後續寄件與通知。</a:t>
+            </a:r>
+            <a:endParaRPr lang="en-US" altLang="zh-TW" sz="1800" dirty="0"/>
+          </a:p>
+          <a:p>
+            <a:pPr lvl="1"/>
+            <a:r>
+              <a:rPr lang="zh-TW" altLang="en-US" sz="1400" dirty="0"/>
+              <a:t>支援勾選帶入使用者資料。</a:t>
+            </a:r>
+            <a:endParaRPr lang="en-US" altLang="zh-TW" sz="1400" dirty="0"/>
+          </a:p>
+          <a:p>
+            <a:r>
+              <a:rPr lang="zh-TW" altLang="en-US" sz="1800" dirty="0"/>
+              <a:t>按下送出訂單按鈕送出訂單，並跳轉訂單紀錄頁面。</a:t>
             </a:r>
           </a:p>
         </p:txBody>

--- a/docs/ppt/chang.pptx
+++ b/docs/ppt/chang.pptx
@@ -8077,12 +8077,12 @@
             </a:lvl9pPr>
           </a:lstStyle>
           <a:p>
-            <a:pPr>
+            <a:pPr marL="457200" indent="-457200">
               <a:lnSpc>
                 <a:spcPts val="1600"/>
               </a:lnSpc>
-              <a:buFont typeface="Wingdings" panose="05000000000000000000" pitchFamily="2" charset="2"/>
-              <a:buChar char="l"/>
+              <a:buFont typeface="+mj-lt"/>
+              <a:buAutoNum type="arabicPeriod"/>
             </a:pPr>
             <a:r>
               <a:rPr lang="zh-TW" altLang="en-US" sz="2000" dirty="0">
@@ -8099,12 +8099,12 @@
             </a:endParaRPr>
           </a:p>
           <a:p>
-            <a:pPr>
+            <a:pPr marL="457200" indent="-457200">
               <a:lnSpc>
                 <a:spcPts val="1600"/>
               </a:lnSpc>
-              <a:buFont typeface="Wingdings" panose="05000000000000000000" pitchFamily="2" charset="2"/>
-              <a:buChar char="l"/>
+              <a:buFont typeface="+mj-lt"/>
+              <a:buAutoNum type="arabicPeriod"/>
             </a:pPr>
             <a:r>
               <a:rPr lang="zh-TW" altLang="en-US" sz="2000" dirty="0">
@@ -8121,12 +8121,12 @@
             </a:endParaRPr>
           </a:p>
           <a:p>
-            <a:pPr>
+            <a:pPr marL="457200" indent="-457200">
               <a:lnSpc>
                 <a:spcPts val="1600"/>
               </a:lnSpc>
-              <a:buFont typeface="Wingdings" panose="05000000000000000000" pitchFamily="2" charset="2"/>
-              <a:buChar char="l"/>
+              <a:buFont typeface="+mj-lt"/>
+              <a:buAutoNum type="arabicPeriod"/>
             </a:pPr>
             <a:r>
               <a:rPr lang="zh-TW" altLang="en-US" sz="2000" dirty="0">
@@ -8143,12 +8143,12 @@
             </a:endParaRPr>
           </a:p>
           <a:p>
-            <a:pPr>
+            <a:pPr marL="457200" indent="-457200">
               <a:lnSpc>
                 <a:spcPts val="1600"/>
               </a:lnSpc>
-              <a:buFont typeface="Wingdings" panose="05000000000000000000" pitchFamily="2" charset="2"/>
-              <a:buChar char="l"/>
+              <a:buFont typeface="+mj-lt"/>
+              <a:buAutoNum type="arabicPeriod"/>
             </a:pPr>
             <a:r>
               <a:rPr lang="zh-TW" altLang="en-US" sz="2000" dirty="0">
@@ -8184,12 +8184,12 @@
             </a:r>
           </a:p>
           <a:p>
-            <a:pPr>
+            <a:pPr marL="457200" indent="-457200">
               <a:lnSpc>
                 <a:spcPts val="1600"/>
               </a:lnSpc>
-              <a:buFont typeface="Wingdings" panose="05000000000000000000" pitchFamily="2" charset="2"/>
-              <a:buChar char="l"/>
+              <a:buFont typeface="+mj-lt"/>
+              <a:buAutoNum type="arabicPeriod"/>
             </a:pPr>
             <a:r>
               <a:rPr lang="zh-TW" altLang="en-US" sz="2000" dirty="0">
@@ -8209,12 +8209,12 @@
             </a:r>
           </a:p>
           <a:p>
-            <a:pPr>
+            <a:pPr marL="457200" indent="-457200">
               <a:lnSpc>
                 <a:spcPts val="1600"/>
               </a:lnSpc>
-              <a:buFont typeface="Wingdings" panose="05000000000000000000" pitchFamily="2" charset="2"/>
-              <a:buChar char="l"/>
+              <a:buFont typeface="+mj-lt"/>
+              <a:buAutoNum type="arabicPeriod"/>
             </a:pPr>
             <a:r>
               <a:rPr lang="zh-TW" altLang="en-US" sz="2000" dirty="0">
@@ -8234,12 +8234,12 @@
             </a:r>
           </a:p>
           <a:p>
-            <a:pPr>
+            <a:pPr marL="457200" indent="-457200">
               <a:lnSpc>
                 <a:spcPts val="1600"/>
               </a:lnSpc>
-              <a:buFont typeface="Wingdings" panose="05000000000000000000" pitchFamily="2" charset="2"/>
-              <a:buChar char="l"/>
+              <a:buFont typeface="+mj-lt"/>
+              <a:buAutoNum type="arabicPeriod"/>
             </a:pPr>
             <a:r>
               <a:rPr lang="zh-TW" altLang="en-US" sz="2000" dirty="0">
@@ -8256,12 +8256,12 @@
             </a:endParaRPr>
           </a:p>
           <a:p>
-            <a:pPr>
+            <a:pPr marL="457200" indent="-457200">
               <a:lnSpc>
                 <a:spcPts val="1600"/>
               </a:lnSpc>
-              <a:buFont typeface="Wingdings" panose="05000000000000000000" pitchFamily="2" charset="2"/>
-              <a:buChar char="l"/>
+              <a:buFont typeface="+mj-lt"/>
+              <a:buAutoNum type="arabicPeriod"/>
             </a:pPr>
             <a:r>
               <a:rPr lang="zh-TW" altLang="en-US" sz="2000" dirty="0">
@@ -8278,12 +8278,12 @@
             </a:endParaRPr>
           </a:p>
           <a:p>
-            <a:pPr>
+            <a:pPr marL="457200" indent="-457200">
               <a:lnSpc>
                 <a:spcPts val="1600"/>
               </a:lnSpc>
-              <a:buFont typeface="Wingdings" panose="05000000000000000000" pitchFamily="2" charset="2"/>
-              <a:buChar char="l"/>
+              <a:buFont typeface="+mj-lt"/>
+              <a:buAutoNum type="arabicPeriod"/>
             </a:pPr>
             <a:r>
               <a:rPr lang="zh-TW" altLang="en-US" sz="2000" dirty="0">
@@ -8300,12 +8300,12 @@
             </a:endParaRPr>
           </a:p>
           <a:p>
-            <a:pPr>
+            <a:pPr marL="457200" indent="-457200">
               <a:lnSpc>
                 <a:spcPts val="1600"/>
               </a:lnSpc>
-              <a:buFont typeface="Wingdings" panose="05000000000000000000" pitchFamily="2" charset="2"/>
-              <a:buChar char="l"/>
+              <a:buFont typeface="+mj-lt"/>
+              <a:buAutoNum type="arabicPeriod"/>
             </a:pPr>
             <a:r>
               <a:rPr lang="zh-TW" altLang="en-US" sz="2000" dirty="0">
@@ -8322,12 +8322,12 @@
             </a:endParaRPr>
           </a:p>
           <a:p>
-            <a:pPr>
+            <a:pPr marL="457200" indent="-457200">
               <a:lnSpc>
                 <a:spcPts val="1600"/>
               </a:lnSpc>
-              <a:buFont typeface="Wingdings" panose="05000000000000000000" pitchFamily="2" charset="2"/>
-              <a:buChar char="l"/>
+              <a:buFont typeface="+mj-lt"/>
+              <a:buAutoNum type="arabicPeriod"/>
             </a:pPr>
             <a:r>
               <a:rPr lang="zh-TW" altLang="en-US" sz="2000" dirty="0">
@@ -8344,12 +8344,12 @@
             </a:endParaRPr>
           </a:p>
           <a:p>
-            <a:pPr>
+            <a:pPr marL="457200" indent="-457200">
               <a:lnSpc>
                 <a:spcPts val="1600"/>
               </a:lnSpc>
-              <a:buFont typeface="Wingdings" panose="05000000000000000000" pitchFamily="2" charset="2"/>
-              <a:buChar char="l"/>
+              <a:buFont typeface="+mj-lt"/>
+              <a:buAutoNum type="arabicPeriod"/>
             </a:pPr>
             <a:r>
               <a:rPr lang="zh-TW" altLang="en-US" sz="2000" dirty="0">
@@ -8369,12 +8369,12 @@
             </a:r>
           </a:p>
           <a:p>
-            <a:pPr>
+            <a:pPr marL="457200" indent="-457200">
               <a:lnSpc>
                 <a:spcPts val="1600"/>
               </a:lnSpc>
-              <a:buFont typeface="Wingdings" panose="05000000000000000000" pitchFamily="2" charset="2"/>
-              <a:buChar char="l"/>
+              <a:buFont typeface="+mj-lt"/>
+              <a:buAutoNum type="arabicPeriod"/>
             </a:pPr>
             <a:r>
               <a:rPr lang="zh-TW" altLang="en-US" sz="2000" dirty="0">
@@ -8394,12 +8394,12 @@
             </a:r>
           </a:p>
           <a:p>
-            <a:pPr>
+            <a:pPr marL="457200" indent="-457200">
               <a:lnSpc>
                 <a:spcPts val="1600"/>
               </a:lnSpc>
-              <a:buFont typeface="Wingdings" panose="05000000000000000000" pitchFamily="2" charset="2"/>
-              <a:buChar char="l"/>
+              <a:buFont typeface="+mj-lt"/>
+              <a:buAutoNum type="arabicPeriod"/>
             </a:pPr>
             <a:r>
               <a:rPr lang="zh-TW" altLang="en-US" sz="2000" dirty="0">
@@ -9122,10 +9122,10 @@
       </p:cxnSp>
       <p:sp>
         <p:nvSpPr>
-          <p:cNvPr id="36" name="矩形: 圓角 35">
+          <p:cNvPr id="38" name="矩形: 圓角 37">
             <a:extLst>
               <a:ext uri="{FF2B5EF4-FFF2-40B4-BE49-F238E27FC236}">
-                <a16:creationId xmlns:a16="http://schemas.microsoft.com/office/drawing/2014/main" id="{E0FCB16C-D025-4015-92C9-1F471F3E1C89}"/>
+                <a16:creationId xmlns:a16="http://schemas.microsoft.com/office/drawing/2014/main" id="{A31CFFC8-7249-4A48-9A78-1C2FA247070A}"/>
               </a:ext>
             </a:extLst>
           </p:cNvPr>
@@ -9134,7 +9134,7 @@
         </p:nvSpPr>
         <p:spPr>
           <a:xfrm>
-            <a:off x="2474727" y="2806281"/>
+            <a:off x="2463028" y="2746531"/>
             <a:ext cx="1440160" cy="720080"/>
           </a:xfrm>
           <a:prstGeom prst="roundRect">
@@ -9170,94 +9170,6 @@
       </p:sp>
       <p:cxnSp>
         <p:nvCxnSpPr>
-          <p:cNvPr id="37" name="直線接點 36">
-            <a:extLst>
-              <a:ext uri="{FF2B5EF4-FFF2-40B4-BE49-F238E27FC236}">
-                <a16:creationId xmlns:a16="http://schemas.microsoft.com/office/drawing/2014/main" id="{0DCA6754-1D78-4208-B281-A00E9BD977DF}"/>
-              </a:ext>
-            </a:extLst>
-          </p:cNvPr>
-          <p:cNvCxnSpPr>
-            <a:cxnSpLocks/>
-            <a:endCxn id="36" idx="1"/>
-          </p:cNvCxnSpPr>
-          <p:nvPr/>
-        </p:nvCxnSpPr>
-        <p:spPr>
-          <a:xfrm flipV="1">
-            <a:off x="2165645" y="3166321"/>
-            <a:ext cx="309082" cy="14285"/>
-          </a:xfrm>
-          <a:prstGeom prst="line">
-            <a:avLst/>
-          </a:prstGeom>
-          <a:ln w="57150"/>
-        </p:spPr>
-        <p:style>
-          <a:lnRef idx="1">
-            <a:schemeClr val="accent1"/>
-          </a:lnRef>
-          <a:fillRef idx="0">
-            <a:schemeClr val="accent1"/>
-          </a:fillRef>
-          <a:effectRef idx="0">
-            <a:schemeClr val="accent1"/>
-          </a:effectRef>
-          <a:fontRef idx="minor">
-            <a:schemeClr val="tx1"/>
-          </a:fontRef>
-        </p:style>
-      </p:cxnSp>
-      <p:sp>
-        <p:nvSpPr>
-          <p:cNvPr id="38" name="矩形: 圓角 37">
-            <a:extLst>
-              <a:ext uri="{FF2B5EF4-FFF2-40B4-BE49-F238E27FC236}">
-                <a16:creationId xmlns:a16="http://schemas.microsoft.com/office/drawing/2014/main" id="{A31CFFC8-7249-4A48-9A78-1C2FA247070A}"/>
-              </a:ext>
-            </a:extLst>
-          </p:cNvPr>
-          <p:cNvSpPr/>
-          <p:nvPr/>
-        </p:nvSpPr>
-        <p:spPr>
-          <a:xfrm>
-            <a:off x="4418943" y="2820566"/>
-            <a:ext cx="1440160" cy="720080"/>
-          </a:xfrm>
-          <a:prstGeom prst="roundRect">
-            <a:avLst/>
-          </a:prstGeom>
-          <a:ln/>
-        </p:spPr>
-        <p:style>
-          <a:lnRef idx="3">
-            <a:schemeClr val="lt1"/>
-          </a:lnRef>
-          <a:fillRef idx="1">
-            <a:schemeClr val="accent3"/>
-          </a:fillRef>
-          <a:effectRef idx="1">
-            <a:schemeClr val="accent3"/>
-          </a:effectRef>
-          <a:fontRef idx="minor">
-            <a:schemeClr val="lt1"/>
-          </a:fontRef>
-        </p:style>
-        <p:txBody>
-          <a:bodyPr rtlCol="0" anchor="ctr"/>
-          <a:lstStyle/>
-          <a:p>
-            <a:pPr algn="ctr"/>
-            <a:r>
-              <a:rPr lang="zh-TW" altLang="en-US" dirty="0"/>
-              <a:t>設定頁面</a:t>
-            </a:r>
-          </a:p>
-        </p:txBody>
-      </p:sp>
-      <p:cxnSp>
-        <p:nvCxnSpPr>
           <p:cNvPr id="39" name="直線接點 38">
             <a:extLst>
               <a:ext uri="{FF2B5EF4-FFF2-40B4-BE49-F238E27FC236}">
@@ -9273,8 +9185,8 @@
         </p:nvCxnSpPr>
         <p:spPr>
           <a:xfrm>
-            <a:off x="3914887" y="3180606"/>
-            <a:ext cx="504056" cy="0"/>
+            <a:off x="2165647" y="3106571"/>
+            <a:ext cx="297381" cy="0"/>
           </a:xfrm>
           <a:prstGeom prst="line">
             <a:avLst/>
@@ -9310,7 +9222,7 @@
         </p:nvSpPr>
         <p:spPr>
           <a:xfrm>
-            <a:off x="6363159" y="2769337"/>
+            <a:off x="4407244" y="2695302"/>
             <a:ext cx="1440160" cy="720080"/>
           </a:xfrm>
           <a:prstGeom prst="roundRect">
@@ -9361,7 +9273,7 @@
         </p:nvCxnSpPr>
         <p:spPr>
           <a:xfrm>
-            <a:off x="5859103" y="3129377"/>
+            <a:off x="3903188" y="3055342"/>
             <a:ext cx="504056" cy="0"/>
           </a:xfrm>
           <a:prstGeom prst="line">
@@ -9486,7 +9398,7 @@
         </p:nvSpPr>
         <p:spPr>
           <a:xfrm>
-            <a:off x="8307375" y="2717950"/>
+            <a:off x="6351460" y="2643915"/>
             <a:ext cx="1440160" cy="720080"/>
           </a:xfrm>
           <a:prstGeom prst="roundRect">
@@ -9537,7 +9449,7 @@
         </p:nvCxnSpPr>
         <p:spPr>
           <a:xfrm>
-            <a:off x="7803319" y="3077990"/>
+            <a:off x="5847404" y="3003955"/>
             <a:ext cx="504056" cy="0"/>
           </a:xfrm>
           <a:prstGeom prst="line">
@@ -10209,7 +10121,7 @@
         </p:blipFill>
         <p:spPr>
           <a:xfrm>
-            <a:off x="3815542" y="1268760"/>
+            <a:off x="1928664" y="1268760"/>
             <a:ext cx="5457938" cy="5229200"/>
           </a:xfrm>
           <a:prstGeom prst="rect">
@@ -10239,7 +10151,7 @@
         </p:blipFill>
         <p:spPr>
           <a:xfrm>
-            <a:off x="498895" y="922170"/>
+            <a:off x="1928664" y="778154"/>
             <a:ext cx="4458322" cy="981212"/>
           </a:xfrm>
           <a:prstGeom prst="rect">
